--- a/JavaCore.pptx
+++ b/JavaCore.pptx
@@ -23,6 +23,8 @@
     <p:sldId id="271" r:id="rId18"/>
     <p:sldId id="272" r:id="rId19"/>
     <p:sldId id="273" r:id="rId20"/>
+    <p:sldId id="274" r:id="rId21"/>
+    <p:sldId id="275" r:id="rId22"/>
   </p:sldIdLst>
   <p:sldSz cx="10080625" cy="7559675"/>
   <p:notesSz cx="7772400" cy="10058400"/>
@@ -1948,7 +1950,7 @@
         <p:spPr>
           <a:xfrm>
             <a:off x="715680" y="1371600"/>
-            <a:ext cx="8859960" cy="6123240"/>
+            <a:ext cx="8859960" cy="6395720"/>
           </a:xfrm>
           <a:prstGeom prst="rect">
             <a:avLst/>
@@ -2236,8 +2238,58 @@
               <a:rPr lang="en-US" sz="2200" b="0" strike="noStrike" spc="-1">
                 <a:latin typeface="Arial" panose="020B0604020202020204"/>
               </a:rPr>
-              <a:t>Multithreading</a:t>
-            </a:r>
+              <a:t>Java 8</a:t>
+            </a:r>
+            <a:endParaRPr lang="en-US" sz="2200" b="0" strike="noStrike" spc="-1">
+              <a:latin typeface="Arial" panose="020B0604020202020204"/>
+            </a:endParaRPr>
+          </a:p>
+          <a:p>
+            <a:pPr marL="215900" indent="-215900">
+              <a:lnSpc>
+                <a:spcPct val="115000"/>
+              </a:lnSpc>
+              <a:spcBef>
+                <a:spcPts val="580"/>
+              </a:spcBef>
+              <a:spcAft>
+                <a:spcPts val="580"/>
+              </a:spcAft>
+              <a:buClr>
+                <a:srgbClr val="000000"/>
+              </a:buClr>
+              <a:buSzPct val="45000"/>
+              <a:buFont typeface="Wingdings" panose="05000000000000000000" pitchFamily="2" charset="2"/>
+              <a:buChar char=""/>
+            </a:pPr>
+            <a:r>
+              <a:rPr lang="en-US" sz="2200" b="0" strike="noStrike" spc="-1">
+                <a:latin typeface="Arial" panose="020B0604020202020204"/>
+              </a:rPr>
+              <a:t>Java 9</a:t>
+            </a:r>
+            <a:endParaRPr lang="en-US" sz="2200" b="0" strike="noStrike" spc="-1">
+              <a:latin typeface="Arial" panose="020B0604020202020204"/>
+            </a:endParaRPr>
+          </a:p>
+          <a:p>
+            <a:pPr marL="215900" indent="-215900">
+              <a:lnSpc>
+                <a:spcPct val="115000"/>
+              </a:lnSpc>
+              <a:spcBef>
+                <a:spcPts val="580"/>
+              </a:spcBef>
+              <a:spcAft>
+                <a:spcPts val="580"/>
+              </a:spcAft>
+              <a:buClr>
+                <a:srgbClr val="000000"/>
+              </a:buClr>
+              <a:buSzPct val="45000"/>
+              <a:buFont typeface="Wingdings" panose="05000000000000000000" pitchFamily="2" charset="2"/>
+              <a:buChar char=""/>
+            </a:pPr>
             <a:endParaRPr lang="en-US" sz="2200" b="0" strike="noStrike" spc="-1">
               <a:latin typeface="Arial" panose="020B0604020202020204"/>
             </a:endParaRPr>
@@ -3441,7 +3493,7 @@
         <p:spPr>
           <a:xfrm>
             <a:off x="924120" y="1420200"/>
-            <a:ext cx="8859960" cy="5882040"/>
+            <a:ext cx="8859960" cy="642620"/>
           </a:xfrm>
           <a:prstGeom prst="rect">
             <a:avLst/>
@@ -3474,7 +3526,7 @@
               <a:rPr lang="en-US" sz="1800" b="0" strike="noStrike" spc="-1">
                 <a:latin typeface="Arial" panose="020B0604020202020204"/>
               </a:rPr>
-              <a:t>#3: Sử dụng deserialization, Cách này chính là chuyển một mảng byte thành đối tượng.</a:t>
+              <a:t>#4: Sử dụng deserialization, Cách này chính là chuyển một mảng byte thành đối tượng.</a:t>
             </a:r>
             <a:endParaRPr lang="en-US" sz="1800" b="0" strike="noStrike" spc="-1">
               <a:latin typeface="Arial" panose="020B0604020202020204"/>
@@ -3998,6 +4050,242 @@
 </p:sld>
 </file>
 
+<file path=ppt/slides/slide19.xml><?xml version="1.0" encoding="utf-8"?>
+<p:sld xmlns:a="http://schemas.openxmlformats.org/drawingml/2006/main" xmlns:r="http://schemas.openxmlformats.org/officeDocument/2006/relationships" xmlns:p="http://schemas.openxmlformats.org/presentationml/2006/main">
+  <p:cSld>
+    <p:spTree>
+      <p:nvGrpSpPr>
+        <p:cNvPr id="1" name=""/>
+        <p:cNvGrpSpPr/>
+        <p:nvPr/>
+      </p:nvGrpSpPr>
+      <p:grpSpPr>
+        <a:xfrm>
+          <a:off x="0" y="0"/>
+          <a:ext cx="0" cy="0"/>
+          <a:chOff x="0" y="0"/>
+          <a:chExt cx="0" cy="0"/>
+        </a:xfrm>
+      </p:grpSpPr>
+      <p:sp>
+        <p:nvSpPr>
+          <p:cNvPr id="81" name="TextShape 1"/>
+          <p:cNvSpPr txBox="1"/>
+          <p:nvPr/>
+        </p:nvSpPr>
+        <p:spPr>
+          <a:xfrm>
+            <a:off x="504000" y="310362"/>
+            <a:ext cx="9071640" cy="777875"/>
+          </a:xfrm>
+          <a:prstGeom prst="rect">
+            <a:avLst/>
+          </a:prstGeom>
+          <a:noFill/>
+          <a:ln>
+            <a:noFill/>
+          </a:ln>
+        </p:spPr>
+        <p:txBody>
+          <a:bodyPr lIns="0" tIns="0" rIns="0" bIns="0" anchor="ctr">
+            <a:spAutoFit/>
+          </a:bodyPr>
+          <a:p>
+            <a:pPr indent="0" algn="ctr">
+              <a:lnSpc>
+                <a:spcPct val="115000"/>
+              </a:lnSpc>
+              <a:spcBef>
+                <a:spcPts val="580"/>
+              </a:spcBef>
+              <a:spcAft>
+                <a:spcPts val="580"/>
+              </a:spcAft>
+              <a:buClr>
+                <a:srgbClr val="000000"/>
+              </a:buClr>
+              <a:buSzPct val="45000"/>
+              <a:buFont typeface="Wingdings" panose="05000000000000000000" pitchFamily="2" charset="2"/>
+              <a:buNone/>
+            </a:pPr>
+            <a:r>
+              <a:rPr lang="en-US" sz="4400" b="1" strike="noStrike" spc="-1">
+                <a:latin typeface="Arial" panose="020B0604020202020204"/>
+              </a:rPr>
+              <a:t>Java 8</a:t>
+            </a:r>
+            <a:endParaRPr lang="en-US" sz="4400" b="1" strike="noStrike" spc="-1">
+              <a:latin typeface="Arial" panose="020B0604020202020204"/>
+            </a:endParaRPr>
+          </a:p>
+        </p:txBody>
+      </p:sp>
+      <p:sp>
+        <p:nvSpPr>
+          <p:cNvPr id="2" name="Text Box 1"/>
+          <p:cNvSpPr txBox="1"/>
+          <p:nvPr/>
+        </p:nvSpPr>
+        <p:spPr>
+          <a:xfrm>
+            <a:off x="919480" y="1355090"/>
+            <a:ext cx="7607300" cy="5492750"/>
+          </a:xfrm>
+          <a:prstGeom prst="rect">
+            <a:avLst/>
+          </a:prstGeom>
+          <a:noFill/>
+        </p:spPr>
+        <p:txBody>
+          <a:bodyPr wrap="square" rtlCol="0" anchor="t">
+            <a:spAutoFit/>
+          </a:bodyPr>
+          <a:p>
+            <a:pPr>
+              <a:lnSpc>
+                <a:spcPct val="150000"/>
+              </a:lnSpc>
+            </a:pPr>
+            <a:r>
+              <a:rPr lang="en-US"/>
+              <a:t>Một số tính năng mới chủ yếu của Java 8 bao gồm:</a:t>
+            </a:r>
+            <a:endParaRPr lang="en-US"/>
+          </a:p>
+          <a:p>
+            <a:pPr marL="285750" indent="-285750">
+              <a:lnSpc>
+                <a:spcPct val="150000"/>
+              </a:lnSpc>
+              <a:buFont typeface="Arial" panose="020B0604020202020204" pitchFamily="34" charset="0"/>
+              <a:buChar char="•"/>
+            </a:pPr>
+            <a:r>
+              <a:rPr lang="en-US" b="1"/>
+              <a:t>Default method</a:t>
+            </a:r>
+            <a:r>
+              <a:rPr lang="en-US"/>
+              <a:t> : Cung cấp phương thức mặc định cho Interface.</a:t>
+            </a:r>
+            <a:endParaRPr lang="en-US"/>
+          </a:p>
+          <a:p>
+            <a:pPr marL="285750" indent="-285750">
+              <a:lnSpc>
+                <a:spcPct val="150000"/>
+              </a:lnSpc>
+              <a:buFont typeface="Arial" panose="020B0604020202020204" pitchFamily="34" charset="0"/>
+              <a:buChar char="•"/>
+            </a:pPr>
+            <a:r>
+              <a:rPr lang="en-US" b="1"/>
+              <a:t>Lambda expression</a:t>
+            </a:r>
+            <a:r>
+              <a:rPr lang="en-US"/>
+              <a:t> : Thêm khả năng xử lý function cho Java.</a:t>
+            </a:r>
+            <a:endParaRPr lang="en-US"/>
+          </a:p>
+          <a:p>
+            <a:pPr marL="285750" indent="-285750">
+              <a:lnSpc>
+                <a:spcPct val="150000"/>
+              </a:lnSpc>
+              <a:buFont typeface="Arial" panose="020B0604020202020204" pitchFamily="34" charset="0"/>
+              <a:buChar char="•"/>
+            </a:pPr>
+            <a:r>
+              <a:rPr lang="en-US" b="1"/>
+              <a:t>Method references</a:t>
+            </a:r>
+            <a:r>
+              <a:rPr lang="en-US"/>
+              <a:t> : Các hàm tham chiếu theo tên của phương thức thay vì gọi trực tiếp. Sử dụng các function làm tham số.</a:t>
+            </a:r>
+            <a:endParaRPr lang="en-US"/>
+          </a:p>
+          <a:p>
+            <a:pPr marL="285750" indent="-285750">
+              <a:lnSpc>
+                <a:spcPct val="150000"/>
+              </a:lnSpc>
+              <a:buFont typeface="Arial" panose="020B0604020202020204" pitchFamily="34" charset="0"/>
+              <a:buChar char="•"/>
+            </a:pPr>
+            <a:r>
+              <a:rPr lang="en-US" b="1"/>
+              <a:t>Stream API </a:t>
+            </a:r>
+            <a:r>
+              <a:rPr lang="en-US"/>
+              <a:t>: bao gồm các class, interface và enum để cho phép các hoạt động kiểu function trên các element (phần tử) của một Collection, Array. Nó thực hiện chỉ khi nó yêu cầu (lazy).</a:t>
+            </a:r>
+            <a:endParaRPr lang="en-US"/>
+          </a:p>
+          <a:p>
+            <a:pPr marL="285750" indent="-285750">
+              <a:lnSpc>
+                <a:spcPct val="150000"/>
+              </a:lnSpc>
+              <a:buFont typeface="Arial" panose="020B0604020202020204" pitchFamily="34" charset="0"/>
+              <a:buChar char="•"/>
+            </a:pPr>
+            <a:r>
+              <a:rPr lang="en-US" b="1"/>
+              <a:t>Date Time API </a:t>
+            </a:r>
+            <a:r>
+              <a:rPr lang="en-US"/>
+              <a:t>: cung cấp một số lớp mới trong gói java.time cùng với định dạng thời gian Joda.</a:t>
+            </a:r>
+            <a:endParaRPr lang="en-US"/>
+          </a:p>
+          <a:p>
+            <a:pPr marL="285750" indent="-285750">
+              <a:lnSpc>
+                <a:spcPct val="150000"/>
+              </a:lnSpc>
+              <a:buFont typeface="Arial" panose="020B0604020202020204" pitchFamily="34" charset="0"/>
+              <a:buChar char="•"/>
+            </a:pPr>
+            <a:r>
+              <a:rPr lang="en-US" b="1"/>
+              <a:t>Optional </a:t>
+            </a:r>
+            <a:r>
+              <a:rPr lang="en-US"/>
+              <a:t>: là một lớp được sử dụng để hạn chế với lỗi NullPointerException trong ứng dụng Java.</a:t>
+            </a:r>
+            <a:endParaRPr lang="en-US"/>
+          </a:p>
+          <a:p>
+            <a:pPr>
+              <a:lnSpc>
+                <a:spcPct val="150000"/>
+              </a:lnSpc>
+            </a:pPr>
+            <a:endParaRPr lang="en-US"/>
+          </a:p>
+        </p:txBody>
+      </p:sp>
+    </p:spTree>
+  </p:cSld>
+  <p:clrMapOvr>
+    <a:masterClrMapping/>
+  </p:clrMapOvr>
+  <mc:AlternateContent xmlns:mc="http://schemas.openxmlformats.org/markup-compatibility/2006">
+    <mc:Choice xmlns:p14="http://schemas.microsoft.com/office/powerpoint/2010/main" Requires="p14">
+      <p:transition spd="slow" p14:dur="2000"/>
+    </mc:Choice>
+    <mc:Fallback>
+      <p:transition spd="slow"/>
+    </mc:Fallback>
+  </mc:AlternateContent>
+</p:sld>
+</file>
+
 <file path=ppt/slides/slide2.xml><?xml version="1.0" encoding="utf-8"?>
 <p:sld xmlns:a="http://schemas.openxmlformats.org/drawingml/2006/main" xmlns:r="http://schemas.openxmlformats.org/officeDocument/2006/relationships" xmlns:p="http://schemas.openxmlformats.org/presentationml/2006/main">
   <p:cSld>
@@ -4202,6 +4490,194 @@
             <a:endParaRPr lang="en-US" sz="2200" b="0" strike="noStrike" spc="-1">
               <a:latin typeface="Arial" panose="020B0604020202020204"/>
             </a:endParaRPr>
+          </a:p>
+        </p:txBody>
+      </p:sp>
+    </p:spTree>
+  </p:cSld>
+  <p:clrMapOvr>
+    <a:masterClrMapping/>
+  </p:clrMapOvr>
+  <mc:AlternateContent xmlns:mc="http://schemas.openxmlformats.org/markup-compatibility/2006">
+    <mc:Choice xmlns:p14="http://schemas.microsoft.com/office/powerpoint/2010/main" Requires="p14">
+      <p:transition spd="slow" p14:dur="2000"/>
+    </mc:Choice>
+    <mc:Fallback>
+      <p:transition spd="slow"/>
+    </mc:Fallback>
+  </mc:AlternateContent>
+</p:sld>
+</file>
+
+<file path=ppt/slides/slide20.xml><?xml version="1.0" encoding="utf-8"?>
+<p:sld xmlns:a="http://schemas.openxmlformats.org/drawingml/2006/main" xmlns:r="http://schemas.openxmlformats.org/officeDocument/2006/relationships" xmlns:p="http://schemas.openxmlformats.org/presentationml/2006/main">
+  <p:cSld>
+    <p:spTree>
+      <p:nvGrpSpPr>
+        <p:cNvPr id="1" name=""/>
+        <p:cNvGrpSpPr/>
+        <p:nvPr/>
+      </p:nvGrpSpPr>
+      <p:grpSpPr>
+        <a:xfrm>
+          <a:off x="0" y="0"/>
+          <a:ext cx="0" cy="0"/>
+          <a:chOff x="0" y="0"/>
+          <a:chExt cx="0" cy="0"/>
+        </a:xfrm>
+      </p:grpSpPr>
+      <p:sp>
+        <p:nvSpPr>
+          <p:cNvPr id="81" name="TextShape 1"/>
+          <p:cNvSpPr txBox="1"/>
+          <p:nvPr/>
+        </p:nvSpPr>
+        <p:spPr>
+          <a:xfrm>
+            <a:off x="504000" y="310362"/>
+            <a:ext cx="9071640" cy="777875"/>
+          </a:xfrm>
+          <a:prstGeom prst="rect">
+            <a:avLst/>
+          </a:prstGeom>
+          <a:noFill/>
+          <a:ln>
+            <a:noFill/>
+          </a:ln>
+        </p:spPr>
+        <p:txBody>
+          <a:bodyPr lIns="0" tIns="0" rIns="0" bIns="0" anchor="ctr">
+            <a:spAutoFit/>
+          </a:bodyPr>
+          <a:p>
+            <a:pPr indent="0" algn="ctr">
+              <a:lnSpc>
+                <a:spcPct val="115000"/>
+              </a:lnSpc>
+              <a:spcBef>
+                <a:spcPts val="580"/>
+              </a:spcBef>
+              <a:spcAft>
+                <a:spcPts val="580"/>
+              </a:spcAft>
+              <a:buClr>
+                <a:srgbClr val="000000"/>
+              </a:buClr>
+              <a:buSzPct val="45000"/>
+              <a:buFont typeface="Wingdings" panose="05000000000000000000" pitchFamily="2" charset="2"/>
+              <a:buNone/>
+            </a:pPr>
+            <a:r>
+              <a:rPr lang="en-US" sz="4400" b="1" strike="noStrike" spc="-1">
+                <a:latin typeface="Arial" panose="020B0604020202020204"/>
+              </a:rPr>
+              <a:t>Java 9</a:t>
+            </a:r>
+            <a:endParaRPr lang="en-US" sz="4400" b="1" strike="noStrike" spc="-1">
+              <a:latin typeface="Arial" panose="020B0604020202020204"/>
+            </a:endParaRPr>
+          </a:p>
+        </p:txBody>
+      </p:sp>
+      <p:sp>
+        <p:nvSpPr>
+          <p:cNvPr id="2" name="Text Box 1"/>
+          <p:cNvSpPr txBox="1"/>
+          <p:nvPr/>
+        </p:nvSpPr>
+        <p:spPr>
+          <a:xfrm>
+            <a:off x="919480" y="1355090"/>
+            <a:ext cx="7607300" cy="4661535"/>
+          </a:xfrm>
+          <a:prstGeom prst="rect">
+            <a:avLst/>
+          </a:prstGeom>
+          <a:noFill/>
+        </p:spPr>
+        <p:txBody>
+          <a:bodyPr wrap="square" rtlCol="0" anchor="t">
+            <a:spAutoFit/>
+          </a:bodyPr>
+          <a:p>
+            <a:pPr>
+              <a:lnSpc>
+                <a:spcPct val="150000"/>
+              </a:lnSpc>
+            </a:pPr>
+            <a:r>
+              <a:rPr lang="en-US"/>
+              <a:t>Một số tính năng mới chủ yếu của Java 8 bao gồm:</a:t>
+            </a:r>
+            <a:endParaRPr lang="en-US"/>
+          </a:p>
+          <a:p>
+            <a:pPr marL="285750" indent="-285750">
+              <a:lnSpc>
+                <a:spcPct val="150000"/>
+              </a:lnSpc>
+              <a:buFont typeface="Arial" panose="020B0604020202020204" pitchFamily="34" charset="0"/>
+              <a:buChar char="•"/>
+            </a:pPr>
+            <a:r>
+              <a:rPr lang="en-US" b="1"/>
+              <a:t>Java 9 REPL</a:t>
+            </a:r>
+            <a:r>
+              <a:rPr lang="en-US"/>
+              <a:t> (Java Shell): Nó được sử dụng để thực hiện và kiểm tra bất kỳ cấu trúc Java nào như class, interface, enum, object, statements ...vv rất dễ dàng.</a:t>
+            </a:r>
+            <a:endParaRPr lang="en-US"/>
+          </a:p>
+          <a:p>
+            <a:pPr marL="285750" indent="-285750">
+              <a:lnSpc>
+                <a:spcPct val="150000"/>
+              </a:lnSpc>
+              <a:buFont typeface="Arial" panose="020B0604020202020204" pitchFamily="34" charset="0"/>
+              <a:buChar char="•"/>
+            </a:pPr>
+            <a:r>
+              <a:rPr lang="en-US" b="1"/>
+              <a:t>Collection Factory Methods</a:t>
+            </a:r>
+            <a:r>
+              <a:rPr lang="en-US"/>
+              <a:t>: Oracle Corp đã giới thiệu một số phương pháp để tạo ra danh sách không thể thay đổi các đối tượng Set, Map và Map.Entry.</a:t>
+            </a:r>
+            <a:endParaRPr lang="en-US"/>
+          </a:p>
+          <a:p>
+            <a:pPr marL="285750" indent="-285750">
+              <a:lnSpc>
+                <a:spcPct val="150000"/>
+              </a:lnSpc>
+              <a:buFont typeface="Arial" panose="020B0604020202020204" pitchFamily="34" charset="0"/>
+              <a:buChar char="•"/>
+            </a:pPr>
+            <a:r>
+              <a:rPr lang="en-US" b="1"/>
+              <a:t>Private methods in Interfaces</a:t>
+            </a:r>
+            <a:r>
+              <a:rPr lang="en-US"/>
+              <a:t>: chúng ta cũng có thể viết các phương thức private static và private trong một giao diện sử dụng từ khoá ‘private’.</a:t>
+            </a:r>
+            <a:endParaRPr lang="en-US"/>
+          </a:p>
+          <a:p>
+            <a:pPr marL="285750" indent="-285750">
+              <a:lnSpc>
+                <a:spcPct val="150000"/>
+              </a:lnSpc>
+              <a:buFont typeface="Arial" panose="020B0604020202020204" pitchFamily="34" charset="0"/>
+              <a:buChar char="•"/>
+            </a:pPr>
+            <a:r>
+              <a:rPr lang="en-US" b="1"/>
+              <a:t>Process API Improvements</a:t>
+            </a:r>
+            <a:endParaRPr lang="en-US" b="1"/>
           </a:p>
         </p:txBody>
       </p:sp>
@@ -4551,7 +5027,7 @@
         <p:spPr>
           <a:xfrm>
             <a:off x="741240" y="1968840"/>
-            <a:ext cx="8859960" cy="4980600"/>
+            <a:ext cx="8859960" cy="941705"/>
           </a:xfrm>
           <a:prstGeom prst="rect">
             <a:avLst/>
@@ -4566,7 +5042,7 @@
             <a:spAutoFit/>
           </a:bodyPr>
           <a:p>
-            <a:pPr marL="215900" indent="-215900">
+            <a:pPr indent="0">
               <a:lnSpc>
                 <a:spcPct val="115000"/>
               </a:lnSpc>
@@ -4581,7 +5057,7 @@
               </a:buClr>
               <a:buSzPct val="45000"/>
               <a:buFont typeface="Wingdings" panose="05000000000000000000" pitchFamily="2" charset="2"/>
-              <a:buChar char=""/>
+              <a:buNone/>
             </a:pPr>
             <a:r>
               <a:rPr lang="en-US" sz="2200" b="1" strike="noStrike" spc="-1">
@@ -5494,8 +5970,8 @@
         </p:nvSpPr>
         <p:spPr>
           <a:xfrm>
-            <a:off x="504000" y="301320"/>
-            <a:ext cx="9071640" cy="1262160"/>
+            <a:off x="504000" y="685068"/>
+            <a:ext cx="9071640" cy="494665"/>
           </a:xfrm>
           <a:prstGeom prst="rect">
             <a:avLst/>
@@ -5510,7 +5986,7 @@
             <a:spAutoFit/>
           </a:bodyPr>
           <a:p>
-            <a:pPr marL="215900" indent="-215900" algn="ctr">
+            <a:pPr indent="0" algn="ctr">
               <a:lnSpc>
                 <a:spcPct val="115000"/>
               </a:lnSpc>
@@ -5525,7 +6001,7 @@
               </a:buClr>
               <a:buSzPct val="45000"/>
               <a:buFont typeface="Wingdings" panose="05000000000000000000" pitchFamily="2" charset="2"/>
-              <a:buChar char=""/>
+              <a:buNone/>
             </a:pPr>
             <a:r>
               <a:rPr lang="en-US" sz="2800" b="1" strike="noStrike" spc="-1">

--- a/JavaCore.pptx
+++ b/JavaCore.pptx
@@ -12,19 +12,20 @@
     <p:sldId id="260" r:id="rId7"/>
     <p:sldId id="261" r:id="rId8"/>
     <p:sldId id="262" r:id="rId9"/>
-    <p:sldId id="263" r:id="rId10"/>
-    <p:sldId id="264" r:id="rId11"/>
-    <p:sldId id="265" r:id="rId12"/>
-    <p:sldId id="266" r:id="rId13"/>
-    <p:sldId id="267" r:id="rId14"/>
-    <p:sldId id="268" r:id="rId15"/>
-    <p:sldId id="269" r:id="rId16"/>
-    <p:sldId id="270" r:id="rId17"/>
-    <p:sldId id="271" r:id="rId18"/>
-    <p:sldId id="272" r:id="rId19"/>
-    <p:sldId id="273" r:id="rId20"/>
-    <p:sldId id="274" r:id="rId21"/>
-    <p:sldId id="275" r:id="rId22"/>
+    <p:sldId id="276" r:id="rId10"/>
+    <p:sldId id="263" r:id="rId11"/>
+    <p:sldId id="264" r:id="rId12"/>
+    <p:sldId id="265" r:id="rId13"/>
+    <p:sldId id="266" r:id="rId14"/>
+    <p:sldId id="267" r:id="rId15"/>
+    <p:sldId id="268" r:id="rId16"/>
+    <p:sldId id="269" r:id="rId17"/>
+    <p:sldId id="270" r:id="rId18"/>
+    <p:sldId id="271" r:id="rId19"/>
+    <p:sldId id="272" r:id="rId20"/>
+    <p:sldId id="273" r:id="rId21"/>
+    <p:sldId id="274" r:id="rId22"/>
+    <p:sldId id="275" r:id="rId23"/>
   </p:sldIdLst>
   <p:sldSz cx="10080625" cy="7559675"/>
   <p:notesSz cx="7772400" cy="10058400"/>
@@ -2331,7 +2332,7 @@
       </p:grpSpPr>
       <p:sp>
         <p:nvSpPr>
-          <p:cNvPr id="62" name="TextShape 1"/>
+          <p:cNvPr id="59" name="TextShape 1"/>
           <p:cNvSpPr txBox="1"/>
           <p:nvPr/>
         </p:nvSpPr>
@@ -2358,10 +2359,10 @@
                 <a:spcPct val="115000"/>
               </a:lnSpc>
               <a:spcBef>
-                <a:spcPts val="580"/>
-              </a:spcBef>
-              <a:spcAft>
-                <a:spcPts val="580"/>
+                <a:spcPts val="290"/>
+              </a:spcBef>
+              <a:spcAft>
+                <a:spcPts val="290"/>
               </a:spcAft>
               <a:buClr>
                 <a:srgbClr val="000000"/>
@@ -2374,7 +2375,7 @@
               <a:rPr lang="en-US" sz="2800" b="1" strike="noStrike" spc="-1">
                 <a:latin typeface="Arial" panose="020B0604020202020204"/>
               </a:rPr>
-              <a:t>CompletableFuture</a:t>
+              <a:t>Callable, Future, Executors</a:t>
             </a:r>
             <a:endParaRPr lang="en-US" sz="2800" b="0" strike="noStrike" spc="-1">
               <a:latin typeface="Arial" panose="020B0604020202020204"/>
@@ -2382,16 +2383,41 @@
           </a:p>
         </p:txBody>
       </p:sp>
-      <p:sp>
-        <p:nvSpPr>
-          <p:cNvPr id="63" name="TextShape 2"/>
+      <p:pic>
+        <p:nvPicPr>
+          <p:cNvPr id="60" name="Picture 59"/>
+          <p:cNvPicPr/>
+          <p:nvPr/>
+        </p:nvPicPr>
+        <p:blipFill>
+          <a:blip r:embed="rId1"/>
+          <a:stretch>
+            <a:fillRect/>
+          </a:stretch>
+        </p:blipFill>
+        <p:spPr>
+          <a:xfrm>
+            <a:off x="1097280" y="1645920"/>
+            <a:ext cx="8412480" cy="4572000"/>
+          </a:xfrm>
+          <a:prstGeom prst="rect">
+            <a:avLst/>
+          </a:prstGeom>
+          <a:ln>
+            <a:noFill/>
+          </a:ln>
+        </p:spPr>
+      </p:pic>
+      <p:sp>
+        <p:nvSpPr>
+          <p:cNvPr id="61" name="TextShape 2"/>
           <p:cNvSpPr txBox="1"/>
           <p:nvPr/>
         </p:nvSpPr>
         <p:spPr>
           <a:xfrm>
-            <a:off x="924120" y="1420200"/>
-            <a:ext cx="8859960" cy="5521325"/>
+            <a:off x="1097280" y="6510960"/>
+            <a:ext cx="8079480" cy="602280"/>
           </a:xfrm>
           <a:prstGeom prst="rect">
             <a:avLst/>
@@ -2402,102 +2428,17 @@
           </a:ln>
         </p:spPr>
         <p:txBody>
-          <a:bodyPr wrap="square" lIns="90000" tIns="45000" rIns="90000" bIns="45000">
-            <a:spAutoFit/>
-          </a:bodyPr>
-          <a:p>
-            <a:pPr marL="215900" indent="-215900">
-              <a:lnSpc>
-                <a:spcPct val="150000"/>
-              </a:lnSpc>
-              <a:spcBef>
-                <a:spcPts val="870"/>
-              </a:spcBef>
-              <a:spcAft>
-                <a:spcPts val="870"/>
-              </a:spcAft>
-              <a:buClr>
-                <a:srgbClr val="000000"/>
-              </a:buClr>
-              <a:buSzPct val="45000"/>
-              <a:buFont typeface="Wingdings" panose="05000000000000000000" pitchFamily="2" charset="2"/>
-              <a:buChar char=""/>
-            </a:pPr>
-            <a:r>
-              <a:rPr lang="en-US" sz="2400" b="0" strike="noStrike" spc="-1">
-                <a:latin typeface="Arial" panose="020B0604020202020204"/>
-              </a:rPr>
-              <a:t>Ta có thể xử lý bất đồng bộ trong java voi Future, tuy nhiên nó vẫn còn nhiều hạn chế. Từ Java 8, ta có thêm class CompletableFuture để khác phúc các vấn đề đó.</a:t>
-            </a:r>
-            <a:endParaRPr lang="en-US" sz="2400" b="0" strike="noStrike" spc="-1">
-              <a:latin typeface="Arial" panose="020B0604020202020204"/>
-            </a:endParaRPr>
-          </a:p>
-          <a:p>
-            <a:pPr marL="215900" indent="-215900">
-              <a:lnSpc>
-                <a:spcPct val="150000"/>
-              </a:lnSpc>
-              <a:spcBef>
-                <a:spcPts val="870"/>
-              </a:spcBef>
-              <a:spcAft>
-                <a:spcPts val="870"/>
-              </a:spcAft>
-              <a:buClr>
-                <a:srgbClr val="000000"/>
-              </a:buClr>
-              <a:buSzPct val="45000"/>
-              <a:buFont typeface="Wingdings" panose="05000000000000000000" pitchFamily="2" charset="2"/>
-              <a:buChar char=""/>
-            </a:pPr>
-            <a:r>
-              <a:rPr lang="en-US" sz="2400" b="0" strike="noStrike" spc="-1">
-                <a:latin typeface="Arial" panose="020B0604020202020204"/>
-              </a:rPr>
-              <a:t>.</a:t>
-            </a:r>
-            <a:r>
-              <a:rPr lang="en-US" sz="2400" b="1" strike="noStrike" spc="-1">
-                <a:latin typeface="Arial" panose="020B0604020202020204"/>
-              </a:rPr>
-              <a:t>CompletableFuture</a:t>
-            </a:r>
-            <a:r>
-              <a:rPr lang="en-US" sz="2400" b="0" strike="noStrike" spc="-1">
-                <a:latin typeface="Arial" panose="020B0604020202020204"/>
-              </a:rPr>
-              <a:t> là kết quả trả về của phép tính / method bất đồng bộ, cho phép kiểm tra trạng thái của phép tính (đã thực hiện xong chưa, kết quả trả về là gì…), bắt sự kiện khi method hoàn thành…</a:t>
-            </a:r>
-            <a:endParaRPr lang="en-US" sz="2400" b="0" strike="noStrike" spc="-1">
-              <a:latin typeface="Arial" panose="020B0604020202020204"/>
-            </a:endParaRPr>
-          </a:p>
-          <a:p>
-            <a:pPr marL="215900" indent="-215900">
-              <a:lnSpc>
-                <a:spcPct val="150000"/>
-              </a:lnSpc>
-              <a:spcBef>
-                <a:spcPts val="870"/>
-              </a:spcBef>
-              <a:spcAft>
-                <a:spcPts val="870"/>
-              </a:spcAft>
-              <a:buClr>
-                <a:srgbClr val="000000"/>
-              </a:buClr>
-              <a:buSzPct val="45000"/>
-              <a:buFont typeface="Wingdings" panose="05000000000000000000" pitchFamily="2" charset="2"/>
-              <a:buChar char=""/>
-            </a:pPr>
-            <a:r>
-              <a:rPr lang="en-US" sz="2400" b="0" strike="noStrike" spc="-1">
-                <a:latin typeface="Arial" panose="020B0604020202020204"/>
-              </a:rPr>
-              <a:t>Vd: https://stackjava.com/java8/completablefuture-la-gi-code-vi-du-java-completablefuture-java-8.html</a:t>
-            </a:r>
-            <a:endParaRPr lang="en-US" sz="2400" b="0" strike="noStrike" spc="-1">
+          <a:bodyPr lIns="90000" tIns="45000" rIns="90000" bIns="45000">
+            <a:spAutoFit/>
+          </a:bodyPr>
+          <a:p>
+            <a:r>
+              <a:rPr lang="en-US" sz="1800" b="0" strike="noStrike" spc="-1">
+                <a:latin typeface="Arial" panose="020B0604020202020204"/>
+              </a:rPr>
+              <a:t>https://stackjava.com/java/code-vi-du-callable-future-executors-trong-java.html</a:t>
+            </a:r>
+            <a:endParaRPr lang="en-US" sz="1800" b="0" strike="noStrike" spc="-1">
               <a:latin typeface="Arial" panose="020B0604020202020204"/>
             </a:endParaRPr>
           </a:p>
@@ -2538,13 +2479,13 @@
       </p:grpSpPr>
       <p:sp>
         <p:nvSpPr>
-          <p:cNvPr id="64" name="TextShape 1"/>
+          <p:cNvPr id="62" name="TextShape 1"/>
           <p:cNvSpPr txBox="1"/>
           <p:nvPr/>
         </p:nvSpPr>
         <p:spPr>
           <a:xfrm>
-            <a:off x="504000" y="451967"/>
+            <a:off x="504000" y="685068"/>
             <a:ext cx="9071640" cy="494665"/>
           </a:xfrm>
           <a:prstGeom prst="rect">
@@ -2581,7 +2522,7 @@
               <a:rPr lang="en-US" sz="2800" b="1" strike="noStrike" spc="-1">
                 <a:latin typeface="Arial" panose="020B0604020202020204"/>
               </a:rPr>
-              <a:t>Future vs CompletableFuture</a:t>
+              <a:t>CompletableFuture</a:t>
             </a:r>
             <a:endParaRPr lang="en-US" sz="2800" b="0" strike="noStrike" spc="-1">
               <a:latin typeface="Arial" panose="020B0604020202020204"/>
@@ -2591,14 +2532,14 @@
       </p:sp>
       <p:sp>
         <p:nvSpPr>
-          <p:cNvPr id="65" name="TextShape 2"/>
+          <p:cNvPr id="63" name="TextShape 2"/>
           <p:cNvSpPr txBox="1"/>
           <p:nvPr/>
         </p:nvSpPr>
         <p:spPr>
           <a:xfrm>
             <a:off x="924120" y="1420200"/>
-            <a:ext cx="8859960" cy="4980600"/>
+            <a:ext cx="8859960" cy="5521325"/>
           </a:xfrm>
           <a:prstGeom prst="rect">
             <a:avLst/>
@@ -2609,7 +2550,7 @@
           </a:ln>
         </p:spPr>
         <p:txBody>
-          <a:bodyPr lIns="90000" tIns="45000" rIns="90000" bIns="45000">
+          <a:bodyPr wrap="square" lIns="90000" tIns="45000" rIns="90000" bIns="45000">
             <a:spAutoFit/>
           </a:bodyPr>
           <a:p>
@@ -2634,7 +2575,7 @@
               <a:rPr lang="en-US" sz="2400" b="0" strike="noStrike" spc="-1">
                 <a:latin typeface="Arial" panose="020B0604020202020204"/>
               </a:rPr>
-              <a:t>Future là một tính năng cung cấp từ Java 5. Future là kết quả trả về của một tính toán bất đồng bộ (khi tính toán nó sẽ tạo ra một thread riêng để chạy và sau đó trả về kết quả vào Future)</a:t>
+              <a:t>Ta có thể xử lý bất đồng bộ trong java voi Future, tuy nhiên nó vẫn còn nhiều hạn chế. Từ Java 8, ta có thêm class CompletableFuture để khác phúc các vấn đề đó.</a:t>
             </a:r>
             <a:endParaRPr lang="en-US" sz="2400" b="0" strike="noStrike" spc="-1">
               <a:latin typeface="Arial" panose="020B0604020202020204"/>
@@ -2662,7 +2603,47 @@
               <a:rPr lang="en-US" sz="2400" b="0" strike="noStrike" spc="-1">
                 <a:latin typeface="Arial" panose="020B0604020202020204"/>
               </a:rPr>
-              <a:t>CompletableFuture được cung tấp từ Java 8, nó thực hiện implements lại Future và khắc phục, bổ sung các hạn chế mà Future chưa xử lý được.</a:t>
+              <a:t>.</a:t>
+            </a:r>
+            <a:r>
+              <a:rPr lang="en-US" sz="2400" b="1" strike="noStrike" spc="-1">
+                <a:latin typeface="Arial" panose="020B0604020202020204"/>
+              </a:rPr>
+              <a:t>CompletableFuture</a:t>
+            </a:r>
+            <a:r>
+              <a:rPr lang="en-US" sz="2400" b="0" strike="noStrike" spc="-1">
+                <a:latin typeface="Arial" panose="020B0604020202020204"/>
+              </a:rPr>
+              <a:t> là kết quả trả về của phép tính / method bất đồng bộ, cho phép kiểm tra trạng thái của phép tính (đã thực hiện xong chưa, kết quả trả về là gì…), bắt sự kiện khi method hoàn thành…</a:t>
+            </a:r>
+            <a:endParaRPr lang="en-US" sz="2400" b="0" strike="noStrike" spc="-1">
+              <a:latin typeface="Arial" panose="020B0604020202020204"/>
+            </a:endParaRPr>
+          </a:p>
+          <a:p>
+            <a:pPr marL="215900" indent="-215900">
+              <a:lnSpc>
+                <a:spcPct val="150000"/>
+              </a:lnSpc>
+              <a:spcBef>
+                <a:spcPts val="870"/>
+              </a:spcBef>
+              <a:spcAft>
+                <a:spcPts val="870"/>
+              </a:spcAft>
+              <a:buClr>
+                <a:srgbClr val="000000"/>
+              </a:buClr>
+              <a:buSzPct val="45000"/>
+              <a:buFont typeface="Wingdings" panose="05000000000000000000" pitchFamily="2" charset="2"/>
+              <a:buChar char=""/>
+            </a:pPr>
+            <a:r>
+              <a:rPr lang="en-US" sz="2400" b="0" strike="noStrike" spc="-1">
+                <a:latin typeface="Arial" panose="020B0604020202020204"/>
+              </a:rPr>
+              <a:t>Vd: https://stackjava.com/java8/completablefuture-la-gi-code-vi-du-java-completablefuture-java-8.html</a:t>
             </a:r>
             <a:endParaRPr lang="en-US" sz="2400" b="0" strike="noStrike" spc="-1">
               <a:latin typeface="Arial" panose="020B0604020202020204"/>
@@ -2705,7 +2686,7 @@
       </p:grpSpPr>
       <p:sp>
         <p:nvSpPr>
-          <p:cNvPr id="66" name="TextShape 1"/>
+          <p:cNvPr id="64" name="TextShape 1"/>
           <p:cNvSpPr txBox="1"/>
           <p:nvPr/>
         </p:nvSpPr>
@@ -2758,14 +2739,14 @@
       </p:sp>
       <p:sp>
         <p:nvSpPr>
-          <p:cNvPr id="67" name="TextShape 2"/>
+          <p:cNvPr id="65" name="TextShape 2"/>
           <p:cNvSpPr txBox="1"/>
           <p:nvPr/>
         </p:nvSpPr>
         <p:spPr>
           <a:xfrm>
             <a:off x="924120" y="1420200"/>
-            <a:ext cx="8859960" cy="5373370"/>
+            <a:ext cx="8859960" cy="4980600"/>
           </a:xfrm>
           <a:prstGeom prst="rect">
             <a:avLst/>
@@ -2782,13 +2763,13 @@
           <a:p>
             <a:pPr marL="215900" indent="-215900">
               <a:lnSpc>
-                <a:spcPct val="90000"/>
-              </a:lnSpc>
-              <a:spcBef>
-                <a:spcPts val="1160"/>
-              </a:spcBef>
-              <a:spcAft>
-                <a:spcPts val="1160"/>
+                <a:spcPct val="150000"/>
+              </a:lnSpc>
+              <a:spcBef>
+                <a:spcPts val="870"/>
+              </a:spcBef>
+              <a:spcAft>
+                <a:spcPts val="870"/>
               </a:spcAft>
               <a:buClr>
                 <a:srgbClr val="000000"/>
@@ -2798,25 +2779,25 @@
               <a:buChar char=""/>
             </a:pPr>
             <a:r>
-              <a:rPr lang="en-US" sz="1400" b="0" strike="noStrike" spc="-1">
-                <a:latin typeface="Arial" panose="020B0604020202020204"/>
-              </a:rPr>
-              <a:t>CompletableFuture implements từ Future do đó nó có thể làm tất cả những gì mà Future cung cấp.</a:t>
-            </a:r>
-            <a:endParaRPr lang="en-US" sz="1400" b="0" strike="noStrike" spc="-1">
+              <a:rPr lang="en-US" sz="2400" b="0" strike="noStrike" spc="-1">
+                <a:latin typeface="Arial" panose="020B0604020202020204"/>
+              </a:rPr>
+              <a:t>Future là một tính năng cung cấp từ Java 5. Future là kết quả trả về của một tính toán bất đồng bộ (khi tính toán nó sẽ tạo ra một thread riêng để chạy và sau đó trả về kết quả vào Future)</a:t>
+            </a:r>
+            <a:endParaRPr lang="en-US" sz="2400" b="0" strike="noStrike" spc="-1">
               <a:latin typeface="Arial" panose="020B0604020202020204"/>
             </a:endParaRPr>
           </a:p>
           <a:p>
             <a:pPr marL="215900" indent="-215900">
               <a:lnSpc>
-                <a:spcPct val="90000"/>
-              </a:lnSpc>
-              <a:spcBef>
-                <a:spcPts val="1160"/>
-              </a:spcBef>
-              <a:spcAft>
-                <a:spcPts val="1160"/>
+                <a:spcPct val="150000"/>
+              </a:lnSpc>
+              <a:spcBef>
+                <a:spcPts val="870"/>
+              </a:spcBef>
+              <a:spcAft>
+                <a:spcPts val="870"/>
               </a:spcAft>
               <a:buClr>
                 <a:srgbClr val="000000"/>
@@ -2826,208 +2807,12 @@
               <a:buChar char=""/>
             </a:pPr>
             <a:r>
-              <a:rPr lang="en-US" sz="1400" b="0" strike="noStrike" spc="-1">
-                <a:latin typeface="Arial" panose="020B0604020202020204"/>
-              </a:rPr>
-              <a:t>Ngoài ra CompletableFuture còn implements CompletionStage nên nó thể khắc phục các hạn chế mà Future chưa thể làm được như:</a:t>
-            </a:r>
-            <a:endParaRPr lang="en-US" sz="1400" b="0" strike="noStrike" spc="-1">
-              <a:latin typeface="Arial" panose="020B0604020202020204"/>
-            </a:endParaRPr>
-          </a:p>
-          <a:p>
-            <a:pPr marL="215900" indent="-215900">
-              <a:lnSpc>
-                <a:spcPct val="90000"/>
-              </a:lnSpc>
-              <a:spcBef>
-                <a:spcPts val="1160"/>
-              </a:spcBef>
-              <a:spcAft>
-                <a:spcPts val="1160"/>
-              </a:spcAft>
-              <a:buClr>
-                <a:srgbClr val="000000"/>
-              </a:buClr>
-              <a:buSzPct val="45000"/>
-              <a:buFont typeface="Wingdings" panose="05000000000000000000" pitchFamily="2" charset="2"/>
-              <a:buChar char=""/>
-            </a:pPr>
-            <a:r>
-              <a:rPr lang="en-US" sz="1400" b="0" strike="noStrike" spc="-1">
-                <a:latin typeface="Arial" panose="020B0604020202020204"/>
-              </a:rPr>
-              <a:t>CompletableFuture thông báo và cho phép lắng nghe sự kiện hoàn thành, ta có thể xử lý dữ liệu, thêm các hành động khi CompletableFuture thực hiện xong với các method thenRun, thenAccept, thenApply, handle, thenApply...</a:t>
-            </a:r>
-            <a:endParaRPr lang="en-US" sz="1400" b="0" strike="noStrike" spc="-1">
-              <a:latin typeface="Arial" panose="020B0604020202020204"/>
-            </a:endParaRPr>
-          </a:p>
-          <a:p>
-            <a:pPr marL="215900" indent="-215900">
-              <a:lnSpc>
-                <a:spcPct val="90000"/>
-              </a:lnSpc>
-              <a:spcBef>
-                <a:spcPts val="1160"/>
-              </a:spcBef>
-              <a:spcAft>
-                <a:spcPts val="1160"/>
-              </a:spcAft>
-              <a:buClr>
-                <a:srgbClr val="000000"/>
-              </a:buClr>
-              <a:buSzPct val="45000"/>
-              <a:buFont typeface="Wingdings" panose="05000000000000000000" pitchFamily="2" charset="2"/>
-              <a:buChar char=""/>
-            </a:pPr>
-            <a:r>
-              <a:rPr lang="en-US" sz="1400" b="0" strike="noStrike" spc="-1">
-                <a:latin typeface="Arial" panose="020B0604020202020204"/>
-              </a:rPr>
-              <a:t>CompletableFuture hỗ trợ xử lý async và cả sync cho các hành động xử lý dữ liệu với  các method thenRunAsync, thenAcceptAsync, thenApplyAsync, handleAsync, thenApplyAsync...</a:t>
-            </a:r>
-            <a:endParaRPr lang="en-US" sz="1400" b="0" strike="noStrike" spc="-1">
-              <a:latin typeface="Arial" panose="020B0604020202020204"/>
-            </a:endParaRPr>
-          </a:p>
-          <a:p>
-            <a:pPr marL="215900" indent="-215900">
-              <a:lnSpc>
-                <a:spcPct val="90000"/>
-              </a:lnSpc>
-              <a:spcBef>
-                <a:spcPts val="1160"/>
-              </a:spcBef>
-              <a:spcAft>
-                <a:spcPts val="1160"/>
-              </a:spcAft>
-              <a:buClr>
-                <a:srgbClr val="000000"/>
-              </a:buClr>
-              <a:buSzPct val="45000"/>
-              <a:buFont typeface="Wingdings" panose="05000000000000000000" pitchFamily="2" charset="2"/>
-              <a:buChar char=""/>
-            </a:pPr>
-            <a:r>
-              <a:rPr lang="en-US" sz="1400" b="0" strike="noStrike" spc="-1">
-                <a:latin typeface="Arial" panose="020B0604020202020204"/>
-              </a:rPr>
-              <a:t>Ta có thể bắt CompletableFuture hoàn thành và trả về một giá trị mặc định nào đó</a:t>
-            </a:r>
-            <a:endParaRPr lang="en-US" sz="1400" b="0" strike="noStrike" spc="-1">
-              <a:latin typeface="Arial" panose="020B0604020202020204"/>
-            </a:endParaRPr>
-          </a:p>
-          <a:p>
-            <a:pPr marL="215900" indent="-215900">
-              <a:lnSpc>
-                <a:spcPct val="90000"/>
-              </a:lnSpc>
-              <a:spcBef>
-                <a:spcPts val="1160"/>
-              </a:spcBef>
-              <a:spcAft>
-                <a:spcPts val="1160"/>
-              </a:spcAft>
-              <a:buClr>
-                <a:srgbClr val="000000"/>
-              </a:buClr>
-              <a:buSzPct val="45000"/>
-              <a:buFont typeface="Wingdings" panose="05000000000000000000" pitchFamily="2" charset="2"/>
-              <a:buChar char=""/>
-            </a:pPr>
-            <a:r>
-              <a:rPr lang="en-US" sz="1400" b="0" strike="noStrike" spc="-1">
-                <a:latin typeface="Arial" panose="020B0604020202020204"/>
-              </a:rPr>
-              <a:t>CompletableFuture cho phép xử lý exception với method handle, handleAsync</a:t>
-            </a:r>
-            <a:endParaRPr lang="en-US" sz="1400" b="0" strike="noStrike" spc="-1">
-              <a:latin typeface="Arial" panose="020B0604020202020204"/>
-            </a:endParaRPr>
-          </a:p>
-          <a:p>
-            <a:pPr marL="215900" indent="-215900">
-              <a:lnSpc>
-                <a:spcPct val="90000"/>
-              </a:lnSpc>
-              <a:spcBef>
-                <a:spcPts val="1160"/>
-              </a:spcBef>
-              <a:spcAft>
-                <a:spcPts val="1160"/>
-              </a:spcAft>
-              <a:buClr>
-                <a:srgbClr val="000000"/>
-              </a:buClr>
-              <a:buSzPct val="45000"/>
-              <a:buFont typeface="Wingdings" panose="05000000000000000000" pitchFamily="2" charset="2"/>
-              <a:buChar char=""/>
-            </a:pPr>
-            <a:r>
-              <a:rPr lang="en-US" sz="1400" b="0" strike="noStrike" spc="-1">
-                <a:latin typeface="Arial" panose="020B0604020202020204"/>
-              </a:rPr>
-              <a:t>CompletableFuture cho phép xử lý kết hợp nhiều tính toán bất đồng bộ với nhau như</a:t>
-            </a:r>
-            <a:endParaRPr lang="en-US" sz="1400" b="0" strike="noStrike" spc="-1">
-              <a:latin typeface="Arial" panose="020B0604020202020204"/>
-            </a:endParaRPr>
-          </a:p>
-          <a:p>
-            <a:pPr marL="215900" indent="-215900">
-              <a:lnSpc>
-                <a:spcPct val="90000"/>
-              </a:lnSpc>
-              <a:spcBef>
-                <a:spcPts val="1160"/>
-              </a:spcBef>
-              <a:spcAft>
-                <a:spcPts val="1160"/>
-              </a:spcAft>
-              <a:buClr>
-                <a:srgbClr val="000000"/>
-              </a:buClr>
-              <a:buSzPct val="45000"/>
-              <a:buFont typeface="Wingdings" panose="05000000000000000000" pitchFamily="2" charset="2"/>
-              <a:buChar char=""/>
-            </a:pPr>
-            <a:r>
-              <a:rPr lang="en-US" sz="1400" b="0" strike="noStrike" spc="-1">
-                <a:latin typeface="Arial" panose="020B0604020202020204"/>
-              </a:rPr>
-              <a:t>Thực hiện các tính toán theo một thứ tự với method thenApply, thenRun, thenAccept(Ví dụ hành động 1 xong thì mới bắt đầu hành động 2)</a:t>
-            </a:r>
-            <a:endParaRPr lang="en-US" sz="1400" b="0" strike="noStrike" spc="-1">
-              <a:latin typeface="Arial" panose="020B0604020202020204"/>
-            </a:endParaRPr>
-          </a:p>
-          <a:p>
-            <a:pPr marL="215900" indent="-215900">
-              <a:lnSpc>
-                <a:spcPct val="90000"/>
-              </a:lnSpc>
-              <a:spcBef>
-                <a:spcPts val="1160"/>
-              </a:spcBef>
-              <a:spcAft>
-                <a:spcPts val="1160"/>
-              </a:spcAft>
-              <a:buClr>
-                <a:srgbClr val="000000"/>
-              </a:buClr>
-              <a:buSzPct val="45000"/>
-              <a:buFont typeface="Wingdings" panose="05000000000000000000" pitchFamily="2" charset="2"/>
-              <a:buChar char=""/>
-            </a:pPr>
-            <a:r>
-              <a:rPr lang="en-US" sz="1400" b="0" strike="noStrike" spc="-1">
-                <a:latin typeface="Arial" panose="020B0604020202020204"/>
-              </a:rPr>
-              <a:t>bắt sự kiện khi nhiều CompletableFuture hoàn thành với method allOf (ví dụ cả hành động 1 và hành động 2 xong thì mới bắt đầu hành động 3)</a:t>
-            </a:r>
-            <a:endParaRPr lang="en-US" sz="1400" b="0" strike="noStrike" spc="-1">
+              <a:rPr lang="en-US" sz="2400" b="0" strike="noStrike" spc="-1">
+                <a:latin typeface="Arial" panose="020B0604020202020204"/>
+              </a:rPr>
+              <a:t>CompletableFuture được cung tấp từ Java 8, nó thực hiện implements lại Future và khắc phục, bổ sung các hạn chế mà Future chưa xử lý được.</a:t>
+            </a:r>
+            <a:endParaRPr lang="en-US" sz="2400" b="0" strike="noStrike" spc="-1">
               <a:latin typeface="Arial" panose="020B0604020202020204"/>
             </a:endParaRPr>
           </a:p>
@@ -3068,7 +2853,7 @@
       </p:grpSpPr>
       <p:sp>
         <p:nvSpPr>
-          <p:cNvPr id="68" name="TextShape 1"/>
+          <p:cNvPr id="66" name="TextShape 1"/>
           <p:cNvSpPr txBox="1"/>
           <p:nvPr/>
         </p:nvSpPr>
@@ -3111,7 +2896,7 @@
               <a:rPr lang="en-US" sz="2800" b="1" strike="noStrike" spc="-1">
                 <a:latin typeface="Arial" panose="020B0604020202020204"/>
               </a:rPr>
-              <a:t>How to init object in Java?</a:t>
+              <a:t>Future vs CompletableFuture</a:t>
             </a:r>
             <a:endParaRPr lang="en-US" sz="2800" b="0" strike="noStrike" spc="-1">
               <a:latin typeface="Arial" panose="020B0604020202020204"/>
@@ -3121,14 +2906,14 @@
       </p:sp>
       <p:sp>
         <p:nvSpPr>
-          <p:cNvPr id="69" name="TextShape 2"/>
+          <p:cNvPr id="67" name="TextShape 2"/>
           <p:cNvSpPr txBox="1"/>
           <p:nvPr/>
         </p:nvSpPr>
         <p:spPr>
           <a:xfrm>
             <a:off x="924120" y="1420200"/>
-            <a:ext cx="8859960" cy="5882040"/>
+            <a:ext cx="8859960" cy="5373370"/>
           </a:xfrm>
           <a:prstGeom prst="rect">
             <a:avLst/>
@@ -3144,6 +2929,9 @@
           </a:bodyPr>
           <a:p>
             <a:pPr marL="215900" indent="-215900">
+              <a:lnSpc>
+                <a:spcPct val="90000"/>
+              </a:lnSpc>
               <a:spcBef>
                 <a:spcPts val="1160"/>
               </a:spcBef>
@@ -3158,29 +2946,20 @@
               <a:buChar char=""/>
             </a:pPr>
             <a:r>
-              <a:rPr lang="en-US" sz="1800" b="0" strike="noStrike" spc="-1">
-                <a:latin typeface="Arial" panose="020B0604020202020204"/>
-              </a:rPr>
-              <a:t>#1: Using “</a:t>
-            </a:r>
-            <a:r>
-              <a:rPr lang="en-US" sz="1800" b="0" i="1" strike="noStrike" spc="-1">
-                <a:latin typeface="Arial" panose="020B0604020202020204"/>
-              </a:rPr>
-              <a:t>new</a:t>
-            </a:r>
-            <a:r>
-              <a:rPr lang="en-US" sz="1800" b="0" strike="noStrike" spc="-1">
-                <a:latin typeface="Arial" panose="020B0604020202020204"/>
-              </a:rPr>
-              <a:t>” key:  Customer c1 = new Customer();</a:t>
-            </a:r>
-            <a:endParaRPr lang="en-US" sz="1800" b="0" strike="noStrike" spc="-1">
+              <a:rPr lang="en-US" sz="1400" b="0" strike="noStrike" spc="-1">
+                <a:latin typeface="Arial" panose="020B0604020202020204"/>
+              </a:rPr>
+              <a:t>CompletableFuture implements từ Future do đó nó có thể làm tất cả những gì mà Future cung cấp.</a:t>
+            </a:r>
+            <a:endParaRPr lang="en-US" sz="1400" b="0" strike="noStrike" spc="-1">
               <a:latin typeface="Arial" panose="020B0604020202020204"/>
             </a:endParaRPr>
           </a:p>
           <a:p>
             <a:pPr marL="215900" indent="-215900">
+              <a:lnSpc>
+                <a:spcPct val="90000"/>
+              </a:lnSpc>
               <a:spcBef>
                 <a:spcPts val="1160"/>
               </a:spcBef>
@@ -3195,48 +2974,213 @@
               <a:buChar char=""/>
             </a:pPr>
             <a:r>
-              <a:rPr lang="en-US" sz="1800" b="0" strike="noStrike" spc="-1">
-                <a:latin typeface="Arial" panose="020B0604020202020204"/>
-              </a:rPr>
-              <a:t>#2: Using method </a:t>
-            </a:r>
-            <a:r>
-              <a:rPr lang="en-US" sz="1800" b="0" i="1" strike="noStrike" spc="-1">
-                <a:latin typeface="Arial" panose="020B0604020202020204"/>
-              </a:rPr>
-              <a:t>newInstance()</a:t>
-            </a:r>
-            <a:endParaRPr lang="en-US" sz="1800" b="0" strike="noStrike" spc="-1">
-              <a:latin typeface="Arial" panose="020B0604020202020204"/>
-            </a:endParaRPr>
-          </a:p>
-        </p:txBody>
-      </p:sp>
-      <p:pic>
-        <p:nvPicPr>
-          <p:cNvPr id="70" name="Picture 69"/>
-          <p:cNvPicPr/>
-          <p:nvPr/>
-        </p:nvPicPr>
-        <p:blipFill>
-          <a:blip r:embed="rId1"/>
-          <a:stretch>
-            <a:fillRect/>
-          </a:stretch>
-        </p:blipFill>
-        <p:spPr>
-          <a:xfrm>
-            <a:off x="1828800" y="2522520"/>
-            <a:ext cx="6428880" cy="2323800"/>
-          </a:xfrm>
-          <a:prstGeom prst="rect">
-            <a:avLst/>
-          </a:prstGeom>
-          <a:ln>
-            <a:noFill/>
-          </a:ln>
-        </p:spPr>
-      </p:pic>
+              <a:rPr lang="en-US" sz="1400" b="0" strike="noStrike" spc="-1">
+                <a:latin typeface="Arial" panose="020B0604020202020204"/>
+              </a:rPr>
+              <a:t>Ngoài ra CompletableFuture còn implements CompletionStage nên nó thể khắc phục các hạn chế mà Future chưa thể làm được như:</a:t>
+            </a:r>
+            <a:endParaRPr lang="en-US" sz="1400" b="0" strike="noStrike" spc="-1">
+              <a:latin typeface="Arial" panose="020B0604020202020204"/>
+            </a:endParaRPr>
+          </a:p>
+          <a:p>
+            <a:pPr marL="215900" indent="-215900">
+              <a:lnSpc>
+                <a:spcPct val="90000"/>
+              </a:lnSpc>
+              <a:spcBef>
+                <a:spcPts val="1160"/>
+              </a:spcBef>
+              <a:spcAft>
+                <a:spcPts val="1160"/>
+              </a:spcAft>
+              <a:buClr>
+                <a:srgbClr val="000000"/>
+              </a:buClr>
+              <a:buSzPct val="45000"/>
+              <a:buFont typeface="Wingdings" panose="05000000000000000000" pitchFamily="2" charset="2"/>
+              <a:buChar char=""/>
+            </a:pPr>
+            <a:r>
+              <a:rPr lang="en-US" sz="1400" b="0" strike="noStrike" spc="-1">
+                <a:latin typeface="Arial" panose="020B0604020202020204"/>
+              </a:rPr>
+              <a:t>CompletableFuture thông báo và cho phép lắng nghe sự kiện hoàn thành, ta có thể xử lý dữ liệu, thêm các hành động khi CompletableFuture thực hiện xong với các method thenRun, thenAccept, thenApply, handle, thenApply...</a:t>
+            </a:r>
+            <a:endParaRPr lang="en-US" sz="1400" b="0" strike="noStrike" spc="-1">
+              <a:latin typeface="Arial" panose="020B0604020202020204"/>
+            </a:endParaRPr>
+          </a:p>
+          <a:p>
+            <a:pPr marL="215900" indent="-215900">
+              <a:lnSpc>
+                <a:spcPct val="90000"/>
+              </a:lnSpc>
+              <a:spcBef>
+                <a:spcPts val="1160"/>
+              </a:spcBef>
+              <a:spcAft>
+                <a:spcPts val="1160"/>
+              </a:spcAft>
+              <a:buClr>
+                <a:srgbClr val="000000"/>
+              </a:buClr>
+              <a:buSzPct val="45000"/>
+              <a:buFont typeface="Wingdings" panose="05000000000000000000" pitchFamily="2" charset="2"/>
+              <a:buChar char=""/>
+            </a:pPr>
+            <a:r>
+              <a:rPr lang="en-US" sz="1400" b="0" strike="noStrike" spc="-1">
+                <a:latin typeface="Arial" panose="020B0604020202020204"/>
+              </a:rPr>
+              <a:t>CompletableFuture hỗ trợ xử lý async và cả sync cho các hành động xử lý dữ liệu với  các method thenRunAsync, thenAcceptAsync, thenApplyAsync, handleAsync, thenApplyAsync...</a:t>
+            </a:r>
+            <a:endParaRPr lang="en-US" sz="1400" b="0" strike="noStrike" spc="-1">
+              <a:latin typeface="Arial" panose="020B0604020202020204"/>
+            </a:endParaRPr>
+          </a:p>
+          <a:p>
+            <a:pPr marL="215900" indent="-215900">
+              <a:lnSpc>
+                <a:spcPct val="90000"/>
+              </a:lnSpc>
+              <a:spcBef>
+                <a:spcPts val="1160"/>
+              </a:spcBef>
+              <a:spcAft>
+                <a:spcPts val="1160"/>
+              </a:spcAft>
+              <a:buClr>
+                <a:srgbClr val="000000"/>
+              </a:buClr>
+              <a:buSzPct val="45000"/>
+              <a:buFont typeface="Wingdings" panose="05000000000000000000" pitchFamily="2" charset="2"/>
+              <a:buChar char=""/>
+            </a:pPr>
+            <a:r>
+              <a:rPr lang="en-US" sz="1400" b="0" strike="noStrike" spc="-1">
+                <a:latin typeface="Arial" panose="020B0604020202020204"/>
+              </a:rPr>
+              <a:t>Ta có thể bắt CompletableFuture hoàn thành và trả về một giá trị mặc định nào đó</a:t>
+            </a:r>
+            <a:endParaRPr lang="en-US" sz="1400" b="0" strike="noStrike" spc="-1">
+              <a:latin typeface="Arial" panose="020B0604020202020204"/>
+            </a:endParaRPr>
+          </a:p>
+          <a:p>
+            <a:pPr marL="215900" indent="-215900">
+              <a:lnSpc>
+                <a:spcPct val="90000"/>
+              </a:lnSpc>
+              <a:spcBef>
+                <a:spcPts val="1160"/>
+              </a:spcBef>
+              <a:spcAft>
+                <a:spcPts val="1160"/>
+              </a:spcAft>
+              <a:buClr>
+                <a:srgbClr val="000000"/>
+              </a:buClr>
+              <a:buSzPct val="45000"/>
+              <a:buFont typeface="Wingdings" panose="05000000000000000000" pitchFamily="2" charset="2"/>
+              <a:buChar char=""/>
+            </a:pPr>
+            <a:r>
+              <a:rPr lang="en-US" sz="1400" b="0" strike="noStrike" spc="-1">
+                <a:latin typeface="Arial" panose="020B0604020202020204"/>
+              </a:rPr>
+              <a:t>CompletableFuture cho phép xử lý exception với method handle, handleAsync</a:t>
+            </a:r>
+            <a:endParaRPr lang="en-US" sz="1400" b="0" strike="noStrike" spc="-1">
+              <a:latin typeface="Arial" panose="020B0604020202020204"/>
+            </a:endParaRPr>
+          </a:p>
+          <a:p>
+            <a:pPr marL="215900" indent="-215900">
+              <a:lnSpc>
+                <a:spcPct val="90000"/>
+              </a:lnSpc>
+              <a:spcBef>
+                <a:spcPts val="1160"/>
+              </a:spcBef>
+              <a:spcAft>
+                <a:spcPts val="1160"/>
+              </a:spcAft>
+              <a:buClr>
+                <a:srgbClr val="000000"/>
+              </a:buClr>
+              <a:buSzPct val="45000"/>
+              <a:buFont typeface="Wingdings" panose="05000000000000000000" pitchFamily="2" charset="2"/>
+              <a:buChar char=""/>
+            </a:pPr>
+            <a:r>
+              <a:rPr lang="en-US" sz="1400" b="0" strike="noStrike" spc="-1">
+                <a:latin typeface="Arial" panose="020B0604020202020204"/>
+              </a:rPr>
+              <a:t>CompletableFuture cho phép xử lý kết hợp nhiều tính toán bất đồng bộ với nhau như</a:t>
+            </a:r>
+            <a:endParaRPr lang="en-US" sz="1400" b="0" strike="noStrike" spc="-1">
+              <a:latin typeface="Arial" panose="020B0604020202020204"/>
+            </a:endParaRPr>
+          </a:p>
+          <a:p>
+            <a:pPr marL="215900" indent="-215900">
+              <a:lnSpc>
+                <a:spcPct val="90000"/>
+              </a:lnSpc>
+              <a:spcBef>
+                <a:spcPts val="1160"/>
+              </a:spcBef>
+              <a:spcAft>
+                <a:spcPts val="1160"/>
+              </a:spcAft>
+              <a:buClr>
+                <a:srgbClr val="000000"/>
+              </a:buClr>
+              <a:buSzPct val="45000"/>
+              <a:buFont typeface="Wingdings" panose="05000000000000000000" pitchFamily="2" charset="2"/>
+              <a:buChar char=""/>
+            </a:pPr>
+            <a:r>
+              <a:rPr lang="en-US" sz="1400" b="0" strike="noStrike" spc="-1">
+                <a:latin typeface="Arial" panose="020B0604020202020204"/>
+              </a:rPr>
+              <a:t>Thực hiện các tính toán theo một thứ tự với method thenApply, thenRun, thenAccept(Ví dụ hành động 1 xong thì mới bắt đầu hành động 2)</a:t>
+            </a:r>
+            <a:endParaRPr lang="en-US" sz="1400" b="0" strike="noStrike" spc="-1">
+              <a:latin typeface="Arial" panose="020B0604020202020204"/>
+            </a:endParaRPr>
+          </a:p>
+          <a:p>
+            <a:pPr marL="215900" indent="-215900">
+              <a:lnSpc>
+                <a:spcPct val="90000"/>
+              </a:lnSpc>
+              <a:spcBef>
+                <a:spcPts val="1160"/>
+              </a:spcBef>
+              <a:spcAft>
+                <a:spcPts val="1160"/>
+              </a:spcAft>
+              <a:buClr>
+                <a:srgbClr val="000000"/>
+              </a:buClr>
+              <a:buSzPct val="45000"/>
+              <a:buFont typeface="Wingdings" panose="05000000000000000000" pitchFamily="2" charset="2"/>
+              <a:buChar char=""/>
+            </a:pPr>
+            <a:r>
+              <a:rPr lang="en-US" sz="1400" b="0" strike="noStrike" spc="-1">
+                <a:latin typeface="Arial" panose="020B0604020202020204"/>
+              </a:rPr>
+              <a:t>bắt sự kiện khi nhiều CompletableFuture hoàn thành với method allOf (ví dụ cả hành động 1 và hành động 2 xong thì mới bắt đầu hành động 3)</a:t>
+            </a:r>
+            <a:endParaRPr lang="en-US" sz="1400" b="0" strike="noStrike" spc="-1">
+              <a:latin typeface="Arial" panose="020B0604020202020204"/>
+            </a:endParaRPr>
+          </a:p>
+        </p:txBody>
+      </p:sp>
     </p:spTree>
   </p:cSld>
   <p:clrMapOvr>
@@ -3272,7 +3216,7 @@
       </p:grpSpPr>
       <p:sp>
         <p:nvSpPr>
-          <p:cNvPr id="71" name="TextShape 1"/>
+          <p:cNvPr id="68" name="TextShape 1"/>
           <p:cNvSpPr txBox="1"/>
           <p:nvPr/>
         </p:nvSpPr>
@@ -3325,7 +3269,7 @@
       </p:sp>
       <p:sp>
         <p:nvSpPr>
-          <p:cNvPr id="72" name="TextShape 2"/>
+          <p:cNvPr id="69" name="TextShape 2"/>
           <p:cNvSpPr txBox="1"/>
           <p:nvPr/>
         </p:nvSpPr>
@@ -3365,7 +3309,50 @@
               <a:rPr lang="en-US" sz="1800" b="0" strike="noStrike" spc="-1">
                 <a:latin typeface="Arial" panose="020B0604020202020204"/>
               </a:rPr>
-              <a:t>#3: Clone object, Class của đối tượng được clone phải implement interface Cloneable và override lại method clone():</a:t>
+              <a:t>#1: Using “</a:t>
+            </a:r>
+            <a:r>
+              <a:rPr lang="en-US" sz="1800" b="0" i="1" strike="noStrike" spc="-1">
+                <a:latin typeface="Arial" panose="020B0604020202020204"/>
+              </a:rPr>
+              <a:t>new</a:t>
+            </a:r>
+            <a:r>
+              <a:rPr lang="en-US" sz="1800" b="0" strike="noStrike" spc="-1">
+                <a:latin typeface="Arial" panose="020B0604020202020204"/>
+              </a:rPr>
+              <a:t>” key:  Customer c1 = new Customer();</a:t>
+            </a:r>
+            <a:endParaRPr lang="en-US" sz="1800" b="0" strike="noStrike" spc="-1">
+              <a:latin typeface="Arial" panose="020B0604020202020204"/>
+            </a:endParaRPr>
+          </a:p>
+          <a:p>
+            <a:pPr marL="215900" indent="-215900">
+              <a:spcBef>
+                <a:spcPts val="1160"/>
+              </a:spcBef>
+              <a:spcAft>
+                <a:spcPts val="1160"/>
+              </a:spcAft>
+              <a:buClr>
+                <a:srgbClr val="000000"/>
+              </a:buClr>
+              <a:buSzPct val="45000"/>
+              <a:buFont typeface="Wingdings" panose="05000000000000000000" pitchFamily="2" charset="2"/>
+              <a:buChar char=""/>
+            </a:pPr>
+            <a:r>
+              <a:rPr lang="en-US" sz="1800" b="0" strike="noStrike" spc="-1">
+                <a:latin typeface="Arial" panose="020B0604020202020204"/>
+              </a:rPr>
+              <a:t>#2: Using method </a:t>
+            </a:r>
+            <a:r>
+              <a:rPr lang="en-US" sz="1800" b="0" i="1" strike="noStrike" spc="-1">
+                <a:latin typeface="Arial" panose="020B0604020202020204"/>
+              </a:rPr>
+              <a:t>newInstance()</a:t>
             </a:r>
             <a:endParaRPr lang="en-US" sz="1800" b="0" strike="noStrike" spc="-1">
               <a:latin typeface="Arial" panose="020B0604020202020204"/>
@@ -3375,7 +3362,7 @@
       </p:sp>
       <p:pic>
         <p:nvPicPr>
-          <p:cNvPr id="73" name="Picture 72"/>
+          <p:cNvPr id="70" name="Picture 69"/>
           <p:cNvPicPr/>
           <p:nvPr/>
         </p:nvPicPr>
@@ -3387,8 +3374,8 @@
         </p:blipFill>
         <p:spPr>
           <a:xfrm>
-            <a:off x="2352960" y="2108520"/>
-            <a:ext cx="5419440" cy="3161880"/>
+            <a:off x="1828800" y="2522520"/>
+            <a:ext cx="6428880" cy="2323800"/>
           </a:xfrm>
           <a:prstGeom prst="rect">
             <a:avLst/>
@@ -3433,7 +3420,7 @@
       </p:grpSpPr>
       <p:sp>
         <p:nvSpPr>
-          <p:cNvPr id="74" name="TextShape 1"/>
+          <p:cNvPr id="71" name="TextShape 1"/>
           <p:cNvSpPr txBox="1"/>
           <p:nvPr/>
         </p:nvSpPr>
@@ -3486,14 +3473,14 @@
       </p:sp>
       <p:sp>
         <p:nvSpPr>
-          <p:cNvPr id="75" name="TextShape 2"/>
+          <p:cNvPr id="72" name="TextShape 2"/>
           <p:cNvSpPr txBox="1"/>
           <p:nvPr/>
         </p:nvSpPr>
         <p:spPr>
           <a:xfrm>
             <a:off x="924120" y="1420200"/>
-            <a:ext cx="8859960" cy="642620"/>
+            <a:ext cx="8859960" cy="5882040"/>
           </a:xfrm>
           <a:prstGeom prst="rect">
             <a:avLst/>
@@ -3526,7 +3513,7 @@
               <a:rPr lang="en-US" sz="1800" b="0" strike="noStrike" spc="-1">
                 <a:latin typeface="Arial" panose="020B0604020202020204"/>
               </a:rPr>
-              <a:t>#4: Sử dụng deserialization, Cách này chính là chuyển một mảng byte thành đối tượng.</a:t>
+              <a:t>#3: Clone object, Class của đối tượng được clone phải implement interface Cloneable và override lại method clone():</a:t>
             </a:r>
             <a:endParaRPr lang="en-US" sz="1800" b="0" strike="noStrike" spc="-1">
               <a:latin typeface="Arial" panose="020B0604020202020204"/>
@@ -3536,7 +3523,7 @@
       </p:sp>
       <p:pic>
         <p:nvPicPr>
-          <p:cNvPr id="76" name="Picture 75"/>
+          <p:cNvPr id="73" name="Picture 72"/>
           <p:cNvPicPr/>
           <p:nvPr/>
         </p:nvPicPr>
@@ -3548,8 +3535,8 @@
         </p:blipFill>
         <p:spPr>
           <a:xfrm>
-            <a:off x="1856160" y="2581560"/>
-            <a:ext cx="7013520" cy="3453480"/>
+            <a:off x="2352960" y="2108520"/>
+            <a:ext cx="5419440" cy="3161880"/>
           </a:xfrm>
           <a:prstGeom prst="rect">
             <a:avLst/>
@@ -3594,14 +3581,14 @@
       </p:grpSpPr>
       <p:sp>
         <p:nvSpPr>
-          <p:cNvPr id="77" name="TextShape 1"/>
+          <p:cNvPr id="74" name="TextShape 1"/>
           <p:cNvSpPr txBox="1"/>
           <p:nvPr/>
         </p:nvSpPr>
         <p:spPr>
           <a:xfrm>
-            <a:off x="504000" y="301320"/>
-            <a:ext cx="9071640" cy="795960"/>
+            <a:off x="504000" y="451967"/>
+            <a:ext cx="9071640" cy="494665"/>
           </a:xfrm>
           <a:prstGeom prst="rect">
             <a:avLst/>
@@ -3616,7 +3603,7 @@
             <a:spAutoFit/>
           </a:bodyPr>
           <a:p>
-            <a:pPr marL="215900" indent="-215900" algn="ctr">
+            <a:pPr indent="0" algn="ctr">
               <a:lnSpc>
                 <a:spcPct val="115000"/>
               </a:lnSpc>
@@ -3631,30 +3618,30 @@
               </a:buClr>
               <a:buSzPct val="45000"/>
               <a:buFont typeface="Wingdings" panose="05000000000000000000" pitchFamily="2" charset="2"/>
-              <a:buChar char=""/>
-            </a:pPr>
-            <a:r>
-              <a:rPr lang="en-US" sz="2200" b="1" strike="noStrike" spc="-1">
-                <a:latin typeface="Arial" panose="020B0604020202020204"/>
-              </a:rPr>
-              <a:t>String Pool, StringBuffer, StringBuilder</a:t>
-            </a:r>
-            <a:endParaRPr lang="en-US" sz="2200" b="0" strike="noStrike" spc="-1">
-              <a:latin typeface="Arial" panose="020B0604020202020204"/>
-            </a:endParaRPr>
-          </a:p>
-        </p:txBody>
-      </p:sp>
-      <p:sp>
-        <p:nvSpPr>
-          <p:cNvPr id="78" name="TextShape 2"/>
+              <a:buNone/>
+            </a:pPr>
+            <a:r>
+              <a:rPr lang="en-US" sz="2800" b="1" strike="noStrike" spc="-1">
+                <a:latin typeface="Arial" panose="020B0604020202020204"/>
+              </a:rPr>
+              <a:t>How to init object in Java?</a:t>
+            </a:r>
+            <a:endParaRPr lang="en-US" sz="2800" b="0" strike="noStrike" spc="-1">
+              <a:latin typeface="Arial" panose="020B0604020202020204"/>
+            </a:endParaRPr>
+          </a:p>
+        </p:txBody>
+      </p:sp>
+      <p:sp>
+        <p:nvSpPr>
+          <p:cNvPr id="75" name="TextShape 2"/>
           <p:cNvSpPr txBox="1"/>
           <p:nvPr/>
         </p:nvSpPr>
         <p:spPr>
           <a:xfrm>
             <a:off x="924120" y="1420200"/>
-            <a:ext cx="8859960" cy="4038600"/>
+            <a:ext cx="8859960" cy="642620"/>
           </a:xfrm>
           <a:prstGeom prst="rect">
             <a:avLst/>
@@ -3665,35 +3652,16 @@
           </a:ln>
         </p:spPr>
         <p:txBody>
-          <a:bodyPr wrap="square" lIns="90000" tIns="45000" rIns="90000" bIns="45000">
-            <a:spAutoFit/>
-          </a:bodyPr>
-          <a:p>
-            <a:pPr indent="0">
-              <a:spcBef>
-                <a:spcPts val="1450"/>
-              </a:spcBef>
-              <a:spcAft>
-                <a:spcPts val="1450"/>
-              </a:spcAft>
-              <a:buClr>
-                <a:srgbClr val="000000"/>
-              </a:buClr>
-              <a:buSzPct val="45000"/>
-              <a:buFont typeface="Wingdings" panose="05000000000000000000" pitchFamily="2" charset="2"/>
-              <a:buNone/>
-            </a:pPr>
-            <a:endParaRPr lang="en-US" sz="2000" b="0" strike="noStrike" spc="-1">
-              <a:latin typeface="Arial" panose="020B0604020202020204"/>
-            </a:endParaRPr>
-          </a:p>
+          <a:bodyPr lIns="90000" tIns="45000" rIns="90000" bIns="45000">
+            <a:spAutoFit/>
+          </a:bodyPr>
           <a:p>
             <a:pPr marL="215900" indent="-215900">
               <a:spcBef>
-                <a:spcPts val="1450"/>
-              </a:spcBef>
-              <a:spcAft>
-                <a:spcPts val="1450"/>
+                <a:spcPts val="1160"/>
+              </a:spcBef>
+              <a:spcAft>
+                <a:spcPts val="1160"/>
               </a:spcAft>
               <a:buClr>
                 <a:srgbClr val="000000"/>
@@ -3703,104 +3671,42 @@
               <a:buChar char=""/>
             </a:pPr>
             <a:r>
-              <a:rPr lang="en-US" sz="2000" b="0" strike="noStrike" spc="-1">
-                <a:latin typeface="Arial" panose="020B0604020202020204"/>
-              </a:rPr>
-              <a:t>String is immutable whereas StringBuffer and StringBuider are mutable classes.</a:t>
-            </a:r>
-            <a:endParaRPr lang="en-US" sz="2000" b="0" strike="noStrike" spc="-1">
-              <a:latin typeface="Arial" panose="020B0604020202020204"/>
-            </a:endParaRPr>
-          </a:p>
-          <a:p>
-            <a:pPr marL="215900" indent="-215900">
-              <a:spcBef>
-                <a:spcPts val="1450"/>
-              </a:spcBef>
-              <a:spcAft>
-                <a:spcPts val="1450"/>
-              </a:spcAft>
-              <a:buClr>
-                <a:srgbClr val="000000"/>
-              </a:buClr>
-              <a:buSzPct val="45000"/>
-              <a:buFont typeface="Wingdings" panose="05000000000000000000" pitchFamily="2" charset="2"/>
-              <a:buChar char=""/>
-            </a:pPr>
-            <a:r>
-              <a:rPr lang="en-US" sz="2000" b="0" strike="noStrike" spc="-1">
-                <a:latin typeface="Arial" panose="020B0604020202020204"/>
-              </a:rPr>
-              <a:t>StringBuffer is thread safe and synchronized whereas StringBuilder is not, thats why </a:t>
-            </a:r>
-            <a:r>
-              <a:rPr lang="en-US" sz="2000" b="0" i="1" strike="noStrike" spc="-1">
-                <a:latin typeface="Arial" panose="020B0604020202020204"/>
-              </a:rPr>
-              <a:t>StringBuilder is more faster than StringBuffer</a:t>
-            </a:r>
-            <a:r>
-              <a:rPr lang="en-US" sz="2000" b="0" strike="noStrike" spc="-1">
-                <a:latin typeface="Arial" panose="020B0604020202020204"/>
-              </a:rPr>
-              <a:t>.</a:t>
-            </a:r>
-            <a:endParaRPr lang="en-US" sz="2000" b="0" strike="noStrike" spc="-1">
-              <a:latin typeface="Arial" panose="020B0604020202020204"/>
-            </a:endParaRPr>
-          </a:p>
-          <a:p>
-            <a:pPr marL="215900" indent="-215900">
-              <a:spcBef>
-                <a:spcPts val="1450"/>
-              </a:spcBef>
-              <a:spcAft>
-                <a:spcPts val="1450"/>
-              </a:spcAft>
-              <a:buClr>
-                <a:srgbClr val="000000"/>
-              </a:buClr>
-              <a:buSzPct val="45000"/>
-              <a:buFont typeface="Wingdings" panose="05000000000000000000" pitchFamily="2" charset="2"/>
-              <a:buChar char=""/>
-            </a:pPr>
-            <a:r>
-              <a:rPr lang="en-US" sz="2000" b="0" strike="noStrike" spc="-1">
-                <a:latin typeface="Arial" panose="020B0604020202020204"/>
-              </a:rPr>
-              <a:t>String concat + operator internally uses StringBuffer or StringBuilder class.</a:t>
-            </a:r>
-            <a:endParaRPr lang="en-US" sz="2000" b="0" strike="noStrike" spc="-1">
-              <a:latin typeface="Arial" panose="020B0604020202020204"/>
-            </a:endParaRPr>
-          </a:p>
-          <a:p>
-            <a:pPr marL="215900" indent="-215900">
-              <a:spcBef>
-                <a:spcPts val="1450"/>
-              </a:spcBef>
-              <a:spcAft>
-                <a:spcPts val="1450"/>
-              </a:spcAft>
-              <a:buClr>
-                <a:srgbClr val="000000"/>
-              </a:buClr>
-              <a:buSzPct val="45000"/>
-              <a:buFont typeface="Wingdings" panose="05000000000000000000" pitchFamily="2" charset="2"/>
-              <a:buChar char=""/>
-            </a:pPr>
-            <a:r>
-              <a:rPr lang="en-US" sz="2000" b="0" strike="noStrike" spc="-1">
-                <a:latin typeface="Arial" panose="020B0604020202020204"/>
-              </a:rPr>
-              <a:t>For String manipulations in non-multi threaded environment, we should use StringBuilder else use StringBuffer class.</a:t>
-            </a:r>
-            <a:endParaRPr lang="en-US" sz="2000" b="0" strike="noStrike" spc="-1">
-              <a:latin typeface="Arial" panose="020B0604020202020204"/>
-            </a:endParaRPr>
-          </a:p>
-        </p:txBody>
-      </p:sp>
+              <a:rPr lang="en-US" sz="1800" b="0" strike="noStrike" spc="-1">
+                <a:latin typeface="Arial" panose="020B0604020202020204"/>
+              </a:rPr>
+              <a:t>#4: Sử dụng deserialization, Cách này chính là chuyển một mảng byte thành đối tượng.</a:t>
+            </a:r>
+            <a:endParaRPr lang="en-US" sz="1800" b="0" strike="noStrike" spc="-1">
+              <a:latin typeface="Arial" panose="020B0604020202020204"/>
+            </a:endParaRPr>
+          </a:p>
+        </p:txBody>
+      </p:sp>
+      <p:pic>
+        <p:nvPicPr>
+          <p:cNvPr id="76" name="Picture 75"/>
+          <p:cNvPicPr/>
+          <p:nvPr/>
+        </p:nvPicPr>
+        <p:blipFill>
+          <a:blip r:embed="rId1"/>
+          <a:stretch>
+            <a:fillRect/>
+          </a:stretch>
+        </p:blipFill>
+        <p:spPr>
+          <a:xfrm>
+            <a:off x="1856160" y="2581560"/>
+            <a:ext cx="7013520" cy="3453480"/>
+          </a:xfrm>
+          <a:prstGeom prst="rect">
+            <a:avLst/>
+          </a:prstGeom>
+          <a:ln>
+            <a:noFill/>
+          </a:ln>
+        </p:spPr>
+      </p:pic>
     </p:spTree>
   </p:cSld>
   <p:clrMapOvr>
@@ -3836,14 +3742,14 @@
       </p:grpSpPr>
       <p:sp>
         <p:nvSpPr>
-          <p:cNvPr id="79" name="TextShape 1"/>
+          <p:cNvPr id="77" name="TextShape 1"/>
           <p:cNvSpPr txBox="1"/>
           <p:nvPr/>
         </p:nvSpPr>
         <p:spPr>
           <a:xfrm>
-            <a:off x="504000" y="504990"/>
-            <a:ext cx="9071640" cy="388620"/>
+            <a:off x="504000" y="301320"/>
+            <a:ext cx="9071640" cy="795960"/>
           </a:xfrm>
           <a:prstGeom prst="rect">
             <a:avLst/>
@@ -3858,7 +3764,7 @@
             <a:spAutoFit/>
           </a:bodyPr>
           <a:p>
-            <a:pPr indent="0" algn="l">
+            <a:pPr marL="215900" indent="-215900" algn="ctr">
               <a:lnSpc>
                 <a:spcPct val="115000"/>
               </a:lnSpc>
@@ -3873,13 +3779,13 @@
               </a:buClr>
               <a:buSzPct val="45000"/>
               <a:buFont typeface="Wingdings" panose="05000000000000000000" pitchFamily="2" charset="2"/>
-              <a:buNone/>
+              <a:buChar char=""/>
             </a:pPr>
             <a:r>
               <a:rPr lang="en-US" sz="2200" b="1" strike="noStrike" spc="-1">
                 <a:latin typeface="Arial" panose="020B0604020202020204"/>
               </a:rPr>
-              <a:t>Exception</a:t>
+              <a:t>String Pool, StringBuffer, StringBuilder</a:t>
             </a:r>
             <a:endParaRPr lang="en-US" sz="2200" b="0" strike="noStrike" spc="-1">
               <a:latin typeface="Arial" panose="020B0604020202020204"/>
@@ -3887,31 +3793,162 @@
           </a:p>
         </p:txBody>
       </p:sp>
-      <p:pic>
-        <p:nvPicPr>
-          <p:cNvPr id="80" name="Picture 79"/>
-          <p:cNvPicPr/>
+      <p:sp>
+        <p:nvSpPr>
+          <p:cNvPr id="78" name="TextShape 2"/>
+          <p:cNvSpPr txBox="1"/>
           <p:nvPr/>
-        </p:nvPicPr>
-        <p:blipFill>
-          <a:blip r:embed="rId1"/>
-          <a:stretch>
-            <a:fillRect/>
-          </a:stretch>
-        </p:blipFill>
-        <p:spPr>
-          <a:xfrm>
-            <a:off x="2743200" y="1097280"/>
-            <a:ext cx="6162480" cy="5648040"/>
-          </a:xfrm>
-          <a:prstGeom prst="rect">
-            <a:avLst/>
-          </a:prstGeom>
+        </p:nvSpPr>
+        <p:spPr>
+          <a:xfrm>
+            <a:off x="924120" y="1420200"/>
+            <a:ext cx="8859960" cy="4038600"/>
+          </a:xfrm>
+          <a:prstGeom prst="rect">
+            <a:avLst/>
+          </a:prstGeom>
+          <a:noFill/>
           <a:ln>
             <a:noFill/>
           </a:ln>
         </p:spPr>
-      </p:pic>
+        <p:txBody>
+          <a:bodyPr wrap="square" lIns="90000" tIns="45000" rIns="90000" bIns="45000">
+            <a:spAutoFit/>
+          </a:bodyPr>
+          <a:p>
+            <a:pPr indent="0">
+              <a:spcBef>
+                <a:spcPts val="1450"/>
+              </a:spcBef>
+              <a:spcAft>
+                <a:spcPts val="1450"/>
+              </a:spcAft>
+              <a:buClr>
+                <a:srgbClr val="000000"/>
+              </a:buClr>
+              <a:buSzPct val="45000"/>
+              <a:buFont typeface="Wingdings" panose="05000000000000000000" pitchFamily="2" charset="2"/>
+              <a:buNone/>
+            </a:pPr>
+            <a:endParaRPr lang="en-US" sz="2000" b="0" strike="noStrike" spc="-1">
+              <a:latin typeface="Arial" panose="020B0604020202020204"/>
+            </a:endParaRPr>
+          </a:p>
+          <a:p>
+            <a:pPr marL="215900" indent="-215900">
+              <a:spcBef>
+                <a:spcPts val="1450"/>
+              </a:spcBef>
+              <a:spcAft>
+                <a:spcPts val="1450"/>
+              </a:spcAft>
+              <a:buClr>
+                <a:srgbClr val="000000"/>
+              </a:buClr>
+              <a:buSzPct val="45000"/>
+              <a:buFont typeface="Wingdings" panose="05000000000000000000" pitchFamily="2" charset="2"/>
+              <a:buChar char=""/>
+            </a:pPr>
+            <a:r>
+              <a:rPr lang="en-US" sz="2000" b="0" strike="noStrike" spc="-1">
+                <a:latin typeface="Arial" panose="020B0604020202020204"/>
+              </a:rPr>
+              <a:t>String is immutable whereas StringBuffer and StringBuider are mutable classes.</a:t>
+            </a:r>
+            <a:endParaRPr lang="en-US" sz="2000" b="0" strike="noStrike" spc="-1">
+              <a:latin typeface="Arial" panose="020B0604020202020204"/>
+            </a:endParaRPr>
+          </a:p>
+          <a:p>
+            <a:pPr marL="215900" indent="-215900">
+              <a:spcBef>
+                <a:spcPts val="1450"/>
+              </a:spcBef>
+              <a:spcAft>
+                <a:spcPts val="1450"/>
+              </a:spcAft>
+              <a:buClr>
+                <a:srgbClr val="000000"/>
+              </a:buClr>
+              <a:buSzPct val="45000"/>
+              <a:buFont typeface="Wingdings" panose="05000000000000000000" pitchFamily="2" charset="2"/>
+              <a:buChar char=""/>
+            </a:pPr>
+            <a:r>
+              <a:rPr lang="en-US" sz="2000" b="0" strike="noStrike" spc="-1">
+                <a:latin typeface="Arial" panose="020B0604020202020204"/>
+              </a:rPr>
+              <a:t>StringBuffer is thread safe and synchronized whereas StringBuilder is not, thats why </a:t>
+            </a:r>
+            <a:r>
+              <a:rPr lang="en-US" sz="2000" b="0" i="1" strike="noStrike" spc="-1">
+                <a:latin typeface="Arial" panose="020B0604020202020204"/>
+              </a:rPr>
+              <a:t>StringBuilder is more faster than StringBuffer</a:t>
+            </a:r>
+            <a:r>
+              <a:rPr lang="en-US" sz="2000" b="0" strike="noStrike" spc="-1">
+                <a:latin typeface="Arial" panose="020B0604020202020204"/>
+              </a:rPr>
+              <a:t>.</a:t>
+            </a:r>
+            <a:endParaRPr lang="en-US" sz="2000" b="0" strike="noStrike" spc="-1">
+              <a:latin typeface="Arial" panose="020B0604020202020204"/>
+            </a:endParaRPr>
+          </a:p>
+          <a:p>
+            <a:pPr marL="215900" indent="-215900">
+              <a:spcBef>
+                <a:spcPts val="1450"/>
+              </a:spcBef>
+              <a:spcAft>
+                <a:spcPts val="1450"/>
+              </a:spcAft>
+              <a:buClr>
+                <a:srgbClr val="000000"/>
+              </a:buClr>
+              <a:buSzPct val="45000"/>
+              <a:buFont typeface="Wingdings" panose="05000000000000000000" pitchFamily="2" charset="2"/>
+              <a:buChar char=""/>
+            </a:pPr>
+            <a:r>
+              <a:rPr lang="en-US" sz="2000" b="0" strike="noStrike" spc="-1">
+                <a:latin typeface="Arial" panose="020B0604020202020204"/>
+              </a:rPr>
+              <a:t>String concat + operator internally uses StringBuffer or StringBuilder class.</a:t>
+            </a:r>
+            <a:endParaRPr lang="en-US" sz="2000" b="0" strike="noStrike" spc="-1">
+              <a:latin typeface="Arial" panose="020B0604020202020204"/>
+            </a:endParaRPr>
+          </a:p>
+          <a:p>
+            <a:pPr marL="215900" indent="-215900">
+              <a:spcBef>
+                <a:spcPts val="1450"/>
+              </a:spcBef>
+              <a:spcAft>
+                <a:spcPts val="1450"/>
+              </a:spcAft>
+              <a:buClr>
+                <a:srgbClr val="000000"/>
+              </a:buClr>
+              <a:buSzPct val="45000"/>
+              <a:buFont typeface="Wingdings" panose="05000000000000000000" pitchFamily="2" charset="2"/>
+              <a:buChar char=""/>
+            </a:pPr>
+            <a:r>
+              <a:rPr lang="en-US" sz="2000" b="0" strike="noStrike" spc="-1">
+                <a:latin typeface="Arial" panose="020B0604020202020204"/>
+              </a:rPr>
+              <a:t>For String manipulations in non-multi threaded environment, we should use StringBuilder else use StringBuffer class.</a:t>
+            </a:r>
+            <a:endParaRPr lang="en-US" sz="2000" b="0" strike="noStrike" spc="-1">
+              <a:latin typeface="Arial" panose="020B0604020202020204"/>
+            </a:endParaRPr>
+          </a:p>
+        </p:txBody>
+      </p:sp>
     </p:spTree>
   </p:cSld>
   <p:clrMapOvr>
@@ -3947,14 +3984,14 @@
       </p:grpSpPr>
       <p:sp>
         <p:nvSpPr>
-          <p:cNvPr id="81" name="TextShape 1"/>
+          <p:cNvPr id="79" name="TextShape 1"/>
           <p:cNvSpPr txBox="1"/>
           <p:nvPr/>
         </p:nvSpPr>
         <p:spPr>
           <a:xfrm>
-            <a:off x="504000" y="301320"/>
-            <a:ext cx="9071640" cy="795960"/>
+            <a:off x="504000" y="504990"/>
+            <a:ext cx="9071640" cy="388620"/>
           </a:xfrm>
           <a:prstGeom prst="rect">
             <a:avLst/>
@@ -3969,7 +4006,7 @@
             <a:spAutoFit/>
           </a:bodyPr>
           <a:p>
-            <a:pPr marL="215900" indent="-215900" algn="ctr">
+            <a:pPr indent="0" algn="l">
               <a:lnSpc>
                 <a:spcPct val="115000"/>
               </a:lnSpc>
@@ -3984,13 +4021,13 @@
               </a:buClr>
               <a:buSzPct val="45000"/>
               <a:buFont typeface="Wingdings" panose="05000000000000000000" pitchFamily="2" charset="2"/>
-              <a:buChar char=""/>
+              <a:buNone/>
             </a:pPr>
             <a:r>
               <a:rPr lang="en-US" sz="2200" b="1" strike="noStrike" spc="-1">
                 <a:latin typeface="Arial" panose="020B0604020202020204"/>
               </a:rPr>
-              <a:t>Database Index</a:t>
+              <a:t>Exception</a:t>
             </a:r>
             <a:endParaRPr lang="en-US" sz="2200" b="0" strike="noStrike" spc="-1">
               <a:latin typeface="Arial" panose="020B0604020202020204"/>
@@ -3998,42 +4035,31 @@
           </a:p>
         </p:txBody>
       </p:sp>
-      <p:sp>
-        <p:nvSpPr>
-          <p:cNvPr id="82" name="TextShape 2"/>
-          <p:cNvSpPr txBox="1"/>
+      <p:pic>
+        <p:nvPicPr>
+          <p:cNvPr id="80" name="Picture 79"/>
+          <p:cNvPicPr/>
           <p:nvPr/>
-        </p:nvSpPr>
-        <p:spPr>
-          <a:xfrm>
-            <a:off x="1721160" y="2217600"/>
-            <a:ext cx="6686640" cy="602280"/>
-          </a:xfrm>
-          <a:prstGeom prst="rect">
-            <a:avLst/>
-          </a:prstGeom>
-          <a:noFill/>
+        </p:nvPicPr>
+        <p:blipFill>
+          <a:blip r:embed="rId1"/>
+          <a:stretch>
+            <a:fillRect/>
+          </a:stretch>
+        </p:blipFill>
+        <p:spPr>
+          <a:xfrm>
+            <a:off x="2743200" y="1097280"/>
+            <a:ext cx="6162480" cy="5648040"/>
+          </a:xfrm>
+          <a:prstGeom prst="rect">
+            <a:avLst/>
+          </a:prstGeom>
           <a:ln>
             <a:noFill/>
           </a:ln>
         </p:spPr>
-        <p:txBody>
-          <a:bodyPr lIns="90000" tIns="45000" rIns="90000" bIns="45000">
-            <a:spAutoFit/>
-          </a:bodyPr>
-          <a:p>
-            <a:r>
-              <a:rPr lang="en-US" sz="1800" b="0" strike="noStrike" spc="-1">
-                <a:latin typeface="Arial" panose="020B0604020202020204"/>
-              </a:rPr>
-              <a:t>https://viblo.asia/p/tim-hieu-ve-database-index-3wjAM7VgRmWe</a:t>
-            </a:r>
-            <a:endParaRPr lang="en-US" sz="1800" b="0" strike="noStrike" spc="-1">
-              <a:latin typeface="Arial" panose="020B0604020202020204"/>
-            </a:endParaRPr>
-          </a:p>
-        </p:txBody>
-      </p:sp>
+      </p:pic>
     </p:spTree>
   </p:cSld>
   <p:clrMapOvr>
@@ -4075,8 +4101,8 @@
         </p:nvSpPr>
         <p:spPr>
           <a:xfrm>
-            <a:off x="504000" y="310362"/>
-            <a:ext cx="9071640" cy="777875"/>
+            <a:off x="504000" y="301320"/>
+            <a:ext cx="9071640" cy="795960"/>
           </a:xfrm>
           <a:prstGeom prst="rect">
             <a:avLst/>
@@ -4091,7 +4117,7 @@
             <a:spAutoFit/>
           </a:bodyPr>
           <a:p>
-            <a:pPr indent="0" algn="ctr">
+            <a:pPr marL="215900" indent="-215900" algn="ctr">
               <a:lnSpc>
                 <a:spcPct val="115000"/>
               </a:lnSpc>
@@ -4106,167 +4132,53 @@
               </a:buClr>
               <a:buSzPct val="45000"/>
               <a:buFont typeface="Wingdings" panose="05000000000000000000" pitchFamily="2" charset="2"/>
-              <a:buNone/>
-            </a:pPr>
-            <a:r>
-              <a:rPr lang="en-US" sz="4400" b="1" strike="noStrike" spc="-1">
-                <a:latin typeface="Arial" panose="020B0604020202020204"/>
-              </a:rPr>
-              <a:t>Java 8</a:t>
-            </a:r>
-            <a:endParaRPr lang="en-US" sz="4400" b="1" strike="noStrike" spc="-1">
-              <a:latin typeface="Arial" panose="020B0604020202020204"/>
-            </a:endParaRPr>
-          </a:p>
-        </p:txBody>
-      </p:sp>
-      <p:sp>
-        <p:nvSpPr>
-          <p:cNvPr id="2" name="Text Box 1"/>
+              <a:buChar char=""/>
+            </a:pPr>
+            <a:r>
+              <a:rPr lang="en-US" sz="2200" b="1" strike="noStrike" spc="-1">
+                <a:latin typeface="Arial" panose="020B0604020202020204"/>
+              </a:rPr>
+              <a:t>Database Index</a:t>
+            </a:r>
+            <a:endParaRPr lang="en-US" sz="2200" b="0" strike="noStrike" spc="-1">
+              <a:latin typeface="Arial" panose="020B0604020202020204"/>
+            </a:endParaRPr>
+          </a:p>
+        </p:txBody>
+      </p:sp>
+      <p:sp>
+        <p:nvSpPr>
+          <p:cNvPr id="82" name="TextShape 2"/>
           <p:cNvSpPr txBox="1"/>
           <p:nvPr/>
         </p:nvSpPr>
         <p:spPr>
           <a:xfrm>
-            <a:off x="919480" y="1355090"/>
-            <a:ext cx="7607300" cy="5492750"/>
+            <a:off x="1721160" y="2217600"/>
+            <a:ext cx="6686640" cy="602280"/>
           </a:xfrm>
           <a:prstGeom prst="rect">
             <a:avLst/>
           </a:prstGeom>
           <a:noFill/>
-        </p:spPr>
-        <p:txBody>
-          <a:bodyPr wrap="square" rtlCol="0" anchor="t">
-            <a:spAutoFit/>
-          </a:bodyPr>
-          <a:p>
-            <a:pPr>
-              <a:lnSpc>
-                <a:spcPct val="150000"/>
-              </a:lnSpc>
-            </a:pPr>
-            <a:r>
-              <a:rPr lang="en-US"/>
-              <a:t>Một số tính năng mới chủ yếu của Java 8 bao gồm:</a:t>
-            </a:r>
-            <a:endParaRPr lang="en-US"/>
-          </a:p>
-          <a:p>
-            <a:pPr marL="285750" indent="-285750">
-              <a:lnSpc>
-                <a:spcPct val="150000"/>
-              </a:lnSpc>
-              <a:buFont typeface="Arial" panose="020B0604020202020204" pitchFamily="34" charset="0"/>
-              <a:buChar char="•"/>
-            </a:pPr>
-            <a:r>
-              <a:rPr lang="en-US" b="1"/>
-              <a:t>Default method</a:t>
-            </a:r>
-            <a:r>
-              <a:rPr lang="en-US"/>
-              <a:t> : Cung cấp phương thức mặc định cho Interface.</a:t>
-            </a:r>
-            <a:endParaRPr lang="en-US"/>
-          </a:p>
-          <a:p>
-            <a:pPr marL="285750" indent="-285750">
-              <a:lnSpc>
-                <a:spcPct val="150000"/>
-              </a:lnSpc>
-              <a:buFont typeface="Arial" panose="020B0604020202020204" pitchFamily="34" charset="0"/>
-              <a:buChar char="•"/>
-            </a:pPr>
-            <a:r>
-              <a:rPr lang="en-US" b="1"/>
-              <a:t>Lambda expression</a:t>
-            </a:r>
-            <a:r>
-              <a:rPr lang="en-US"/>
-              <a:t> : Thêm khả năng xử lý function cho Java.</a:t>
-            </a:r>
-            <a:endParaRPr lang="en-US"/>
-          </a:p>
-          <a:p>
-            <a:pPr marL="285750" indent="-285750">
-              <a:lnSpc>
-                <a:spcPct val="150000"/>
-              </a:lnSpc>
-              <a:buFont typeface="Arial" panose="020B0604020202020204" pitchFamily="34" charset="0"/>
-              <a:buChar char="•"/>
-            </a:pPr>
-            <a:r>
-              <a:rPr lang="en-US" b="1"/>
-              <a:t>Method references</a:t>
-            </a:r>
-            <a:r>
-              <a:rPr lang="en-US"/>
-              <a:t> : Các hàm tham chiếu theo tên của phương thức thay vì gọi trực tiếp. Sử dụng các function làm tham số.</a:t>
-            </a:r>
-            <a:endParaRPr lang="en-US"/>
-          </a:p>
-          <a:p>
-            <a:pPr marL="285750" indent="-285750">
-              <a:lnSpc>
-                <a:spcPct val="150000"/>
-              </a:lnSpc>
-              <a:buFont typeface="Arial" panose="020B0604020202020204" pitchFamily="34" charset="0"/>
-              <a:buChar char="•"/>
-            </a:pPr>
-            <a:r>
-              <a:rPr lang="en-US" b="1"/>
-              <a:t>Stream API </a:t>
-            </a:r>
-            <a:r>
-              <a:rPr lang="en-US"/>
-              <a:t>: bao gồm các class, interface và enum để cho phép các hoạt động kiểu function trên các element (phần tử) của một Collection, Array. Nó thực hiện chỉ khi nó yêu cầu (lazy).</a:t>
-            </a:r>
-            <a:endParaRPr lang="en-US"/>
-          </a:p>
-          <a:p>
-            <a:pPr marL="285750" indent="-285750">
-              <a:lnSpc>
-                <a:spcPct val="150000"/>
-              </a:lnSpc>
-              <a:buFont typeface="Arial" panose="020B0604020202020204" pitchFamily="34" charset="0"/>
-              <a:buChar char="•"/>
-            </a:pPr>
-            <a:r>
-              <a:rPr lang="en-US" b="1"/>
-              <a:t>Date Time API </a:t>
-            </a:r>
-            <a:r>
-              <a:rPr lang="en-US"/>
-              <a:t>: cung cấp một số lớp mới trong gói java.time cùng với định dạng thời gian Joda.</a:t>
-            </a:r>
-            <a:endParaRPr lang="en-US"/>
-          </a:p>
-          <a:p>
-            <a:pPr marL="285750" indent="-285750">
-              <a:lnSpc>
-                <a:spcPct val="150000"/>
-              </a:lnSpc>
-              <a:buFont typeface="Arial" panose="020B0604020202020204" pitchFamily="34" charset="0"/>
-              <a:buChar char="•"/>
-            </a:pPr>
-            <a:r>
-              <a:rPr lang="en-US" b="1"/>
-              <a:t>Optional </a:t>
-            </a:r>
-            <a:r>
-              <a:rPr lang="en-US"/>
-              <a:t>: là một lớp được sử dụng để hạn chế với lỗi NullPointerException trong ứng dụng Java.</a:t>
-            </a:r>
-            <a:endParaRPr lang="en-US"/>
-          </a:p>
-          <a:p>
-            <a:pPr>
-              <a:lnSpc>
-                <a:spcPct val="150000"/>
-              </a:lnSpc>
-            </a:pPr>
-            <a:endParaRPr lang="en-US"/>
+          <a:ln>
+            <a:noFill/>
+          </a:ln>
+        </p:spPr>
+        <p:txBody>
+          <a:bodyPr lIns="90000" tIns="45000" rIns="90000" bIns="45000">
+            <a:spAutoFit/>
+          </a:bodyPr>
+          <a:p>
+            <a:r>
+              <a:rPr lang="en-US" sz="1800" b="0" strike="noStrike" spc="-1">
+                <a:latin typeface="Arial" panose="020B0604020202020204"/>
+              </a:rPr>
+              <a:t>https://viblo.asia/p/tim-hieu-ve-database-index-3wjAM7VgRmWe</a:t>
+            </a:r>
+            <a:endParaRPr lang="en-US" sz="1800" b="0" strike="noStrike" spc="-1">
+              <a:latin typeface="Arial" panose="020B0604020202020204"/>
+            </a:endParaRPr>
           </a:p>
         </p:txBody>
       </p:sp>
@@ -4510,6 +4422,242 @@
 </file>
 
 <file path=ppt/slides/slide20.xml><?xml version="1.0" encoding="utf-8"?>
+<p:sld xmlns:a="http://schemas.openxmlformats.org/drawingml/2006/main" xmlns:r="http://schemas.openxmlformats.org/officeDocument/2006/relationships" xmlns:p="http://schemas.openxmlformats.org/presentationml/2006/main">
+  <p:cSld>
+    <p:spTree>
+      <p:nvGrpSpPr>
+        <p:cNvPr id="1" name=""/>
+        <p:cNvGrpSpPr/>
+        <p:nvPr/>
+      </p:nvGrpSpPr>
+      <p:grpSpPr>
+        <a:xfrm>
+          <a:off x="0" y="0"/>
+          <a:ext cx="0" cy="0"/>
+          <a:chOff x="0" y="0"/>
+          <a:chExt cx="0" cy="0"/>
+        </a:xfrm>
+      </p:grpSpPr>
+      <p:sp>
+        <p:nvSpPr>
+          <p:cNvPr id="81" name="TextShape 1"/>
+          <p:cNvSpPr txBox="1"/>
+          <p:nvPr/>
+        </p:nvSpPr>
+        <p:spPr>
+          <a:xfrm>
+            <a:off x="504000" y="310362"/>
+            <a:ext cx="9071640" cy="777875"/>
+          </a:xfrm>
+          <a:prstGeom prst="rect">
+            <a:avLst/>
+          </a:prstGeom>
+          <a:noFill/>
+          <a:ln>
+            <a:noFill/>
+          </a:ln>
+        </p:spPr>
+        <p:txBody>
+          <a:bodyPr lIns="0" tIns="0" rIns="0" bIns="0" anchor="ctr">
+            <a:spAutoFit/>
+          </a:bodyPr>
+          <a:p>
+            <a:pPr indent="0" algn="ctr">
+              <a:lnSpc>
+                <a:spcPct val="115000"/>
+              </a:lnSpc>
+              <a:spcBef>
+                <a:spcPts val="580"/>
+              </a:spcBef>
+              <a:spcAft>
+                <a:spcPts val="580"/>
+              </a:spcAft>
+              <a:buClr>
+                <a:srgbClr val="000000"/>
+              </a:buClr>
+              <a:buSzPct val="45000"/>
+              <a:buFont typeface="Wingdings" panose="05000000000000000000" pitchFamily="2" charset="2"/>
+              <a:buNone/>
+            </a:pPr>
+            <a:r>
+              <a:rPr lang="en-US" sz="4400" b="1" strike="noStrike" spc="-1">
+                <a:latin typeface="Arial" panose="020B0604020202020204"/>
+              </a:rPr>
+              <a:t>Java 8</a:t>
+            </a:r>
+            <a:endParaRPr lang="en-US" sz="4400" b="1" strike="noStrike" spc="-1">
+              <a:latin typeface="Arial" panose="020B0604020202020204"/>
+            </a:endParaRPr>
+          </a:p>
+        </p:txBody>
+      </p:sp>
+      <p:sp>
+        <p:nvSpPr>
+          <p:cNvPr id="2" name="Text Box 1"/>
+          <p:cNvSpPr txBox="1"/>
+          <p:nvPr/>
+        </p:nvSpPr>
+        <p:spPr>
+          <a:xfrm>
+            <a:off x="919480" y="1355090"/>
+            <a:ext cx="7607300" cy="5492750"/>
+          </a:xfrm>
+          <a:prstGeom prst="rect">
+            <a:avLst/>
+          </a:prstGeom>
+          <a:noFill/>
+        </p:spPr>
+        <p:txBody>
+          <a:bodyPr wrap="square" rtlCol="0" anchor="t">
+            <a:spAutoFit/>
+          </a:bodyPr>
+          <a:p>
+            <a:pPr>
+              <a:lnSpc>
+                <a:spcPct val="150000"/>
+              </a:lnSpc>
+            </a:pPr>
+            <a:r>
+              <a:rPr lang="en-US"/>
+              <a:t>Một số tính năng mới chủ yếu của Java 8 bao gồm:</a:t>
+            </a:r>
+            <a:endParaRPr lang="en-US"/>
+          </a:p>
+          <a:p>
+            <a:pPr marL="285750" indent="-285750">
+              <a:lnSpc>
+                <a:spcPct val="150000"/>
+              </a:lnSpc>
+              <a:buFont typeface="Arial" panose="020B0604020202020204" pitchFamily="34" charset="0"/>
+              <a:buChar char="•"/>
+            </a:pPr>
+            <a:r>
+              <a:rPr lang="en-US" b="1"/>
+              <a:t>Default method</a:t>
+            </a:r>
+            <a:r>
+              <a:rPr lang="en-US"/>
+              <a:t> : Cung cấp phương thức mặc định cho Interface.</a:t>
+            </a:r>
+            <a:endParaRPr lang="en-US"/>
+          </a:p>
+          <a:p>
+            <a:pPr marL="285750" indent="-285750">
+              <a:lnSpc>
+                <a:spcPct val="150000"/>
+              </a:lnSpc>
+              <a:buFont typeface="Arial" panose="020B0604020202020204" pitchFamily="34" charset="0"/>
+              <a:buChar char="•"/>
+            </a:pPr>
+            <a:r>
+              <a:rPr lang="en-US" b="1"/>
+              <a:t>Lambda expression</a:t>
+            </a:r>
+            <a:r>
+              <a:rPr lang="en-US"/>
+              <a:t> : Thêm khả năng xử lý function cho Java.</a:t>
+            </a:r>
+            <a:endParaRPr lang="en-US"/>
+          </a:p>
+          <a:p>
+            <a:pPr marL="285750" indent="-285750">
+              <a:lnSpc>
+                <a:spcPct val="150000"/>
+              </a:lnSpc>
+              <a:buFont typeface="Arial" panose="020B0604020202020204" pitchFamily="34" charset="0"/>
+              <a:buChar char="•"/>
+            </a:pPr>
+            <a:r>
+              <a:rPr lang="en-US" b="1"/>
+              <a:t>Method references</a:t>
+            </a:r>
+            <a:r>
+              <a:rPr lang="en-US"/>
+              <a:t> : Các hàm tham chiếu theo tên của phương thức thay vì gọi trực tiếp. Sử dụng các function làm tham số.</a:t>
+            </a:r>
+            <a:endParaRPr lang="en-US"/>
+          </a:p>
+          <a:p>
+            <a:pPr marL="285750" indent="-285750">
+              <a:lnSpc>
+                <a:spcPct val="150000"/>
+              </a:lnSpc>
+              <a:buFont typeface="Arial" panose="020B0604020202020204" pitchFamily="34" charset="0"/>
+              <a:buChar char="•"/>
+            </a:pPr>
+            <a:r>
+              <a:rPr lang="en-US" b="1"/>
+              <a:t>Stream API </a:t>
+            </a:r>
+            <a:r>
+              <a:rPr lang="en-US"/>
+              <a:t>: bao gồm các class, interface và enum để cho phép các hoạt động kiểu function trên các element (phần tử) của một Collection, Array. Nó thực hiện chỉ khi nó yêu cầu (lazy).</a:t>
+            </a:r>
+            <a:endParaRPr lang="en-US"/>
+          </a:p>
+          <a:p>
+            <a:pPr marL="285750" indent="-285750">
+              <a:lnSpc>
+                <a:spcPct val="150000"/>
+              </a:lnSpc>
+              <a:buFont typeface="Arial" panose="020B0604020202020204" pitchFamily="34" charset="0"/>
+              <a:buChar char="•"/>
+            </a:pPr>
+            <a:r>
+              <a:rPr lang="en-US" b="1"/>
+              <a:t>Date Time API </a:t>
+            </a:r>
+            <a:r>
+              <a:rPr lang="en-US"/>
+              <a:t>: cung cấp một số lớp mới trong gói java.time cùng với định dạng thời gian Joda.</a:t>
+            </a:r>
+            <a:endParaRPr lang="en-US"/>
+          </a:p>
+          <a:p>
+            <a:pPr marL="285750" indent="-285750">
+              <a:lnSpc>
+                <a:spcPct val="150000"/>
+              </a:lnSpc>
+              <a:buFont typeface="Arial" panose="020B0604020202020204" pitchFamily="34" charset="0"/>
+              <a:buChar char="•"/>
+            </a:pPr>
+            <a:r>
+              <a:rPr lang="en-US" b="1"/>
+              <a:t>Optional </a:t>
+            </a:r>
+            <a:r>
+              <a:rPr lang="en-US"/>
+              <a:t>: là một lớp được sử dụng để hạn chế với lỗi NullPointerException trong ứng dụng Java.</a:t>
+            </a:r>
+            <a:endParaRPr lang="en-US"/>
+          </a:p>
+          <a:p>
+            <a:pPr>
+              <a:lnSpc>
+                <a:spcPct val="150000"/>
+              </a:lnSpc>
+            </a:pPr>
+            <a:endParaRPr lang="en-US"/>
+          </a:p>
+        </p:txBody>
+      </p:sp>
+    </p:spTree>
+  </p:cSld>
+  <p:clrMapOvr>
+    <a:masterClrMapping/>
+  </p:clrMapOvr>
+  <mc:AlternateContent xmlns:mc="http://schemas.openxmlformats.org/markup-compatibility/2006">
+    <mc:Choice xmlns:p14="http://schemas.microsoft.com/office/powerpoint/2010/main" Requires="p14">
+      <p:transition spd="slow" p14:dur="2000"/>
+    </mc:Choice>
+    <mc:Fallback>
+      <p:transition spd="slow"/>
+    </mc:Fallback>
+  </mc:AlternateContent>
+</p:sld>
+</file>
+
+<file path=ppt/slides/slide21.xml><?xml version="1.0" encoding="utf-8"?>
 <p:sld xmlns:a="http://schemas.openxmlformats.org/drawingml/2006/main" xmlns:r="http://schemas.openxmlformats.org/officeDocument/2006/relationships" xmlns:p="http://schemas.openxmlformats.org/presentationml/2006/main">
   <p:cSld>
     <p:spTree>
@@ -5713,14 +5861,14 @@
       </p:grpSpPr>
       <p:sp>
         <p:nvSpPr>
-          <p:cNvPr id="57" name="TextShape 1"/>
+          <p:cNvPr id="55" name="TextShape 1"/>
           <p:cNvSpPr txBox="1"/>
           <p:nvPr/>
         </p:nvSpPr>
         <p:spPr>
           <a:xfrm>
-            <a:off x="504000" y="360527"/>
-            <a:ext cx="9071640" cy="494665"/>
+            <a:off x="504000" y="437418"/>
+            <a:ext cx="9071640" cy="989965"/>
           </a:xfrm>
           <a:prstGeom prst="rect">
             <a:avLst/>
@@ -5735,7 +5883,7 @@
             <a:spAutoFit/>
           </a:bodyPr>
           <a:p>
-            <a:pPr indent="0">
+            <a:pPr indent="0" algn="ctr">
               <a:lnSpc>
                 <a:spcPct val="115000"/>
               </a:lnSpc>
@@ -5756,179 +5904,38 @@
               <a:rPr lang="en-US" sz="2800" b="1" strike="noStrike" spc="-1">
                 <a:latin typeface="Arial" panose="020B0604020202020204"/>
               </a:rPr>
-              <a:t>Callable, Future, Executors</a:t>
-            </a:r>
-            <a:endParaRPr lang="en-US" sz="2800" b="0" strike="noStrike" spc="-1">
-              <a:latin typeface="Arial" panose="020B0604020202020204"/>
-            </a:endParaRPr>
-          </a:p>
-        </p:txBody>
-      </p:sp>
-      <p:sp>
-        <p:nvSpPr>
-          <p:cNvPr id="58" name="TextShape 2"/>
-          <p:cNvSpPr txBox="1"/>
+              <a:t>Important Classes/Interfaces in the Executor hierarchy</a:t>
+            </a:r>
+            <a:endParaRPr lang="en-US" sz="2800" b="1" strike="noStrike" spc="-1">
+              <a:latin typeface="Arial" panose="020B0604020202020204"/>
+            </a:endParaRPr>
+          </a:p>
+        </p:txBody>
+      </p:sp>
+      <p:pic>
+        <p:nvPicPr>
+          <p:cNvPr id="2" name="Picture 1"/>
+          <p:cNvPicPr>
+            <a:picLocks noChangeAspect="1"/>
+          </p:cNvPicPr>
           <p:nvPr/>
-        </p:nvSpPr>
-        <p:spPr>
-          <a:xfrm>
-            <a:off x="741240" y="1012320"/>
-            <a:ext cx="8859960" cy="6223635"/>
-          </a:xfrm>
-          <a:prstGeom prst="rect">
-            <a:avLst/>
-          </a:prstGeom>
-          <a:noFill/>
-          <a:ln>
-            <a:noFill/>
-          </a:ln>
-        </p:spPr>
-        <p:txBody>
-          <a:bodyPr wrap="square" lIns="90000" tIns="45000" rIns="90000" bIns="45000">
-            <a:spAutoFit/>
-          </a:bodyPr>
-          <a:p>
-            <a:pPr indent="0">
-              <a:lnSpc>
-                <a:spcPct val="150000"/>
-              </a:lnSpc>
-              <a:spcBef>
-                <a:spcPts val="580"/>
-              </a:spcBef>
-              <a:spcAft>
-                <a:spcPts val="580"/>
-              </a:spcAft>
-              <a:buClr>
-                <a:srgbClr val="000000"/>
-              </a:buClr>
-              <a:buSzPct val="45000"/>
-              <a:buFont typeface="Wingdings" panose="05000000000000000000" pitchFamily="2" charset="2"/>
-              <a:buNone/>
-            </a:pPr>
-            <a:r>
-              <a:rPr lang="en-US" sz="2000" b="1" strike="noStrike" spc="-1">
-                <a:latin typeface="Arial" panose="020B0604020202020204"/>
-              </a:rPr>
-              <a:t>Ta có thể xử lý bất đồng bộ trong java voi Future</a:t>
-            </a:r>
-            <a:endParaRPr lang="en-US" sz="2000" b="0" strike="noStrike" spc="-1">
-              <a:latin typeface="Arial" panose="020B0604020202020204"/>
-            </a:endParaRPr>
-          </a:p>
-          <a:p>
-            <a:pPr marL="215900" indent="-215900">
-              <a:lnSpc>
-                <a:spcPct val="150000"/>
-              </a:lnSpc>
-              <a:spcBef>
-                <a:spcPts val="580"/>
-              </a:spcBef>
-              <a:spcAft>
-                <a:spcPts val="580"/>
-              </a:spcAft>
-              <a:buClr>
-                <a:srgbClr val="000000"/>
-              </a:buClr>
-              <a:buSzPct val="45000"/>
-              <a:buFont typeface="Wingdings" panose="05000000000000000000" pitchFamily="2" charset="2"/>
-              <a:buChar char=""/>
-            </a:pPr>
-            <a:r>
-              <a:rPr lang="en-US" sz="2000" b="0" strike="noStrike" spc="-1">
-                <a:latin typeface="Arial" panose="020B0604020202020204"/>
-              </a:rPr>
-              <a:t>Thay vì tạo thread bằng việc Extend Thread hoặc implement Runable và tự quản lý số lượng thread. Thì ta có một hướng tiếp cận khác đó là sử dụng Callable và Future. (Cho phép hủy các thread, kiểm tra thread đã hoàn thành chưa, quản lý số thread chạy cùng lúc …)</a:t>
-            </a:r>
-            <a:endParaRPr lang="en-US" sz="2000" b="0" strike="noStrike" spc="-1">
-              <a:latin typeface="Arial" panose="020B0604020202020204"/>
-            </a:endParaRPr>
-          </a:p>
-          <a:p>
-            <a:pPr marL="215900" indent="-215900">
-              <a:lnSpc>
-                <a:spcPct val="150000"/>
-              </a:lnSpc>
-              <a:spcBef>
-                <a:spcPts val="580"/>
-              </a:spcBef>
-              <a:spcAft>
-                <a:spcPts val="580"/>
-              </a:spcAft>
-              <a:buClr>
-                <a:srgbClr val="000000"/>
-              </a:buClr>
-              <a:buSzPct val="45000"/>
-              <a:buFont typeface="Wingdings" panose="05000000000000000000" pitchFamily="2" charset="2"/>
-              <a:buChar char=""/>
-            </a:pPr>
-            <a:r>
-              <a:rPr lang="en-US" sz="2000" b="0" strike="noStrike" spc="-1">
-                <a:latin typeface="Arial" panose="020B0604020202020204"/>
-              </a:rPr>
-              <a:t>Callablelà một interface trong java, nó định nghĩa một công việc và trả về một kết quả trong tương lai và có thể throw Exception</a:t>
-            </a:r>
-            <a:endParaRPr lang="en-US" sz="2000" b="0" strike="noStrike" spc="-1">
-              <a:latin typeface="Arial" panose="020B0604020202020204"/>
-            </a:endParaRPr>
-          </a:p>
-          <a:p>
-            <a:pPr marL="215900" indent="-215900">
-              <a:lnSpc>
-                <a:spcPct val="150000"/>
-              </a:lnSpc>
-              <a:spcBef>
-                <a:spcPts val="580"/>
-              </a:spcBef>
-              <a:spcAft>
-                <a:spcPts val="580"/>
-              </a:spcAft>
-              <a:buClr>
-                <a:srgbClr val="000000"/>
-              </a:buClr>
-              <a:buSzPct val="45000"/>
-              <a:buFont typeface="Wingdings" panose="05000000000000000000" pitchFamily="2" charset="2"/>
-              <a:buChar char=""/>
-            </a:pPr>
-            <a:r>
-              <a:rPr lang="en-US" sz="2000" b="0" strike="noStrike" spc="-1">
-                <a:latin typeface="Arial" panose="020B0604020202020204"/>
-              </a:rPr>
-              <a:t>Future là kết quả trả về của Callable, nó thể hiện kết quả của một phép tính không đồng bộ, cho phép kiểm tra trạng thái của phép tính (đã thực hiện xong chưa, kết quả trả về là gì…)</a:t>
-            </a:r>
-            <a:endParaRPr lang="en-US" sz="2000" b="0" strike="noStrike" spc="-1">
-              <a:latin typeface="Arial" panose="020B0604020202020204"/>
-            </a:endParaRPr>
-          </a:p>
-          <a:p>
-            <a:pPr marL="215900" indent="-215900">
-              <a:lnSpc>
-                <a:spcPct val="150000"/>
-              </a:lnSpc>
-              <a:spcBef>
-                <a:spcPts val="580"/>
-              </a:spcBef>
-              <a:spcAft>
-                <a:spcPts val="580"/>
-              </a:spcAft>
-              <a:buClr>
-                <a:srgbClr val="000000"/>
-              </a:buClr>
-              <a:buSzPct val="45000"/>
-              <a:buFont typeface="Wingdings" panose="05000000000000000000" pitchFamily="2" charset="2"/>
-              <a:buChar char=""/>
-            </a:pPr>
-            <a:r>
-              <a:rPr lang="en-US" sz="2000" b="0" strike="noStrike" spc="-1">
-                <a:latin typeface="Arial" panose="020B0604020202020204"/>
-              </a:rPr>
-              <a:t>Executors là một class tiện ích trong Java, dùng để tạo thread pool, đối tượng Callable cho các xử lý bất đồng bộ..</a:t>
-            </a:r>
-            <a:endParaRPr lang="en-US" sz="2000" b="0" strike="noStrike" spc="-1">
-              <a:latin typeface="Arial" panose="020B0604020202020204"/>
-            </a:endParaRPr>
-          </a:p>
-        </p:txBody>
-      </p:sp>
+        </p:nvPicPr>
+        <p:blipFill>
+          <a:blip r:embed="rId1"/>
+          <a:stretch>
+            <a:fillRect/>
+          </a:stretch>
+        </p:blipFill>
+        <p:spPr>
+          <a:xfrm>
+            <a:off x="1111250" y="1525905"/>
+            <a:ext cx="7856855" cy="5809615"/>
+          </a:xfrm>
+          <a:prstGeom prst="rect">
+            <a:avLst/>
+          </a:prstGeom>
+        </p:spPr>
+      </p:pic>
     </p:spTree>
   </p:cSld>
   <p:clrMapOvr>
@@ -5964,13 +5971,13 @@
       </p:grpSpPr>
       <p:sp>
         <p:nvSpPr>
-          <p:cNvPr id="59" name="TextShape 1"/>
+          <p:cNvPr id="57" name="TextShape 1"/>
           <p:cNvSpPr txBox="1"/>
           <p:nvPr/>
         </p:nvSpPr>
         <p:spPr>
           <a:xfrm>
-            <a:off x="504000" y="685068"/>
+            <a:off x="504000" y="360527"/>
             <a:ext cx="9071640" cy="494665"/>
           </a:xfrm>
           <a:prstGeom prst="rect">
@@ -5986,7 +5993,7 @@
             <a:spAutoFit/>
           </a:bodyPr>
           <a:p>
-            <a:pPr indent="0" algn="ctr">
+            <a:pPr indent="0">
               <a:lnSpc>
                 <a:spcPct val="115000"/>
               </a:lnSpc>
@@ -6015,41 +6022,16 @@
           </a:p>
         </p:txBody>
       </p:sp>
-      <p:pic>
-        <p:nvPicPr>
-          <p:cNvPr id="60" name="Picture 59"/>
-          <p:cNvPicPr/>
-          <p:nvPr/>
-        </p:nvPicPr>
-        <p:blipFill>
-          <a:blip r:embed="rId1"/>
-          <a:stretch>
-            <a:fillRect/>
-          </a:stretch>
-        </p:blipFill>
-        <p:spPr>
-          <a:xfrm>
-            <a:off x="1097280" y="1645920"/>
-            <a:ext cx="8412480" cy="4572000"/>
-          </a:xfrm>
-          <a:prstGeom prst="rect">
-            <a:avLst/>
-          </a:prstGeom>
-          <a:ln>
-            <a:noFill/>
-          </a:ln>
-        </p:spPr>
-      </p:pic>
-      <p:sp>
-        <p:nvSpPr>
-          <p:cNvPr id="61" name="TextShape 2"/>
+      <p:sp>
+        <p:nvSpPr>
+          <p:cNvPr id="58" name="TextShape 2"/>
           <p:cNvSpPr txBox="1"/>
           <p:nvPr/>
         </p:nvSpPr>
         <p:spPr>
           <a:xfrm>
-            <a:off x="1097280" y="6510960"/>
-            <a:ext cx="8079480" cy="602280"/>
+            <a:off x="741240" y="1012320"/>
+            <a:ext cx="8859960" cy="6223635"/>
           </a:xfrm>
           <a:prstGeom prst="rect">
             <a:avLst/>
@@ -6060,17 +6042,146 @@
           </a:ln>
         </p:spPr>
         <p:txBody>
-          <a:bodyPr lIns="90000" tIns="45000" rIns="90000" bIns="45000">
-            <a:spAutoFit/>
-          </a:bodyPr>
-          <a:p>
-            <a:r>
-              <a:rPr lang="en-US" sz="1800" b="0" strike="noStrike" spc="-1">
-                <a:latin typeface="Arial" panose="020B0604020202020204"/>
-              </a:rPr>
-              <a:t>https://stackjava.com/java/code-vi-du-callable-future-executors-trong-java.html</a:t>
-            </a:r>
-            <a:endParaRPr lang="en-US" sz="1800" b="0" strike="noStrike" spc="-1">
+          <a:bodyPr wrap="square" lIns="90000" tIns="45000" rIns="90000" bIns="45000">
+            <a:spAutoFit/>
+          </a:bodyPr>
+          <a:p>
+            <a:pPr indent="0">
+              <a:lnSpc>
+                <a:spcPct val="150000"/>
+              </a:lnSpc>
+              <a:spcBef>
+                <a:spcPts val="580"/>
+              </a:spcBef>
+              <a:spcAft>
+                <a:spcPts val="580"/>
+              </a:spcAft>
+              <a:buClr>
+                <a:srgbClr val="000000"/>
+              </a:buClr>
+              <a:buSzPct val="45000"/>
+              <a:buFont typeface="Wingdings" panose="05000000000000000000" pitchFamily="2" charset="2"/>
+              <a:buNone/>
+            </a:pPr>
+            <a:r>
+              <a:rPr lang="en-US" sz="2000" b="1" strike="noStrike" spc="-1">
+                <a:latin typeface="Arial" panose="020B0604020202020204"/>
+              </a:rPr>
+              <a:t>Ta có thể xử lý bất đồng bộ trong java voi Future</a:t>
+            </a:r>
+            <a:endParaRPr lang="en-US" sz="2000" b="0" strike="noStrike" spc="-1">
+              <a:latin typeface="Arial" panose="020B0604020202020204"/>
+            </a:endParaRPr>
+          </a:p>
+          <a:p>
+            <a:pPr marL="215900" indent="-215900">
+              <a:lnSpc>
+                <a:spcPct val="150000"/>
+              </a:lnSpc>
+              <a:spcBef>
+                <a:spcPts val="580"/>
+              </a:spcBef>
+              <a:spcAft>
+                <a:spcPts val="580"/>
+              </a:spcAft>
+              <a:buClr>
+                <a:srgbClr val="000000"/>
+              </a:buClr>
+              <a:buSzPct val="45000"/>
+              <a:buFont typeface="Wingdings" panose="05000000000000000000" pitchFamily="2" charset="2"/>
+              <a:buChar char=""/>
+            </a:pPr>
+            <a:r>
+              <a:rPr lang="en-US" sz="2000" b="0" strike="noStrike" spc="-1">
+                <a:latin typeface="Arial" panose="020B0604020202020204"/>
+              </a:rPr>
+              <a:t>Thay vì tạo thread bằng việc Extend Thread hoặc implement Runable và tự quản lý số lượng thread. Thì ta có một hướng tiếp cận khác đó là sử dụng Callable và Future. (Cho phép hủy các thread, kiểm tra thread đã hoàn thành chưa, quản lý số thread chạy cùng lúc …)</a:t>
+            </a:r>
+            <a:endParaRPr lang="en-US" sz="2000" b="0" strike="noStrike" spc="-1">
+              <a:latin typeface="Arial" panose="020B0604020202020204"/>
+            </a:endParaRPr>
+          </a:p>
+          <a:p>
+            <a:pPr marL="215900" indent="-215900">
+              <a:lnSpc>
+                <a:spcPct val="150000"/>
+              </a:lnSpc>
+              <a:spcBef>
+                <a:spcPts val="580"/>
+              </a:spcBef>
+              <a:spcAft>
+                <a:spcPts val="580"/>
+              </a:spcAft>
+              <a:buClr>
+                <a:srgbClr val="000000"/>
+              </a:buClr>
+              <a:buSzPct val="45000"/>
+              <a:buFont typeface="Wingdings" panose="05000000000000000000" pitchFamily="2" charset="2"/>
+              <a:buChar char=""/>
+            </a:pPr>
+            <a:r>
+              <a:rPr lang="en-US" sz="2000" b="0" strike="noStrike" spc="-1">
+                <a:latin typeface="Arial" panose="020B0604020202020204"/>
+              </a:rPr>
+              <a:t>Callable là một interface trong java, nó định nghĩa một công việc và trả về một kết quả trong tương lai và có thể throw Exception</a:t>
+            </a:r>
+            <a:endParaRPr lang="en-US" sz="2000" b="0" strike="noStrike" spc="-1">
+              <a:latin typeface="Arial" panose="020B0604020202020204"/>
+            </a:endParaRPr>
+          </a:p>
+          <a:p>
+            <a:pPr marL="215900" indent="-215900">
+              <a:lnSpc>
+                <a:spcPct val="150000"/>
+              </a:lnSpc>
+              <a:spcBef>
+                <a:spcPts val="580"/>
+              </a:spcBef>
+              <a:spcAft>
+                <a:spcPts val="580"/>
+              </a:spcAft>
+              <a:buClr>
+                <a:srgbClr val="000000"/>
+              </a:buClr>
+              <a:buSzPct val="45000"/>
+              <a:buFont typeface="Wingdings" panose="05000000000000000000" pitchFamily="2" charset="2"/>
+              <a:buChar char=""/>
+            </a:pPr>
+            <a:r>
+              <a:rPr lang="en-US" sz="2000" b="0" strike="noStrike" spc="-1">
+                <a:latin typeface="Arial" panose="020B0604020202020204"/>
+              </a:rPr>
+              <a:t>Future là kết quả trả về của Callable, nó thể hiện kết quả của một phép tính không đồng bộ, cho phép kiểm tra trạng thái của phép tính (đã thực hiện xong chưa, kết quả trả về là gì…)</a:t>
+            </a:r>
+            <a:endParaRPr lang="en-US" sz="2000" b="0" strike="noStrike" spc="-1">
+              <a:latin typeface="Arial" panose="020B0604020202020204"/>
+            </a:endParaRPr>
+          </a:p>
+          <a:p>
+            <a:pPr marL="215900" indent="-215900">
+              <a:lnSpc>
+                <a:spcPct val="150000"/>
+              </a:lnSpc>
+              <a:spcBef>
+                <a:spcPts val="580"/>
+              </a:spcBef>
+              <a:spcAft>
+                <a:spcPts val="580"/>
+              </a:spcAft>
+              <a:buClr>
+                <a:srgbClr val="000000"/>
+              </a:buClr>
+              <a:buSzPct val="45000"/>
+              <a:buFont typeface="Wingdings" panose="05000000000000000000" pitchFamily="2" charset="2"/>
+              <a:buChar char=""/>
+            </a:pPr>
+            <a:r>
+              <a:rPr lang="en-US" sz="2000" b="0" strike="noStrike" spc="-1">
+                <a:latin typeface="Arial" panose="020B0604020202020204"/>
+              </a:rPr>
+              <a:t>Executors là một class tiện ích trong Java, dùng để tạo thread pool, đối tượng Callable cho các xử lý bất đồng bộ..</a:t>
+            </a:r>
+            <a:endParaRPr lang="en-US" sz="2000" b="0" strike="noStrike" spc="-1">
               <a:latin typeface="Arial" panose="020B0604020202020204"/>
             </a:endParaRPr>
           </a:p>

--- a/JavaCore.pptx
+++ b/JavaCore.pptx
@@ -7,25 +7,20 @@
   <p:sldIdLst>
     <p:sldId id="256" r:id="rId3"/>
     <p:sldId id="257" r:id="rId4"/>
-    <p:sldId id="258" r:id="rId5"/>
-    <p:sldId id="259" r:id="rId6"/>
-    <p:sldId id="260" r:id="rId7"/>
-    <p:sldId id="261" r:id="rId8"/>
-    <p:sldId id="262" r:id="rId9"/>
-    <p:sldId id="276" r:id="rId10"/>
-    <p:sldId id="263" r:id="rId11"/>
-    <p:sldId id="264" r:id="rId12"/>
-    <p:sldId id="265" r:id="rId13"/>
-    <p:sldId id="266" r:id="rId14"/>
-    <p:sldId id="267" r:id="rId15"/>
-    <p:sldId id="268" r:id="rId16"/>
-    <p:sldId id="269" r:id="rId17"/>
-    <p:sldId id="270" r:id="rId18"/>
-    <p:sldId id="271" r:id="rId19"/>
-    <p:sldId id="272" r:id="rId20"/>
-    <p:sldId id="273" r:id="rId21"/>
-    <p:sldId id="274" r:id="rId22"/>
-    <p:sldId id="275" r:id="rId23"/>
+    <p:sldId id="290" r:id="rId5"/>
+    <p:sldId id="258" r:id="rId6"/>
+    <p:sldId id="259" r:id="rId7"/>
+    <p:sldId id="260" r:id="rId8"/>
+    <p:sldId id="261" r:id="rId9"/>
+    <p:sldId id="262" r:id="rId10"/>
+    <p:sldId id="268" r:id="rId11"/>
+    <p:sldId id="269" r:id="rId12"/>
+    <p:sldId id="270" r:id="rId13"/>
+    <p:sldId id="271" r:id="rId14"/>
+    <p:sldId id="272" r:id="rId15"/>
+    <p:sldId id="274" r:id="rId16"/>
+    <p:sldId id="275" r:id="rId17"/>
+    <p:sldId id="291" r:id="rId18"/>
   </p:sldIdLst>
   <p:sldSz cx="10080625" cy="7559675"/>
   <p:notesSz cx="7772400" cy="10058400"/>
@@ -1951,7 +1946,7 @@
         <p:spPr>
           <a:xfrm>
             <a:off x="715680" y="1371600"/>
-            <a:ext cx="8859960" cy="6395720"/>
+            <a:ext cx="8859960" cy="6933565"/>
           </a:xfrm>
           <a:prstGeom prst="rect">
             <a:avLst/>
@@ -1965,6 +1960,34 @@
           <a:bodyPr lIns="90000" tIns="45000" rIns="90000" bIns="45000">
             <a:spAutoFit/>
           </a:bodyPr>
+          <a:p>
+            <a:pPr marL="215900" indent="-215900">
+              <a:lnSpc>
+                <a:spcPct val="115000"/>
+              </a:lnSpc>
+              <a:spcBef>
+                <a:spcPts val="580"/>
+              </a:spcBef>
+              <a:spcAft>
+                <a:spcPts val="580"/>
+              </a:spcAft>
+              <a:buClr>
+                <a:srgbClr val="000000"/>
+              </a:buClr>
+              <a:buSzPct val="45000"/>
+              <a:buFont typeface="Wingdings" panose="05000000000000000000" pitchFamily="2" charset="2"/>
+              <a:buChar char=""/>
+            </a:pPr>
+            <a:r>
+              <a:rPr lang="en-US" sz="2200" b="0" strike="noStrike" spc="-1">
+                <a:latin typeface="Arial" panose="020B0604020202020204"/>
+              </a:rPr>
+              <a:t>JDK, JRE, JVM</a:t>
+            </a:r>
+            <a:endParaRPr lang="en-US" sz="2200" b="0" strike="noStrike" spc="-1">
+              <a:latin typeface="Arial" panose="020B0604020202020204"/>
+            </a:endParaRPr>
+          </a:p>
           <a:p>
             <a:pPr marL="215900" indent="-215900">
               <a:lnSpc>
@@ -2332,13 +2355,13 @@
       </p:grpSpPr>
       <p:sp>
         <p:nvSpPr>
-          <p:cNvPr id="59" name="TextShape 1"/>
+          <p:cNvPr id="71" name="TextShape 1"/>
           <p:cNvSpPr txBox="1"/>
           <p:nvPr/>
         </p:nvSpPr>
         <p:spPr>
           <a:xfrm>
-            <a:off x="504000" y="685068"/>
+            <a:off x="504000" y="451967"/>
             <a:ext cx="9071640" cy="494665"/>
           </a:xfrm>
           <a:prstGeom prst="rect">
@@ -2359,10 +2382,10 @@
                 <a:spcPct val="115000"/>
               </a:lnSpc>
               <a:spcBef>
-                <a:spcPts val="290"/>
-              </a:spcBef>
-              <a:spcAft>
-                <a:spcPts val="290"/>
+                <a:spcPts val="580"/>
+              </a:spcBef>
+              <a:spcAft>
+                <a:spcPts val="580"/>
               </a:spcAft>
               <a:buClr>
                 <a:srgbClr val="000000"/>
@@ -2375,9 +2398,59 @@
               <a:rPr lang="en-US" sz="2800" b="1" strike="noStrike" spc="-1">
                 <a:latin typeface="Arial" panose="020B0604020202020204"/>
               </a:rPr>
-              <a:t>Callable, Future, Executors</a:t>
+              <a:t>How to init object in Java?</a:t>
             </a:r>
             <a:endParaRPr lang="en-US" sz="2800" b="0" strike="noStrike" spc="-1">
+              <a:latin typeface="Arial" panose="020B0604020202020204"/>
+            </a:endParaRPr>
+          </a:p>
+        </p:txBody>
+      </p:sp>
+      <p:sp>
+        <p:nvSpPr>
+          <p:cNvPr id="72" name="TextShape 2"/>
+          <p:cNvSpPr txBox="1"/>
+          <p:nvPr/>
+        </p:nvSpPr>
+        <p:spPr>
+          <a:xfrm>
+            <a:off x="924120" y="1420200"/>
+            <a:ext cx="8859960" cy="5882040"/>
+          </a:xfrm>
+          <a:prstGeom prst="rect">
+            <a:avLst/>
+          </a:prstGeom>
+          <a:noFill/>
+          <a:ln>
+            <a:noFill/>
+          </a:ln>
+        </p:spPr>
+        <p:txBody>
+          <a:bodyPr lIns="90000" tIns="45000" rIns="90000" bIns="45000">
+            <a:spAutoFit/>
+          </a:bodyPr>
+          <a:p>
+            <a:pPr marL="215900" indent="-215900">
+              <a:spcBef>
+                <a:spcPts val="1160"/>
+              </a:spcBef>
+              <a:spcAft>
+                <a:spcPts val="1160"/>
+              </a:spcAft>
+              <a:buClr>
+                <a:srgbClr val="000000"/>
+              </a:buClr>
+              <a:buSzPct val="45000"/>
+              <a:buFont typeface="Wingdings" panose="05000000000000000000" pitchFamily="2" charset="2"/>
+              <a:buChar char=""/>
+            </a:pPr>
+            <a:r>
+              <a:rPr lang="en-US" sz="1800" b="0" strike="noStrike" spc="-1">
+                <a:latin typeface="Arial" panose="020B0604020202020204"/>
+              </a:rPr>
+              <a:t>#3: Clone object, Class của đối tượng được clone phải implement interface Cloneable và override lại method clone():</a:t>
+            </a:r>
+            <a:endParaRPr lang="en-US" sz="1800" b="0" strike="noStrike" spc="-1">
               <a:latin typeface="Arial" panose="020B0604020202020204"/>
             </a:endParaRPr>
           </a:p>
@@ -2385,7 +2458,7 @@
       </p:sp>
       <p:pic>
         <p:nvPicPr>
-          <p:cNvPr id="60" name="Picture 59"/>
+          <p:cNvPr id="73" name="Picture 72"/>
           <p:cNvPicPr/>
           <p:nvPr/>
         </p:nvPicPr>
@@ -2397,8 +2470,8 @@
         </p:blipFill>
         <p:spPr>
           <a:xfrm>
-            <a:off x="1097280" y="1645920"/>
-            <a:ext cx="8412480" cy="4572000"/>
+            <a:off x="2352960" y="2108520"/>
+            <a:ext cx="5419440" cy="3161880"/>
           </a:xfrm>
           <a:prstGeom prst="rect">
             <a:avLst/>
@@ -2408,42 +2481,6 @@
           </a:ln>
         </p:spPr>
       </p:pic>
-      <p:sp>
-        <p:nvSpPr>
-          <p:cNvPr id="61" name="TextShape 2"/>
-          <p:cNvSpPr txBox="1"/>
-          <p:nvPr/>
-        </p:nvSpPr>
-        <p:spPr>
-          <a:xfrm>
-            <a:off x="1097280" y="6510960"/>
-            <a:ext cx="8079480" cy="602280"/>
-          </a:xfrm>
-          <a:prstGeom prst="rect">
-            <a:avLst/>
-          </a:prstGeom>
-          <a:noFill/>
-          <a:ln>
-            <a:noFill/>
-          </a:ln>
-        </p:spPr>
-        <p:txBody>
-          <a:bodyPr lIns="90000" tIns="45000" rIns="90000" bIns="45000">
-            <a:spAutoFit/>
-          </a:bodyPr>
-          <a:p>
-            <a:r>
-              <a:rPr lang="en-US" sz="1800" b="0" strike="noStrike" spc="-1">
-                <a:latin typeface="Arial" panose="020B0604020202020204"/>
-              </a:rPr>
-              <a:t>https://stackjava.com/java/code-vi-du-callable-future-executors-trong-java.html</a:t>
-            </a:r>
-            <a:endParaRPr lang="en-US" sz="1800" b="0" strike="noStrike" spc="-1">
-              <a:latin typeface="Arial" panose="020B0604020202020204"/>
-            </a:endParaRPr>
-          </a:p>
-        </p:txBody>
-      </p:sp>
     </p:spTree>
   </p:cSld>
   <p:clrMapOvr>
@@ -2479,13 +2516,13 @@
       </p:grpSpPr>
       <p:sp>
         <p:nvSpPr>
-          <p:cNvPr id="62" name="TextShape 1"/>
+          <p:cNvPr id="74" name="TextShape 1"/>
           <p:cNvSpPr txBox="1"/>
           <p:nvPr/>
         </p:nvSpPr>
         <p:spPr>
           <a:xfrm>
-            <a:off x="504000" y="685068"/>
+            <a:off x="504000" y="451967"/>
             <a:ext cx="9071640" cy="494665"/>
           </a:xfrm>
           <a:prstGeom prst="rect">
@@ -2522,7 +2559,7 @@
               <a:rPr lang="en-US" sz="2800" b="1" strike="noStrike" spc="-1">
                 <a:latin typeface="Arial" panose="020B0604020202020204"/>
               </a:rPr>
-              <a:t>CompletableFuture</a:t>
+              <a:t>How to init object in Java?</a:t>
             </a:r>
             <a:endParaRPr lang="en-US" sz="2800" b="0" strike="noStrike" spc="-1">
               <a:latin typeface="Arial" panose="020B0604020202020204"/>
@@ -2532,14 +2569,14 @@
       </p:sp>
       <p:sp>
         <p:nvSpPr>
-          <p:cNvPr id="63" name="TextShape 2"/>
+          <p:cNvPr id="75" name="TextShape 2"/>
           <p:cNvSpPr txBox="1"/>
           <p:nvPr/>
         </p:nvSpPr>
         <p:spPr>
           <a:xfrm>
             <a:off x="924120" y="1420200"/>
-            <a:ext cx="8859960" cy="5521325"/>
+            <a:ext cx="8859960" cy="642620"/>
           </a:xfrm>
           <a:prstGeom prst="rect">
             <a:avLst/>
@@ -2550,19 +2587,16 @@
           </a:ln>
         </p:spPr>
         <p:txBody>
-          <a:bodyPr wrap="square" lIns="90000" tIns="45000" rIns="90000" bIns="45000">
+          <a:bodyPr lIns="90000" tIns="45000" rIns="90000" bIns="45000">
             <a:spAutoFit/>
           </a:bodyPr>
           <a:p>
             <a:pPr marL="215900" indent="-215900">
-              <a:lnSpc>
-                <a:spcPct val="150000"/>
-              </a:lnSpc>
-              <a:spcBef>
-                <a:spcPts val="870"/>
-              </a:spcBef>
-              <a:spcAft>
-                <a:spcPts val="870"/>
+              <a:spcBef>
+                <a:spcPts val="1160"/>
+              </a:spcBef>
+              <a:spcAft>
+                <a:spcPts val="1160"/>
               </a:spcAft>
               <a:buClr>
                 <a:srgbClr val="000000"/>
@@ -2572,85 +2606,42 @@
               <a:buChar char=""/>
             </a:pPr>
             <a:r>
-              <a:rPr lang="en-US" sz="2400" b="0" strike="noStrike" spc="-1">
-                <a:latin typeface="Arial" panose="020B0604020202020204"/>
-              </a:rPr>
-              <a:t>Ta có thể xử lý bất đồng bộ trong java voi Future, tuy nhiên nó vẫn còn nhiều hạn chế. Từ Java 8, ta có thêm class CompletableFuture để khác phúc các vấn đề đó.</a:t>
-            </a:r>
-            <a:endParaRPr lang="en-US" sz="2400" b="0" strike="noStrike" spc="-1">
-              <a:latin typeface="Arial" panose="020B0604020202020204"/>
-            </a:endParaRPr>
-          </a:p>
-          <a:p>
-            <a:pPr marL="215900" indent="-215900">
-              <a:lnSpc>
-                <a:spcPct val="150000"/>
-              </a:lnSpc>
-              <a:spcBef>
-                <a:spcPts val="870"/>
-              </a:spcBef>
-              <a:spcAft>
-                <a:spcPts val="870"/>
-              </a:spcAft>
-              <a:buClr>
-                <a:srgbClr val="000000"/>
-              </a:buClr>
-              <a:buSzPct val="45000"/>
-              <a:buFont typeface="Wingdings" panose="05000000000000000000" pitchFamily="2" charset="2"/>
-              <a:buChar char=""/>
-            </a:pPr>
-            <a:r>
-              <a:rPr lang="en-US" sz="2400" b="0" strike="noStrike" spc="-1">
-                <a:latin typeface="Arial" panose="020B0604020202020204"/>
-              </a:rPr>
-              <a:t>.</a:t>
-            </a:r>
-            <a:r>
-              <a:rPr lang="en-US" sz="2400" b="1" strike="noStrike" spc="-1">
-                <a:latin typeface="Arial" panose="020B0604020202020204"/>
-              </a:rPr>
-              <a:t>CompletableFuture</a:t>
-            </a:r>
-            <a:r>
-              <a:rPr lang="en-US" sz="2400" b="0" strike="noStrike" spc="-1">
-                <a:latin typeface="Arial" panose="020B0604020202020204"/>
-              </a:rPr>
-              <a:t> là kết quả trả về của phép tính / method bất đồng bộ, cho phép kiểm tra trạng thái của phép tính (đã thực hiện xong chưa, kết quả trả về là gì…), bắt sự kiện khi method hoàn thành…</a:t>
-            </a:r>
-            <a:endParaRPr lang="en-US" sz="2400" b="0" strike="noStrike" spc="-1">
-              <a:latin typeface="Arial" panose="020B0604020202020204"/>
-            </a:endParaRPr>
-          </a:p>
-          <a:p>
-            <a:pPr marL="215900" indent="-215900">
-              <a:lnSpc>
-                <a:spcPct val="150000"/>
-              </a:lnSpc>
-              <a:spcBef>
-                <a:spcPts val="870"/>
-              </a:spcBef>
-              <a:spcAft>
-                <a:spcPts val="870"/>
-              </a:spcAft>
-              <a:buClr>
-                <a:srgbClr val="000000"/>
-              </a:buClr>
-              <a:buSzPct val="45000"/>
-              <a:buFont typeface="Wingdings" panose="05000000000000000000" pitchFamily="2" charset="2"/>
-              <a:buChar char=""/>
-            </a:pPr>
-            <a:r>
-              <a:rPr lang="en-US" sz="2400" b="0" strike="noStrike" spc="-1">
-                <a:latin typeface="Arial" panose="020B0604020202020204"/>
-              </a:rPr>
-              <a:t>Vd: https://stackjava.com/java8/completablefuture-la-gi-code-vi-du-java-completablefuture-java-8.html</a:t>
-            </a:r>
-            <a:endParaRPr lang="en-US" sz="2400" b="0" strike="noStrike" spc="-1">
-              <a:latin typeface="Arial" panose="020B0604020202020204"/>
-            </a:endParaRPr>
-          </a:p>
-        </p:txBody>
-      </p:sp>
+              <a:rPr lang="en-US" sz="1800" b="0" strike="noStrike" spc="-1">
+                <a:latin typeface="Arial" panose="020B0604020202020204"/>
+              </a:rPr>
+              <a:t>#4: Sử dụng deserialization, Cách này chính là chuyển một mảng byte thành đối tượng.</a:t>
+            </a:r>
+            <a:endParaRPr lang="en-US" sz="1800" b="0" strike="noStrike" spc="-1">
+              <a:latin typeface="Arial" panose="020B0604020202020204"/>
+            </a:endParaRPr>
+          </a:p>
+        </p:txBody>
+      </p:sp>
+      <p:pic>
+        <p:nvPicPr>
+          <p:cNvPr id="76" name="Picture 75"/>
+          <p:cNvPicPr/>
+          <p:nvPr/>
+        </p:nvPicPr>
+        <p:blipFill>
+          <a:blip r:embed="rId1"/>
+          <a:stretch>
+            <a:fillRect/>
+          </a:stretch>
+        </p:blipFill>
+        <p:spPr>
+          <a:xfrm>
+            <a:off x="1856160" y="2581560"/>
+            <a:ext cx="7013520" cy="3453480"/>
+          </a:xfrm>
+          <a:prstGeom prst="rect">
+            <a:avLst/>
+          </a:prstGeom>
+          <a:ln>
+            <a:noFill/>
+          </a:ln>
+        </p:spPr>
+      </p:pic>
     </p:spTree>
   </p:cSld>
   <p:clrMapOvr>
@@ -2686,14 +2677,14 @@
       </p:grpSpPr>
       <p:sp>
         <p:nvSpPr>
-          <p:cNvPr id="64" name="TextShape 1"/>
+          <p:cNvPr id="77" name="TextShape 1"/>
           <p:cNvSpPr txBox="1"/>
           <p:nvPr/>
         </p:nvSpPr>
         <p:spPr>
           <a:xfrm>
-            <a:off x="504000" y="451967"/>
-            <a:ext cx="9071640" cy="494665"/>
+            <a:off x="504000" y="301320"/>
+            <a:ext cx="9071640" cy="795960"/>
           </a:xfrm>
           <a:prstGeom prst="rect">
             <a:avLst/>
@@ -2708,7 +2699,7 @@
             <a:spAutoFit/>
           </a:bodyPr>
           <a:p>
-            <a:pPr indent="0" algn="ctr">
+            <a:pPr marL="215900" indent="-215900" algn="ctr">
               <a:lnSpc>
                 <a:spcPct val="115000"/>
               </a:lnSpc>
@@ -2723,30 +2714,30 @@
               </a:buClr>
               <a:buSzPct val="45000"/>
               <a:buFont typeface="Wingdings" panose="05000000000000000000" pitchFamily="2" charset="2"/>
-              <a:buNone/>
-            </a:pPr>
-            <a:r>
-              <a:rPr lang="en-US" sz="2800" b="1" strike="noStrike" spc="-1">
-                <a:latin typeface="Arial" panose="020B0604020202020204"/>
-              </a:rPr>
-              <a:t>Future vs CompletableFuture</a:t>
-            </a:r>
-            <a:endParaRPr lang="en-US" sz="2800" b="0" strike="noStrike" spc="-1">
-              <a:latin typeface="Arial" panose="020B0604020202020204"/>
-            </a:endParaRPr>
-          </a:p>
-        </p:txBody>
-      </p:sp>
-      <p:sp>
-        <p:nvSpPr>
-          <p:cNvPr id="65" name="TextShape 2"/>
+              <a:buChar char=""/>
+            </a:pPr>
+            <a:r>
+              <a:rPr lang="en-US" sz="2200" b="1" strike="noStrike" spc="-1">
+                <a:latin typeface="Arial" panose="020B0604020202020204"/>
+              </a:rPr>
+              <a:t>String Pool, StringBuffer, StringBuilder</a:t>
+            </a:r>
+            <a:endParaRPr lang="en-US" sz="2200" b="0" strike="noStrike" spc="-1">
+              <a:latin typeface="Arial" panose="020B0604020202020204"/>
+            </a:endParaRPr>
+          </a:p>
+        </p:txBody>
+      </p:sp>
+      <p:sp>
+        <p:nvSpPr>
+          <p:cNvPr id="78" name="TextShape 2"/>
           <p:cNvSpPr txBox="1"/>
           <p:nvPr/>
         </p:nvSpPr>
         <p:spPr>
           <a:xfrm>
             <a:off x="924120" y="1420200"/>
-            <a:ext cx="8859960" cy="4980600"/>
+            <a:ext cx="8859960" cy="4038600"/>
           </a:xfrm>
           <a:prstGeom prst="rect">
             <a:avLst/>
@@ -2757,19 +2748,35 @@
           </a:ln>
         </p:spPr>
         <p:txBody>
-          <a:bodyPr lIns="90000" tIns="45000" rIns="90000" bIns="45000">
-            <a:spAutoFit/>
-          </a:bodyPr>
+          <a:bodyPr wrap="square" lIns="90000" tIns="45000" rIns="90000" bIns="45000">
+            <a:spAutoFit/>
+          </a:bodyPr>
+          <a:p>
+            <a:pPr indent="0">
+              <a:spcBef>
+                <a:spcPts val="1450"/>
+              </a:spcBef>
+              <a:spcAft>
+                <a:spcPts val="1450"/>
+              </a:spcAft>
+              <a:buClr>
+                <a:srgbClr val="000000"/>
+              </a:buClr>
+              <a:buSzPct val="45000"/>
+              <a:buFont typeface="Wingdings" panose="05000000000000000000" pitchFamily="2" charset="2"/>
+              <a:buNone/>
+            </a:pPr>
+            <a:endParaRPr lang="en-US" sz="2000" b="0" strike="noStrike" spc="-1">
+              <a:latin typeface="Arial" panose="020B0604020202020204"/>
+            </a:endParaRPr>
+          </a:p>
           <a:p>
             <a:pPr marL="215900" indent="-215900">
-              <a:lnSpc>
-                <a:spcPct val="150000"/>
-              </a:lnSpc>
-              <a:spcBef>
-                <a:spcPts val="870"/>
-              </a:spcBef>
-              <a:spcAft>
-                <a:spcPts val="870"/>
+              <a:spcBef>
+                <a:spcPts val="1450"/>
+              </a:spcBef>
+              <a:spcAft>
+                <a:spcPts val="1450"/>
               </a:spcAft>
               <a:buClr>
                 <a:srgbClr val="000000"/>
@@ -2779,25 +2786,22 @@
               <a:buChar char=""/>
             </a:pPr>
             <a:r>
-              <a:rPr lang="en-US" sz="2400" b="0" strike="noStrike" spc="-1">
-                <a:latin typeface="Arial" panose="020B0604020202020204"/>
-              </a:rPr>
-              <a:t>Future là một tính năng cung cấp từ Java 5. Future là kết quả trả về của một tính toán bất đồng bộ (khi tính toán nó sẽ tạo ra một thread riêng để chạy và sau đó trả về kết quả vào Future)</a:t>
-            </a:r>
-            <a:endParaRPr lang="en-US" sz="2400" b="0" strike="noStrike" spc="-1">
+              <a:rPr lang="en-US" sz="2000" b="0" strike="noStrike" spc="-1">
+                <a:latin typeface="Arial" panose="020B0604020202020204"/>
+              </a:rPr>
+              <a:t>String is immutable whereas StringBuffer and StringBuider are mutable classes.</a:t>
+            </a:r>
+            <a:endParaRPr lang="en-US" sz="2000" b="0" strike="noStrike" spc="-1">
               <a:latin typeface="Arial" panose="020B0604020202020204"/>
             </a:endParaRPr>
           </a:p>
           <a:p>
             <a:pPr marL="215900" indent="-215900">
-              <a:lnSpc>
-                <a:spcPct val="150000"/>
-              </a:lnSpc>
-              <a:spcBef>
-                <a:spcPts val="870"/>
-              </a:spcBef>
-              <a:spcAft>
-                <a:spcPts val="870"/>
+              <a:spcBef>
+                <a:spcPts val="1450"/>
+              </a:spcBef>
+              <a:spcAft>
+                <a:spcPts val="1450"/>
               </a:spcAft>
               <a:buClr>
                 <a:srgbClr val="000000"/>
@@ -2807,12 +2811,74 @@
               <a:buChar char=""/>
             </a:pPr>
             <a:r>
-              <a:rPr lang="en-US" sz="2400" b="0" strike="noStrike" spc="-1">
-                <a:latin typeface="Arial" panose="020B0604020202020204"/>
-              </a:rPr>
-              <a:t>CompletableFuture được cung tấp từ Java 8, nó thực hiện implements lại Future và khắc phục, bổ sung các hạn chế mà Future chưa xử lý được.</a:t>
-            </a:r>
-            <a:endParaRPr lang="en-US" sz="2400" b="0" strike="noStrike" spc="-1">
+              <a:rPr lang="en-US" sz="2000" b="0" strike="noStrike" spc="-1">
+                <a:latin typeface="Arial" panose="020B0604020202020204"/>
+              </a:rPr>
+              <a:t>StringBuffer is thread safe and synchronized whereas StringBuilder is not, thats why </a:t>
+            </a:r>
+            <a:r>
+              <a:rPr lang="en-US" sz="2000" b="0" i="1" strike="noStrike" spc="-1">
+                <a:latin typeface="Arial" panose="020B0604020202020204"/>
+              </a:rPr>
+              <a:t>StringBuilder is more faster than StringBuffer</a:t>
+            </a:r>
+            <a:r>
+              <a:rPr lang="en-US" sz="2000" b="0" strike="noStrike" spc="-1">
+                <a:latin typeface="Arial" panose="020B0604020202020204"/>
+              </a:rPr>
+              <a:t>.</a:t>
+            </a:r>
+            <a:endParaRPr lang="en-US" sz="2000" b="0" strike="noStrike" spc="-1">
+              <a:latin typeface="Arial" panose="020B0604020202020204"/>
+            </a:endParaRPr>
+          </a:p>
+          <a:p>
+            <a:pPr marL="215900" indent="-215900">
+              <a:spcBef>
+                <a:spcPts val="1450"/>
+              </a:spcBef>
+              <a:spcAft>
+                <a:spcPts val="1450"/>
+              </a:spcAft>
+              <a:buClr>
+                <a:srgbClr val="000000"/>
+              </a:buClr>
+              <a:buSzPct val="45000"/>
+              <a:buFont typeface="Wingdings" panose="05000000000000000000" pitchFamily="2" charset="2"/>
+              <a:buChar char=""/>
+            </a:pPr>
+            <a:r>
+              <a:rPr lang="en-US" sz="2000" b="0" strike="noStrike" spc="-1">
+                <a:latin typeface="Arial" panose="020B0604020202020204"/>
+              </a:rPr>
+              <a:t>String concat + operator internally uses StringBuffer or StringBuilder class.</a:t>
+            </a:r>
+            <a:endParaRPr lang="en-US" sz="2000" b="0" strike="noStrike" spc="-1">
+              <a:latin typeface="Arial" panose="020B0604020202020204"/>
+            </a:endParaRPr>
+          </a:p>
+          <a:p>
+            <a:pPr marL="215900" indent="-215900">
+              <a:spcBef>
+                <a:spcPts val="1450"/>
+              </a:spcBef>
+              <a:spcAft>
+                <a:spcPts val="1450"/>
+              </a:spcAft>
+              <a:buClr>
+                <a:srgbClr val="000000"/>
+              </a:buClr>
+              <a:buSzPct val="45000"/>
+              <a:buFont typeface="Wingdings" panose="05000000000000000000" pitchFamily="2" charset="2"/>
+              <a:buChar char=""/>
+            </a:pPr>
+            <a:r>
+              <a:rPr lang="en-US" sz="2000" b="0" strike="noStrike" spc="-1">
+                <a:latin typeface="Arial" panose="020B0604020202020204"/>
+              </a:rPr>
+              <a:t>For String manipulations in non-multi threaded environment, we should use StringBuilder else use StringBuffer class.</a:t>
+            </a:r>
+            <a:endParaRPr lang="en-US" sz="2000" b="0" strike="noStrike" spc="-1">
               <a:latin typeface="Arial" panose="020B0604020202020204"/>
             </a:endParaRPr>
           </a:p>
@@ -2853,14 +2919,14 @@
       </p:grpSpPr>
       <p:sp>
         <p:nvSpPr>
-          <p:cNvPr id="66" name="TextShape 1"/>
+          <p:cNvPr id="79" name="TextShape 1"/>
           <p:cNvSpPr txBox="1"/>
           <p:nvPr/>
         </p:nvSpPr>
         <p:spPr>
           <a:xfrm>
-            <a:off x="504000" y="451967"/>
-            <a:ext cx="9071640" cy="494665"/>
+            <a:off x="504000" y="504990"/>
+            <a:ext cx="9071640" cy="388620"/>
           </a:xfrm>
           <a:prstGeom prst="rect">
             <a:avLst/>
@@ -2875,7 +2941,7 @@
             <a:spAutoFit/>
           </a:bodyPr>
           <a:p>
-            <a:pPr indent="0" algn="ctr">
+            <a:pPr indent="0" algn="l">
               <a:lnSpc>
                 <a:spcPct val="115000"/>
               </a:lnSpc>
@@ -2893,294 +2959,42 @@
               <a:buNone/>
             </a:pPr>
             <a:r>
-              <a:rPr lang="en-US" sz="2800" b="1" strike="noStrike" spc="-1">
-                <a:latin typeface="Arial" panose="020B0604020202020204"/>
-              </a:rPr>
-              <a:t>Future vs CompletableFuture</a:t>
-            </a:r>
-            <a:endParaRPr lang="en-US" sz="2800" b="0" strike="noStrike" spc="-1">
-              <a:latin typeface="Arial" panose="020B0604020202020204"/>
-            </a:endParaRPr>
-          </a:p>
-        </p:txBody>
-      </p:sp>
-      <p:sp>
-        <p:nvSpPr>
-          <p:cNvPr id="67" name="TextShape 2"/>
-          <p:cNvSpPr txBox="1"/>
+              <a:rPr lang="en-US" sz="2200" b="1" strike="noStrike" spc="-1">
+                <a:latin typeface="Arial" panose="020B0604020202020204"/>
+              </a:rPr>
+              <a:t>Exception</a:t>
+            </a:r>
+            <a:endParaRPr lang="en-US" sz="2200" b="0" strike="noStrike" spc="-1">
+              <a:latin typeface="Arial" panose="020B0604020202020204"/>
+            </a:endParaRPr>
+          </a:p>
+        </p:txBody>
+      </p:sp>
+      <p:pic>
+        <p:nvPicPr>
+          <p:cNvPr id="80" name="Picture 79"/>
+          <p:cNvPicPr/>
           <p:nvPr/>
-        </p:nvSpPr>
-        <p:spPr>
-          <a:xfrm>
-            <a:off x="924120" y="1420200"/>
-            <a:ext cx="8859960" cy="5373370"/>
-          </a:xfrm>
-          <a:prstGeom prst="rect">
-            <a:avLst/>
-          </a:prstGeom>
-          <a:noFill/>
+        </p:nvPicPr>
+        <p:blipFill>
+          <a:blip r:embed="rId1"/>
+          <a:stretch>
+            <a:fillRect/>
+          </a:stretch>
+        </p:blipFill>
+        <p:spPr>
+          <a:xfrm>
+            <a:off x="2743200" y="1097280"/>
+            <a:ext cx="6162480" cy="5648040"/>
+          </a:xfrm>
+          <a:prstGeom prst="rect">
+            <a:avLst/>
+          </a:prstGeom>
           <a:ln>
             <a:noFill/>
           </a:ln>
         </p:spPr>
-        <p:txBody>
-          <a:bodyPr lIns="90000" tIns="45000" rIns="90000" bIns="45000">
-            <a:spAutoFit/>
-          </a:bodyPr>
-          <a:p>
-            <a:pPr marL="215900" indent="-215900">
-              <a:lnSpc>
-                <a:spcPct val="90000"/>
-              </a:lnSpc>
-              <a:spcBef>
-                <a:spcPts val="1160"/>
-              </a:spcBef>
-              <a:spcAft>
-                <a:spcPts val="1160"/>
-              </a:spcAft>
-              <a:buClr>
-                <a:srgbClr val="000000"/>
-              </a:buClr>
-              <a:buSzPct val="45000"/>
-              <a:buFont typeface="Wingdings" panose="05000000000000000000" pitchFamily="2" charset="2"/>
-              <a:buChar char=""/>
-            </a:pPr>
-            <a:r>
-              <a:rPr lang="en-US" sz="1400" b="0" strike="noStrike" spc="-1">
-                <a:latin typeface="Arial" panose="020B0604020202020204"/>
-              </a:rPr>
-              <a:t>CompletableFuture implements từ Future do đó nó có thể làm tất cả những gì mà Future cung cấp.</a:t>
-            </a:r>
-            <a:endParaRPr lang="en-US" sz="1400" b="0" strike="noStrike" spc="-1">
-              <a:latin typeface="Arial" panose="020B0604020202020204"/>
-            </a:endParaRPr>
-          </a:p>
-          <a:p>
-            <a:pPr marL="215900" indent="-215900">
-              <a:lnSpc>
-                <a:spcPct val="90000"/>
-              </a:lnSpc>
-              <a:spcBef>
-                <a:spcPts val="1160"/>
-              </a:spcBef>
-              <a:spcAft>
-                <a:spcPts val="1160"/>
-              </a:spcAft>
-              <a:buClr>
-                <a:srgbClr val="000000"/>
-              </a:buClr>
-              <a:buSzPct val="45000"/>
-              <a:buFont typeface="Wingdings" panose="05000000000000000000" pitchFamily="2" charset="2"/>
-              <a:buChar char=""/>
-            </a:pPr>
-            <a:r>
-              <a:rPr lang="en-US" sz="1400" b="0" strike="noStrike" spc="-1">
-                <a:latin typeface="Arial" panose="020B0604020202020204"/>
-              </a:rPr>
-              <a:t>Ngoài ra CompletableFuture còn implements CompletionStage nên nó thể khắc phục các hạn chế mà Future chưa thể làm được như:</a:t>
-            </a:r>
-            <a:endParaRPr lang="en-US" sz="1400" b="0" strike="noStrike" spc="-1">
-              <a:latin typeface="Arial" panose="020B0604020202020204"/>
-            </a:endParaRPr>
-          </a:p>
-          <a:p>
-            <a:pPr marL="215900" indent="-215900">
-              <a:lnSpc>
-                <a:spcPct val="90000"/>
-              </a:lnSpc>
-              <a:spcBef>
-                <a:spcPts val="1160"/>
-              </a:spcBef>
-              <a:spcAft>
-                <a:spcPts val="1160"/>
-              </a:spcAft>
-              <a:buClr>
-                <a:srgbClr val="000000"/>
-              </a:buClr>
-              <a:buSzPct val="45000"/>
-              <a:buFont typeface="Wingdings" panose="05000000000000000000" pitchFamily="2" charset="2"/>
-              <a:buChar char=""/>
-            </a:pPr>
-            <a:r>
-              <a:rPr lang="en-US" sz="1400" b="0" strike="noStrike" spc="-1">
-                <a:latin typeface="Arial" panose="020B0604020202020204"/>
-              </a:rPr>
-              <a:t>CompletableFuture thông báo và cho phép lắng nghe sự kiện hoàn thành, ta có thể xử lý dữ liệu, thêm các hành động khi CompletableFuture thực hiện xong với các method thenRun, thenAccept, thenApply, handle, thenApply...</a:t>
-            </a:r>
-            <a:endParaRPr lang="en-US" sz="1400" b="0" strike="noStrike" spc="-1">
-              <a:latin typeface="Arial" panose="020B0604020202020204"/>
-            </a:endParaRPr>
-          </a:p>
-          <a:p>
-            <a:pPr marL="215900" indent="-215900">
-              <a:lnSpc>
-                <a:spcPct val="90000"/>
-              </a:lnSpc>
-              <a:spcBef>
-                <a:spcPts val="1160"/>
-              </a:spcBef>
-              <a:spcAft>
-                <a:spcPts val="1160"/>
-              </a:spcAft>
-              <a:buClr>
-                <a:srgbClr val="000000"/>
-              </a:buClr>
-              <a:buSzPct val="45000"/>
-              <a:buFont typeface="Wingdings" panose="05000000000000000000" pitchFamily="2" charset="2"/>
-              <a:buChar char=""/>
-            </a:pPr>
-            <a:r>
-              <a:rPr lang="en-US" sz="1400" b="0" strike="noStrike" spc="-1">
-                <a:latin typeface="Arial" panose="020B0604020202020204"/>
-              </a:rPr>
-              <a:t>CompletableFuture hỗ trợ xử lý async và cả sync cho các hành động xử lý dữ liệu với  các method thenRunAsync, thenAcceptAsync, thenApplyAsync, handleAsync, thenApplyAsync...</a:t>
-            </a:r>
-            <a:endParaRPr lang="en-US" sz="1400" b="0" strike="noStrike" spc="-1">
-              <a:latin typeface="Arial" panose="020B0604020202020204"/>
-            </a:endParaRPr>
-          </a:p>
-          <a:p>
-            <a:pPr marL="215900" indent="-215900">
-              <a:lnSpc>
-                <a:spcPct val="90000"/>
-              </a:lnSpc>
-              <a:spcBef>
-                <a:spcPts val="1160"/>
-              </a:spcBef>
-              <a:spcAft>
-                <a:spcPts val="1160"/>
-              </a:spcAft>
-              <a:buClr>
-                <a:srgbClr val="000000"/>
-              </a:buClr>
-              <a:buSzPct val="45000"/>
-              <a:buFont typeface="Wingdings" panose="05000000000000000000" pitchFamily="2" charset="2"/>
-              <a:buChar char=""/>
-            </a:pPr>
-            <a:r>
-              <a:rPr lang="en-US" sz="1400" b="0" strike="noStrike" spc="-1">
-                <a:latin typeface="Arial" panose="020B0604020202020204"/>
-              </a:rPr>
-              <a:t>Ta có thể bắt CompletableFuture hoàn thành và trả về một giá trị mặc định nào đó</a:t>
-            </a:r>
-            <a:endParaRPr lang="en-US" sz="1400" b="0" strike="noStrike" spc="-1">
-              <a:latin typeface="Arial" panose="020B0604020202020204"/>
-            </a:endParaRPr>
-          </a:p>
-          <a:p>
-            <a:pPr marL="215900" indent="-215900">
-              <a:lnSpc>
-                <a:spcPct val="90000"/>
-              </a:lnSpc>
-              <a:spcBef>
-                <a:spcPts val="1160"/>
-              </a:spcBef>
-              <a:spcAft>
-                <a:spcPts val="1160"/>
-              </a:spcAft>
-              <a:buClr>
-                <a:srgbClr val="000000"/>
-              </a:buClr>
-              <a:buSzPct val="45000"/>
-              <a:buFont typeface="Wingdings" panose="05000000000000000000" pitchFamily="2" charset="2"/>
-              <a:buChar char=""/>
-            </a:pPr>
-            <a:r>
-              <a:rPr lang="en-US" sz="1400" b="0" strike="noStrike" spc="-1">
-                <a:latin typeface="Arial" panose="020B0604020202020204"/>
-              </a:rPr>
-              <a:t>CompletableFuture cho phép xử lý exception với method handle, handleAsync</a:t>
-            </a:r>
-            <a:endParaRPr lang="en-US" sz="1400" b="0" strike="noStrike" spc="-1">
-              <a:latin typeface="Arial" panose="020B0604020202020204"/>
-            </a:endParaRPr>
-          </a:p>
-          <a:p>
-            <a:pPr marL="215900" indent="-215900">
-              <a:lnSpc>
-                <a:spcPct val="90000"/>
-              </a:lnSpc>
-              <a:spcBef>
-                <a:spcPts val="1160"/>
-              </a:spcBef>
-              <a:spcAft>
-                <a:spcPts val="1160"/>
-              </a:spcAft>
-              <a:buClr>
-                <a:srgbClr val="000000"/>
-              </a:buClr>
-              <a:buSzPct val="45000"/>
-              <a:buFont typeface="Wingdings" panose="05000000000000000000" pitchFamily="2" charset="2"/>
-              <a:buChar char=""/>
-            </a:pPr>
-            <a:r>
-              <a:rPr lang="en-US" sz="1400" b="0" strike="noStrike" spc="-1">
-                <a:latin typeface="Arial" panose="020B0604020202020204"/>
-              </a:rPr>
-              <a:t>CompletableFuture cho phép xử lý kết hợp nhiều tính toán bất đồng bộ với nhau như</a:t>
-            </a:r>
-            <a:endParaRPr lang="en-US" sz="1400" b="0" strike="noStrike" spc="-1">
-              <a:latin typeface="Arial" panose="020B0604020202020204"/>
-            </a:endParaRPr>
-          </a:p>
-          <a:p>
-            <a:pPr marL="215900" indent="-215900">
-              <a:lnSpc>
-                <a:spcPct val="90000"/>
-              </a:lnSpc>
-              <a:spcBef>
-                <a:spcPts val="1160"/>
-              </a:spcBef>
-              <a:spcAft>
-                <a:spcPts val="1160"/>
-              </a:spcAft>
-              <a:buClr>
-                <a:srgbClr val="000000"/>
-              </a:buClr>
-              <a:buSzPct val="45000"/>
-              <a:buFont typeface="Wingdings" panose="05000000000000000000" pitchFamily="2" charset="2"/>
-              <a:buChar char=""/>
-            </a:pPr>
-            <a:r>
-              <a:rPr lang="en-US" sz="1400" b="0" strike="noStrike" spc="-1">
-                <a:latin typeface="Arial" panose="020B0604020202020204"/>
-              </a:rPr>
-              <a:t>Thực hiện các tính toán theo một thứ tự với method thenApply, thenRun, thenAccept(Ví dụ hành động 1 xong thì mới bắt đầu hành động 2)</a:t>
-            </a:r>
-            <a:endParaRPr lang="en-US" sz="1400" b="0" strike="noStrike" spc="-1">
-              <a:latin typeface="Arial" panose="020B0604020202020204"/>
-            </a:endParaRPr>
-          </a:p>
-          <a:p>
-            <a:pPr marL="215900" indent="-215900">
-              <a:lnSpc>
-                <a:spcPct val="90000"/>
-              </a:lnSpc>
-              <a:spcBef>
-                <a:spcPts val="1160"/>
-              </a:spcBef>
-              <a:spcAft>
-                <a:spcPts val="1160"/>
-              </a:spcAft>
-              <a:buClr>
-                <a:srgbClr val="000000"/>
-              </a:buClr>
-              <a:buSzPct val="45000"/>
-              <a:buFont typeface="Wingdings" panose="05000000000000000000" pitchFamily="2" charset="2"/>
-              <a:buChar char=""/>
-            </a:pPr>
-            <a:r>
-              <a:rPr lang="en-US" sz="1400" b="0" strike="noStrike" spc="-1">
-                <a:latin typeface="Arial" panose="020B0604020202020204"/>
-              </a:rPr>
-              <a:t>bắt sự kiện khi nhiều CompletableFuture hoàn thành với method allOf (ví dụ cả hành động 1 và hành động 2 xong thì mới bắt đầu hành động 3)</a:t>
-            </a:r>
-            <a:endParaRPr lang="en-US" sz="1400" b="0" strike="noStrike" spc="-1">
-              <a:latin typeface="Arial" panose="020B0604020202020204"/>
-            </a:endParaRPr>
-          </a:p>
-        </p:txBody>
-      </p:sp>
+      </p:pic>
     </p:spTree>
   </p:cSld>
   <p:clrMapOvr>
@@ -3216,14 +3030,14 @@
       </p:grpSpPr>
       <p:sp>
         <p:nvSpPr>
-          <p:cNvPr id="68" name="TextShape 1"/>
+          <p:cNvPr id="81" name="TextShape 1"/>
           <p:cNvSpPr txBox="1"/>
           <p:nvPr/>
         </p:nvSpPr>
         <p:spPr>
           <a:xfrm>
-            <a:off x="504000" y="451967"/>
-            <a:ext cx="9071640" cy="494665"/>
+            <a:off x="504000" y="310362"/>
+            <a:ext cx="9071640" cy="777875"/>
           </a:xfrm>
           <a:prstGeom prst="rect">
             <a:avLst/>
@@ -3256,135 +3070,167 @@
               <a:buNone/>
             </a:pPr>
             <a:r>
-              <a:rPr lang="en-US" sz="2800" b="1" strike="noStrike" spc="-1">
-                <a:latin typeface="Arial" panose="020B0604020202020204"/>
-              </a:rPr>
-              <a:t>How to init object in Java?</a:t>
-            </a:r>
-            <a:endParaRPr lang="en-US" sz="2800" b="0" strike="noStrike" spc="-1">
-              <a:latin typeface="Arial" panose="020B0604020202020204"/>
-            </a:endParaRPr>
-          </a:p>
-        </p:txBody>
-      </p:sp>
-      <p:sp>
-        <p:nvSpPr>
-          <p:cNvPr id="69" name="TextShape 2"/>
+              <a:rPr lang="en-US" sz="4400" b="1" strike="noStrike" spc="-1">
+                <a:latin typeface="Arial" panose="020B0604020202020204"/>
+              </a:rPr>
+              <a:t>Java 8</a:t>
+            </a:r>
+            <a:endParaRPr lang="en-US" sz="4400" b="1" strike="noStrike" spc="-1">
+              <a:latin typeface="Arial" panose="020B0604020202020204"/>
+            </a:endParaRPr>
+          </a:p>
+        </p:txBody>
+      </p:sp>
+      <p:sp>
+        <p:nvSpPr>
+          <p:cNvPr id="2" name="Text Box 1"/>
           <p:cNvSpPr txBox="1"/>
           <p:nvPr/>
         </p:nvSpPr>
         <p:spPr>
           <a:xfrm>
-            <a:off x="924120" y="1420200"/>
-            <a:ext cx="8859960" cy="5882040"/>
+            <a:off x="919480" y="1355090"/>
+            <a:ext cx="7607300" cy="5492750"/>
           </a:xfrm>
           <a:prstGeom prst="rect">
             <a:avLst/>
           </a:prstGeom>
           <a:noFill/>
-          <a:ln>
-            <a:noFill/>
-          </a:ln>
-        </p:spPr>
-        <p:txBody>
-          <a:bodyPr lIns="90000" tIns="45000" rIns="90000" bIns="45000">
-            <a:spAutoFit/>
-          </a:bodyPr>
-          <a:p>
-            <a:pPr marL="215900" indent="-215900">
-              <a:spcBef>
-                <a:spcPts val="1160"/>
-              </a:spcBef>
-              <a:spcAft>
-                <a:spcPts val="1160"/>
-              </a:spcAft>
-              <a:buClr>
-                <a:srgbClr val="000000"/>
-              </a:buClr>
-              <a:buSzPct val="45000"/>
-              <a:buFont typeface="Wingdings" panose="05000000000000000000" pitchFamily="2" charset="2"/>
-              <a:buChar char=""/>
-            </a:pPr>
-            <a:r>
-              <a:rPr lang="en-US" sz="1800" b="0" strike="noStrike" spc="-1">
-                <a:latin typeface="Arial" panose="020B0604020202020204"/>
-              </a:rPr>
-              <a:t>#1: Using “</a:t>
-            </a:r>
-            <a:r>
-              <a:rPr lang="en-US" sz="1800" b="0" i="1" strike="noStrike" spc="-1">
-                <a:latin typeface="Arial" panose="020B0604020202020204"/>
-              </a:rPr>
-              <a:t>new</a:t>
-            </a:r>
-            <a:r>
-              <a:rPr lang="en-US" sz="1800" b="0" strike="noStrike" spc="-1">
-                <a:latin typeface="Arial" panose="020B0604020202020204"/>
-              </a:rPr>
-              <a:t>” key:  Customer c1 = new Customer();</a:t>
-            </a:r>
-            <a:endParaRPr lang="en-US" sz="1800" b="0" strike="noStrike" spc="-1">
-              <a:latin typeface="Arial" panose="020B0604020202020204"/>
-            </a:endParaRPr>
-          </a:p>
-          <a:p>
-            <a:pPr marL="215900" indent="-215900">
-              <a:spcBef>
-                <a:spcPts val="1160"/>
-              </a:spcBef>
-              <a:spcAft>
-                <a:spcPts val="1160"/>
-              </a:spcAft>
-              <a:buClr>
-                <a:srgbClr val="000000"/>
-              </a:buClr>
-              <a:buSzPct val="45000"/>
-              <a:buFont typeface="Wingdings" panose="05000000000000000000" pitchFamily="2" charset="2"/>
-              <a:buChar char=""/>
-            </a:pPr>
-            <a:r>
-              <a:rPr lang="en-US" sz="1800" b="0" strike="noStrike" spc="-1">
-                <a:latin typeface="Arial" panose="020B0604020202020204"/>
-              </a:rPr>
-              <a:t>#2: Using method </a:t>
-            </a:r>
-            <a:r>
-              <a:rPr lang="en-US" sz="1800" b="0" i="1" strike="noStrike" spc="-1">
-                <a:latin typeface="Arial" panose="020B0604020202020204"/>
-              </a:rPr>
-              <a:t>newInstance()</a:t>
-            </a:r>
-            <a:endParaRPr lang="en-US" sz="1800" b="0" strike="noStrike" spc="-1">
-              <a:latin typeface="Arial" panose="020B0604020202020204"/>
-            </a:endParaRPr>
-          </a:p>
-        </p:txBody>
-      </p:sp>
-      <p:pic>
-        <p:nvPicPr>
-          <p:cNvPr id="70" name="Picture 69"/>
-          <p:cNvPicPr/>
-          <p:nvPr/>
-        </p:nvPicPr>
-        <p:blipFill>
-          <a:blip r:embed="rId1"/>
-          <a:stretch>
-            <a:fillRect/>
-          </a:stretch>
-        </p:blipFill>
-        <p:spPr>
-          <a:xfrm>
-            <a:off x="1828800" y="2522520"/>
-            <a:ext cx="6428880" cy="2323800"/>
-          </a:xfrm>
-          <a:prstGeom prst="rect">
-            <a:avLst/>
-          </a:prstGeom>
-          <a:ln>
-            <a:noFill/>
-          </a:ln>
-        </p:spPr>
-      </p:pic>
+        </p:spPr>
+        <p:txBody>
+          <a:bodyPr wrap="square" rtlCol="0" anchor="t">
+            <a:spAutoFit/>
+          </a:bodyPr>
+          <a:p>
+            <a:pPr>
+              <a:lnSpc>
+                <a:spcPct val="150000"/>
+              </a:lnSpc>
+            </a:pPr>
+            <a:r>
+              <a:rPr lang="en-US"/>
+              <a:t>Một số tính năng mới chủ yếu của Java 8 bao gồm:</a:t>
+            </a:r>
+            <a:endParaRPr lang="en-US"/>
+          </a:p>
+          <a:p>
+            <a:pPr marL="285750" indent="-285750">
+              <a:lnSpc>
+                <a:spcPct val="150000"/>
+              </a:lnSpc>
+              <a:buFont typeface="Arial" panose="020B0604020202020204" pitchFamily="34" charset="0"/>
+              <a:buChar char="•"/>
+            </a:pPr>
+            <a:r>
+              <a:rPr lang="en-US" b="1"/>
+              <a:t>Default method</a:t>
+            </a:r>
+            <a:r>
+              <a:rPr lang="en-US"/>
+              <a:t> : Cung cấp phương thức mặc định cho Interface.</a:t>
+            </a:r>
+            <a:endParaRPr lang="en-US"/>
+          </a:p>
+          <a:p>
+            <a:pPr marL="285750" indent="-285750">
+              <a:lnSpc>
+                <a:spcPct val="150000"/>
+              </a:lnSpc>
+              <a:buFont typeface="Arial" panose="020B0604020202020204" pitchFamily="34" charset="0"/>
+              <a:buChar char="•"/>
+            </a:pPr>
+            <a:r>
+              <a:rPr lang="en-US" b="1"/>
+              <a:t>Lambda expression</a:t>
+            </a:r>
+            <a:r>
+              <a:rPr lang="en-US"/>
+              <a:t> : Thêm khả năng xử lý function cho Java.</a:t>
+            </a:r>
+            <a:endParaRPr lang="en-US"/>
+          </a:p>
+          <a:p>
+            <a:pPr marL="285750" indent="-285750">
+              <a:lnSpc>
+                <a:spcPct val="150000"/>
+              </a:lnSpc>
+              <a:buFont typeface="Arial" panose="020B0604020202020204" pitchFamily="34" charset="0"/>
+              <a:buChar char="•"/>
+            </a:pPr>
+            <a:r>
+              <a:rPr lang="en-US" b="1"/>
+              <a:t>Method references</a:t>
+            </a:r>
+            <a:r>
+              <a:rPr lang="en-US"/>
+              <a:t> : Các hàm tham chiếu theo tên của phương thức thay vì gọi trực tiếp. Sử dụng các function làm tham số.</a:t>
+            </a:r>
+            <a:endParaRPr lang="en-US"/>
+          </a:p>
+          <a:p>
+            <a:pPr marL="285750" indent="-285750">
+              <a:lnSpc>
+                <a:spcPct val="150000"/>
+              </a:lnSpc>
+              <a:buFont typeface="Arial" panose="020B0604020202020204" pitchFamily="34" charset="0"/>
+              <a:buChar char="•"/>
+            </a:pPr>
+            <a:r>
+              <a:rPr lang="en-US" b="1"/>
+              <a:t>Stream API </a:t>
+            </a:r>
+            <a:r>
+              <a:rPr lang="en-US"/>
+              <a:t>: bao gồm các class, interface và enum để cho phép các hoạt động kiểu function trên các element (phần tử) của một Collection, Array. Nó thực hiện chỉ khi nó yêu cầu (lazy).</a:t>
+            </a:r>
+            <a:endParaRPr lang="en-US"/>
+          </a:p>
+          <a:p>
+            <a:pPr marL="285750" indent="-285750">
+              <a:lnSpc>
+                <a:spcPct val="150000"/>
+              </a:lnSpc>
+              <a:buFont typeface="Arial" panose="020B0604020202020204" pitchFamily="34" charset="0"/>
+              <a:buChar char="•"/>
+            </a:pPr>
+            <a:r>
+              <a:rPr lang="en-US" b="1"/>
+              <a:t>Date Time API </a:t>
+            </a:r>
+            <a:r>
+              <a:rPr lang="en-US"/>
+              <a:t>: cung cấp một số lớp mới trong gói java.time cùng với định dạng thời gian Joda.</a:t>
+            </a:r>
+            <a:endParaRPr lang="en-US"/>
+          </a:p>
+          <a:p>
+            <a:pPr marL="285750" indent="-285750">
+              <a:lnSpc>
+                <a:spcPct val="150000"/>
+              </a:lnSpc>
+              <a:buFont typeface="Arial" panose="020B0604020202020204" pitchFamily="34" charset="0"/>
+              <a:buChar char="•"/>
+            </a:pPr>
+            <a:r>
+              <a:rPr lang="en-US" b="1"/>
+              <a:t>Optional </a:t>
+            </a:r>
+            <a:r>
+              <a:rPr lang="en-US"/>
+              <a:t>: là một lớp được sử dụng để hạn chế với lỗi NullPointerException trong ứng dụng Java.</a:t>
+            </a:r>
+            <a:endParaRPr lang="en-US"/>
+          </a:p>
+          <a:p>
+            <a:pPr>
+              <a:lnSpc>
+                <a:spcPct val="150000"/>
+              </a:lnSpc>
+            </a:pPr>
+            <a:endParaRPr lang="en-US"/>
+          </a:p>
+        </p:txBody>
+      </p:sp>
     </p:spTree>
   </p:cSld>
   <p:clrMapOvr>
@@ -3420,14 +3266,14 @@
       </p:grpSpPr>
       <p:sp>
         <p:nvSpPr>
-          <p:cNvPr id="71" name="TextShape 1"/>
+          <p:cNvPr id="81" name="TextShape 1"/>
           <p:cNvSpPr txBox="1"/>
           <p:nvPr/>
         </p:nvSpPr>
         <p:spPr>
           <a:xfrm>
-            <a:off x="504000" y="451967"/>
-            <a:ext cx="9071640" cy="494665"/>
+            <a:off x="504000" y="310362"/>
+            <a:ext cx="9071640" cy="777875"/>
           </a:xfrm>
           <a:prstGeom prst="rect">
             <a:avLst/>
@@ -3460,92 +3306,119 @@
               <a:buNone/>
             </a:pPr>
             <a:r>
-              <a:rPr lang="en-US" sz="2800" b="1" strike="noStrike" spc="-1">
-                <a:latin typeface="Arial" panose="020B0604020202020204"/>
-              </a:rPr>
-              <a:t>How to init object in Java?</a:t>
-            </a:r>
-            <a:endParaRPr lang="en-US" sz="2800" b="0" strike="noStrike" spc="-1">
-              <a:latin typeface="Arial" panose="020B0604020202020204"/>
-            </a:endParaRPr>
-          </a:p>
-        </p:txBody>
-      </p:sp>
-      <p:sp>
-        <p:nvSpPr>
-          <p:cNvPr id="72" name="TextShape 2"/>
+              <a:rPr lang="en-US" sz="4400" b="1" strike="noStrike" spc="-1">
+                <a:latin typeface="Arial" panose="020B0604020202020204"/>
+              </a:rPr>
+              <a:t>Java 9</a:t>
+            </a:r>
+            <a:endParaRPr lang="en-US" sz="4400" b="1" strike="noStrike" spc="-1">
+              <a:latin typeface="Arial" panose="020B0604020202020204"/>
+            </a:endParaRPr>
+          </a:p>
+        </p:txBody>
+      </p:sp>
+      <p:sp>
+        <p:nvSpPr>
+          <p:cNvPr id="2" name="Text Box 1"/>
           <p:cNvSpPr txBox="1"/>
           <p:nvPr/>
         </p:nvSpPr>
         <p:spPr>
           <a:xfrm>
-            <a:off x="924120" y="1420200"/>
-            <a:ext cx="8859960" cy="5882040"/>
+            <a:off x="919480" y="1355090"/>
+            <a:ext cx="7607300" cy="4661535"/>
           </a:xfrm>
           <a:prstGeom prst="rect">
             <a:avLst/>
           </a:prstGeom>
           <a:noFill/>
-          <a:ln>
-            <a:noFill/>
-          </a:ln>
-        </p:spPr>
-        <p:txBody>
-          <a:bodyPr lIns="90000" tIns="45000" rIns="90000" bIns="45000">
-            <a:spAutoFit/>
-          </a:bodyPr>
-          <a:p>
-            <a:pPr marL="215900" indent="-215900">
-              <a:spcBef>
-                <a:spcPts val="1160"/>
-              </a:spcBef>
-              <a:spcAft>
-                <a:spcPts val="1160"/>
-              </a:spcAft>
-              <a:buClr>
-                <a:srgbClr val="000000"/>
-              </a:buClr>
-              <a:buSzPct val="45000"/>
-              <a:buFont typeface="Wingdings" panose="05000000000000000000" pitchFamily="2" charset="2"/>
-              <a:buChar char=""/>
-            </a:pPr>
-            <a:r>
-              <a:rPr lang="en-US" sz="1800" b="0" strike="noStrike" spc="-1">
-                <a:latin typeface="Arial" panose="020B0604020202020204"/>
-              </a:rPr>
-              <a:t>#3: Clone object, Class của đối tượng được clone phải implement interface Cloneable và override lại method clone():</a:t>
-            </a:r>
-            <a:endParaRPr lang="en-US" sz="1800" b="0" strike="noStrike" spc="-1">
-              <a:latin typeface="Arial" panose="020B0604020202020204"/>
-            </a:endParaRPr>
-          </a:p>
-        </p:txBody>
-      </p:sp>
-      <p:pic>
-        <p:nvPicPr>
-          <p:cNvPr id="73" name="Picture 72"/>
-          <p:cNvPicPr/>
-          <p:nvPr/>
-        </p:nvPicPr>
-        <p:blipFill>
-          <a:blip r:embed="rId1"/>
-          <a:stretch>
-            <a:fillRect/>
-          </a:stretch>
-        </p:blipFill>
-        <p:spPr>
-          <a:xfrm>
-            <a:off x="2352960" y="2108520"/>
-            <a:ext cx="5419440" cy="3161880"/>
-          </a:xfrm>
-          <a:prstGeom prst="rect">
-            <a:avLst/>
-          </a:prstGeom>
-          <a:ln>
-            <a:noFill/>
-          </a:ln>
-        </p:spPr>
-      </p:pic>
+        </p:spPr>
+        <p:txBody>
+          <a:bodyPr wrap="square" rtlCol="0" anchor="t">
+            <a:spAutoFit/>
+          </a:bodyPr>
+          <a:p>
+            <a:pPr>
+              <a:lnSpc>
+                <a:spcPct val="150000"/>
+              </a:lnSpc>
+            </a:pPr>
+            <a:r>
+              <a:rPr lang="en-US"/>
+              <a:t>Một số tính năng mới chủ yếu của Java 8 bao gồm:</a:t>
+            </a:r>
+            <a:endParaRPr lang="en-US"/>
+          </a:p>
+          <a:p>
+            <a:pPr marL="285750" indent="-285750">
+              <a:lnSpc>
+                <a:spcPct val="150000"/>
+              </a:lnSpc>
+              <a:buFont typeface="Arial" panose="020B0604020202020204" pitchFamily="34" charset="0"/>
+              <a:buChar char="•"/>
+            </a:pPr>
+            <a:r>
+              <a:rPr lang="en-US" b="1"/>
+              <a:t>Java 9 REPL</a:t>
+            </a:r>
+            <a:r>
+              <a:rPr lang="en-US"/>
+              <a:t> (Java Shell): Nó được sử dụng để thực hiện và kiểm tra bất kỳ cấu trúc Java nào như class, interface, enum, object, statements ...vv rất dễ dàng.</a:t>
+            </a:r>
+            <a:endParaRPr lang="en-US"/>
+          </a:p>
+          <a:p>
+            <a:pPr marL="285750" indent="-285750">
+              <a:lnSpc>
+                <a:spcPct val="150000"/>
+              </a:lnSpc>
+              <a:buFont typeface="Arial" panose="020B0604020202020204" pitchFamily="34" charset="0"/>
+              <a:buChar char="•"/>
+            </a:pPr>
+            <a:r>
+              <a:rPr lang="en-US" b="1"/>
+              <a:t>Collection Factory Methods</a:t>
+            </a:r>
+            <a:r>
+              <a:rPr lang="en-US"/>
+              <a:t>: Oracle Corp đã giới thiệu một số phương pháp để tạo ra danh sách không thể thay đổi các đối tượng Set, Map và Map.Entry.</a:t>
+            </a:r>
+            <a:endParaRPr lang="en-US"/>
+          </a:p>
+          <a:p>
+            <a:pPr marL="285750" indent="-285750">
+              <a:lnSpc>
+                <a:spcPct val="150000"/>
+              </a:lnSpc>
+              <a:buFont typeface="Arial" panose="020B0604020202020204" pitchFamily="34" charset="0"/>
+              <a:buChar char="•"/>
+            </a:pPr>
+            <a:r>
+              <a:rPr lang="en-US" b="1"/>
+              <a:t>Private methods in Interfaces</a:t>
+            </a:r>
+            <a:r>
+              <a:rPr lang="en-US"/>
+              <a:t>: chúng ta cũng có thể viết các phương thức private static và private trong một giao diện sử dụng từ khoá ‘private’.</a:t>
+            </a:r>
+            <a:endParaRPr lang="en-US"/>
+          </a:p>
+          <a:p>
+            <a:pPr marL="285750" indent="-285750">
+              <a:lnSpc>
+                <a:spcPct val="150000"/>
+              </a:lnSpc>
+              <a:buFont typeface="Arial" panose="020B0604020202020204" pitchFamily="34" charset="0"/>
+              <a:buChar char="•"/>
+            </a:pPr>
+            <a:r>
+              <a:rPr lang="en-US" b="1"/>
+              <a:t>Process API Improvements</a:t>
+            </a:r>
+            <a:endParaRPr lang="en-US" b="1"/>
+          </a:p>
+        </p:txBody>
+      </p:sp>
     </p:spTree>
   </p:cSld>
   <p:clrMapOvr>
@@ -3581,14 +3454,14 @@
       </p:grpSpPr>
       <p:sp>
         <p:nvSpPr>
-          <p:cNvPr id="74" name="TextShape 1"/>
+          <p:cNvPr id="81" name="TextShape 1"/>
           <p:cNvSpPr txBox="1"/>
           <p:nvPr/>
         </p:nvSpPr>
         <p:spPr>
           <a:xfrm>
-            <a:off x="504000" y="451967"/>
-            <a:ext cx="9071640" cy="494665"/>
+            <a:off x="504000" y="310362"/>
+            <a:ext cx="9071640" cy="777875"/>
           </a:xfrm>
           <a:prstGeom prst="rect">
             <a:avLst/>
@@ -3621,564 +3494,120 @@
               <a:buNone/>
             </a:pPr>
             <a:r>
-              <a:rPr lang="en-US" sz="2800" b="1" strike="noStrike" spc="-1">
-                <a:latin typeface="Arial" panose="020B0604020202020204"/>
-              </a:rPr>
-              <a:t>How to init object in Java?</a:t>
-            </a:r>
-            <a:endParaRPr lang="en-US" sz="2800" b="0" strike="noStrike" spc="-1">
-              <a:latin typeface="Arial" panose="020B0604020202020204"/>
-            </a:endParaRPr>
-          </a:p>
-        </p:txBody>
-      </p:sp>
-      <p:sp>
-        <p:nvSpPr>
-          <p:cNvPr id="75" name="TextShape 2"/>
+              <a:rPr lang="en-US" sz="4400" b="1" strike="noStrike" spc="-1">
+                <a:latin typeface="Arial" panose="020B0604020202020204"/>
+              </a:rPr>
+              <a:t>Design Pattern</a:t>
+            </a:r>
+            <a:endParaRPr lang="en-US" sz="4400" b="1" strike="noStrike" spc="-1">
+              <a:latin typeface="Arial" panose="020B0604020202020204"/>
+            </a:endParaRPr>
+          </a:p>
+        </p:txBody>
+      </p:sp>
+      <p:sp>
+        <p:nvSpPr>
+          <p:cNvPr id="2" name="Text Box 1"/>
           <p:cNvSpPr txBox="1"/>
           <p:nvPr/>
         </p:nvSpPr>
         <p:spPr>
           <a:xfrm>
-            <a:off x="924120" y="1420200"/>
-            <a:ext cx="8859960" cy="642620"/>
+            <a:off x="919480" y="1355090"/>
+            <a:ext cx="7607300" cy="5262245"/>
           </a:xfrm>
           <a:prstGeom prst="rect">
             <a:avLst/>
           </a:prstGeom>
           <a:noFill/>
-          <a:ln>
-            <a:noFill/>
-          </a:ln>
-        </p:spPr>
-        <p:txBody>
-          <a:bodyPr lIns="90000" tIns="45000" rIns="90000" bIns="45000">
-            <a:spAutoFit/>
-          </a:bodyPr>
-          <a:p>
-            <a:pPr marL="215900" indent="-215900">
-              <a:spcBef>
-                <a:spcPts val="1160"/>
-              </a:spcBef>
-              <a:spcAft>
-                <a:spcPts val="1160"/>
-              </a:spcAft>
-              <a:buClr>
-                <a:srgbClr val="000000"/>
-              </a:buClr>
-              <a:buSzPct val="45000"/>
-              <a:buFont typeface="Wingdings" panose="05000000000000000000" pitchFamily="2" charset="2"/>
-              <a:buChar char=""/>
-            </a:pPr>
-            <a:r>
-              <a:rPr lang="en-US" sz="1800" b="0" strike="noStrike" spc="-1">
-                <a:latin typeface="Arial" panose="020B0604020202020204"/>
-              </a:rPr>
-              <a:t>#4: Sử dụng deserialization, Cách này chính là chuyển một mảng byte thành đối tượng.</a:t>
-            </a:r>
-            <a:endParaRPr lang="en-US" sz="1800" b="0" strike="noStrike" spc="-1">
-              <a:latin typeface="Arial" panose="020B0604020202020204"/>
-            </a:endParaRPr>
-          </a:p>
-        </p:txBody>
-      </p:sp>
-      <p:pic>
-        <p:nvPicPr>
-          <p:cNvPr id="76" name="Picture 75"/>
-          <p:cNvPicPr/>
-          <p:nvPr/>
-        </p:nvPicPr>
-        <p:blipFill>
-          <a:blip r:embed="rId1"/>
-          <a:stretch>
-            <a:fillRect/>
-          </a:stretch>
-        </p:blipFill>
-        <p:spPr>
-          <a:xfrm>
-            <a:off x="1856160" y="2581560"/>
-            <a:ext cx="7013520" cy="3453480"/>
-          </a:xfrm>
-          <a:prstGeom prst="rect">
-            <a:avLst/>
-          </a:prstGeom>
-          <a:ln>
-            <a:noFill/>
-          </a:ln>
-        </p:spPr>
-      </p:pic>
-    </p:spTree>
-  </p:cSld>
-  <p:clrMapOvr>
-    <a:masterClrMapping/>
-  </p:clrMapOvr>
-  <mc:AlternateContent xmlns:mc="http://schemas.openxmlformats.org/markup-compatibility/2006">
-    <mc:Choice xmlns:p14="http://schemas.microsoft.com/office/powerpoint/2010/main" Requires="p14">
-      <p:transition spd="slow" p14:dur="2000"/>
-    </mc:Choice>
-    <mc:Fallback>
-      <p:transition spd="slow"/>
-    </mc:Fallback>
-  </mc:AlternateContent>
-</p:sld>
-</file>
-
-<file path=ppt/slides/slide17.xml><?xml version="1.0" encoding="utf-8"?>
-<p:sld xmlns:a="http://schemas.openxmlformats.org/drawingml/2006/main" xmlns:r="http://schemas.openxmlformats.org/officeDocument/2006/relationships" xmlns:p="http://schemas.openxmlformats.org/presentationml/2006/main">
-  <p:cSld>
-    <p:spTree>
-      <p:nvGrpSpPr>
-        <p:cNvPr id="1" name=""/>
-        <p:cNvGrpSpPr/>
-        <p:nvPr/>
-      </p:nvGrpSpPr>
-      <p:grpSpPr>
-        <a:xfrm>
-          <a:off x="0" y="0"/>
-          <a:ext cx="0" cy="0"/>
-          <a:chOff x="0" y="0"/>
-          <a:chExt cx="0" cy="0"/>
-        </a:xfrm>
-      </p:grpSpPr>
-      <p:sp>
-        <p:nvSpPr>
-          <p:cNvPr id="77" name="TextShape 1"/>
-          <p:cNvSpPr txBox="1"/>
-          <p:nvPr/>
-        </p:nvSpPr>
-        <p:spPr>
-          <a:xfrm>
-            <a:off x="504000" y="301320"/>
-            <a:ext cx="9071640" cy="795960"/>
-          </a:xfrm>
-          <a:prstGeom prst="rect">
-            <a:avLst/>
-          </a:prstGeom>
-          <a:noFill/>
-          <a:ln>
-            <a:noFill/>
-          </a:ln>
-        </p:spPr>
-        <p:txBody>
-          <a:bodyPr lIns="0" tIns="0" rIns="0" bIns="0" anchor="ctr">
-            <a:spAutoFit/>
-          </a:bodyPr>
-          <a:p>
-            <a:pPr marL="215900" indent="-215900" algn="ctr">
-              <a:lnSpc>
-                <a:spcPct val="115000"/>
-              </a:lnSpc>
-              <a:spcBef>
-                <a:spcPts val="580"/>
-              </a:spcBef>
-              <a:spcAft>
-                <a:spcPts val="580"/>
-              </a:spcAft>
-              <a:buClr>
-                <a:srgbClr val="000000"/>
-              </a:buClr>
-              <a:buSzPct val="45000"/>
-              <a:buFont typeface="Wingdings" panose="05000000000000000000" pitchFamily="2" charset="2"/>
-              <a:buChar char=""/>
-            </a:pPr>
-            <a:r>
-              <a:rPr lang="en-US" sz="2200" b="1" strike="noStrike" spc="-1">
-                <a:latin typeface="Arial" panose="020B0604020202020204"/>
-              </a:rPr>
-              <a:t>String Pool, StringBuffer, StringBuilder</a:t>
-            </a:r>
-            <a:endParaRPr lang="en-US" sz="2200" b="0" strike="noStrike" spc="-1">
-              <a:latin typeface="Arial" panose="020B0604020202020204"/>
-            </a:endParaRPr>
-          </a:p>
-        </p:txBody>
-      </p:sp>
-      <p:sp>
-        <p:nvSpPr>
-          <p:cNvPr id="78" name="TextShape 2"/>
-          <p:cNvSpPr txBox="1"/>
-          <p:nvPr/>
-        </p:nvSpPr>
-        <p:spPr>
-          <a:xfrm>
-            <a:off x="924120" y="1420200"/>
-            <a:ext cx="8859960" cy="4038600"/>
-          </a:xfrm>
-          <a:prstGeom prst="rect">
-            <a:avLst/>
-          </a:prstGeom>
-          <a:noFill/>
-          <a:ln>
-            <a:noFill/>
-          </a:ln>
-        </p:spPr>
-        <p:txBody>
-          <a:bodyPr wrap="square" lIns="90000" tIns="45000" rIns="90000" bIns="45000">
-            <a:spAutoFit/>
-          </a:bodyPr>
-          <a:p>
-            <a:pPr indent="0">
-              <a:spcBef>
-                <a:spcPts val="1450"/>
-              </a:spcBef>
-              <a:spcAft>
-                <a:spcPts val="1450"/>
-              </a:spcAft>
-              <a:buClr>
-                <a:srgbClr val="000000"/>
-              </a:buClr>
-              <a:buSzPct val="45000"/>
-              <a:buFont typeface="Wingdings" panose="05000000000000000000" pitchFamily="2" charset="2"/>
-              <a:buNone/>
-            </a:pPr>
-            <a:endParaRPr lang="en-US" sz="2000" b="0" strike="noStrike" spc="-1">
-              <a:latin typeface="Arial" panose="020B0604020202020204"/>
-            </a:endParaRPr>
-          </a:p>
-          <a:p>
-            <a:pPr marL="215900" indent="-215900">
-              <a:spcBef>
-                <a:spcPts val="1450"/>
-              </a:spcBef>
-              <a:spcAft>
-                <a:spcPts val="1450"/>
-              </a:spcAft>
-              <a:buClr>
-                <a:srgbClr val="000000"/>
-              </a:buClr>
-              <a:buSzPct val="45000"/>
-              <a:buFont typeface="Wingdings" panose="05000000000000000000" pitchFamily="2" charset="2"/>
-              <a:buChar char=""/>
-            </a:pPr>
-            <a:r>
-              <a:rPr lang="en-US" sz="2000" b="0" strike="noStrike" spc="-1">
-                <a:latin typeface="Arial" panose="020B0604020202020204"/>
-              </a:rPr>
-              <a:t>String is immutable whereas StringBuffer and StringBuider are mutable classes.</a:t>
-            </a:r>
-            <a:endParaRPr lang="en-US" sz="2000" b="0" strike="noStrike" spc="-1">
-              <a:latin typeface="Arial" panose="020B0604020202020204"/>
-            </a:endParaRPr>
-          </a:p>
-          <a:p>
-            <a:pPr marL="215900" indent="-215900">
-              <a:spcBef>
-                <a:spcPts val="1450"/>
-              </a:spcBef>
-              <a:spcAft>
-                <a:spcPts val="1450"/>
-              </a:spcAft>
-              <a:buClr>
-                <a:srgbClr val="000000"/>
-              </a:buClr>
-              <a:buSzPct val="45000"/>
-              <a:buFont typeface="Wingdings" panose="05000000000000000000" pitchFamily="2" charset="2"/>
-              <a:buChar char=""/>
-            </a:pPr>
-            <a:r>
-              <a:rPr lang="en-US" sz="2000" b="0" strike="noStrike" spc="-1">
-                <a:latin typeface="Arial" panose="020B0604020202020204"/>
-              </a:rPr>
-              <a:t>StringBuffer is thread safe and synchronized whereas StringBuilder is not, thats why </a:t>
-            </a:r>
-            <a:r>
-              <a:rPr lang="en-US" sz="2000" b="0" i="1" strike="noStrike" spc="-1">
-                <a:latin typeface="Arial" panose="020B0604020202020204"/>
-              </a:rPr>
-              <a:t>StringBuilder is more faster than StringBuffer</a:t>
-            </a:r>
-            <a:r>
-              <a:rPr lang="en-US" sz="2000" b="0" strike="noStrike" spc="-1">
-                <a:latin typeface="Arial" panose="020B0604020202020204"/>
-              </a:rPr>
-              <a:t>.</a:t>
-            </a:r>
-            <a:endParaRPr lang="en-US" sz="2000" b="0" strike="noStrike" spc="-1">
-              <a:latin typeface="Arial" panose="020B0604020202020204"/>
-            </a:endParaRPr>
-          </a:p>
-          <a:p>
-            <a:pPr marL="215900" indent="-215900">
-              <a:spcBef>
-                <a:spcPts val="1450"/>
-              </a:spcBef>
-              <a:spcAft>
-                <a:spcPts val="1450"/>
-              </a:spcAft>
-              <a:buClr>
-                <a:srgbClr val="000000"/>
-              </a:buClr>
-              <a:buSzPct val="45000"/>
-              <a:buFont typeface="Wingdings" panose="05000000000000000000" pitchFamily="2" charset="2"/>
-              <a:buChar char=""/>
-            </a:pPr>
-            <a:r>
-              <a:rPr lang="en-US" sz="2000" b="0" strike="noStrike" spc="-1">
-                <a:latin typeface="Arial" panose="020B0604020202020204"/>
-              </a:rPr>
-              <a:t>String concat + operator internally uses StringBuffer or StringBuilder class.</a:t>
-            </a:r>
-            <a:endParaRPr lang="en-US" sz="2000" b="0" strike="noStrike" spc="-1">
-              <a:latin typeface="Arial" panose="020B0604020202020204"/>
-            </a:endParaRPr>
-          </a:p>
-          <a:p>
-            <a:pPr marL="215900" indent="-215900">
-              <a:spcBef>
-                <a:spcPts val="1450"/>
-              </a:spcBef>
-              <a:spcAft>
-                <a:spcPts val="1450"/>
-              </a:spcAft>
-              <a:buClr>
-                <a:srgbClr val="000000"/>
-              </a:buClr>
-              <a:buSzPct val="45000"/>
-              <a:buFont typeface="Wingdings" panose="05000000000000000000" pitchFamily="2" charset="2"/>
-              <a:buChar char=""/>
-            </a:pPr>
-            <a:r>
-              <a:rPr lang="en-US" sz="2000" b="0" strike="noStrike" spc="-1">
-                <a:latin typeface="Arial" panose="020B0604020202020204"/>
-              </a:rPr>
-              <a:t>For String manipulations in non-multi threaded environment, we should use StringBuilder else use StringBuffer class.</a:t>
-            </a:r>
-            <a:endParaRPr lang="en-US" sz="2000" b="0" strike="noStrike" spc="-1">
-              <a:latin typeface="Arial" panose="020B0604020202020204"/>
-            </a:endParaRPr>
-          </a:p>
-        </p:txBody>
-      </p:sp>
-    </p:spTree>
-  </p:cSld>
-  <p:clrMapOvr>
-    <a:masterClrMapping/>
-  </p:clrMapOvr>
-  <mc:AlternateContent xmlns:mc="http://schemas.openxmlformats.org/markup-compatibility/2006">
-    <mc:Choice xmlns:p14="http://schemas.microsoft.com/office/powerpoint/2010/main" Requires="p14">
-      <p:transition spd="slow" p14:dur="2000"/>
-    </mc:Choice>
-    <mc:Fallback>
-      <p:transition spd="slow"/>
-    </mc:Fallback>
-  </mc:AlternateContent>
-</p:sld>
-</file>
-
-<file path=ppt/slides/slide18.xml><?xml version="1.0" encoding="utf-8"?>
-<p:sld xmlns:a="http://schemas.openxmlformats.org/drawingml/2006/main" xmlns:r="http://schemas.openxmlformats.org/officeDocument/2006/relationships" xmlns:p="http://schemas.openxmlformats.org/presentationml/2006/main">
-  <p:cSld>
-    <p:spTree>
-      <p:nvGrpSpPr>
-        <p:cNvPr id="1" name=""/>
-        <p:cNvGrpSpPr/>
-        <p:nvPr/>
-      </p:nvGrpSpPr>
-      <p:grpSpPr>
-        <a:xfrm>
-          <a:off x="0" y="0"/>
-          <a:ext cx="0" cy="0"/>
-          <a:chOff x="0" y="0"/>
-          <a:chExt cx="0" cy="0"/>
-        </a:xfrm>
-      </p:grpSpPr>
-      <p:sp>
-        <p:nvSpPr>
-          <p:cNvPr id="79" name="TextShape 1"/>
-          <p:cNvSpPr txBox="1"/>
-          <p:nvPr/>
-        </p:nvSpPr>
-        <p:spPr>
-          <a:xfrm>
-            <a:off x="504000" y="504990"/>
-            <a:ext cx="9071640" cy="388620"/>
-          </a:xfrm>
-          <a:prstGeom prst="rect">
-            <a:avLst/>
-          </a:prstGeom>
-          <a:noFill/>
-          <a:ln>
-            <a:noFill/>
-          </a:ln>
-        </p:spPr>
-        <p:txBody>
-          <a:bodyPr lIns="0" tIns="0" rIns="0" bIns="0" anchor="ctr">
-            <a:spAutoFit/>
-          </a:bodyPr>
-          <a:p>
-            <a:pPr indent="0" algn="l">
-              <a:lnSpc>
-                <a:spcPct val="115000"/>
-              </a:lnSpc>
-              <a:spcBef>
-                <a:spcPts val="580"/>
-              </a:spcBef>
-              <a:spcAft>
-                <a:spcPts val="580"/>
-              </a:spcAft>
-              <a:buClr>
-                <a:srgbClr val="000000"/>
-              </a:buClr>
-              <a:buSzPct val="45000"/>
-              <a:buFont typeface="Wingdings" panose="05000000000000000000" pitchFamily="2" charset="2"/>
-              <a:buNone/>
-            </a:pPr>
-            <a:r>
-              <a:rPr lang="en-US" sz="2200" b="1" strike="noStrike" spc="-1">
-                <a:latin typeface="Arial" panose="020B0604020202020204"/>
-              </a:rPr>
-              <a:t>Exception</a:t>
-            </a:r>
-            <a:endParaRPr lang="en-US" sz="2200" b="0" strike="noStrike" spc="-1">
-              <a:latin typeface="Arial" panose="020B0604020202020204"/>
-            </a:endParaRPr>
-          </a:p>
-        </p:txBody>
-      </p:sp>
-      <p:pic>
-        <p:nvPicPr>
-          <p:cNvPr id="80" name="Picture 79"/>
-          <p:cNvPicPr/>
-          <p:nvPr/>
-        </p:nvPicPr>
-        <p:blipFill>
-          <a:blip r:embed="rId1"/>
-          <a:stretch>
-            <a:fillRect/>
-          </a:stretch>
-        </p:blipFill>
-        <p:spPr>
-          <a:xfrm>
-            <a:off x="2743200" y="1097280"/>
-            <a:ext cx="6162480" cy="5648040"/>
-          </a:xfrm>
-          <a:prstGeom prst="rect">
-            <a:avLst/>
-          </a:prstGeom>
-          <a:ln>
-            <a:noFill/>
-          </a:ln>
-        </p:spPr>
-      </p:pic>
-    </p:spTree>
-  </p:cSld>
-  <p:clrMapOvr>
-    <a:masterClrMapping/>
-  </p:clrMapOvr>
-  <mc:AlternateContent xmlns:mc="http://schemas.openxmlformats.org/markup-compatibility/2006">
-    <mc:Choice xmlns:p14="http://schemas.microsoft.com/office/powerpoint/2010/main" Requires="p14">
-      <p:transition spd="slow" p14:dur="2000"/>
-    </mc:Choice>
-    <mc:Fallback>
-      <p:transition spd="slow"/>
-    </mc:Fallback>
-  </mc:AlternateContent>
-</p:sld>
-</file>
-
-<file path=ppt/slides/slide19.xml><?xml version="1.0" encoding="utf-8"?>
-<p:sld xmlns:a="http://schemas.openxmlformats.org/drawingml/2006/main" xmlns:r="http://schemas.openxmlformats.org/officeDocument/2006/relationships" xmlns:p="http://schemas.openxmlformats.org/presentationml/2006/main">
-  <p:cSld>
-    <p:spTree>
-      <p:nvGrpSpPr>
-        <p:cNvPr id="1" name=""/>
-        <p:cNvGrpSpPr/>
-        <p:nvPr/>
-      </p:nvGrpSpPr>
-      <p:grpSpPr>
-        <a:xfrm>
-          <a:off x="0" y="0"/>
-          <a:ext cx="0" cy="0"/>
-          <a:chOff x="0" y="0"/>
-          <a:chExt cx="0" cy="0"/>
-        </a:xfrm>
-      </p:grpSpPr>
-      <p:sp>
-        <p:nvSpPr>
-          <p:cNvPr id="81" name="TextShape 1"/>
-          <p:cNvSpPr txBox="1"/>
-          <p:nvPr/>
-        </p:nvSpPr>
-        <p:spPr>
-          <a:xfrm>
-            <a:off x="504000" y="301320"/>
-            <a:ext cx="9071640" cy="795960"/>
-          </a:xfrm>
-          <a:prstGeom prst="rect">
-            <a:avLst/>
-          </a:prstGeom>
-          <a:noFill/>
-          <a:ln>
-            <a:noFill/>
-          </a:ln>
-        </p:spPr>
-        <p:txBody>
-          <a:bodyPr lIns="0" tIns="0" rIns="0" bIns="0" anchor="ctr">
-            <a:spAutoFit/>
-          </a:bodyPr>
-          <a:p>
-            <a:pPr marL="215900" indent="-215900" algn="ctr">
-              <a:lnSpc>
-                <a:spcPct val="115000"/>
-              </a:lnSpc>
-              <a:spcBef>
-                <a:spcPts val="580"/>
-              </a:spcBef>
-              <a:spcAft>
-                <a:spcPts val="580"/>
-              </a:spcAft>
-              <a:buClr>
-                <a:srgbClr val="000000"/>
-              </a:buClr>
-              <a:buSzPct val="45000"/>
-              <a:buFont typeface="Wingdings" panose="05000000000000000000" pitchFamily="2" charset="2"/>
-              <a:buChar char=""/>
-            </a:pPr>
-            <a:r>
-              <a:rPr lang="en-US" sz="2200" b="1" strike="noStrike" spc="-1">
-                <a:latin typeface="Arial" panose="020B0604020202020204"/>
-              </a:rPr>
-              <a:t>Database Index</a:t>
-            </a:r>
-            <a:endParaRPr lang="en-US" sz="2200" b="0" strike="noStrike" spc="-1">
-              <a:latin typeface="Arial" panose="020B0604020202020204"/>
-            </a:endParaRPr>
-          </a:p>
-        </p:txBody>
-      </p:sp>
-      <p:sp>
-        <p:nvSpPr>
-          <p:cNvPr id="82" name="TextShape 2"/>
-          <p:cNvSpPr txBox="1"/>
-          <p:nvPr/>
-        </p:nvSpPr>
-        <p:spPr>
-          <a:xfrm>
-            <a:off x="1721160" y="2217600"/>
-            <a:ext cx="6686640" cy="602280"/>
-          </a:xfrm>
-          <a:prstGeom prst="rect">
-            <a:avLst/>
-          </a:prstGeom>
-          <a:noFill/>
-          <a:ln>
-            <a:noFill/>
-          </a:ln>
-        </p:spPr>
-        <p:txBody>
-          <a:bodyPr lIns="90000" tIns="45000" rIns="90000" bIns="45000">
-            <a:spAutoFit/>
-          </a:bodyPr>
-          <a:p>
-            <a:r>
-              <a:rPr lang="en-US" sz="1800" b="0" strike="noStrike" spc="-1">
-                <a:latin typeface="Arial" panose="020B0604020202020204"/>
-              </a:rPr>
-              <a:t>https://viblo.asia/p/tim-hieu-ve-database-index-3wjAM7VgRmWe</a:t>
-            </a:r>
-            <a:endParaRPr lang="en-US" sz="1800" b="0" strike="noStrike" spc="-1">
-              <a:latin typeface="Arial" panose="020B0604020202020204"/>
-            </a:endParaRPr>
+        </p:spPr>
+        <p:txBody>
+          <a:bodyPr wrap="square" rtlCol="0" anchor="t">
+            <a:spAutoFit/>
+          </a:bodyPr>
+          <a:p>
+            <a:pPr>
+              <a:lnSpc>
+                <a:spcPct val="150000"/>
+              </a:lnSpc>
+            </a:pPr>
+            <a:r>
+              <a:rPr lang="en-US" sz="1600" b="1"/>
+              <a:t>Factory method:</a:t>
+            </a:r>
+            <a:endParaRPr lang="en-US" sz="1600" b="1"/>
+          </a:p>
+          <a:p>
+            <a:pPr>
+              <a:lnSpc>
+                <a:spcPct val="150000"/>
+              </a:lnSpc>
+            </a:pPr>
+            <a:r>
+              <a:rPr lang="en-US" sz="1600"/>
+              <a:t>nhằm giải quyết vấn đề tạo một đối tượng mà không cần thiết chỉ ra một cách chính xác lớp nào sẽ được tạo. Factory method giải quyết vấn đề này bằng cách định nghĩa một phương thức cho việc tạo đối tượng, và các lớp con thừa kế có thể override để chỉ rõ đối tượng nào sẽ được tạo. Nói chung, "factory method" thường được áp dụng cho những phương thức mà nhiệm vụ chính của nó là tạo ra đối tượng.</a:t>
+            </a:r>
+            <a:endParaRPr lang="en-US" sz="1600"/>
+          </a:p>
+          <a:p>
+            <a:pPr>
+              <a:lnSpc>
+                <a:spcPct val="150000"/>
+              </a:lnSpc>
+            </a:pPr>
+            <a:endParaRPr lang="en-US" sz="1600"/>
+          </a:p>
+          <a:p>
+            <a:pPr>
+              <a:lnSpc>
+                <a:spcPct val="150000"/>
+              </a:lnSpc>
+            </a:pPr>
+            <a:r>
+              <a:rPr lang="en-US" sz="1600" b="1"/>
+              <a:t>Factory pattern</a:t>
+            </a:r>
+            <a:r>
+              <a:rPr lang="en-US" sz="1600"/>
+              <a:t> đưa ra 1 ý tưởng mới cho việc khởi tạo các instance phù hợp với mỗi request từ phía Client. Sử dụng Factory pattern sẽ có những ưu điểm sau:</a:t>
+            </a:r>
+            <a:endParaRPr lang="en-US" sz="1600"/>
+          </a:p>
+          <a:p>
+            <a:pPr>
+              <a:lnSpc>
+                <a:spcPct val="150000"/>
+              </a:lnSpc>
+            </a:pPr>
+            <a:r>
+              <a:rPr lang="en-US" sz="1600"/>
+              <a:t>Tạo ra 1 cách mới trong việc khởi tạo cá Object thông qua 1 interface chung.</a:t>
+            </a:r>
+            <a:endParaRPr lang="en-US" sz="1600"/>
+          </a:p>
+          <a:p>
+            <a:pPr>
+              <a:lnSpc>
+                <a:spcPct val="150000"/>
+              </a:lnSpc>
+            </a:pPr>
+            <a:r>
+              <a:rPr lang="en-US" sz="1600"/>
+              <a:t>Khởi tạo các Objects mà che giấu đi xử lí logic của việc khởi tạo đấy.</a:t>
+            </a:r>
+            <a:endParaRPr lang="en-US" sz="1600"/>
+          </a:p>
+          <a:p>
+            <a:pPr>
+              <a:lnSpc>
+                <a:spcPct val="150000"/>
+              </a:lnSpc>
+            </a:pPr>
+            <a:r>
+              <a:rPr lang="en-US" sz="1600"/>
+              <a:t>Giảm sự phụ thuộc giữa các module, các logic với các class cụ thể, mà chỉ phụ thuộc vào interface.</a:t>
+            </a:r>
+            <a:endParaRPr lang="en-US" sz="1600"/>
           </a:p>
         </p:txBody>
       </p:sp>
@@ -4257,10 +3686,10 @@
               <a:buNone/>
             </a:pPr>
             <a:r>
-              <a:rPr lang="en-US" sz="2600" b="1" strike="noStrike" spc="-1">
-                <a:latin typeface="Arial" panose="020B0604020202020204"/>
-              </a:rPr>
-              <a:t>Heap memory vs Stack memory</a:t>
+              <a:rPr lang="en-US" sz="2600" b="0" strike="noStrike" spc="-1">
+                <a:latin typeface="Arial" panose="020B0604020202020204"/>
+              </a:rPr>
+              <a:t>JDK, JRE, JVM</a:t>
             </a:r>
             <a:endParaRPr lang="en-US" sz="2600" b="0" strike="noStrike" spc="-1">
               <a:latin typeface="Arial" panose="020B0604020202020204"/>
@@ -4277,7 +3706,7 @@
         <p:spPr>
           <a:xfrm>
             <a:off x="741240" y="1968840"/>
-            <a:ext cx="8859960" cy="4980600"/>
+            <a:ext cx="8859960" cy="3408045"/>
           </a:xfrm>
           <a:prstGeom prst="rect">
             <a:avLst/>
@@ -4313,9 +3742,9 @@
               <a:rPr lang="en-US" sz="2200" b="1" strike="noStrike" spc="-1">
                 <a:latin typeface="Arial" panose="020B0604020202020204"/>
               </a:rPr>
-              <a:t>Heap memory:</a:t>
-            </a:r>
-            <a:endParaRPr lang="en-US" sz="2200" b="0" strike="noStrike" spc="-1">
+              <a:t>JDK = JRE + Development/debugging tools</a:t>
+            </a:r>
+            <a:endParaRPr lang="en-US" sz="2200" b="1" strike="noStrike" spc="-1">
               <a:latin typeface="Arial" panose="020B0604020202020204"/>
             </a:endParaRPr>
           </a:p>
@@ -4337,13 +3766,7 @@
               <a:buFont typeface="Wingdings" panose="05000000000000000000" pitchFamily="2" charset="2"/>
               <a:buChar char=""/>
             </a:pPr>
-            <a:r>
-              <a:rPr lang="en-US" sz="2200" b="0" strike="noStrike" spc="-1">
-                <a:latin typeface="Arial" panose="020B0604020202020204"/>
-              </a:rPr>
-              <a:t>Heap memory là bộ nhớ được sử dụng bởi Java Runtime để cấp phát bộ nhớ cho các đối tượng (object) và String.</a:t>
-            </a:r>
-            <a:endParaRPr lang="en-US" sz="2200" b="0" strike="noStrike" spc="-1">
+            <a:endParaRPr lang="en-US" sz="2200" b="1" strike="noStrike" spc="-1">
               <a:latin typeface="Arial" panose="020B0604020202020204"/>
             </a:endParaRPr>
           </a:p>
@@ -4366,12 +3789,12 @@
               <a:buChar char=""/>
             </a:pPr>
             <a:r>
-              <a:rPr lang="en-US" sz="2200" b="0" strike="noStrike" spc="-1">
-                <a:latin typeface="Arial" panose="020B0604020202020204"/>
-              </a:rPr>
-              <a:t>Bất kỳ khi nào có một đối tượng được tạo, nó sẽ được tạo lưu ở bộ nhớ Heap.</a:t>
-            </a:r>
-            <a:endParaRPr lang="en-US" sz="2200" b="0" strike="noStrike" spc="-1">
+              <a:rPr lang="en-US" sz="2200" b="1" strike="noStrike" spc="-1">
+                <a:latin typeface="Arial" panose="020B0604020202020204"/>
+              </a:rPr>
+              <a:t>JRE = JVM + Java Packages Classes(like util, math, lang, awt,swing etc)+runtime libraries.</a:t>
+            </a:r>
+            <a:endParaRPr lang="en-US" sz="2200" b="1" strike="noStrike" spc="-1">
               <a:latin typeface="Arial" panose="020B0604020202020204"/>
             </a:endParaRPr>
           </a:p>
@@ -4393,76 +3816,12 @@
               <a:buFont typeface="Wingdings" panose="05000000000000000000" pitchFamily="2" charset="2"/>
               <a:buChar char=""/>
             </a:pPr>
-            <a:r>
-              <a:rPr lang="en-US" sz="2200" b="0" strike="noStrike" spc="-1">
-                <a:latin typeface="Arial" panose="020B0604020202020204"/>
-              </a:rPr>
-              <a:t>Bộ dọn rác (Garbage Collection) chạy trên heap memory để giải phóng bộ nhớ được sử dụng bởi các đối tượng có bất kỳ tham chiếu nào.</a:t>
-            </a:r>
-            <a:endParaRPr lang="en-US" sz="2200" b="0" strike="noStrike" spc="-1">
-              <a:latin typeface="Arial" panose="020B0604020202020204"/>
-            </a:endParaRPr>
-          </a:p>
-        </p:txBody>
-      </p:sp>
-    </p:spTree>
-  </p:cSld>
-  <p:clrMapOvr>
-    <a:masterClrMapping/>
-  </p:clrMapOvr>
-  <mc:AlternateContent xmlns:mc="http://schemas.openxmlformats.org/markup-compatibility/2006">
-    <mc:Choice xmlns:p14="http://schemas.microsoft.com/office/powerpoint/2010/main" Requires="p14">
-      <p:transition spd="slow" p14:dur="2000"/>
-    </mc:Choice>
-    <mc:Fallback>
-      <p:transition spd="slow"/>
-    </mc:Fallback>
-  </mc:AlternateContent>
-</p:sld>
-</file>
-
-<file path=ppt/slides/slide20.xml><?xml version="1.0" encoding="utf-8"?>
-<p:sld xmlns:a="http://schemas.openxmlformats.org/drawingml/2006/main" xmlns:r="http://schemas.openxmlformats.org/officeDocument/2006/relationships" xmlns:p="http://schemas.openxmlformats.org/presentationml/2006/main">
-  <p:cSld>
-    <p:spTree>
-      <p:nvGrpSpPr>
-        <p:cNvPr id="1" name=""/>
-        <p:cNvGrpSpPr/>
-        <p:nvPr/>
-      </p:nvGrpSpPr>
-      <p:grpSpPr>
-        <a:xfrm>
-          <a:off x="0" y="0"/>
-          <a:ext cx="0" cy="0"/>
-          <a:chOff x="0" y="0"/>
-          <a:chExt cx="0" cy="0"/>
-        </a:xfrm>
-      </p:grpSpPr>
-      <p:sp>
-        <p:nvSpPr>
-          <p:cNvPr id="81" name="TextShape 1"/>
-          <p:cNvSpPr txBox="1"/>
-          <p:nvPr/>
-        </p:nvSpPr>
-        <p:spPr>
-          <a:xfrm>
-            <a:off x="504000" y="310362"/>
-            <a:ext cx="9071640" cy="777875"/>
-          </a:xfrm>
-          <a:prstGeom prst="rect">
-            <a:avLst/>
-          </a:prstGeom>
-          <a:noFill/>
-          <a:ln>
-            <a:noFill/>
-          </a:ln>
-        </p:spPr>
-        <p:txBody>
-          <a:bodyPr lIns="0" tIns="0" rIns="0" bIns="0" anchor="ctr">
-            <a:spAutoFit/>
-          </a:bodyPr>
-          <a:p>
-            <a:pPr indent="0" algn="ctr">
+            <a:endParaRPr lang="en-US" sz="2200" b="1" strike="noStrike" spc="-1">
+              <a:latin typeface="Arial" panose="020B0604020202020204"/>
+            </a:endParaRPr>
+          </a:p>
+          <a:p>
+            <a:pPr marL="215900" indent="-215900">
               <a:lnSpc>
                 <a:spcPct val="115000"/>
               </a:lnSpc>
@@ -4477,355 +3836,17 @@
               </a:buClr>
               <a:buSzPct val="45000"/>
               <a:buFont typeface="Wingdings" panose="05000000000000000000" pitchFamily="2" charset="2"/>
-              <a:buNone/>
-            </a:pPr>
-            <a:r>
-              <a:rPr lang="en-US" sz="4400" b="1" strike="noStrike" spc="-1">
-                <a:latin typeface="Arial" panose="020B0604020202020204"/>
-              </a:rPr>
-              <a:t>Java 8</a:t>
-            </a:r>
-            <a:endParaRPr lang="en-US" sz="4400" b="1" strike="noStrike" spc="-1">
-              <a:latin typeface="Arial" panose="020B0604020202020204"/>
-            </a:endParaRPr>
-          </a:p>
-        </p:txBody>
-      </p:sp>
-      <p:sp>
-        <p:nvSpPr>
-          <p:cNvPr id="2" name="Text Box 1"/>
-          <p:cNvSpPr txBox="1"/>
-          <p:nvPr/>
-        </p:nvSpPr>
-        <p:spPr>
-          <a:xfrm>
-            <a:off x="919480" y="1355090"/>
-            <a:ext cx="7607300" cy="5492750"/>
-          </a:xfrm>
-          <a:prstGeom prst="rect">
-            <a:avLst/>
-          </a:prstGeom>
-          <a:noFill/>
-        </p:spPr>
-        <p:txBody>
-          <a:bodyPr wrap="square" rtlCol="0" anchor="t">
-            <a:spAutoFit/>
-          </a:bodyPr>
-          <a:p>
-            <a:pPr>
-              <a:lnSpc>
-                <a:spcPct val="150000"/>
-              </a:lnSpc>
-            </a:pPr>
-            <a:r>
-              <a:rPr lang="en-US"/>
-              <a:t>Một số tính năng mới chủ yếu của Java 8 bao gồm:</a:t>
-            </a:r>
-            <a:endParaRPr lang="en-US"/>
-          </a:p>
-          <a:p>
-            <a:pPr marL="285750" indent="-285750">
-              <a:lnSpc>
-                <a:spcPct val="150000"/>
-              </a:lnSpc>
-              <a:buFont typeface="Arial" panose="020B0604020202020204" pitchFamily="34" charset="0"/>
-              <a:buChar char="•"/>
-            </a:pPr>
-            <a:r>
-              <a:rPr lang="en-US" b="1"/>
-              <a:t>Default method</a:t>
-            </a:r>
-            <a:r>
-              <a:rPr lang="en-US"/>
-              <a:t> : Cung cấp phương thức mặc định cho Interface.</a:t>
-            </a:r>
-            <a:endParaRPr lang="en-US"/>
-          </a:p>
-          <a:p>
-            <a:pPr marL="285750" indent="-285750">
-              <a:lnSpc>
-                <a:spcPct val="150000"/>
-              </a:lnSpc>
-              <a:buFont typeface="Arial" panose="020B0604020202020204" pitchFamily="34" charset="0"/>
-              <a:buChar char="•"/>
-            </a:pPr>
-            <a:r>
-              <a:rPr lang="en-US" b="1"/>
-              <a:t>Lambda expression</a:t>
-            </a:r>
-            <a:r>
-              <a:rPr lang="en-US"/>
-              <a:t> : Thêm khả năng xử lý function cho Java.</a:t>
-            </a:r>
-            <a:endParaRPr lang="en-US"/>
-          </a:p>
-          <a:p>
-            <a:pPr marL="285750" indent="-285750">
-              <a:lnSpc>
-                <a:spcPct val="150000"/>
-              </a:lnSpc>
-              <a:buFont typeface="Arial" panose="020B0604020202020204" pitchFamily="34" charset="0"/>
-              <a:buChar char="•"/>
-            </a:pPr>
-            <a:r>
-              <a:rPr lang="en-US" b="1"/>
-              <a:t>Method references</a:t>
-            </a:r>
-            <a:r>
-              <a:rPr lang="en-US"/>
-              <a:t> : Các hàm tham chiếu theo tên của phương thức thay vì gọi trực tiếp. Sử dụng các function làm tham số.</a:t>
-            </a:r>
-            <a:endParaRPr lang="en-US"/>
-          </a:p>
-          <a:p>
-            <a:pPr marL="285750" indent="-285750">
-              <a:lnSpc>
-                <a:spcPct val="150000"/>
-              </a:lnSpc>
-              <a:buFont typeface="Arial" panose="020B0604020202020204" pitchFamily="34" charset="0"/>
-              <a:buChar char="•"/>
-            </a:pPr>
-            <a:r>
-              <a:rPr lang="en-US" b="1"/>
-              <a:t>Stream API </a:t>
-            </a:r>
-            <a:r>
-              <a:rPr lang="en-US"/>
-              <a:t>: bao gồm các class, interface và enum để cho phép các hoạt động kiểu function trên các element (phần tử) của một Collection, Array. Nó thực hiện chỉ khi nó yêu cầu (lazy).</a:t>
-            </a:r>
-            <a:endParaRPr lang="en-US"/>
-          </a:p>
-          <a:p>
-            <a:pPr marL="285750" indent="-285750">
-              <a:lnSpc>
-                <a:spcPct val="150000"/>
-              </a:lnSpc>
-              <a:buFont typeface="Arial" panose="020B0604020202020204" pitchFamily="34" charset="0"/>
-              <a:buChar char="•"/>
-            </a:pPr>
-            <a:r>
-              <a:rPr lang="en-US" b="1"/>
-              <a:t>Date Time API </a:t>
-            </a:r>
-            <a:r>
-              <a:rPr lang="en-US"/>
-              <a:t>: cung cấp một số lớp mới trong gói java.time cùng với định dạng thời gian Joda.</a:t>
-            </a:r>
-            <a:endParaRPr lang="en-US"/>
-          </a:p>
-          <a:p>
-            <a:pPr marL="285750" indent="-285750">
-              <a:lnSpc>
-                <a:spcPct val="150000"/>
-              </a:lnSpc>
-              <a:buFont typeface="Arial" panose="020B0604020202020204" pitchFamily="34" charset="0"/>
-              <a:buChar char="•"/>
-            </a:pPr>
-            <a:r>
-              <a:rPr lang="en-US" b="1"/>
-              <a:t>Optional </a:t>
-            </a:r>
-            <a:r>
-              <a:rPr lang="en-US"/>
-              <a:t>: là một lớp được sử dụng để hạn chế với lỗi NullPointerException trong ứng dụng Java.</a:t>
-            </a:r>
-            <a:endParaRPr lang="en-US"/>
-          </a:p>
-          <a:p>
-            <a:pPr>
-              <a:lnSpc>
-                <a:spcPct val="150000"/>
-              </a:lnSpc>
-            </a:pPr>
-            <a:endParaRPr lang="en-US"/>
-          </a:p>
-        </p:txBody>
-      </p:sp>
-    </p:spTree>
-  </p:cSld>
-  <p:clrMapOvr>
-    <a:masterClrMapping/>
-  </p:clrMapOvr>
-  <mc:AlternateContent xmlns:mc="http://schemas.openxmlformats.org/markup-compatibility/2006">
-    <mc:Choice xmlns:p14="http://schemas.microsoft.com/office/powerpoint/2010/main" Requires="p14">
-      <p:transition spd="slow" p14:dur="2000"/>
-    </mc:Choice>
-    <mc:Fallback>
-      <p:transition spd="slow"/>
-    </mc:Fallback>
-  </mc:AlternateContent>
-</p:sld>
-</file>
-
-<file path=ppt/slides/slide21.xml><?xml version="1.0" encoding="utf-8"?>
-<p:sld xmlns:a="http://schemas.openxmlformats.org/drawingml/2006/main" xmlns:r="http://schemas.openxmlformats.org/officeDocument/2006/relationships" xmlns:p="http://schemas.openxmlformats.org/presentationml/2006/main">
-  <p:cSld>
-    <p:spTree>
-      <p:nvGrpSpPr>
-        <p:cNvPr id="1" name=""/>
-        <p:cNvGrpSpPr/>
-        <p:nvPr/>
-      </p:nvGrpSpPr>
-      <p:grpSpPr>
-        <a:xfrm>
-          <a:off x="0" y="0"/>
-          <a:ext cx="0" cy="0"/>
-          <a:chOff x="0" y="0"/>
-          <a:chExt cx="0" cy="0"/>
-        </a:xfrm>
-      </p:grpSpPr>
-      <p:sp>
-        <p:nvSpPr>
-          <p:cNvPr id="81" name="TextShape 1"/>
-          <p:cNvSpPr txBox="1"/>
-          <p:nvPr/>
-        </p:nvSpPr>
-        <p:spPr>
-          <a:xfrm>
-            <a:off x="504000" y="310362"/>
-            <a:ext cx="9071640" cy="777875"/>
-          </a:xfrm>
-          <a:prstGeom prst="rect">
-            <a:avLst/>
-          </a:prstGeom>
-          <a:noFill/>
-          <a:ln>
-            <a:noFill/>
-          </a:ln>
-        </p:spPr>
-        <p:txBody>
-          <a:bodyPr lIns="0" tIns="0" rIns="0" bIns="0" anchor="ctr">
-            <a:spAutoFit/>
-          </a:bodyPr>
-          <a:p>
-            <a:pPr indent="0" algn="ctr">
-              <a:lnSpc>
-                <a:spcPct val="115000"/>
-              </a:lnSpc>
-              <a:spcBef>
-                <a:spcPts val="580"/>
-              </a:spcBef>
-              <a:spcAft>
-                <a:spcPts val="580"/>
-              </a:spcAft>
-              <a:buClr>
-                <a:srgbClr val="000000"/>
-              </a:buClr>
-              <a:buSzPct val="45000"/>
-              <a:buFont typeface="Wingdings" panose="05000000000000000000" pitchFamily="2" charset="2"/>
-              <a:buNone/>
-            </a:pPr>
-            <a:r>
-              <a:rPr lang="en-US" sz="4400" b="1" strike="noStrike" spc="-1">
-                <a:latin typeface="Arial" panose="020B0604020202020204"/>
-              </a:rPr>
-              <a:t>Java 9</a:t>
-            </a:r>
-            <a:endParaRPr lang="en-US" sz="4400" b="1" strike="noStrike" spc="-1">
-              <a:latin typeface="Arial" panose="020B0604020202020204"/>
-            </a:endParaRPr>
-          </a:p>
-        </p:txBody>
-      </p:sp>
-      <p:sp>
-        <p:nvSpPr>
-          <p:cNvPr id="2" name="Text Box 1"/>
-          <p:cNvSpPr txBox="1"/>
-          <p:nvPr/>
-        </p:nvSpPr>
-        <p:spPr>
-          <a:xfrm>
-            <a:off x="919480" y="1355090"/>
-            <a:ext cx="7607300" cy="4661535"/>
-          </a:xfrm>
-          <a:prstGeom prst="rect">
-            <a:avLst/>
-          </a:prstGeom>
-          <a:noFill/>
-        </p:spPr>
-        <p:txBody>
-          <a:bodyPr wrap="square" rtlCol="0" anchor="t">
-            <a:spAutoFit/>
-          </a:bodyPr>
-          <a:p>
-            <a:pPr>
-              <a:lnSpc>
-                <a:spcPct val="150000"/>
-              </a:lnSpc>
-            </a:pPr>
-            <a:r>
-              <a:rPr lang="en-US"/>
-              <a:t>Một số tính năng mới chủ yếu của Java 8 bao gồm:</a:t>
-            </a:r>
-            <a:endParaRPr lang="en-US"/>
-          </a:p>
-          <a:p>
-            <a:pPr marL="285750" indent="-285750">
-              <a:lnSpc>
-                <a:spcPct val="150000"/>
-              </a:lnSpc>
-              <a:buFont typeface="Arial" panose="020B0604020202020204" pitchFamily="34" charset="0"/>
-              <a:buChar char="•"/>
-            </a:pPr>
-            <a:r>
-              <a:rPr lang="en-US" b="1"/>
-              <a:t>Java 9 REPL</a:t>
-            </a:r>
-            <a:r>
-              <a:rPr lang="en-US"/>
-              <a:t> (Java Shell): Nó được sử dụng để thực hiện và kiểm tra bất kỳ cấu trúc Java nào như class, interface, enum, object, statements ...vv rất dễ dàng.</a:t>
-            </a:r>
-            <a:endParaRPr lang="en-US"/>
-          </a:p>
-          <a:p>
-            <a:pPr marL="285750" indent="-285750">
-              <a:lnSpc>
-                <a:spcPct val="150000"/>
-              </a:lnSpc>
-              <a:buFont typeface="Arial" panose="020B0604020202020204" pitchFamily="34" charset="0"/>
-              <a:buChar char="•"/>
-            </a:pPr>
-            <a:r>
-              <a:rPr lang="en-US" b="1"/>
-              <a:t>Collection Factory Methods</a:t>
-            </a:r>
-            <a:r>
-              <a:rPr lang="en-US"/>
-              <a:t>: Oracle Corp đã giới thiệu một số phương pháp để tạo ra danh sách không thể thay đổi các đối tượng Set, Map và Map.Entry.</a:t>
-            </a:r>
-            <a:endParaRPr lang="en-US"/>
-          </a:p>
-          <a:p>
-            <a:pPr marL="285750" indent="-285750">
-              <a:lnSpc>
-                <a:spcPct val="150000"/>
-              </a:lnSpc>
-              <a:buFont typeface="Arial" panose="020B0604020202020204" pitchFamily="34" charset="0"/>
-              <a:buChar char="•"/>
-            </a:pPr>
-            <a:r>
-              <a:rPr lang="en-US" b="1"/>
-              <a:t>Private methods in Interfaces</a:t>
-            </a:r>
-            <a:r>
-              <a:rPr lang="en-US"/>
-              <a:t>: chúng ta cũng có thể viết các phương thức private static và private trong một giao diện sử dụng từ khoá ‘private’.</a:t>
-            </a:r>
-            <a:endParaRPr lang="en-US"/>
-          </a:p>
-          <a:p>
-            <a:pPr marL="285750" indent="-285750">
-              <a:lnSpc>
-                <a:spcPct val="150000"/>
-              </a:lnSpc>
-              <a:buFont typeface="Arial" panose="020B0604020202020204" pitchFamily="34" charset="0"/>
-              <a:buChar char="•"/>
-            </a:pPr>
-            <a:r>
-              <a:rPr lang="en-US" b="1"/>
-              <a:t>Process API Improvements</a:t>
-            </a:r>
-            <a:endParaRPr lang="en-US" b="1"/>
+              <a:buChar char=""/>
+            </a:pPr>
+            <a:r>
+              <a:rPr lang="en-US" sz="2200" b="1" strike="noStrike" spc="-1">
+                <a:latin typeface="Arial" panose="020B0604020202020204"/>
+              </a:rPr>
+              <a:t>JVM = Class loader system + runtime data area + Execution Engine.</a:t>
+            </a:r>
+            <a:endParaRPr lang="en-US" sz="2200" b="1" strike="noStrike" spc="-1">
+              <a:latin typeface="Arial" panose="020B0604020202020204"/>
+            </a:endParaRPr>
           </a:p>
         </p:txBody>
       </p:sp>
@@ -4864,7 +3885,7 @@
       </p:grpSpPr>
       <p:sp>
         <p:nvSpPr>
-          <p:cNvPr id="45" name="TextShape 1"/>
+          <p:cNvPr id="43" name="TextShape 1"/>
           <p:cNvSpPr txBox="1"/>
           <p:nvPr/>
         </p:nvSpPr>
@@ -4882,7 +3903,7 @@
           </a:ln>
         </p:spPr>
         <p:txBody>
-          <a:bodyPr wrap="square" lIns="0" tIns="0" rIns="0" bIns="0" anchor="ctr">
+          <a:bodyPr lIns="0" tIns="0" rIns="0" bIns="0" anchor="ctr">
             <a:spAutoFit/>
           </a:bodyPr>
           <a:p>
@@ -4917,14 +3938,14 @@
       </p:sp>
       <p:sp>
         <p:nvSpPr>
-          <p:cNvPr id="46" name="TextShape 2"/>
+          <p:cNvPr id="44" name="TextShape 2"/>
           <p:cNvSpPr txBox="1"/>
           <p:nvPr/>
         </p:nvSpPr>
         <p:spPr>
           <a:xfrm>
-            <a:off x="715840" y="1549105"/>
-            <a:ext cx="8859960" cy="5354320"/>
+            <a:off x="741240" y="1968840"/>
+            <a:ext cx="8859960" cy="4980600"/>
           </a:xfrm>
           <a:prstGeom prst="rect">
             <a:avLst/>
@@ -4935,11 +3956,11 @@
           </a:ln>
         </p:spPr>
         <p:txBody>
-          <a:bodyPr wrap="square" lIns="90000" tIns="45000" rIns="90000" bIns="45000">
-            <a:spAutoFit/>
-          </a:bodyPr>
-          <a:p>
-            <a:pPr indent="0">
+          <a:bodyPr lIns="90000" tIns="45000" rIns="90000" bIns="45000">
+            <a:spAutoFit/>
+          </a:bodyPr>
+          <a:p>
+            <a:pPr marL="215900" indent="-215900">
               <a:lnSpc>
                 <a:spcPct val="115000"/>
               </a:lnSpc>
@@ -4954,13 +3975,13 @@
               </a:buClr>
               <a:buSzPct val="45000"/>
               <a:buFont typeface="Wingdings" panose="05000000000000000000" pitchFamily="2" charset="2"/>
-              <a:buNone/>
+              <a:buChar char=""/>
             </a:pPr>
             <a:r>
               <a:rPr lang="en-US" sz="2200" b="1" strike="noStrike" spc="-1">
                 <a:latin typeface="Arial" panose="020B0604020202020204"/>
               </a:rPr>
-              <a:t>Stack memory:</a:t>
+              <a:t>Heap memory:</a:t>
             </a:r>
             <a:endParaRPr lang="en-US" sz="2200" b="0" strike="noStrike" spc="-1">
               <a:latin typeface="Arial" panose="020B0604020202020204"/>
@@ -4988,7 +4009,7 @@
               <a:rPr lang="en-US" sz="2200" b="0" strike="noStrike" spc="-1">
                 <a:latin typeface="Arial" panose="020B0604020202020204"/>
               </a:rPr>
-              <a:t>Stack memory được sử dụng cho quá trình thực thi của mỗi thread.</a:t>
+              <a:t>Heap memory là bộ nhớ được sử dụng bởi Java Runtime để cấp phát bộ nhớ cho các đối tượng (object) và String.</a:t>
             </a:r>
             <a:endParaRPr lang="en-US" sz="2200" b="0" strike="noStrike" spc="-1">
               <a:latin typeface="Arial" panose="020B0604020202020204"/>
@@ -5016,7 +4037,7 @@
               <a:rPr lang="en-US" sz="2200" b="0" strike="noStrike" spc="-1">
                 <a:latin typeface="Arial" panose="020B0604020202020204"/>
               </a:rPr>
-              <a:t>Stack memory bao gồm các giá trị cụ thể của method: các biến local và các tham chiếu tới các đối tượng chứa ở trong heap memory được tham chiếu bởi method.</a:t>
+              <a:t>Bất kỳ khi nào có một đối tượng được tạo, nó sẽ được tạo lưu ở bộ nhớ Heap.</a:t>
             </a:r>
             <a:endParaRPr lang="en-US" sz="2200" b="0" strike="noStrike" spc="-1">
               <a:latin typeface="Arial" panose="020B0604020202020204"/>
@@ -5044,35 +4065,7 @@
               <a:rPr lang="en-US" sz="2200" b="0" strike="noStrike" spc="-1">
                 <a:latin typeface="Arial" panose="020B0604020202020204"/>
               </a:rPr>
-              <a:t>Stack memory được tham chiếu theo thứ tự LIFO (Last In First Out – vào cuối cùng thì ra đầu tiên). Tức là lưu trữ kiểu ngăn xếp (stack). Khi có một method được thực thi, một block được tạo ra trong stack memory để chứa các biến nguyên thủy local và các tham chiếu tới các object. Khi method kết thúc, block đó sẽ không còn được sử dụng và được phục vụ cho method tiếp theo.</a:t>
-            </a:r>
-            <a:endParaRPr lang="en-US" sz="2200" b="0" strike="noStrike" spc="-1">
-              <a:latin typeface="Arial" panose="020B0604020202020204"/>
-            </a:endParaRPr>
-          </a:p>
-          <a:p>
-            <a:pPr marL="215900" indent="-215900">
-              <a:lnSpc>
-                <a:spcPct val="115000"/>
-              </a:lnSpc>
-              <a:spcBef>
-                <a:spcPts val="580"/>
-              </a:spcBef>
-              <a:spcAft>
-                <a:spcPts val="580"/>
-              </a:spcAft>
-              <a:buClr>
-                <a:srgbClr val="000000"/>
-              </a:buClr>
-              <a:buSzPct val="45000"/>
-              <a:buFont typeface="Wingdings" panose="05000000000000000000" pitchFamily="2" charset="2"/>
-              <a:buChar char=""/>
-            </a:pPr>
-            <a:r>
-              <a:rPr lang="en-US" sz="2200" b="0" strike="noStrike" spc="-1">
-                <a:latin typeface="Arial" panose="020B0604020202020204"/>
-              </a:rPr>
-              <a:t>Stack memory có kích thước rất nhỏ so với Heap memory.</a:t>
+              <a:t>Bộ dọn rác (Garbage Collection) chạy trên heap memory để giải phóng bộ nhớ được sử dụng bởi các đối tượng có bất kỳ tham chiếu nào.</a:t>
             </a:r>
             <a:endParaRPr lang="en-US" sz="2200" b="0" strike="noStrike" spc="-1">
               <a:latin typeface="Arial" panose="020B0604020202020204"/>
@@ -5115,14 +4108,14 @@
       </p:grpSpPr>
       <p:sp>
         <p:nvSpPr>
-          <p:cNvPr id="47" name="TextShape 1"/>
+          <p:cNvPr id="45" name="TextShape 1"/>
           <p:cNvSpPr txBox="1"/>
           <p:nvPr/>
         </p:nvSpPr>
         <p:spPr>
           <a:xfrm>
-            <a:off x="504000" y="720310"/>
-            <a:ext cx="9071640" cy="424180"/>
+            <a:off x="504000" y="702530"/>
+            <a:ext cx="9071640" cy="459740"/>
           </a:xfrm>
           <a:prstGeom prst="rect">
             <a:avLst/>
@@ -5133,7 +4126,7 @@
           </a:ln>
         </p:spPr>
         <p:txBody>
-          <a:bodyPr lIns="0" tIns="0" rIns="0" bIns="0" anchor="ctr">
+          <a:bodyPr wrap="square" lIns="0" tIns="0" rIns="0" bIns="0" anchor="ctr">
             <a:spAutoFit/>
           </a:bodyPr>
           <a:p>
@@ -5155,27 +4148,27 @@
               <a:buNone/>
             </a:pPr>
             <a:r>
-              <a:rPr lang="en-US" sz="2400" b="1" strike="noStrike" spc="-1">
+              <a:rPr lang="en-US" sz="2600" b="1" strike="noStrike" spc="-1">
                 <a:latin typeface="Arial" panose="020B0604020202020204"/>
               </a:rPr>
               <a:t>Heap memory vs Stack memory</a:t>
             </a:r>
-            <a:endParaRPr lang="en-US" sz="2400" b="0" strike="noStrike" spc="-1">
-              <a:latin typeface="Arial" panose="020B0604020202020204"/>
-            </a:endParaRPr>
-          </a:p>
-        </p:txBody>
-      </p:sp>
-      <p:sp>
-        <p:nvSpPr>
-          <p:cNvPr id="48" name="TextShape 2"/>
+            <a:endParaRPr lang="en-US" sz="2600" b="0" strike="noStrike" spc="-1">
+              <a:latin typeface="Arial" panose="020B0604020202020204"/>
+            </a:endParaRPr>
+          </a:p>
+        </p:txBody>
+      </p:sp>
+      <p:sp>
+        <p:nvSpPr>
+          <p:cNvPr id="46" name="TextShape 2"/>
           <p:cNvSpPr txBox="1"/>
           <p:nvPr/>
         </p:nvSpPr>
         <p:spPr>
           <a:xfrm>
-            <a:off x="741240" y="1968840"/>
-            <a:ext cx="8859960" cy="941705"/>
+            <a:off x="715840" y="1549105"/>
+            <a:ext cx="8859960" cy="5354320"/>
           </a:xfrm>
           <a:prstGeom prst="rect">
             <a:avLst/>
@@ -5186,7 +4179,7 @@
           </a:ln>
         </p:spPr>
         <p:txBody>
-          <a:bodyPr lIns="90000" tIns="45000" rIns="90000" bIns="45000">
+          <a:bodyPr wrap="square" lIns="90000" tIns="45000" rIns="90000" bIns="45000">
             <a:spAutoFit/>
           </a:bodyPr>
           <a:p>
@@ -5195,10 +4188,10 @@
                 <a:spcPct val="115000"/>
               </a:lnSpc>
               <a:spcBef>
-                <a:spcPts val="290"/>
-              </a:spcBef>
-              <a:spcAft>
-                <a:spcPts val="290"/>
+                <a:spcPts val="580"/>
+              </a:spcBef>
+              <a:spcAft>
+                <a:spcPts val="580"/>
               </a:spcAft>
               <a:buClr>
                 <a:srgbClr val="000000"/>
@@ -5211,7 +4204,7 @@
               <a:rPr lang="en-US" sz="2200" b="1" strike="noStrike" spc="-1">
                 <a:latin typeface="Arial" panose="020B0604020202020204"/>
               </a:rPr>
-              <a:t>vd1:</a:t>
+              <a:t>Stack memory:</a:t>
             </a:r>
             <a:endParaRPr lang="en-US" sz="2200" b="0" strike="noStrike" spc="-1">
               <a:latin typeface="Arial" panose="020B0604020202020204"/>
@@ -5223,10 +4216,10 @@
                 <a:spcPct val="115000"/>
               </a:lnSpc>
               <a:spcBef>
-                <a:spcPts val="290"/>
-              </a:spcBef>
-              <a:spcAft>
-                <a:spcPts val="290"/>
+                <a:spcPts val="580"/>
+              </a:spcBef>
+              <a:spcAft>
+                <a:spcPts val="580"/>
               </a:spcAft>
               <a:buClr>
                 <a:srgbClr val="000000"/>
@@ -5235,37 +4228,102 @@
               <a:buFont typeface="Wingdings" panose="05000000000000000000" pitchFamily="2" charset="2"/>
               <a:buChar char=""/>
             </a:pPr>
+            <a:r>
+              <a:rPr lang="en-US" sz="2200" b="0" strike="noStrike" spc="-1">
+                <a:latin typeface="Arial" panose="020B0604020202020204"/>
+              </a:rPr>
+              <a:t>Stack memory được sử dụng cho quá trình thực thi của mỗi thread.</a:t>
+            </a:r>
             <a:endParaRPr lang="en-US" sz="2200" b="0" strike="noStrike" spc="-1">
               <a:latin typeface="Arial" panose="020B0604020202020204"/>
             </a:endParaRPr>
           </a:p>
-        </p:txBody>
-      </p:sp>
-      <p:pic>
-        <p:nvPicPr>
-          <p:cNvPr id="49" name="Picture 48"/>
-          <p:cNvPicPr/>
-          <p:nvPr/>
-        </p:nvPicPr>
-        <p:blipFill>
-          <a:blip r:embed="rId1"/>
-          <a:stretch>
-            <a:fillRect/>
-          </a:stretch>
-        </p:blipFill>
-        <p:spPr>
-          <a:xfrm>
-            <a:off x="2644560" y="2926080"/>
-            <a:ext cx="4762080" cy="3076200"/>
-          </a:xfrm>
-          <a:prstGeom prst="rect">
-            <a:avLst/>
-          </a:prstGeom>
-          <a:ln>
-            <a:noFill/>
-          </a:ln>
-        </p:spPr>
-      </p:pic>
+          <a:p>
+            <a:pPr marL="215900" indent="-215900">
+              <a:lnSpc>
+                <a:spcPct val="115000"/>
+              </a:lnSpc>
+              <a:spcBef>
+                <a:spcPts val="580"/>
+              </a:spcBef>
+              <a:spcAft>
+                <a:spcPts val="580"/>
+              </a:spcAft>
+              <a:buClr>
+                <a:srgbClr val="000000"/>
+              </a:buClr>
+              <a:buSzPct val="45000"/>
+              <a:buFont typeface="Wingdings" panose="05000000000000000000" pitchFamily="2" charset="2"/>
+              <a:buChar char=""/>
+            </a:pPr>
+            <a:r>
+              <a:rPr lang="en-US" sz="2200" b="0" strike="noStrike" spc="-1">
+                <a:latin typeface="Arial" panose="020B0604020202020204"/>
+              </a:rPr>
+              <a:t>Stack memory bao gồm các giá trị cụ thể của method: các biến local và các tham chiếu tới các đối tượng chứa ở trong heap memory được tham chiếu bởi method.</a:t>
+            </a:r>
+            <a:endParaRPr lang="en-US" sz="2200" b="0" strike="noStrike" spc="-1">
+              <a:latin typeface="Arial" panose="020B0604020202020204"/>
+            </a:endParaRPr>
+          </a:p>
+          <a:p>
+            <a:pPr marL="215900" indent="-215900">
+              <a:lnSpc>
+                <a:spcPct val="115000"/>
+              </a:lnSpc>
+              <a:spcBef>
+                <a:spcPts val="580"/>
+              </a:spcBef>
+              <a:spcAft>
+                <a:spcPts val="580"/>
+              </a:spcAft>
+              <a:buClr>
+                <a:srgbClr val="000000"/>
+              </a:buClr>
+              <a:buSzPct val="45000"/>
+              <a:buFont typeface="Wingdings" panose="05000000000000000000" pitchFamily="2" charset="2"/>
+              <a:buChar char=""/>
+            </a:pPr>
+            <a:r>
+              <a:rPr lang="en-US" sz="2200" b="0" strike="noStrike" spc="-1">
+                <a:latin typeface="Arial" panose="020B0604020202020204"/>
+              </a:rPr>
+              <a:t>Stack memory được tham chiếu theo thứ tự LIFO (Last In First Out – vào cuối cùng thì ra đầu tiên). Tức là lưu trữ kiểu ngăn xếp (stack). Khi có một method được thực thi, một block được tạo ra trong stack memory để chứa các biến nguyên thủy local và các tham chiếu tới các object. Khi method kết thúc, block đó sẽ không còn được sử dụng và được phục vụ cho method tiếp theo.</a:t>
+            </a:r>
+            <a:endParaRPr lang="en-US" sz="2200" b="0" strike="noStrike" spc="-1">
+              <a:latin typeface="Arial" panose="020B0604020202020204"/>
+            </a:endParaRPr>
+          </a:p>
+          <a:p>
+            <a:pPr marL="215900" indent="-215900">
+              <a:lnSpc>
+                <a:spcPct val="115000"/>
+              </a:lnSpc>
+              <a:spcBef>
+                <a:spcPts val="580"/>
+              </a:spcBef>
+              <a:spcAft>
+                <a:spcPts val="580"/>
+              </a:spcAft>
+              <a:buClr>
+                <a:srgbClr val="000000"/>
+              </a:buClr>
+              <a:buSzPct val="45000"/>
+              <a:buFont typeface="Wingdings" panose="05000000000000000000" pitchFamily="2" charset="2"/>
+              <a:buChar char=""/>
+            </a:pPr>
+            <a:r>
+              <a:rPr lang="en-US" sz="2200" b="0" strike="noStrike" spc="-1">
+                <a:latin typeface="Arial" panose="020B0604020202020204"/>
+              </a:rPr>
+              <a:t>Stack memory có kích thước rất nhỏ so với Heap memory.</a:t>
+            </a:r>
+            <a:endParaRPr lang="en-US" sz="2200" b="0" strike="noStrike" spc="-1">
+              <a:latin typeface="Arial" panose="020B0604020202020204"/>
+            </a:endParaRPr>
+          </a:p>
+        </p:txBody>
+      </p:sp>
     </p:spTree>
   </p:cSld>
   <p:clrMapOvr>
@@ -5301,7 +4359,7 @@
       </p:grpSpPr>
       <p:sp>
         <p:nvSpPr>
-          <p:cNvPr id="50" name="TextShape 1"/>
+          <p:cNvPr id="47" name="TextShape 1"/>
           <p:cNvSpPr txBox="1"/>
           <p:nvPr/>
         </p:nvSpPr>
@@ -5354,13 +4412,13 @@
       </p:sp>
       <p:sp>
         <p:nvSpPr>
-          <p:cNvPr id="51" name="TextShape 2"/>
+          <p:cNvPr id="48" name="TextShape 2"/>
           <p:cNvSpPr txBox="1"/>
           <p:nvPr/>
         </p:nvSpPr>
         <p:spPr>
           <a:xfrm>
-            <a:off x="731520" y="1328760"/>
+            <a:off x="741240" y="1968840"/>
             <a:ext cx="8859960" cy="941705"/>
           </a:xfrm>
           <a:prstGeom prst="rect">
@@ -5397,7 +4455,7 @@
               <a:rPr lang="en-US" sz="2200" b="1" strike="noStrike" spc="-1">
                 <a:latin typeface="Arial" panose="020B0604020202020204"/>
               </a:rPr>
-              <a:t>vd2:</a:t>
+              <a:t>vd1:</a:t>
             </a:r>
             <a:endParaRPr lang="en-US" sz="2200" b="0" strike="noStrike" spc="-1">
               <a:latin typeface="Arial" panose="020B0604020202020204"/>
@@ -5429,7 +4487,7 @@
       </p:sp>
       <p:pic>
         <p:nvPicPr>
-          <p:cNvPr id="52" name="Picture 51"/>
+          <p:cNvPr id="49" name="Picture 48"/>
           <p:cNvPicPr/>
           <p:nvPr/>
         </p:nvPicPr>
@@ -5441,8 +4499,8 @@
         </p:blipFill>
         <p:spPr>
           <a:xfrm>
-            <a:off x="266760" y="1936800"/>
-            <a:ext cx="9700200" cy="5286960"/>
+            <a:off x="2644560" y="2926080"/>
+            <a:ext cx="4762080" cy="3076200"/>
           </a:xfrm>
           <a:prstGeom prst="rect">
             <a:avLst/>
@@ -5487,14 +4545,14 @@
       </p:grpSpPr>
       <p:sp>
         <p:nvSpPr>
-          <p:cNvPr id="53" name="TextShape 1"/>
+          <p:cNvPr id="50" name="TextShape 1"/>
           <p:cNvSpPr txBox="1"/>
           <p:nvPr/>
         </p:nvSpPr>
         <p:spPr>
           <a:xfrm>
-            <a:off x="504000" y="406247"/>
-            <a:ext cx="9071640" cy="494665"/>
+            <a:off x="504000" y="720310"/>
+            <a:ext cx="9071640" cy="424180"/>
           </a:xfrm>
           <a:prstGeom prst="rect">
             <a:avLst/>
@@ -5527,27 +4585,27 @@
               <a:buNone/>
             </a:pPr>
             <a:r>
-              <a:rPr lang="en-US" sz="2800" b="1" strike="noStrike" spc="-1">
-                <a:latin typeface="Arial" panose="020B0604020202020204"/>
-              </a:rPr>
-              <a:t>‘==’ vs HashCode vs Equals</a:t>
-            </a:r>
-            <a:endParaRPr lang="en-US" sz="2800" b="0" strike="noStrike" spc="-1">
-              <a:latin typeface="Arial" panose="020B0604020202020204"/>
-            </a:endParaRPr>
-          </a:p>
-        </p:txBody>
-      </p:sp>
-      <p:sp>
-        <p:nvSpPr>
-          <p:cNvPr id="54" name="TextShape 2"/>
+              <a:rPr lang="en-US" sz="2400" b="1" strike="noStrike" spc="-1">
+                <a:latin typeface="Arial" panose="020B0604020202020204"/>
+              </a:rPr>
+              <a:t>Heap memory vs Stack memory</a:t>
+            </a:r>
+            <a:endParaRPr lang="en-US" sz="2400" b="0" strike="noStrike" spc="-1">
+              <a:latin typeface="Arial" panose="020B0604020202020204"/>
+            </a:endParaRPr>
+          </a:p>
+        </p:txBody>
+      </p:sp>
+      <p:sp>
+        <p:nvSpPr>
+          <p:cNvPr id="51" name="TextShape 2"/>
           <p:cNvSpPr txBox="1"/>
           <p:nvPr/>
         </p:nvSpPr>
         <p:spPr>
           <a:xfrm>
-            <a:off x="741240" y="1250280"/>
-            <a:ext cx="8859960" cy="6047105"/>
+            <a:off x="731520" y="1328760"/>
+            <a:ext cx="8859960" cy="941705"/>
           </a:xfrm>
           <a:prstGeom prst="rect">
             <a:avLst/>
@@ -5562,15 +4620,43 @@
             <a:spAutoFit/>
           </a:bodyPr>
           <a:p>
+            <a:pPr indent="0">
+              <a:lnSpc>
+                <a:spcPct val="115000"/>
+              </a:lnSpc>
+              <a:spcBef>
+                <a:spcPts val="290"/>
+              </a:spcBef>
+              <a:spcAft>
+                <a:spcPts val="290"/>
+              </a:spcAft>
+              <a:buClr>
+                <a:srgbClr val="000000"/>
+              </a:buClr>
+              <a:buSzPct val="45000"/>
+              <a:buFont typeface="Wingdings" panose="05000000000000000000" pitchFamily="2" charset="2"/>
+              <a:buNone/>
+            </a:pPr>
+            <a:r>
+              <a:rPr lang="en-US" sz="2200" b="1" strike="noStrike" spc="-1">
+                <a:latin typeface="Arial" panose="020B0604020202020204"/>
+              </a:rPr>
+              <a:t>vd2:</a:t>
+            </a:r>
+            <a:endParaRPr lang="en-US" sz="2200" b="0" strike="noStrike" spc="-1">
+              <a:latin typeface="Arial" panose="020B0604020202020204"/>
+            </a:endParaRPr>
+          </a:p>
+          <a:p>
             <a:pPr marL="215900" indent="-215900">
               <a:lnSpc>
-                <a:spcPct val="150000"/>
-              </a:lnSpc>
-              <a:spcBef>
-                <a:spcPts val="580"/>
-              </a:spcBef>
-              <a:spcAft>
-                <a:spcPts val="580"/>
+                <a:spcPct val="115000"/>
+              </a:lnSpc>
+              <a:spcBef>
+                <a:spcPts val="290"/>
+              </a:spcBef>
+              <a:spcAft>
+                <a:spcPts val="290"/>
               </a:spcAft>
               <a:buClr>
                 <a:srgbClr val="000000"/>
@@ -5579,114 +4665,37 @@
               <a:buFont typeface="Wingdings" panose="05000000000000000000" pitchFamily="2" charset="2"/>
               <a:buChar char=""/>
             </a:pPr>
-            <a:r>
-              <a:rPr lang="en-US" sz="2200" b="1" strike="noStrike" spc="-1">
-                <a:latin typeface="Arial" panose="020B0604020202020204"/>
-              </a:rPr>
-              <a:t>Toán tử ‘==’:</a:t>
-            </a:r>
-            <a:r>
-              <a:rPr lang="en-US" sz="2200" b="0" strike="noStrike" spc="-1">
-                <a:latin typeface="Arial" panose="020B0604020202020204"/>
-              </a:rPr>
-              <a:t> được dùng để so sánh địa chỉ 2 đối tượng và giá trị của các biến primative (int, long, byte,..)</a:t>
-            </a:r>
             <a:endParaRPr lang="en-US" sz="2200" b="0" strike="noStrike" spc="-1">
               <a:latin typeface="Arial" panose="020B0604020202020204"/>
             </a:endParaRPr>
           </a:p>
-          <a:p>
-            <a:pPr marL="215900" indent="-215900">
-              <a:lnSpc>
-                <a:spcPct val="150000"/>
-              </a:lnSpc>
-              <a:spcBef>
-                <a:spcPts val="580"/>
-              </a:spcBef>
-              <a:spcAft>
-                <a:spcPts val="580"/>
-              </a:spcAft>
-              <a:buClr>
-                <a:srgbClr val="000000"/>
-              </a:buClr>
-              <a:buSzPct val="45000"/>
-              <a:buFont typeface="Wingdings" panose="05000000000000000000" pitchFamily="2" charset="2"/>
-              <a:buChar char=""/>
-            </a:pPr>
-            <a:r>
-              <a:rPr lang="en-US" sz="2200" b="0" strike="noStrike" spc="-1">
-                <a:latin typeface="Arial" panose="020B0604020202020204"/>
-              </a:rPr>
-              <a:t>Đối với các biến primative thì khi so sánh ‘==’ nó sẽ so sánh giá trị của chúng, ví dụ int a=10, int b=10 thì a==b sẽ trả về giá trị true, hay String str1=”a” , str2=”abc” thì so sánh str1==str2 sẽ trả về false.</a:t>
-            </a:r>
-            <a:endParaRPr lang="en-US" sz="2200" b="0" strike="noStrike" spc="-1">
-              <a:latin typeface="Arial" panose="020B0604020202020204"/>
-            </a:endParaRPr>
-          </a:p>
-          <a:p>
-            <a:pPr marL="215900" indent="-215900">
-              <a:lnSpc>
-                <a:spcPct val="150000"/>
-              </a:lnSpc>
-              <a:spcBef>
-                <a:spcPts val="580"/>
-              </a:spcBef>
-              <a:spcAft>
-                <a:spcPts val="580"/>
-              </a:spcAft>
-              <a:buClr>
-                <a:srgbClr val="000000"/>
-              </a:buClr>
-              <a:buSzPct val="45000"/>
-              <a:buFont typeface="Wingdings" panose="05000000000000000000" pitchFamily="2" charset="2"/>
-              <a:buChar char=""/>
-            </a:pPr>
-            <a:r>
-              <a:rPr lang="en-US" sz="2200" b="1" strike="noStrike" spc="-1">
-                <a:latin typeface="Arial" panose="020B0604020202020204"/>
-              </a:rPr>
-              <a:t>Equal()</a:t>
-            </a:r>
-            <a:r>
-              <a:rPr lang="en-US" sz="2200" b="0" strike="noStrike" spc="-1">
-                <a:latin typeface="Arial" panose="020B0604020202020204"/>
-              </a:rPr>
-              <a:t>: được dùng để định nghĩa thế nào là 2 đối tượng trùng nhau, equals() chỉ áp dụng cho kiểu đối tượng, không áp dụng cho kiểu primative.</a:t>
-            </a:r>
-            <a:endParaRPr lang="en-US" sz="2200" b="0" strike="noStrike" spc="-1">
-              <a:latin typeface="Arial" panose="020B0604020202020204"/>
-            </a:endParaRPr>
-          </a:p>
-          <a:p>
-            <a:pPr marL="215900" indent="-215900">
-              <a:lnSpc>
-                <a:spcPct val="150000"/>
-              </a:lnSpc>
-              <a:buClr>
-                <a:srgbClr val="000000"/>
-              </a:buClr>
-              <a:buSzPct val="45000"/>
-              <a:buFont typeface="Wingdings" panose="05000000000000000000" pitchFamily="2" charset="2"/>
-              <a:buChar char=""/>
-            </a:pPr>
-            <a:r>
-              <a:rPr lang="en-US" sz="2200" b="1" strike="noStrike" spc="-1">
-                <a:latin typeface="Arial" panose="020B0604020202020204"/>
-              </a:rPr>
-              <a:t>HashCode(): </a:t>
-            </a:r>
-            <a:r>
-              <a:rPr lang="en-US" sz="2200" b="0" strike="noStrike" spc="-1">
-                <a:latin typeface="Arial" panose="020B0604020202020204"/>
-              </a:rPr>
-              <a:t>có thể hiểu là giá trị định danh cho 1 đối tượng, những đối tượng bằng nhau sẽ có hashCode bằng nhau còn hashCode bằng nhau thì chưa chắc 2 đối tượng đó đã bằng nhau.</a:t>
-            </a:r>
-            <a:endParaRPr lang="en-US" sz="2200" b="0" strike="noStrike" spc="-1">
-              <a:latin typeface="Arial" panose="020B0604020202020204"/>
-            </a:endParaRPr>
-          </a:p>
-        </p:txBody>
-      </p:sp>
+        </p:txBody>
+      </p:sp>
+      <p:pic>
+        <p:nvPicPr>
+          <p:cNvPr id="52" name="Picture 51"/>
+          <p:cNvPicPr/>
+          <p:nvPr/>
+        </p:nvPicPr>
+        <p:blipFill>
+          <a:blip r:embed="rId1"/>
+          <a:stretch>
+            <a:fillRect/>
+          </a:stretch>
+        </p:blipFill>
+        <p:spPr>
+          <a:xfrm>
+            <a:off x="266760" y="1936800"/>
+            <a:ext cx="9700200" cy="5286960"/>
+          </a:xfrm>
+          <a:prstGeom prst="rect">
+            <a:avLst/>
+          </a:prstGeom>
+          <a:ln>
+            <a:noFill/>
+          </a:ln>
+        </p:spPr>
+      </p:pic>
     </p:spTree>
   </p:cSld>
   <p:clrMapOvr>
@@ -5722,13 +4731,13 @@
       </p:grpSpPr>
       <p:sp>
         <p:nvSpPr>
-          <p:cNvPr id="55" name="TextShape 1"/>
+          <p:cNvPr id="53" name="TextShape 1"/>
           <p:cNvSpPr txBox="1"/>
           <p:nvPr/>
         </p:nvSpPr>
         <p:spPr>
           <a:xfrm>
-            <a:off x="504000" y="685068"/>
+            <a:off x="504000" y="406247"/>
             <a:ext cx="9071640" cy="494665"/>
           </a:xfrm>
           <a:prstGeom prst="rect">
@@ -5775,14 +4784,14 @@
       </p:sp>
       <p:sp>
         <p:nvSpPr>
-          <p:cNvPr id="56" name="TextShape 2"/>
+          <p:cNvPr id="54" name="TextShape 2"/>
           <p:cNvSpPr txBox="1"/>
           <p:nvPr/>
         </p:nvSpPr>
         <p:spPr>
           <a:xfrm>
-            <a:off x="741240" y="1968840"/>
-            <a:ext cx="8859960" cy="4980600"/>
+            <a:off x="741240" y="1250280"/>
+            <a:ext cx="8859960" cy="6047105"/>
           </a:xfrm>
           <a:prstGeom prst="rect">
             <a:avLst/>
@@ -5801,6 +4810,12 @@
               <a:lnSpc>
                 <a:spcPct val="150000"/>
               </a:lnSpc>
+              <a:spcBef>
+                <a:spcPts val="580"/>
+              </a:spcBef>
+              <a:spcAft>
+                <a:spcPts val="580"/>
+              </a:spcAft>
               <a:buClr>
                 <a:srgbClr val="000000"/>
               </a:buClr>
@@ -5812,13 +4827,103 @@
               <a:rPr lang="en-US" sz="2200" b="1" strike="noStrike" spc="-1">
                 <a:latin typeface="Arial" panose="020B0604020202020204"/>
               </a:rPr>
-              <a:t>HashCode </a:t>
+              <a:t>Toán tử ‘==’:</a:t>
             </a:r>
             <a:r>
               <a:rPr lang="en-US" sz="2200" b="0" strike="noStrike" spc="-1">
                 <a:latin typeface="Arial" panose="020B0604020202020204"/>
               </a:rPr>
-              <a:t>trả về của đối tượng được tạo ra sẽ là mã băm của địa chỉ, như vậy chỉ những đối tượng nào có cùng địa chỉ thì mới có khả năng bằng nhau(chưa chắc đã bằng nhau), còn nếu khác địa chỉ thì chắc chắn sẽ khác nhau.</a:t>
+              <a:t> được dùng để so sánh địa chỉ 2 đối tượng và giá trị của các biến primative (int, long, byte,..)</a:t>
+            </a:r>
+            <a:endParaRPr lang="en-US" sz="2200" b="0" strike="noStrike" spc="-1">
+              <a:latin typeface="Arial" panose="020B0604020202020204"/>
+            </a:endParaRPr>
+          </a:p>
+          <a:p>
+            <a:pPr marL="215900" indent="-215900">
+              <a:lnSpc>
+                <a:spcPct val="150000"/>
+              </a:lnSpc>
+              <a:spcBef>
+                <a:spcPts val="580"/>
+              </a:spcBef>
+              <a:spcAft>
+                <a:spcPts val="580"/>
+              </a:spcAft>
+              <a:buClr>
+                <a:srgbClr val="000000"/>
+              </a:buClr>
+              <a:buSzPct val="45000"/>
+              <a:buFont typeface="Wingdings" panose="05000000000000000000" pitchFamily="2" charset="2"/>
+              <a:buChar char=""/>
+            </a:pPr>
+            <a:r>
+              <a:rPr lang="en-US" sz="2200" b="0" strike="noStrike" spc="-1">
+                <a:latin typeface="Arial" panose="020B0604020202020204"/>
+              </a:rPr>
+              <a:t>Đối với các biến primative thì khi so sánh ‘==’ nó sẽ so sánh giá trị của chúng, ví dụ int a=10, int b=10 thì a==b sẽ trả về giá trị true, hay String str1=”a” , str2=”abc” thì so sánh str1==str2 sẽ trả về false.</a:t>
+            </a:r>
+            <a:endParaRPr lang="en-US" sz="2200" b="0" strike="noStrike" spc="-1">
+              <a:latin typeface="Arial" panose="020B0604020202020204"/>
+            </a:endParaRPr>
+          </a:p>
+          <a:p>
+            <a:pPr marL="215900" indent="-215900">
+              <a:lnSpc>
+                <a:spcPct val="150000"/>
+              </a:lnSpc>
+              <a:spcBef>
+                <a:spcPts val="580"/>
+              </a:spcBef>
+              <a:spcAft>
+                <a:spcPts val="580"/>
+              </a:spcAft>
+              <a:buClr>
+                <a:srgbClr val="000000"/>
+              </a:buClr>
+              <a:buSzPct val="45000"/>
+              <a:buFont typeface="Wingdings" panose="05000000000000000000" pitchFamily="2" charset="2"/>
+              <a:buChar char=""/>
+            </a:pPr>
+            <a:r>
+              <a:rPr lang="en-US" sz="2200" b="1" strike="noStrike" spc="-1">
+                <a:latin typeface="Arial" panose="020B0604020202020204"/>
+              </a:rPr>
+              <a:t>Equal()</a:t>
+            </a:r>
+            <a:r>
+              <a:rPr lang="en-US" sz="2200" b="0" strike="noStrike" spc="-1">
+                <a:latin typeface="Arial" panose="020B0604020202020204"/>
+              </a:rPr>
+              <a:t>: được dùng để định nghĩa thế nào là 2 đối tượng trùng nhau, equals() chỉ áp dụng cho kiểu đối tượng, không áp dụng cho kiểu primative.</a:t>
+            </a:r>
+            <a:endParaRPr lang="en-US" sz="2200" b="0" strike="noStrike" spc="-1">
+              <a:latin typeface="Arial" panose="020B0604020202020204"/>
+            </a:endParaRPr>
+          </a:p>
+          <a:p>
+            <a:pPr marL="215900" indent="-215900">
+              <a:lnSpc>
+                <a:spcPct val="150000"/>
+              </a:lnSpc>
+              <a:buClr>
+                <a:srgbClr val="000000"/>
+              </a:buClr>
+              <a:buSzPct val="45000"/>
+              <a:buFont typeface="Wingdings" panose="05000000000000000000" pitchFamily="2" charset="2"/>
+              <a:buChar char=""/>
+            </a:pPr>
+            <a:r>
+              <a:rPr lang="en-US" sz="2200" b="1" strike="noStrike" spc="-1">
+                <a:latin typeface="Arial" panose="020B0604020202020204"/>
+              </a:rPr>
+              <a:t>HashCode(): </a:t>
+            </a:r>
+            <a:r>
+              <a:rPr lang="en-US" sz="2200" b="0" strike="noStrike" spc="-1">
+                <a:latin typeface="Arial" panose="020B0604020202020204"/>
+              </a:rPr>
+              <a:t>có thể hiểu là giá trị định danh cho 1 đối tượng, những đối tượng bằng nhau sẽ có hashCode bằng nhau còn hashCode bằng nhau thì chưa chắc 2 đối tượng đó đã bằng nhau.</a:t>
             </a:r>
             <a:endParaRPr lang="en-US" sz="2200" b="0" strike="noStrike" spc="-1">
               <a:latin typeface="Arial" panose="020B0604020202020204"/>
@@ -5867,8 +4972,8 @@
         </p:nvSpPr>
         <p:spPr>
           <a:xfrm>
-            <a:off x="504000" y="437418"/>
-            <a:ext cx="9071640" cy="989965"/>
+            <a:off x="504000" y="685068"/>
+            <a:ext cx="9071640" cy="494665"/>
           </a:xfrm>
           <a:prstGeom prst="rect">
             <a:avLst/>
@@ -5904,38 +5009,67 @@
               <a:rPr lang="en-US" sz="2800" b="1" strike="noStrike" spc="-1">
                 <a:latin typeface="Arial" panose="020B0604020202020204"/>
               </a:rPr>
-              <a:t>Important Classes/Interfaces in the Executor hierarchy</a:t>
-            </a:r>
-            <a:endParaRPr lang="en-US" sz="2800" b="1" strike="noStrike" spc="-1">
-              <a:latin typeface="Arial" panose="020B0604020202020204"/>
-            </a:endParaRPr>
-          </a:p>
-        </p:txBody>
-      </p:sp>
-      <p:pic>
-        <p:nvPicPr>
-          <p:cNvPr id="2" name="Picture 1"/>
-          <p:cNvPicPr>
-            <a:picLocks noChangeAspect="1"/>
-          </p:cNvPicPr>
+              <a:t>‘==’ vs HashCode vs Equals</a:t>
+            </a:r>
+            <a:endParaRPr lang="en-US" sz="2800" b="0" strike="noStrike" spc="-1">
+              <a:latin typeface="Arial" panose="020B0604020202020204"/>
+            </a:endParaRPr>
+          </a:p>
+        </p:txBody>
+      </p:sp>
+      <p:sp>
+        <p:nvSpPr>
+          <p:cNvPr id="56" name="TextShape 2"/>
+          <p:cNvSpPr txBox="1"/>
           <p:nvPr/>
-        </p:nvPicPr>
-        <p:blipFill>
-          <a:blip r:embed="rId1"/>
-          <a:stretch>
-            <a:fillRect/>
-          </a:stretch>
-        </p:blipFill>
-        <p:spPr>
-          <a:xfrm>
-            <a:off x="1111250" y="1525905"/>
-            <a:ext cx="7856855" cy="5809615"/>
-          </a:xfrm>
-          <a:prstGeom prst="rect">
-            <a:avLst/>
-          </a:prstGeom>
-        </p:spPr>
-      </p:pic>
+        </p:nvSpPr>
+        <p:spPr>
+          <a:xfrm>
+            <a:off x="715840" y="1835490"/>
+            <a:ext cx="8859960" cy="4980600"/>
+          </a:xfrm>
+          <a:prstGeom prst="rect">
+            <a:avLst/>
+          </a:prstGeom>
+          <a:noFill/>
+          <a:ln>
+            <a:noFill/>
+          </a:ln>
+        </p:spPr>
+        <p:txBody>
+          <a:bodyPr lIns="90000" tIns="45000" rIns="90000" bIns="45000">
+            <a:spAutoFit/>
+          </a:bodyPr>
+          <a:p>
+            <a:pPr marL="215900" indent="-215900">
+              <a:lnSpc>
+                <a:spcPct val="150000"/>
+              </a:lnSpc>
+              <a:buClr>
+                <a:srgbClr val="000000"/>
+              </a:buClr>
+              <a:buSzPct val="45000"/>
+              <a:buFont typeface="Wingdings" panose="05000000000000000000" pitchFamily="2" charset="2"/>
+              <a:buChar char=""/>
+            </a:pPr>
+            <a:r>
+              <a:rPr lang="en-US" sz="2200" b="1" strike="noStrike" spc="-1">
+                <a:latin typeface="Arial" panose="020B0604020202020204"/>
+              </a:rPr>
+              <a:t>HashCode </a:t>
+            </a:r>
+            <a:r>
+              <a:rPr lang="en-US" sz="2200" b="0" strike="noStrike" spc="-1">
+                <a:latin typeface="Arial" panose="020B0604020202020204"/>
+              </a:rPr>
+              <a:t>trả về của đối tượng được tạo ra sẽ là mã băm của địa chỉ, như vậy chỉ những đối tượng nào có cùng địa chỉ thì mới có khả năng bằng nhau(chưa chắc đã bằng nhau), còn nếu khác địa chỉ thì chắc chắn sẽ khác nhau.</a:t>
+            </a:r>
+            <a:endParaRPr lang="en-US" sz="2200" b="0" strike="noStrike" spc="-1">
+              <a:latin typeface="Arial" panose="020B0604020202020204"/>
+            </a:endParaRPr>
+          </a:p>
+        </p:txBody>
+      </p:sp>
     </p:spTree>
   </p:cSld>
   <p:clrMapOvr>
@@ -5971,13 +5105,13 @@
       </p:grpSpPr>
       <p:sp>
         <p:nvSpPr>
-          <p:cNvPr id="57" name="TextShape 1"/>
+          <p:cNvPr id="68" name="TextShape 1"/>
           <p:cNvSpPr txBox="1"/>
           <p:nvPr/>
         </p:nvSpPr>
         <p:spPr>
           <a:xfrm>
-            <a:off x="504000" y="360527"/>
+            <a:off x="504000" y="451967"/>
             <a:ext cx="9071640" cy="494665"/>
           </a:xfrm>
           <a:prstGeom prst="rect">
@@ -5993,15 +5127,15 @@
             <a:spAutoFit/>
           </a:bodyPr>
           <a:p>
-            <a:pPr indent="0">
+            <a:pPr indent="0" algn="ctr">
               <a:lnSpc>
                 <a:spcPct val="115000"/>
               </a:lnSpc>
               <a:spcBef>
-                <a:spcPts val="290"/>
-              </a:spcBef>
-              <a:spcAft>
-                <a:spcPts val="290"/>
+                <a:spcPts val="580"/>
+              </a:spcBef>
+              <a:spcAft>
+                <a:spcPts val="580"/>
               </a:spcAft>
               <a:buClr>
                 <a:srgbClr val="000000"/>
@@ -6014,7 +5148,7 @@
               <a:rPr lang="en-US" sz="2800" b="1" strike="noStrike" spc="-1">
                 <a:latin typeface="Arial" panose="020B0604020202020204"/>
               </a:rPr>
-              <a:t>Callable, Future, Executors</a:t>
+              <a:t>How to init object in Java?</a:t>
             </a:r>
             <a:endParaRPr lang="en-US" sz="2800" b="0" strike="noStrike" spc="-1">
               <a:latin typeface="Arial" panose="020B0604020202020204"/>
@@ -6024,14 +5158,14 @@
       </p:sp>
       <p:sp>
         <p:nvSpPr>
-          <p:cNvPr id="58" name="TextShape 2"/>
+          <p:cNvPr id="69" name="TextShape 2"/>
           <p:cNvSpPr txBox="1"/>
           <p:nvPr/>
         </p:nvSpPr>
         <p:spPr>
           <a:xfrm>
-            <a:off x="741240" y="1012320"/>
-            <a:ext cx="8859960" cy="6223635"/>
+            <a:off x="924120" y="1420200"/>
+            <a:ext cx="8859960" cy="5882040"/>
           </a:xfrm>
           <a:prstGeom prst="rect">
             <a:avLst/>
@@ -6042,47 +5176,16 @@
           </a:ln>
         </p:spPr>
         <p:txBody>
-          <a:bodyPr wrap="square" lIns="90000" tIns="45000" rIns="90000" bIns="45000">
-            <a:spAutoFit/>
-          </a:bodyPr>
-          <a:p>
-            <a:pPr indent="0">
-              <a:lnSpc>
-                <a:spcPct val="150000"/>
-              </a:lnSpc>
-              <a:spcBef>
-                <a:spcPts val="580"/>
-              </a:spcBef>
-              <a:spcAft>
-                <a:spcPts val="580"/>
-              </a:spcAft>
-              <a:buClr>
-                <a:srgbClr val="000000"/>
-              </a:buClr>
-              <a:buSzPct val="45000"/>
-              <a:buFont typeface="Wingdings" panose="05000000000000000000" pitchFamily="2" charset="2"/>
-              <a:buNone/>
-            </a:pPr>
-            <a:r>
-              <a:rPr lang="en-US" sz="2000" b="1" strike="noStrike" spc="-1">
-                <a:latin typeface="Arial" panose="020B0604020202020204"/>
-              </a:rPr>
-              <a:t>Ta có thể xử lý bất đồng bộ trong java voi Future</a:t>
-            </a:r>
-            <a:endParaRPr lang="en-US" sz="2000" b="0" strike="noStrike" spc="-1">
-              <a:latin typeface="Arial" panose="020B0604020202020204"/>
-            </a:endParaRPr>
-          </a:p>
+          <a:bodyPr lIns="90000" tIns="45000" rIns="90000" bIns="45000">
+            <a:spAutoFit/>
+          </a:bodyPr>
           <a:p>
             <a:pPr marL="215900" indent="-215900">
-              <a:lnSpc>
-                <a:spcPct val="150000"/>
-              </a:lnSpc>
-              <a:spcBef>
-                <a:spcPts val="580"/>
-              </a:spcBef>
-              <a:spcAft>
-                <a:spcPts val="580"/>
+              <a:spcBef>
+                <a:spcPts val="1160"/>
+              </a:spcBef>
+              <a:spcAft>
+                <a:spcPts val="1160"/>
               </a:spcAft>
               <a:buClr>
                 <a:srgbClr val="000000"/>
@@ -6092,25 +5195,34 @@
               <a:buChar char=""/>
             </a:pPr>
             <a:r>
-              <a:rPr lang="en-US" sz="2000" b="0" strike="noStrike" spc="-1">
-                <a:latin typeface="Arial" panose="020B0604020202020204"/>
-              </a:rPr>
-              <a:t>Thay vì tạo thread bằng việc Extend Thread hoặc implement Runable và tự quản lý số lượng thread. Thì ta có một hướng tiếp cận khác đó là sử dụng Callable và Future. (Cho phép hủy các thread, kiểm tra thread đã hoàn thành chưa, quản lý số thread chạy cùng lúc …)</a:t>
-            </a:r>
-            <a:endParaRPr lang="en-US" sz="2000" b="0" strike="noStrike" spc="-1">
+              <a:rPr lang="en-US" sz="1800" b="0" strike="noStrike" spc="-1">
+                <a:latin typeface="Arial" panose="020B0604020202020204"/>
+              </a:rPr>
+              <a:t>#1: Using “</a:t>
+            </a:r>
+            <a:r>
+              <a:rPr lang="en-US" sz="1800" b="0" i="1" strike="noStrike" spc="-1">
+                <a:latin typeface="Arial" panose="020B0604020202020204"/>
+              </a:rPr>
+              <a:t>new</a:t>
+            </a:r>
+            <a:r>
+              <a:rPr lang="en-US" sz="1800" b="0" strike="noStrike" spc="-1">
+                <a:latin typeface="Arial" panose="020B0604020202020204"/>
+              </a:rPr>
+              <a:t>” key:  Customer c1 = new Customer();</a:t>
+            </a:r>
+            <a:endParaRPr lang="en-US" sz="1800" b="0" strike="noStrike" spc="-1">
               <a:latin typeface="Arial" panose="020B0604020202020204"/>
             </a:endParaRPr>
           </a:p>
           <a:p>
             <a:pPr marL="215900" indent="-215900">
-              <a:lnSpc>
-                <a:spcPct val="150000"/>
-              </a:lnSpc>
-              <a:spcBef>
-                <a:spcPts val="580"/>
-              </a:spcBef>
-              <a:spcAft>
-                <a:spcPts val="580"/>
+              <a:spcBef>
+                <a:spcPts val="1160"/>
+              </a:spcBef>
+              <a:spcAft>
+                <a:spcPts val="1160"/>
               </a:spcAft>
               <a:buClr>
                 <a:srgbClr val="000000"/>
@@ -6120,73 +5232,48 @@
               <a:buChar char=""/>
             </a:pPr>
             <a:r>
-              <a:rPr lang="en-US" sz="2000" b="0" strike="noStrike" spc="-1">
-                <a:latin typeface="Arial" panose="020B0604020202020204"/>
-              </a:rPr>
-              <a:t>Callable là một interface trong java, nó định nghĩa một công việc và trả về một kết quả trong tương lai và có thể throw Exception</a:t>
-            </a:r>
-            <a:endParaRPr lang="en-US" sz="2000" b="0" strike="noStrike" spc="-1">
-              <a:latin typeface="Arial" panose="020B0604020202020204"/>
-            </a:endParaRPr>
-          </a:p>
-          <a:p>
-            <a:pPr marL="215900" indent="-215900">
-              <a:lnSpc>
-                <a:spcPct val="150000"/>
-              </a:lnSpc>
-              <a:spcBef>
-                <a:spcPts val="580"/>
-              </a:spcBef>
-              <a:spcAft>
-                <a:spcPts val="580"/>
-              </a:spcAft>
-              <a:buClr>
-                <a:srgbClr val="000000"/>
-              </a:buClr>
-              <a:buSzPct val="45000"/>
-              <a:buFont typeface="Wingdings" panose="05000000000000000000" pitchFamily="2" charset="2"/>
-              <a:buChar char=""/>
-            </a:pPr>
-            <a:r>
-              <a:rPr lang="en-US" sz="2000" b="0" strike="noStrike" spc="-1">
-                <a:latin typeface="Arial" panose="020B0604020202020204"/>
-              </a:rPr>
-              <a:t>Future là kết quả trả về của Callable, nó thể hiện kết quả của một phép tính không đồng bộ, cho phép kiểm tra trạng thái của phép tính (đã thực hiện xong chưa, kết quả trả về là gì…)</a:t>
-            </a:r>
-            <a:endParaRPr lang="en-US" sz="2000" b="0" strike="noStrike" spc="-1">
-              <a:latin typeface="Arial" panose="020B0604020202020204"/>
-            </a:endParaRPr>
-          </a:p>
-          <a:p>
-            <a:pPr marL="215900" indent="-215900">
-              <a:lnSpc>
-                <a:spcPct val="150000"/>
-              </a:lnSpc>
-              <a:spcBef>
-                <a:spcPts val="580"/>
-              </a:spcBef>
-              <a:spcAft>
-                <a:spcPts val="580"/>
-              </a:spcAft>
-              <a:buClr>
-                <a:srgbClr val="000000"/>
-              </a:buClr>
-              <a:buSzPct val="45000"/>
-              <a:buFont typeface="Wingdings" panose="05000000000000000000" pitchFamily="2" charset="2"/>
-              <a:buChar char=""/>
-            </a:pPr>
-            <a:r>
-              <a:rPr lang="en-US" sz="2000" b="0" strike="noStrike" spc="-1">
-                <a:latin typeface="Arial" panose="020B0604020202020204"/>
-              </a:rPr>
-              <a:t>Executors là một class tiện ích trong Java, dùng để tạo thread pool, đối tượng Callable cho các xử lý bất đồng bộ..</a:t>
-            </a:r>
-            <a:endParaRPr lang="en-US" sz="2000" b="0" strike="noStrike" spc="-1">
-              <a:latin typeface="Arial" panose="020B0604020202020204"/>
-            </a:endParaRPr>
-          </a:p>
-        </p:txBody>
-      </p:sp>
+              <a:rPr lang="en-US" sz="1800" b="0" strike="noStrike" spc="-1">
+                <a:latin typeface="Arial" panose="020B0604020202020204"/>
+              </a:rPr>
+              <a:t>#2: Using method </a:t>
+            </a:r>
+            <a:r>
+              <a:rPr lang="en-US" sz="1800" b="0" i="1" strike="noStrike" spc="-1">
+                <a:latin typeface="Arial" panose="020B0604020202020204"/>
+              </a:rPr>
+              <a:t>newInstance()</a:t>
+            </a:r>
+            <a:endParaRPr lang="en-US" sz="1800" b="0" strike="noStrike" spc="-1">
+              <a:latin typeface="Arial" panose="020B0604020202020204"/>
+            </a:endParaRPr>
+          </a:p>
+        </p:txBody>
+      </p:sp>
+      <p:pic>
+        <p:nvPicPr>
+          <p:cNvPr id="70" name="Picture 69"/>
+          <p:cNvPicPr/>
+          <p:nvPr/>
+        </p:nvPicPr>
+        <p:blipFill>
+          <a:blip r:embed="rId1"/>
+          <a:stretch>
+            <a:fillRect/>
+          </a:stretch>
+        </p:blipFill>
+        <p:spPr>
+          <a:xfrm>
+            <a:off x="1828800" y="2522520"/>
+            <a:ext cx="6428880" cy="2323800"/>
+          </a:xfrm>
+          <a:prstGeom prst="rect">
+            <a:avLst/>
+          </a:prstGeom>
+          <a:ln>
+            <a:noFill/>
+          </a:ln>
+        </p:spPr>
+      </p:pic>
     </p:spTree>
   </p:cSld>
   <p:clrMapOvr>

--- a/JavaCore.pptx
+++ b/JavaCore.pptx
@@ -1946,7 +1946,7 @@
         <p:spPr>
           <a:xfrm>
             <a:off x="715680" y="1371600"/>
-            <a:ext cx="8859960" cy="6933565"/>
+            <a:ext cx="8859960" cy="5319395"/>
           </a:xfrm>
           <a:prstGeom prst="rect">
             <a:avLst/>
@@ -2039,90 +2039,6 @@
                 <a:latin typeface="Arial" panose="020B0604020202020204"/>
               </a:rPr>
               <a:t>HashCode vs Equals</a:t>
-            </a:r>
-            <a:endParaRPr lang="en-US" sz="2200" b="0" strike="noStrike" spc="-1">
-              <a:latin typeface="Arial" panose="020B0604020202020204"/>
-            </a:endParaRPr>
-          </a:p>
-          <a:p>
-            <a:pPr marL="215900" indent="-215900">
-              <a:lnSpc>
-                <a:spcPct val="115000"/>
-              </a:lnSpc>
-              <a:spcBef>
-                <a:spcPts val="580"/>
-              </a:spcBef>
-              <a:spcAft>
-                <a:spcPts val="580"/>
-              </a:spcAft>
-              <a:buClr>
-                <a:srgbClr val="000000"/>
-              </a:buClr>
-              <a:buSzPct val="45000"/>
-              <a:buFont typeface="Wingdings" panose="05000000000000000000" pitchFamily="2" charset="2"/>
-              <a:buChar char=""/>
-            </a:pPr>
-            <a:r>
-              <a:rPr lang="en-US" sz="2200" b="0" strike="noStrike" spc="-1">
-                <a:latin typeface="Arial" panose="020B0604020202020204"/>
-              </a:rPr>
-              <a:t>Callable, Future, Executors</a:t>
-            </a:r>
-            <a:endParaRPr lang="en-US" sz="2200" b="0" strike="noStrike" spc="-1">
-              <a:latin typeface="Arial" panose="020B0604020202020204"/>
-            </a:endParaRPr>
-          </a:p>
-          <a:p>
-            <a:pPr marL="215900" indent="-215900">
-              <a:lnSpc>
-                <a:spcPct val="115000"/>
-              </a:lnSpc>
-              <a:spcBef>
-                <a:spcPts val="580"/>
-              </a:spcBef>
-              <a:spcAft>
-                <a:spcPts val="580"/>
-              </a:spcAft>
-              <a:buClr>
-                <a:srgbClr val="000000"/>
-              </a:buClr>
-              <a:buSzPct val="45000"/>
-              <a:buFont typeface="Wingdings" panose="05000000000000000000" pitchFamily="2" charset="2"/>
-              <a:buChar char=""/>
-            </a:pPr>
-            <a:r>
-              <a:rPr lang="en-US" sz="2200" b="0" strike="noStrike" spc="-1">
-                <a:latin typeface="Arial" panose="020B0604020202020204"/>
-              </a:rPr>
-              <a:t>CompletableFuture</a:t>
-            </a:r>
-            <a:endParaRPr lang="en-US" sz="2200" b="0" strike="noStrike" spc="-1">
-              <a:latin typeface="Arial" panose="020B0604020202020204"/>
-            </a:endParaRPr>
-          </a:p>
-          <a:p>
-            <a:pPr marL="215900" indent="-215900">
-              <a:lnSpc>
-                <a:spcPct val="115000"/>
-              </a:lnSpc>
-              <a:spcBef>
-                <a:spcPts val="580"/>
-              </a:spcBef>
-              <a:spcAft>
-                <a:spcPts val="580"/>
-              </a:spcAft>
-              <a:buClr>
-                <a:srgbClr val="000000"/>
-              </a:buClr>
-              <a:buSzPct val="45000"/>
-              <a:buFont typeface="Wingdings" panose="05000000000000000000" pitchFamily="2" charset="2"/>
-              <a:buChar char=""/>
-            </a:pPr>
-            <a:r>
-              <a:rPr lang="en-US" sz="2200" b="0" strike="noStrike" spc="-1">
-                <a:latin typeface="Arial" panose="020B0604020202020204"/>
-              </a:rPr>
-              <a:t>So sánh Future và CompletableFuture trong Java</a:t>
             </a:r>
             <a:endParaRPr lang="en-US" sz="2200" b="0" strike="noStrike" spc="-1">
               <a:latin typeface="Arial" panose="020B0604020202020204"/>

--- a/JavaCore.pptx
+++ b/JavaCore.pptx
@@ -5,22 +5,25 @@
     <p:sldMasterId id="2147483648" r:id="rId1"/>
   </p:sldMasterIdLst>
   <p:sldIdLst>
-    <p:sldId id="256" r:id="rId3"/>
-    <p:sldId id="257" r:id="rId4"/>
-    <p:sldId id="290" r:id="rId5"/>
-    <p:sldId id="258" r:id="rId6"/>
-    <p:sldId id="259" r:id="rId7"/>
-    <p:sldId id="260" r:id="rId8"/>
-    <p:sldId id="261" r:id="rId9"/>
-    <p:sldId id="262" r:id="rId10"/>
-    <p:sldId id="268" r:id="rId11"/>
-    <p:sldId id="269" r:id="rId12"/>
-    <p:sldId id="270" r:id="rId13"/>
-    <p:sldId id="271" r:id="rId14"/>
-    <p:sldId id="272" r:id="rId15"/>
-    <p:sldId id="274" r:id="rId16"/>
-    <p:sldId id="275" r:id="rId17"/>
-    <p:sldId id="291" r:id="rId18"/>
+    <p:sldId id="256" r:id="rId2"/>
+    <p:sldId id="257" r:id="rId3"/>
+    <p:sldId id="290" r:id="rId4"/>
+    <p:sldId id="258" r:id="rId5"/>
+    <p:sldId id="259" r:id="rId6"/>
+    <p:sldId id="260" r:id="rId7"/>
+    <p:sldId id="261" r:id="rId8"/>
+    <p:sldId id="262" r:id="rId9"/>
+    <p:sldId id="268" r:id="rId10"/>
+    <p:sldId id="269" r:id="rId11"/>
+    <p:sldId id="270" r:id="rId12"/>
+    <p:sldId id="271" r:id="rId13"/>
+    <p:sldId id="272" r:id="rId14"/>
+    <p:sldId id="274" r:id="rId15"/>
+    <p:sldId id="275" r:id="rId16"/>
+    <p:sldId id="291" r:id="rId17"/>
+    <p:sldId id="292" r:id="rId18"/>
+    <p:sldId id="293" r:id="rId19"/>
+    <p:sldId id="294" r:id="rId20"/>
   </p:sldIdLst>
   <p:sldSz cx="10080625" cy="7559675"/>
   <p:notesSz cx="7772400" cy="10058400"/>
@@ -184,6 +187,7 @@
           <a:bodyPr lIns="0" tIns="0" rIns="0" bIns="0" anchor="ctr">
             <a:spAutoFit/>
           </a:bodyPr>
+          <a:lstStyle/>
           <a:p>
             <a:pPr algn="ctr"/>
             <a:endParaRPr lang="en-US" sz="4400" b="0" strike="noStrike" spc="-1">
@@ -215,6 +219,7 @@
           <a:bodyPr lIns="0" tIns="0" rIns="0" bIns="0">
             <a:spAutoFit/>
           </a:bodyPr>
+          <a:lstStyle/>
           <a:p>
             <a:endParaRPr lang="en-US" sz="3200" b="0" strike="noStrike" spc="-1">
               <a:latin typeface="Arial" panose="020B0604020202020204"/>
@@ -245,6 +250,7 @@
           <a:bodyPr lIns="0" tIns="0" rIns="0" bIns="0">
             <a:spAutoFit/>
           </a:bodyPr>
+          <a:lstStyle/>
           <a:p>
             <a:endParaRPr lang="en-US" sz="3200" b="0" strike="noStrike" spc="-1">
               <a:latin typeface="Arial" panose="020B0604020202020204"/>
@@ -300,6 +306,7 @@
           <a:bodyPr lIns="0" tIns="0" rIns="0" bIns="0" anchor="ctr">
             <a:spAutoFit/>
           </a:bodyPr>
+          <a:lstStyle/>
           <a:p>
             <a:pPr algn="ctr"/>
             <a:endParaRPr lang="en-US" sz="4400" b="0" strike="noStrike" spc="-1">
@@ -331,6 +338,7 @@
           <a:bodyPr lIns="0" tIns="0" rIns="0" bIns="0">
             <a:spAutoFit/>
           </a:bodyPr>
+          <a:lstStyle/>
           <a:p>
             <a:endParaRPr lang="en-US" sz="3200" b="0" strike="noStrike" spc="-1">
               <a:latin typeface="Arial" panose="020B0604020202020204"/>
@@ -361,6 +369,7 @@
           <a:bodyPr lIns="0" tIns="0" rIns="0" bIns="0">
             <a:spAutoFit/>
           </a:bodyPr>
+          <a:lstStyle/>
           <a:p>
             <a:endParaRPr lang="en-US" sz="3200" b="0" strike="noStrike" spc="-1">
               <a:latin typeface="Arial" panose="020B0604020202020204"/>
@@ -391,6 +400,7 @@
           <a:bodyPr lIns="0" tIns="0" rIns="0" bIns="0">
             <a:spAutoFit/>
           </a:bodyPr>
+          <a:lstStyle/>
           <a:p>
             <a:endParaRPr lang="en-US" sz="3200" b="0" strike="noStrike" spc="-1">
               <a:latin typeface="Arial" panose="020B0604020202020204"/>
@@ -421,6 +431,7 @@
           <a:bodyPr lIns="0" tIns="0" rIns="0" bIns="0">
             <a:spAutoFit/>
           </a:bodyPr>
+          <a:lstStyle/>
           <a:p>
             <a:endParaRPr lang="en-US" sz="3200" b="0" strike="noStrike" spc="-1">
               <a:latin typeface="Arial" panose="020B0604020202020204"/>
@@ -476,6 +487,7 @@
           <a:bodyPr lIns="0" tIns="0" rIns="0" bIns="0" anchor="ctr">
             <a:spAutoFit/>
           </a:bodyPr>
+          <a:lstStyle/>
           <a:p>
             <a:pPr algn="ctr"/>
             <a:endParaRPr lang="en-US" sz="4400" b="0" strike="noStrike" spc="-1">
@@ -507,6 +519,7 @@
           <a:bodyPr lIns="0" tIns="0" rIns="0" bIns="0">
             <a:spAutoFit/>
           </a:bodyPr>
+          <a:lstStyle/>
           <a:p>
             <a:endParaRPr lang="en-US" sz="3200" b="0" strike="noStrike" spc="-1">
               <a:latin typeface="Arial" panose="020B0604020202020204"/>
@@ -537,6 +550,7 @@
           <a:bodyPr lIns="0" tIns="0" rIns="0" bIns="0">
             <a:spAutoFit/>
           </a:bodyPr>
+          <a:lstStyle/>
           <a:p>
             <a:endParaRPr lang="en-US" sz="3200" b="0" strike="noStrike" spc="-1">
               <a:latin typeface="Arial" panose="020B0604020202020204"/>
@@ -567,6 +581,7 @@
           <a:bodyPr lIns="0" tIns="0" rIns="0" bIns="0">
             <a:spAutoFit/>
           </a:bodyPr>
+          <a:lstStyle/>
           <a:p>
             <a:endParaRPr lang="en-US" sz="3200" b="0" strike="noStrike" spc="-1">
               <a:latin typeface="Arial" panose="020B0604020202020204"/>
@@ -597,6 +612,7 @@
           <a:bodyPr lIns="0" tIns="0" rIns="0" bIns="0">
             <a:spAutoFit/>
           </a:bodyPr>
+          <a:lstStyle/>
           <a:p>
             <a:endParaRPr lang="en-US" sz="3200" b="0" strike="noStrike" spc="-1">
               <a:latin typeface="Arial" panose="020B0604020202020204"/>
@@ -627,6 +643,7 @@
           <a:bodyPr lIns="0" tIns="0" rIns="0" bIns="0">
             <a:spAutoFit/>
           </a:bodyPr>
+          <a:lstStyle/>
           <a:p>
             <a:endParaRPr lang="en-US" sz="3200" b="0" strike="noStrike" spc="-1">
               <a:latin typeface="Arial" panose="020B0604020202020204"/>
@@ -657,6 +674,7 @@
           <a:bodyPr lIns="0" tIns="0" rIns="0" bIns="0">
             <a:spAutoFit/>
           </a:bodyPr>
+          <a:lstStyle/>
           <a:p>
             <a:endParaRPr lang="en-US" sz="3200" b="0" strike="noStrike" spc="-1">
               <a:latin typeface="Arial" panose="020B0604020202020204"/>
@@ -712,6 +730,7 @@
           <a:bodyPr lIns="0" tIns="0" rIns="0" bIns="0" anchor="ctr">
             <a:spAutoFit/>
           </a:bodyPr>
+          <a:lstStyle/>
           <a:p>
             <a:pPr algn="ctr"/>
             <a:endParaRPr lang="en-US" sz="4400" b="0" strike="noStrike" spc="-1">
@@ -743,6 +762,7 @@
           <a:bodyPr lIns="0" tIns="0" rIns="0" bIns="0" anchor="ctr">
             <a:spAutoFit/>
           </a:bodyPr>
+          <a:lstStyle/>
           <a:p>
             <a:pPr algn="ctr"/>
             <a:endParaRPr lang="en-US" sz="3200" b="0" strike="noStrike" spc="-1">
@@ -799,6 +819,7 @@
           <a:bodyPr lIns="0" tIns="0" rIns="0" bIns="0" anchor="ctr">
             <a:spAutoFit/>
           </a:bodyPr>
+          <a:lstStyle/>
           <a:p>
             <a:pPr algn="ctr"/>
             <a:endParaRPr lang="en-US" sz="4400" b="0" strike="noStrike" spc="-1">
@@ -830,6 +851,7 @@
           <a:bodyPr lIns="0" tIns="0" rIns="0" bIns="0">
             <a:spAutoFit/>
           </a:bodyPr>
+          <a:lstStyle/>
           <a:p>
             <a:endParaRPr lang="en-US" sz="3200" b="0" strike="noStrike" spc="-1">
               <a:latin typeface="Arial" panose="020B0604020202020204"/>
@@ -885,6 +907,7 @@
           <a:bodyPr lIns="0" tIns="0" rIns="0" bIns="0" anchor="ctr">
             <a:spAutoFit/>
           </a:bodyPr>
+          <a:lstStyle/>
           <a:p>
             <a:pPr algn="ctr"/>
             <a:endParaRPr lang="en-US" sz="4400" b="0" strike="noStrike" spc="-1">
@@ -916,6 +939,7 @@
           <a:bodyPr lIns="0" tIns="0" rIns="0" bIns="0">
             <a:spAutoFit/>
           </a:bodyPr>
+          <a:lstStyle/>
           <a:p>
             <a:endParaRPr lang="en-US" sz="3200" b="0" strike="noStrike" spc="-1">
               <a:latin typeface="Arial" panose="020B0604020202020204"/>
@@ -946,6 +970,7 @@
           <a:bodyPr lIns="0" tIns="0" rIns="0" bIns="0">
             <a:spAutoFit/>
           </a:bodyPr>
+          <a:lstStyle/>
           <a:p>
             <a:endParaRPr lang="en-US" sz="3200" b="0" strike="noStrike" spc="-1">
               <a:latin typeface="Arial" panose="020B0604020202020204"/>
@@ -1001,6 +1026,7 @@
           <a:bodyPr lIns="0" tIns="0" rIns="0" bIns="0" anchor="ctr">
             <a:spAutoFit/>
           </a:bodyPr>
+          <a:lstStyle/>
           <a:p>
             <a:pPr algn="ctr"/>
             <a:endParaRPr lang="en-US" sz="4400" b="0" strike="noStrike" spc="-1">
@@ -1057,6 +1083,7 @@
           <a:bodyPr lIns="0" tIns="0" rIns="0" bIns="0" anchor="ctr">
             <a:spAutoFit/>
           </a:bodyPr>
+          <a:lstStyle/>
           <a:p>
             <a:pPr algn="ctr"/>
             <a:endParaRPr lang="en-US" sz="3200" b="0" strike="noStrike" spc="-1">
@@ -1113,6 +1140,7 @@
           <a:bodyPr lIns="0" tIns="0" rIns="0" bIns="0" anchor="ctr">
             <a:spAutoFit/>
           </a:bodyPr>
+          <a:lstStyle/>
           <a:p>
             <a:pPr algn="ctr"/>
             <a:endParaRPr lang="en-US" sz="4400" b="0" strike="noStrike" spc="-1">
@@ -1144,6 +1172,7 @@
           <a:bodyPr lIns="0" tIns="0" rIns="0" bIns="0">
             <a:spAutoFit/>
           </a:bodyPr>
+          <a:lstStyle/>
           <a:p>
             <a:endParaRPr lang="en-US" sz="3200" b="0" strike="noStrike" spc="-1">
               <a:latin typeface="Arial" panose="020B0604020202020204"/>
@@ -1174,6 +1203,7 @@
           <a:bodyPr lIns="0" tIns="0" rIns="0" bIns="0">
             <a:spAutoFit/>
           </a:bodyPr>
+          <a:lstStyle/>
           <a:p>
             <a:endParaRPr lang="en-US" sz="3200" b="0" strike="noStrike" spc="-1">
               <a:latin typeface="Arial" panose="020B0604020202020204"/>
@@ -1204,6 +1234,7 @@
           <a:bodyPr lIns="0" tIns="0" rIns="0" bIns="0">
             <a:spAutoFit/>
           </a:bodyPr>
+          <a:lstStyle/>
           <a:p>
             <a:endParaRPr lang="en-US" sz="3200" b="0" strike="noStrike" spc="-1">
               <a:latin typeface="Arial" panose="020B0604020202020204"/>
@@ -1259,6 +1290,7 @@
           <a:bodyPr lIns="0" tIns="0" rIns="0" bIns="0" anchor="ctr">
             <a:spAutoFit/>
           </a:bodyPr>
+          <a:lstStyle/>
           <a:p>
             <a:pPr algn="ctr"/>
             <a:endParaRPr lang="en-US" sz="4400" b="0" strike="noStrike" spc="-1">
@@ -1290,6 +1322,7 @@
           <a:bodyPr lIns="0" tIns="0" rIns="0" bIns="0">
             <a:spAutoFit/>
           </a:bodyPr>
+          <a:lstStyle/>
           <a:p>
             <a:endParaRPr lang="en-US" sz="3200" b="0" strike="noStrike" spc="-1">
               <a:latin typeface="Arial" panose="020B0604020202020204"/>
@@ -1320,6 +1353,7 @@
           <a:bodyPr lIns="0" tIns="0" rIns="0" bIns="0">
             <a:spAutoFit/>
           </a:bodyPr>
+          <a:lstStyle/>
           <a:p>
             <a:endParaRPr lang="en-US" sz="3200" b="0" strike="noStrike" spc="-1">
               <a:latin typeface="Arial" panose="020B0604020202020204"/>
@@ -1350,6 +1384,7 @@
           <a:bodyPr lIns="0" tIns="0" rIns="0" bIns="0">
             <a:spAutoFit/>
           </a:bodyPr>
+          <a:lstStyle/>
           <a:p>
             <a:endParaRPr lang="en-US" sz="3200" b="0" strike="noStrike" spc="-1">
               <a:latin typeface="Arial" panose="020B0604020202020204"/>
@@ -1405,6 +1440,7 @@
           <a:bodyPr lIns="0" tIns="0" rIns="0" bIns="0" anchor="ctr">
             <a:spAutoFit/>
           </a:bodyPr>
+          <a:lstStyle/>
           <a:p>
             <a:pPr algn="ctr"/>
             <a:endParaRPr lang="en-US" sz="4400" b="0" strike="noStrike" spc="-1">
@@ -1436,6 +1472,7 @@
           <a:bodyPr lIns="0" tIns="0" rIns="0" bIns="0">
             <a:spAutoFit/>
           </a:bodyPr>
+          <a:lstStyle/>
           <a:p>
             <a:endParaRPr lang="en-US" sz="3200" b="0" strike="noStrike" spc="-1">
               <a:latin typeface="Arial" panose="020B0604020202020204"/>
@@ -1466,6 +1503,7 @@
           <a:bodyPr lIns="0" tIns="0" rIns="0" bIns="0">
             <a:spAutoFit/>
           </a:bodyPr>
+          <a:lstStyle/>
           <a:p>
             <a:endParaRPr lang="en-US" sz="3200" b="0" strike="noStrike" spc="-1">
               <a:latin typeface="Arial" panose="020B0604020202020204"/>
@@ -1496,6 +1534,7 @@
           <a:bodyPr lIns="0" tIns="0" rIns="0" bIns="0">
             <a:spAutoFit/>
           </a:bodyPr>
+          <a:lstStyle/>
           <a:p>
             <a:endParaRPr lang="en-US" sz="3200" b="0" strike="noStrike" spc="-1">
               <a:latin typeface="Arial" panose="020B0604020202020204"/>
@@ -1535,7 +1574,7 @@
       </p:grpSpPr>
       <p:sp>
         <p:nvSpPr>
-          <p:cNvPr id="0" name="PlaceHolder 1"/>
+          <p:cNvPr id="6" name="PlaceHolder 1"/>
           <p:cNvSpPr>
             <a:spLocks noGrp="1"/>
           </p:cNvSpPr>
@@ -1556,6 +1595,7 @@
           <a:bodyPr lIns="0" tIns="0" rIns="0" bIns="0" anchor="ctr">
             <a:noAutofit/>
           </a:bodyPr>
+          <a:lstStyle/>
           <a:p>
             <a:pPr algn="ctr"/>
             <a:r>
@@ -1564,9 +1604,6 @@
               </a:rPr>
               <a:t>Click to edit the title text format</a:t>
             </a:r>
-            <a:endParaRPr lang="en-US" sz="4400" b="0" strike="noStrike" spc="-1">
-              <a:latin typeface="Arial" panose="020B0604020202020204"/>
-            </a:endParaRPr>
           </a:p>
         </p:txBody>
       </p:sp>
@@ -1593,6 +1630,7 @@
           <a:bodyPr lIns="0" tIns="0" rIns="0" bIns="0">
             <a:spAutoFit/>
           </a:bodyPr>
+          <a:lstStyle/>
           <a:p>
             <a:pPr marL="431800" indent="-323850">
               <a:spcAft>
@@ -1611,9 +1649,6 @@
               </a:rPr>
               <a:t>Click to edit the outline text format</a:t>
             </a:r>
-            <a:endParaRPr lang="en-US" sz="3200" b="0" strike="noStrike" spc="-1">
-              <a:latin typeface="Arial" panose="020B0604020202020204"/>
-            </a:endParaRPr>
           </a:p>
           <a:p>
             <a:pPr marL="864235" lvl="1" indent="-323850">
@@ -1633,9 +1668,6 @@
               </a:rPr>
               <a:t>Second Outline Level</a:t>
             </a:r>
-            <a:endParaRPr lang="en-US" sz="2800" b="0" strike="noStrike" spc="-1">
-              <a:latin typeface="Arial" panose="020B0604020202020204"/>
-            </a:endParaRPr>
           </a:p>
           <a:p>
             <a:pPr marL="1296035" lvl="2" indent="-288290">
@@ -1655,9 +1687,6 @@
               </a:rPr>
               <a:t>Third Outline Level</a:t>
             </a:r>
-            <a:endParaRPr lang="en-US" sz="2400" b="0" strike="noStrike" spc="-1">
-              <a:latin typeface="Arial" panose="020B0604020202020204"/>
-            </a:endParaRPr>
           </a:p>
           <a:p>
             <a:pPr marL="1727835" lvl="3" indent="-215900">
@@ -1677,9 +1706,6 @@
               </a:rPr>
               <a:t>Fourth Outline Level</a:t>
             </a:r>
-            <a:endParaRPr lang="en-US" sz="2000" b="0" strike="noStrike" spc="-1">
-              <a:latin typeface="Arial" panose="020B0604020202020204"/>
-            </a:endParaRPr>
           </a:p>
           <a:p>
             <a:pPr marL="2160270" lvl="4" indent="-215900">
@@ -1699,9 +1725,6 @@
               </a:rPr>
               <a:t>Fifth Outline Level</a:t>
             </a:r>
-            <a:endParaRPr lang="en-US" sz="2000" b="0" strike="noStrike" spc="-1">
-              <a:latin typeface="Arial" panose="020B0604020202020204"/>
-            </a:endParaRPr>
           </a:p>
           <a:p>
             <a:pPr marL="2592070" lvl="5" indent="-215900">
@@ -1721,9 +1744,6 @@
               </a:rPr>
               <a:t>Sixth Outline Level</a:t>
             </a:r>
-            <a:endParaRPr lang="en-US" sz="2000" b="0" strike="noStrike" spc="-1">
-              <a:latin typeface="Arial" panose="020B0604020202020204"/>
-            </a:endParaRPr>
           </a:p>
           <a:p>
             <a:pPr marL="3023870" lvl="6" indent="-215900">
@@ -1743,9 +1763,6 @@
               </a:rPr>
               <a:t>Seventh Outline Level</a:t>
             </a:r>
-            <a:endParaRPr lang="en-US" sz="2000" b="0" strike="noStrike" spc="-1">
-              <a:latin typeface="Arial" panose="020B0604020202020204"/>
-            </a:endParaRPr>
           </a:p>
         </p:txBody>
       </p:sp>
@@ -1772,6 +1789,7 @@
           <a:bodyPr lIns="0" tIns="0" rIns="0" bIns="0">
             <a:noAutofit/>
           </a:bodyPr>
+          <a:lstStyle/>
           <a:p>
             <a:r>
               <a:rPr lang="en-US" sz="1400" b="0" strike="noStrike" spc="-1">
@@ -1779,9 +1797,6 @@
               </a:rPr>
               <a:t>&lt;date/time&gt;</a:t>
             </a:r>
-            <a:endParaRPr lang="en-US" sz="1400" b="0" strike="noStrike" spc="-1">
-              <a:latin typeface="Times New Roman" panose="02020603050405020304"/>
-            </a:endParaRPr>
           </a:p>
         </p:txBody>
       </p:sp>
@@ -1808,6 +1823,7 @@
           <a:bodyPr lIns="0" tIns="0" rIns="0" bIns="0">
             <a:noAutofit/>
           </a:bodyPr>
+          <a:lstStyle/>
           <a:p>
             <a:pPr algn="ctr"/>
             <a:r>
@@ -1816,9 +1832,6 @@
               </a:rPr>
               <a:t>&lt;footer&gt;</a:t>
             </a:r>
-            <a:endParaRPr lang="en-US" sz="1400" b="0" strike="noStrike" spc="-1">
-              <a:latin typeface="Times New Roman" panose="02020603050405020304"/>
-            </a:endParaRPr>
           </a:p>
         </p:txBody>
       </p:sp>
@@ -1845,12 +1858,14 @@
           <a:bodyPr lIns="0" tIns="0" rIns="0" bIns="0">
             <a:noAutofit/>
           </a:bodyPr>
+          <a:lstStyle/>
           <a:p>
             <a:pPr algn="r"/>
             <a:fld id="{33ECBCCC-2E64-4F50-B7BD-BEDA704A0FD9}" type="slidenum">
               <a:rPr lang="en-US" sz="1400" b="0" strike="noStrike" spc="-1">
                 <a:latin typeface="Times New Roman" panose="02020603050405020304"/>
               </a:rPr>
+              <a:t>‹#›</a:t>
             </a:fld>
             <a:endParaRPr lang="en-US" sz="1400" b="0" strike="noStrike" spc="-1">
               <a:latin typeface="Times New Roman" panose="02020603050405020304"/>
@@ -1923,6 +1938,7 @@
           <a:bodyPr lIns="0" tIns="0" rIns="0" bIns="0" anchor="ctr">
             <a:spAutoFit/>
           </a:bodyPr>
+          <a:lstStyle/>
           <a:p>
             <a:pPr algn="ctr"/>
             <a:r>
@@ -1931,9 +1947,6 @@
               </a:rPr>
               <a:t>Java Core</a:t>
             </a:r>
-            <a:endParaRPr lang="en-US" sz="4400" b="0" strike="noStrike" spc="-1">
-              <a:latin typeface="Arial" panose="020B0604020202020204"/>
-            </a:endParaRPr>
           </a:p>
         </p:txBody>
       </p:sp>
@@ -1946,7 +1959,7 @@
         <p:spPr>
           <a:xfrm>
             <a:off x="715680" y="1371600"/>
-            <a:ext cx="8859960" cy="5319395"/>
+            <a:ext cx="8859960" cy="6998924"/>
           </a:xfrm>
           <a:prstGeom prst="rect">
             <a:avLst/>
@@ -1960,6 +1973,7 @@
           <a:bodyPr lIns="90000" tIns="45000" rIns="90000" bIns="45000">
             <a:spAutoFit/>
           </a:bodyPr>
+          <a:lstStyle/>
           <a:p>
             <a:pPr marL="215900" indent="-215900">
               <a:lnSpc>
@@ -1979,14 +1993,11 @@
               <a:buChar char=""/>
             </a:pPr>
             <a:r>
-              <a:rPr lang="en-US" sz="2200" b="0" strike="noStrike" spc="-1">
+              <a:rPr lang="en-US" sz="2200" b="0" strike="noStrike" spc="-1" dirty="0">
                 <a:latin typeface="Arial" panose="020B0604020202020204"/>
               </a:rPr>
               <a:t>JDK, JRE, JVM</a:t>
             </a:r>
-            <a:endParaRPr lang="en-US" sz="2200" b="0" strike="noStrike" spc="-1">
-              <a:latin typeface="Arial" panose="020B0604020202020204"/>
-            </a:endParaRPr>
           </a:p>
           <a:p>
             <a:pPr marL="215900" indent="-215900">
@@ -2007,14 +2018,23 @@
               <a:buChar char=""/>
             </a:pPr>
             <a:r>
-              <a:rPr lang="en-US" sz="2200" b="0" strike="noStrike" spc="-1">
-                <a:latin typeface="Arial" panose="020B0604020202020204"/>
-              </a:rPr>
-              <a:t>Heap memory vs Stack memory</a:t>
-            </a:r>
-            <a:endParaRPr lang="en-US" sz="2200" b="0" strike="noStrike" spc="-1">
-              <a:latin typeface="Arial" panose="020B0604020202020204"/>
-            </a:endParaRPr>
+              <a:rPr lang="en-US" sz="2200" b="0" strike="noStrike" spc="-1" dirty="0">
+                <a:latin typeface="Arial" panose="020B0604020202020204"/>
+              </a:rPr>
+              <a:t>Heap memory </a:t>
+            </a:r>
+            <a:r>
+              <a:rPr lang="en-US" sz="2200" b="0" strike="noStrike" spc="-1" dirty="0" err="1">
+                <a:latin typeface="Arial" panose="020B0604020202020204"/>
+              </a:rPr>
+              <a:t>vs</a:t>
+            </a:r>
+            <a:r>
+              <a:rPr lang="en-US" sz="2200" b="0" strike="noStrike" spc="-1" dirty="0">
+                <a:latin typeface="Arial" panose="020B0604020202020204"/>
+              </a:rPr>
+              <a:t> Stack memory</a:t>
+            </a:r>
           </a:p>
           <a:p>
             <a:pPr marL="215900" indent="-215900">
@@ -2035,14 +2055,29 @@
               <a:buChar char=""/>
             </a:pPr>
             <a:r>
-              <a:rPr lang="en-US" sz="2200" b="0" strike="noStrike" spc="-1">
-                <a:latin typeface="Arial" panose="020B0604020202020204"/>
-              </a:rPr>
-              <a:t>HashCode vs Equals</a:t>
-            </a:r>
-            <a:endParaRPr lang="en-US" sz="2200" b="0" strike="noStrike" spc="-1">
-              <a:latin typeface="Arial" panose="020B0604020202020204"/>
-            </a:endParaRPr>
+              <a:rPr lang="en-US" sz="2200" b="0" strike="noStrike" spc="-1" dirty="0" err="1">
+                <a:latin typeface="Arial" panose="020B0604020202020204"/>
+              </a:rPr>
+              <a:t>HashCode</a:t>
+            </a:r>
+            <a:r>
+              <a:rPr lang="en-US" sz="2200" b="0" strike="noStrike" spc="-1" dirty="0">
+                <a:latin typeface="Arial" panose="020B0604020202020204"/>
+              </a:rPr>
+              <a:t> </a:t>
+            </a:r>
+            <a:r>
+              <a:rPr lang="en-US" sz="2200" b="0" strike="noStrike" spc="-1" dirty="0" err="1">
+                <a:latin typeface="Arial" panose="020B0604020202020204"/>
+              </a:rPr>
+              <a:t>vs</a:t>
+            </a:r>
+            <a:r>
+              <a:rPr lang="en-US" sz="2200" b="0" strike="noStrike" spc="-1" dirty="0">
+                <a:latin typeface="Arial" panose="020B0604020202020204"/>
+              </a:rPr>
+              <a:t> Equals</a:t>
+            </a:r>
           </a:p>
           <a:p>
             <a:pPr marL="215900" indent="-215900">
@@ -2063,14 +2098,23 @@
               <a:buChar char=""/>
             </a:pPr>
             <a:r>
-              <a:rPr lang="en-US" sz="2200" b="0" strike="noStrike" spc="-1">
-                <a:latin typeface="Arial" panose="020B0604020202020204"/>
-              </a:rPr>
-              <a:t>How to init object in Java?</a:t>
-            </a:r>
-            <a:endParaRPr lang="en-US" sz="2200" b="0" strike="noStrike" spc="-1">
-              <a:latin typeface="Arial" panose="020B0604020202020204"/>
-            </a:endParaRPr>
+              <a:rPr lang="en-US" sz="2200" b="0" strike="noStrike" spc="-1" dirty="0">
+                <a:latin typeface="Arial" panose="020B0604020202020204"/>
+              </a:rPr>
+              <a:t>How to </a:t>
+            </a:r>
+            <a:r>
+              <a:rPr lang="en-US" sz="2200" b="0" strike="noStrike" spc="-1" dirty="0" err="1">
+                <a:latin typeface="Arial" panose="020B0604020202020204"/>
+              </a:rPr>
+              <a:t>init</a:t>
+            </a:r>
+            <a:r>
+              <a:rPr lang="en-US" sz="2200" b="0" strike="noStrike" spc="-1" dirty="0">
+                <a:latin typeface="Arial" panose="020B0604020202020204"/>
+              </a:rPr>
+              <a:t> object in Java?</a:t>
+            </a:r>
           </a:p>
           <a:p>
             <a:pPr marL="215900" indent="-215900">
@@ -2091,12 +2135,30 @@
               <a:buChar char=""/>
             </a:pPr>
             <a:r>
-              <a:rPr lang="en-US" sz="2200" b="0" strike="noStrike" spc="-1">
-                <a:latin typeface="Arial" panose="020B0604020202020204"/>
-              </a:rPr>
-              <a:t>String Pool, StringBuffer, StringBuilder</a:t>
-            </a:r>
-            <a:endParaRPr lang="en-US" sz="2200" b="0" strike="noStrike" spc="-1">
+              <a:rPr lang="en-US" sz="2200" b="0" strike="noStrike" spc="-1" dirty="0">
+                <a:latin typeface="Arial" panose="020B0604020202020204"/>
+              </a:rPr>
+              <a:t>String Pool, </a:t>
+            </a:r>
+            <a:r>
+              <a:rPr lang="en-US" sz="2200" b="0" strike="noStrike" spc="-1" dirty="0" err="1">
+                <a:latin typeface="Arial" panose="020B0604020202020204"/>
+              </a:rPr>
+              <a:t>StringBuffer</a:t>
+            </a:r>
+            <a:r>
+              <a:rPr lang="en-US" sz="2200" b="0" strike="noStrike" spc="-1" dirty="0">
+                <a:latin typeface="Arial" panose="020B0604020202020204"/>
+              </a:rPr>
+              <a:t>, </a:t>
+            </a:r>
+            <a:r>
+              <a:rPr lang="en-US" sz="2200" b="0" strike="noStrike" spc="-1" dirty="0" err="1">
+                <a:latin typeface="Arial" panose="020B0604020202020204"/>
+              </a:rPr>
+              <a:t>StringBuilder</a:t>
+            </a:r>
+            <a:endParaRPr lang="en-US" sz="2200" b="0" strike="noStrike" spc="-1" dirty="0">
               <a:latin typeface="Arial" panose="020B0604020202020204"/>
             </a:endParaRPr>
           </a:p>
@@ -2119,14 +2181,11 @@
               <a:buChar char=""/>
             </a:pPr>
             <a:r>
-              <a:rPr lang="en-US" sz="2200" b="0" strike="noStrike" spc="-1">
+              <a:rPr lang="en-US" sz="2200" b="0" strike="noStrike" spc="-1" dirty="0">
                 <a:latin typeface="Arial" panose="020B0604020202020204"/>
               </a:rPr>
               <a:t>Exception</a:t>
             </a:r>
-            <a:endParaRPr lang="en-US" sz="2200" b="0" strike="noStrike" spc="-1">
-              <a:latin typeface="Arial" panose="020B0604020202020204"/>
-            </a:endParaRPr>
           </a:p>
           <a:p>
             <a:pPr marL="215900" indent="-215900">
@@ -2147,14 +2206,11 @@
               <a:buChar char=""/>
             </a:pPr>
             <a:r>
-              <a:rPr lang="en-US" sz="2200" b="0" strike="noStrike" spc="-1">
+              <a:rPr lang="en-US" sz="2200" b="0" strike="noStrike" spc="-1" dirty="0">
                 <a:latin typeface="Arial" panose="020B0604020202020204"/>
               </a:rPr>
               <a:t>Database Index</a:t>
             </a:r>
-            <a:endParaRPr lang="en-US" sz="2200" b="0" strike="noStrike" spc="-1">
-              <a:latin typeface="Arial" panose="020B0604020202020204"/>
-            </a:endParaRPr>
           </a:p>
           <a:p>
             <a:pPr marL="215900" indent="-215900">
@@ -2175,14 +2231,11 @@
               <a:buChar char=""/>
             </a:pPr>
             <a:r>
-              <a:rPr lang="en-US" sz="2200" b="0" strike="noStrike" spc="-1">
+              <a:rPr lang="en-US" sz="2200" b="0" strike="noStrike" spc="-1" dirty="0">
                 <a:latin typeface="Arial" panose="020B0604020202020204"/>
               </a:rPr>
               <a:t>Java 8</a:t>
             </a:r>
-            <a:endParaRPr lang="en-US" sz="2200" b="0" strike="noStrike" spc="-1">
-              <a:latin typeface="Arial" panose="020B0604020202020204"/>
-            </a:endParaRPr>
           </a:p>
           <a:p>
             <a:pPr marL="215900" indent="-215900">
@@ -2203,14 +2256,17 @@
               <a:buChar char=""/>
             </a:pPr>
             <a:r>
-              <a:rPr lang="en-US" sz="2200" b="0" strike="noStrike" spc="-1">
-                <a:latin typeface="Arial" panose="020B0604020202020204"/>
-              </a:rPr>
-              <a:t>Java 9</a:t>
-            </a:r>
-            <a:endParaRPr lang="en-US" sz="2200" b="0" strike="noStrike" spc="-1">
-              <a:latin typeface="Arial" panose="020B0604020202020204"/>
-            </a:endParaRPr>
+              <a:rPr lang="en-US" sz="2200" b="0" strike="noStrike" spc="-1" dirty="0">
+                <a:latin typeface="Arial" panose="020B0604020202020204"/>
+              </a:rPr>
+              <a:t>Java </a:t>
+            </a:r>
+            <a:r>
+              <a:rPr lang="en-US" sz="2200" b="0" strike="noStrike" spc="-1" dirty="0" smtClean="0">
+                <a:latin typeface="Arial" panose="020B0604020202020204"/>
+              </a:rPr>
+              <a:t>9</a:t>
+            </a:r>
           </a:p>
           <a:p>
             <a:pPr marL="215900" indent="-215900">
@@ -2230,7 +2286,77 @@
               <a:buFont typeface="Wingdings" panose="05000000000000000000" pitchFamily="2" charset="2"/>
               <a:buChar char=""/>
             </a:pPr>
-            <a:endParaRPr lang="en-US" sz="2200" b="0" strike="noStrike" spc="-1">
+            <a:r>
+              <a:rPr lang="en-US" sz="2200" spc="-1" dirty="0" smtClean="0">
+                <a:latin typeface="Arial" panose="020B0604020202020204"/>
+              </a:rPr>
+              <a:t>Serialization</a:t>
+            </a:r>
+          </a:p>
+          <a:p>
+            <a:pPr marL="215900" indent="-215900">
+              <a:lnSpc>
+                <a:spcPct val="115000"/>
+              </a:lnSpc>
+              <a:spcBef>
+                <a:spcPts val="580"/>
+              </a:spcBef>
+              <a:spcAft>
+                <a:spcPts val="580"/>
+              </a:spcAft>
+              <a:buClr>
+                <a:srgbClr val="000000"/>
+              </a:buClr>
+              <a:buSzPct val="45000"/>
+              <a:buFont typeface="Wingdings" panose="05000000000000000000" pitchFamily="2" charset="2"/>
+              <a:buChar char=""/>
+            </a:pPr>
+            <a:r>
+              <a:rPr lang="en-US" sz="2200" spc="-1" dirty="0" smtClean="0">
+                <a:latin typeface="Arial" panose="020B0604020202020204"/>
+              </a:rPr>
+              <a:t>Static, Final</a:t>
+            </a:r>
+          </a:p>
+          <a:p>
+            <a:pPr>
+              <a:lnSpc>
+                <a:spcPct val="115000"/>
+              </a:lnSpc>
+              <a:spcBef>
+                <a:spcPts val="580"/>
+              </a:spcBef>
+              <a:spcAft>
+                <a:spcPts val="580"/>
+              </a:spcAft>
+              <a:buClr>
+                <a:srgbClr val="000000"/>
+              </a:buClr>
+              <a:buSzPct val="45000"/>
+            </a:pPr>
+            <a:endParaRPr lang="en-US" sz="2200" b="0" strike="noStrike" spc="-1" dirty="0">
+              <a:latin typeface="Arial" panose="020B0604020202020204"/>
+            </a:endParaRPr>
+          </a:p>
+          <a:p>
+            <a:pPr marL="215900" indent="-215900">
+              <a:lnSpc>
+                <a:spcPct val="115000"/>
+              </a:lnSpc>
+              <a:spcBef>
+                <a:spcPts val="580"/>
+              </a:spcBef>
+              <a:spcAft>
+                <a:spcPts val="580"/>
+              </a:spcAft>
+              <a:buClr>
+                <a:srgbClr val="000000"/>
+              </a:buClr>
+              <a:buSzPct val="45000"/>
+              <a:buFont typeface="Wingdings" panose="05000000000000000000" pitchFamily="2" charset="2"/>
+              <a:buChar char=""/>
+            </a:pPr>
+            <a:endParaRPr lang="en-US" sz="2200" b="0" strike="noStrike" spc="-1" dirty="0">
               <a:latin typeface="Arial" panose="020B0604020202020204"/>
             </a:endParaRPr>
           </a:p>
@@ -2241,14 +2367,21 @@
   <p:clrMapOvr>
     <a:masterClrMapping/>
   </p:clrMapOvr>
-  <mc:AlternateContent xmlns:mc="http://schemas.openxmlformats.org/markup-compatibility/2006">
-    <mc:Choice xmlns:p14="http://schemas.microsoft.com/office/powerpoint/2010/main" Requires="p14">
+  <mc:AlternateContent xmlns:mc="http://schemas.openxmlformats.org/markup-compatibility/2006" xmlns:p14="http://schemas.microsoft.com/office/powerpoint/2010/main">
+    <mc:Choice Requires="p14">
       <p:transition spd="slow" p14:dur="2000"/>
     </mc:Choice>
-    <mc:Fallback>
+    <mc:Fallback xmlns="">
       <p:transition spd="slow"/>
     </mc:Fallback>
   </mc:AlternateContent>
+  <p:timing>
+    <p:tnLst>
+      <p:par>
+        <p:cTn id="1" dur="indefinite" restart="never" nodeType="tmRoot"/>
+      </p:par>
+    </p:tnLst>
+  </p:timing>
 </p:sld>
 </file>
 
@@ -2292,6 +2425,7 @@
           <a:bodyPr lIns="0" tIns="0" rIns="0" bIns="0" anchor="ctr">
             <a:spAutoFit/>
           </a:bodyPr>
+          <a:lstStyle/>
           <a:p>
             <a:pPr indent="0" algn="ctr">
               <a:lnSpc>
@@ -2345,6 +2479,7 @@
           <a:bodyPr lIns="90000" tIns="45000" rIns="90000" bIns="45000">
             <a:spAutoFit/>
           </a:bodyPr>
+          <a:lstStyle/>
           <a:p>
             <a:pPr marL="215900" indent="-215900">
               <a:spcBef>
@@ -2366,9 +2501,6 @@
               </a:rPr>
               <a:t>#3: Clone object, Class của đối tượng được clone phải implement interface Cloneable và override lại method clone():</a:t>
             </a:r>
-            <a:endParaRPr lang="en-US" sz="1800" b="0" strike="noStrike" spc="-1">
-              <a:latin typeface="Arial" panose="020B0604020202020204"/>
-            </a:endParaRPr>
           </a:p>
         </p:txBody>
       </p:sp>
@@ -2379,7 +2511,7 @@
           <p:nvPr/>
         </p:nvPicPr>
         <p:blipFill>
-          <a:blip r:embed="rId1"/>
+          <a:blip r:embed="rId2"/>
           <a:stretch>
             <a:fillRect/>
           </a:stretch>
@@ -2402,11 +2534,11 @@
   <p:clrMapOvr>
     <a:masterClrMapping/>
   </p:clrMapOvr>
-  <mc:AlternateContent xmlns:mc="http://schemas.openxmlformats.org/markup-compatibility/2006">
-    <mc:Choice xmlns:p14="http://schemas.microsoft.com/office/powerpoint/2010/main" Requires="p14">
+  <mc:AlternateContent xmlns:mc="http://schemas.openxmlformats.org/markup-compatibility/2006" xmlns:p14="http://schemas.microsoft.com/office/powerpoint/2010/main">
+    <mc:Choice Requires="p14">
       <p:transition spd="slow" p14:dur="2000"/>
     </mc:Choice>
-    <mc:Fallback>
+    <mc:Fallback xmlns="">
       <p:transition spd="slow"/>
     </mc:Fallback>
   </mc:AlternateContent>
@@ -2453,6 +2585,7 @@
           <a:bodyPr lIns="0" tIns="0" rIns="0" bIns="0" anchor="ctr">
             <a:spAutoFit/>
           </a:bodyPr>
+          <a:lstStyle/>
           <a:p>
             <a:pPr indent="0" algn="ctr">
               <a:lnSpc>
@@ -2506,6 +2639,7 @@
           <a:bodyPr lIns="90000" tIns="45000" rIns="90000" bIns="45000">
             <a:spAutoFit/>
           </a:bodyPr>
+          <a:lstStyle/>
           <a:p>
             <a:pPr marL="215900" indent="-215900">
               <a:spcBef>
@@ -2527,9 +2661,6 @@
               </a:rPr>
               <a:t>#4: Sử dụng deserialization, Cách này chính là chuyển một mảng byte thành đối tượng.</a:t>
             </a:r>
-            <a:endParaRPr lang="en-US" sz="1800" b="0" strike="noStrike" spc="-1">
-              <a:latin typeface="Arial" panose="020B0604020202020204"/>
-            </a:endParaRPr>
           </a:p>
         </p:txBody>
       </p:sp>
@@ -2540,7 +2671,7 @@
           <p:nvPr/>
         </p:nvPicPr>
         <p:blipFill>
-          <a:blip r:embed="rId1"/>
+          <a:blip r:embed="rId2"/>
           <a:stretch>
             <a:fillRect/>
           </a:stretch>
@@ -2563,11 +2694,11 @@
   <p:clrMapOvr>
     <a:masterClrMapping/>
   </p:clrMapOvr>
-  <mc:AlternateContent xmlns:mc="http://schemas.openxmlformats.org/markup-compatibility/2006">
-    <mc:Choice xmlns:p14="http://schemas.microsoft.com/office/powerpoint/2010/main" Requires="p14">
+  <mc:AlternateContent xmlns:mc="http://schemas.openxmlformats.org/markup-compatibility/2006" xmlns:p14="http://schemas.microsoft.com/office/powerpoint/2010/main">
+    <mc:Choice Requires="p14">
       <p:transition spd="slow" p14:dur="2000"/>
     </mc:Choice>
-    <mc:Fallback>
+    <mc:Fallback xmlns="">
       <p:transition spd="slow"/>
     </mc:Fallback>
   </mc:AlternateContent>
@@ -2614,6 +2745,7 @@
           <a:bodyPr lIns="0" tIns="0" rIns="0" bIns="0" anchor="ctr">
             <a:spAutoFit/>
           </a:bodyPr>
+          <a:lstStyle/>
           <a:p>
             <a:pPr marL="215900" indent="-215900" algn="ctr">
               <a:lnSpc>
@@ -2667,6 +2799,7 @@
           <a:bodyPr wrap="square" lIns="90000" tIns="45000" rIns="90000" bIns="45000">
             <a:spAutoFit/>
           </a:bodyPr>
+          <a:lstStyle/>
           <a:p>
             <a:pPr indent="0">
               <a:spcBef>
@@ -2707,9 +2840,6 @@
               </a:rPr>
               <a:t>String is immutable whereas StringBuffer and StringBuider are mutable classes.</a:t>
             </a:r>
-            <a:endParaRPr lang="en-US" sz="2000" b="0" strike="noStrike" spc="-1">
-              <a:latin typeface="Arial" panose="020B0604020202020204"/>
-            </a:endParaRPr>
           </a:p>
           <a:p>
             <a:pPr marL="215900" indent="-215900">
@@ -2744,9 +2874,6 @@
               </a:rPr>
               <a:t>.</a:t>
             </a:r>
-            <a:endParaRPr lang="en-US" sz="2000" b="0" strike="noStrike" spc="-1">
-              <a:latin typeface="Arial" panose="020B0604020202020204"/>
-            </a:endParaRPr>
           </a:p>
           <a:p>
             <a:pPr marL="215900" indent="-215900">
@@ -2769,9 +2896,6 @@
               </a:rPr>
               <a:t>String concat + operator internally uses StringBuffer or StringBuilder class.</a:t>
             </a:r>
-            <a:endParaRPr lang="en-US" sz="2000" b="0" strike="noStrike" spc="-1">
-              <a:latin typeface="Arial" panose="020B0604020202020204"/>
-            </a:endParaRPr>
           </a:p>
           <a:p>
             <a:pPr marL="215900" indent="-215900">
@@ -2794,9 +2918,6 @@
               </a:rPr>
               <a:t>For String manipulations in non-multi threaded environment, we should use StringBuilder else use StringBuffer class.</a:t>
             </a:r>
-            <a:endParaRPr lang="en-US" sz="2000" b="0" strike="noStrike" spc="-1">
-              <a:latin typeface="Arial" panose="020B0604020202020204"/>
-            </a:endParaRPr>
           </a:p>
         </p:txBody>
       </p:sp>
@@ -2805,11 +2926,11 @@
   <p:clrMapOvr>
     <a:masterClrMapping/>
   </p:clrMapOvr>
-  <mc:AlternateContent xmlns:mc="http://schemas.openxmlformats.org/markup-compatibility/2006">
-    <mc:Choice xmlns:p14="http://schemas.microsoft.com/office/powerpoint/2010/main" Requires="p14">
+  <mc:AlternateContent xmlns:mc="http://schemas.openxmlformats.org/markup-compatibility/2006" xmlns:p14="http://schemas.microsoft.com/office/powerpoint/2010/main">
+    <mc:Choice Requires="p14">
       <p:transition spd="slow" p14:dur="2000"/>
     </mc:Choice>
-    <mc:Fallback>
+    <mc:Fallback xmlns="">
       <p:transition spd="slow"/>
     </mc:Fallback>
   </mc:AlternateContent>
@@ -2856,6 +2977,7 @@
           <a:bodyPr lIns="0" tIns="0" rIns="0" bIns="0" anchor="ctr">
             <a:spAutoFit/>
           </a:bodyPr>
+          <a:lstStyle/>
           <a:p>
             <a:pPr indent="0" algn="l">
               <a:lnSpc>
@@ -2893,7 +3015,7 @@
           <p:nvPr/>
         </p:nvPicPr>
         <p:blipFill>
-          <a:blip r:embed="rId1"/>
+          <a:blip r:embed="rId2"/>
           <a:stretch>
             <a:fillRect/>
           </a:stretch>
@@ -2916,11 +3038,11 @@
   <p:clrMapOvr>
     <a:masterClrMapping/>
   </p:clrMapOvr>
-  <mc:AlternateContent xmlns:mc="http://schemas.openxmlformats.org/markup-compatibility/2006">
-    <mc:Choice xmlns:p14="http://schemas.microsoft.com/office/powerpoint/2010/main" Requires="p14">
+  <mc:AlternateContent xmlns:mc="http://schemas.openxmlformats.org/markup-compatibility/2006" xmlns:p14="http://schemas.microsoft.com/office/powerpoint/2010/main">
+    <mc:Choice Requires="p14">
       <p:transition spd="slow" p14:dur="2000"/>
     </mc:Choice>
-    <mc:Fallback>
+    <mc:Fallback xmlns="">
       <p:transition spd="slow"/>
     </mc:Fallback>
   </mc:AlternateContent>
@@ -2967,6 +3089,7 @@
           <a:bodyPr lIns="0" tIns="0" rIns="0" bIns="0" anchor="ctr">
             <a:spAutoFit/>
           </a:bodyPr>
+          <a:lstStyle/>
           <a:p>
             <a:pPr indent="0" algn="ctr">
               <a:lnSpc>
@@ -2991,9 +3114,6 @@
               </a:rPr>
               <a:t>Java 8</a:t>
             </a:r>
-            <a:endParaRPr lang="en-US" sz="4400" b="1" strike="noStrike" spc="-1">
-              <a:latin typeface="Arial" panose="020B0604020202020204"/>
-            </a:endParaRPr>
           </a:p>
         </p:txBody>
       </p:sp>
@@ -3017,6 +3137,7 @@
           <a:bodyPr wrap="square" rtlCol="0" anchor="t">
             <a:spAutoFit/>
           </a:bodyPr>
+          <a:lstStyle/>
           <a:p>
             <a:pPr>
               <a:lnSpc>
@@ -3027,7 +3148,6 @@
               <a:rPr lang="en-US"/>
               <a:t>Một số tính năng mới chủ yếu của Java 8 bao gồm:</a:t>
             </a:r>
-            <a:endParaRPr lang="en-US"/>
           </a:p>
           <a:p>
             <a:pPr marL="285750" indent="-285750">
@@ -3045,7 +3165,6 @@
               <a:rPr lang="en-US"/>
               <a:t> : Cung cấp phương thức mặc định cho Interface.</a:t>
             </a:r>
-            <a:endParaRPr lang="en-US"/>
           </a:p>
           <a:p>
             <a:pPr marL="285750" indent="-285750">
@@ -3063,7 +3182,6 @@
               <a:rPr lang="en-US"/>
               <a:t> : Thêm khả năng xử lý function cho Java.</a:t>
             </a:r>
-            <a:endParaRPr lang="en-US"/>
           </a:p>
           <a:p>
             <a:pPr marL="285750" indent="-285750">
@@ -3081,7 +3199,6 @@
               <a:rPr lang="en-US"/>
               <a:t> : Các hàm tham chiếu theo tên của phương thức thay vì gọi trực tiếp. Sử dụng các function làm tham số.</a:t>
             </a:r>
-            <a:endParaRPr lang="en-US"/>
           </a:p>
           <a:p>
             <a:pPr marL="285750" indent="-285750">
@@ -3099,7 +3216,6 @@
               <a:rPr lang="en-US"/>
               <a:t>: bao gồm các class, interface và enum để cho phép các hoạt động kiểu function trên các element (phần tử) của một Collection, Array. Nó thực hiện chỉ khi nó yêu cầu (lazy).</a:t>
             </a:r>
-            <a:endParaRPr lang="en-US"/>
           </a:p>
           <a:p>
             <a:pPr marL="285750" indent="-285750">
@@ -3117,7 +3233,6 @@
               <a:rPr lang="en-US"/>
               <a:t>: cung cấp một số lớp mới trong gói java.time cùng với định dạng thời gian Joda.</a:t>
             </a:r>
-            <a:endParaRPr lang="en-US"/>
           </a:p>
           <a:p>
             <a:pPr marL="285750" indent="-285750">
@@ -3135,7 +3250,6 @@
               <a:rPr lang="en-US"/>
               <a:t>: là một lớp được sử dụng để hạn chế với lỗi NullPointerException trong ứng dụng Java.</a:t>
             </a:r>
-            <a:endParaRPr lang="en-US"/>
           </a:p>
           <a:p>
             <a:pPr>
@@ -3152,11 +3266,11 @@
   <p:clrMapOvr>
     <a:masterClrMapping/>
   </p:clrMapOvr>
-  <mc:AlternateContent xmlns:mc="http://schemas.openxmlformats.org/markup-compatibility/2006">
-    <mc:Choice xmlns:p14="http://schemas.microsoft.com/office/powerpoint/2010/main" Requires="p14">
+  <mc:AlternateContent xmlns:mc="http://schemas.openxmlformats.org/markup-compatibility/2006" xmlns:p14="http://schemas.microsoft.com/office/powerpoint/2010/main">
+    <mc:Choice Requires="p14">
       <p:transition spd="slow" p14:dur="2000"/>
     </mc:Choice>
-    <mc:Fallback>
+    <mc:Fallback xmlns="">
       <p:transition spd="slow"/>
     </mc:Fallback>
   </mc:AlternateContent>
@@ -3203,6 +3317,7 @@
           <a:bodyPr lIns="0" tIns="0" rIns="0" bIns="0" anchor="ctr">
             <a:spAutoFit/>
           </a:bodyPr>
+          <a:lstStyle/>
           <a:p>
             <a:pPr indent="0" algn="ctr">
               <a:lnSpc>
@@ -3227,9 +3342,6 @@
               </a:rPr>
               <a:t>Java 9</a:t>
             </a:r>
-            <a:endParaRPr lang="en-US" sz="4400" b="1" strike="noStrike" spc="-1">
-              <a:latin typeface="Arial" panose="020B0604020202020204"/>
-            </a:endParaRPr>
           </a:p>
         </p:txBody>
       </p:sp>
@@ -3253,6 +3365,7 @@
           <a:bodyPr wrap="square" rtlCol="0" anchor="t">
             <a:spAutoFit/>
           </a:bodyPr>
+          <a:lstStyle/>
           <a:p>
             <a:pPr>
               <a:lnSpc>
@@ -3263,7 +3376,6 @@
               <a:rPr lang="en-US"/>
               <a:t>Một số tính năng mới chủ yếu của Java 8 bao gồm:</a:t>
             </a:r>
-            <a:endParaRPr lang="en-US"/>
           </a:p>
           <a:p>
             <a:pPr marL="285750" indent="-285750">
@@ -3281,7 +3393,6 @@
               <a:rPr lang="en-US"/>
               <a:t> (Java Shell): Nó được sử dụng để thực hiện và kiểm tra bất kỳ cấu trúc Java nào như class, interface, enum, object, statements ...vv rất dễ dàng.</a:t>
             </a:r>
-            <a:endParaRPr lang="en-US"/>
           </a:p>
           <a:p>
             <a:pPr marL="285750" indent="-285750">
@@ -3299,7 +3410,6 @@
               <a:rPr lang="en-US"/>
               <a:t>: Oracle Corp đã giới thiệu một số phương pháp để tạo ra danh sách không thể thay đổi các đối tượng Set, Map và Map.Entry.</a:t>
             </a:r>
-            <a:endParaRPr lang="en-US"/>
           </a:p>
           <a:p>
             <a:pPr marL="285750" indent="-285750">
@@ -3317,7 +3427,6 @@
               <a:rPr lang="en-US"/>
               <a:t>: chúng ta cũng có thể viết các phương thức private static và private trong một giao diện sử dụng từ khoá ‘private’.</a:t>
             </a:r>
-            <a:endParaRPr lang="en-US"/>
           </a:p>
           <a:p>
             <a:pPr marL="285750" indent="-285750">
@@ -3331,7 +3440,6 @@
               <a:rPr lang="en-US" b="1"/>
               <a:t>Process API Improvements</a:t>
             </a:r>
-            <a:endParaRPr lang="en-US" b="1"/>
           </a:p>
         </p:txBody>
       </p:sp>
@@ -3340,11 +3448,11 @@
   <p:clrMapOvr>
     <a:masterClrMapping/>
   </p:clrMapOvr>
-  <mc:AlternateContent xmlns:mc="http://schemas.openxmlformats.org/markup-compatibility/2006">
-    <mc:Choice xmlns:p14="http://schemas.microsoft.com/office/powerpoint/2010/main" Requires="p14">
+  <mc:AlternateContent xmlns:mc="http://schemas.openxmlformats.org/markup-compatibility/2006" xmlns:p14="http://schemas.microsoft.com/office/powerpoint/2010/main">
+    <mc:Choice Requires="p14">
       <p:transition spd="slow" p14:dur="2000"/>
     </mc:Choice>
-    <mc:Fallback>
+    <mc:Fallback xmlns="">
       <p:transition spd="slow"/>
     </mc:Fallback>
   </mc:AlternateContent>
@@ -3391,6 +3499,7 @@
           <a:bodyPr lIns="0" tIns="0" rIns="0" bIns="0" anchor="ctr">
             <a:spAutoFit/>
           </a:bodyPr>
+          <a:lstStyle/>
           <a:p>
             <a:pPr indent="0" algn="ctr">
               <a:lnSpc>
@@ -3415,9 +3524,6 @@
               </a:rPr>
               <a:t>Design Pattern</a:t>
             </a:r>
-            <a:endParaRPr lang="en-US" sz="4400" b="1" strike="noStrike" spc="-1">
-              <a:latin typeface="Arial" panose="020B0604020202020204"/>
-            </a:endParaRPr>
           </a:p>
         </p:txBody>
       </p:sp>
@@ -3441,6 +3547,7 @@
           <a:bodyPr wrap="square" rtlCol="0" anchor="t">
             <a:spAutoFit/>
           </a:bodyPr>
+          <a:lstStyle/>
           <a:p>
             <a:pPr>
               <a:lnSpc>
@@ -3451,7 +3558,6 @@
               <a:rPr lang="en-US" sz="1600" b="1"/>
               <a:t>Factory method:</a:t>
             </a:r>
-            <a:endParaRPr lang="en-US" sz="1600" b="1"/>
           </a:p>
           <a:p>
             <a:pPr>
@@ -3463,7 +3569,6 @@
               <a:rPr lang="en-US" sz="1600"/>
               <a:t>nhằm giải quyết vấn đề tạo một đối tượng mà không cần thiết chỉ ra một cách chính xác lớp nào sẽ được tạo. Factory method giải quyết vấn đề này bằng cách định nghĩa một phương thức cho việc tạo đối tượng, và các lớp con thừa kế có thể override để chỉ rõ đối tượng nào sẽ được tạo. Nói chung, "factory method" thường được áp dụng cho những phương thức mà nhiệm vụ chính của nó là tạo ra đối tượng.</a:t>
             </a:r>
-            <a:endParaRPr lang="en-US" sz="1600"/>
           </a:p>
           <a:p>
             <a:pPr>
@@ -3487,7 +3592,6 @@
               <a:rPr lang="en-US" sz="1600"/>
               <a:t> đưa ra 1 ý tưởng mới cho việc khởi tạo các instance phù hợp với mỗi request từ phía Client. Sử dụng Factory pattern sẽ có những ưu điểm sau:</a:t>
             </a:r>
-            <a:endParaRPr lang="en-US" sz="1600"/>
           </a:p>
           <a:p>
             <a:pPr>
@@ -3499,7 +3603,6 @@
               <a:rPr lang="en-US" sz="1600"/>
               <a:t>Tạo ra 1 cách mới trong việc khởi tạo cá Object thông qua 1 interface chung.</a:t>
             </a:r>
-            <a:endParaRPr lang="en-US" sz="1600"/>
           </a:p>
           <a:p>
             <a:pPr>
@@ -3511,7 +3614,6 @@
               <a:rPr lang="en-US" sz="1600"/>
               <a:t>Khởi tạo các Objects mà che giấu đi xử lí logic của việc khởi tạo đấy.</a:t>
             </a:r>
-            <a:endParaRPr lang="en-US" sz="1600"/>
           </a:p>
           <a:p>
             <a:pPr>
@@ -3523,7 +3625,6 @@
               <a:rPr lang="en-US" sz="1600"/>
               <a:t>Giảm sự phụ thuộc giữa các module, các logic với các class cụ thể, mà chỉ phụ thuộc vào interface.</a:t>
             </a:r>
-            <a:endParaRPr lang="en-US" sz="1600"/>
           </a:p>
         </p:txBody>
       </p:sp>
@@ -3532,14 +3633,703 @@
   <p:clrMapOvr>
     <a:masterClrMapping/>
   </p:clrMapOvr>
-  <mc:AlternateContent xmlns:mc="http://schemas.openxmlformats.org/markup-compatibility/2006">
-    <mc:Choice xmlns:p14="http://schemas.microsoft.com/office/powerpoint/2010/main" Requires="p14">
+  <mc:AlternateContent xmlns:mc="http://schemas.openxmlformats.org/markup-compatibility/2006" xmlns:p14="http://schemas.microsoft.com/office/powerpoint/2010/main">
+    <mc:Choice Requires="p14">
       <p:transition spd="slow" p14:dur="2000"/>
     </mc:Choice>
-    <mc:Fallback>
+    <mc:Fallback xmlns="">
       <p:transition spd="slow"/>
     </mc:Fallback>
   </mc:AlternateContent>
+  <p:timing>
+    <p:tnLst>
+      <p:par>
+        <p:cTn id="1" dur="indefinite" restart="never" nodeType="tmRoot"/>
+      </p:par>
+    </p:tnLst>
+  </p:timing>
+</p:sld>
+</file>
+
+<file path=ppt/slides/slide17.xml><?xml version="1.0" encoding="utf-8"?>
+<p:sld xmlns:a="http://schemas.openxmlformats.org/drawingml/2006/main" xmlns:r="http://schemas.openxmlformats.org/officeDocument/2006/relationships" xmlns:p="http://schemas.openxmlformats.org/presentationml/2006/main">
+  <p:cSld>
+    <p:spTree>
+      <p:nvGrpSpPr>
+        <p:cNvPr id="1" name=""/>
+        <p:cNvGrpSpPr/>
+        <p:nvPr/>
+      </p:nvGrpSpPr>
+      <p:grpSpPr>
+        <a:xfrm>
+          <a:off x="0" y="0"/>
+          <a:ext cx="0" cy="0"/>
+          <a:chOff x="0" y="0"/>
+          <a:chExt cx="0" cy="0"/>
+        </a:xfrm>
+      </p:grpSpPr>
+      <p:sp>
+        <p:nvSpPr>
+          <p:cNvPr id="81" name="TextShape 1"/>
+          <p:cNvSpPr txBox="1"/>
+          <p:nvPr/>
+        </p:nvSpPr>
+        <p:spPr>
+          <a:xfrm>
+            <a:off x="504000" y="343080"/>
+            <a:ext cx="9071640" cy="712439"/>
+          </a:xfrm>
+          <a:prstGeom prst="rect">
+            <a:avLst/>
+          </a:prstGeom>
+          <a:noFill/>
+          <a:ln>
+            <a:noFill/>
+          </a:ln>
+        </p:spPr>
+        <p:txBody>
+          <a:bodyPr lIns="0" tIns="0" rIns="0" bIns="0" anchor="ctr">
+            <a:spAutoFit/>
+          </a:bodyPr>
+          <a:lstStyle/>
+          <a:p>
+            <a:pPr indent="0" algn="ctr">
+              <a:lnSpc>
+                <a:spcPct val="115000"/>
+              </a:lnSpc>
+              <a:spcBef>
+                <a:spcPts val="580"/>
+              </a:spcBef>
+              <a:spcAft>
+                <a:spcPts val="580"/>
+              </a:spcAft>
+              <a:buClr>
+                <a:srgbClr val="000000"/>
+              </a:buClr>
+              <a:buSzPct val="45000"/>
+              <a:buFont typeface="Wingdings" panose="05000000000000000000" pitchFamily="2" charset="2"/>
+              <a:buNone/>
+            </a:pPr>
+            <a:r>
+              <a:rPr lang="en-US" sz="4400" b="1" spc="-1" dirty="0"/>
+              <a:t>Serialization</a:t>
+            </a:r>
+            <a:endParaRPr lang="en-US" sz="4400" b="1" strike="noStrike" spc="-1" dirty="0">
+              <a:latin typeface="Arial" panose="020B0604020202020204"/>
+            </a:endParaRPr>
+          </a:p>
+        </p:txBody>
+      </p:sp>
+      <p:sp>
+        <p:nvSpPr>
+          <p:cNvPr id="2" name="Text Box 1"/>
+          <p:cNvSpPr txBox="1"/>
+          <p:nvPr/>
+        </p:nvSpPr>
+        <p:spPr>
+          <a:xfrm>
+            <a:off x="919480" y="1355090"/>
+            <a:ext cx="7607300" cy="5016758"/>
+          </a:xfrm>
+          <a:prstGeom prst="rect">
+            <a:avLst/>
+          </a:prstGeom>
+          <a:noFill/>
+        </p:spPr>
+        <p:txBody>
+          <a:bodyPr wrap="square" rtlCol="0" anchor="t">
+            <a:spAutoFit/>
+          </a:bodyPr>
+          <a:lstStyle/>
+          <a:p>
+            <a:pPr fontAlgn="base"/>
+            <a:r>
+              <a:rPr lang="vi-VN" sz="1600" b="1" dirty="0"/>
+              <a:t>Serialization</a:t>
+            </a:r>
+            <a:r>
+              <a:rPr lang="vi-VN" sz="1600" dirty="0"/>
+              <a:t> trong Java là cơ chế chuyển đổi trạng thái của một đối tượng (giá trị các thuộc tính trong object) thành một </a:t>
+            </a:r>
+            <a:r>
+              <a:rPr lang="en-US" sz="1600" dirty="0"/>
+              <a:t>B</a:t>
+            </a:r>
+            <a:r>
+              <a:rPr lang="vi-VN" sz="1600" dirty="0" smtClean="0"/>
+              <a:t>yte</a:t>
+            </a:r>
+            <a:r>
+              <a:rPr lang="en-US" sz="1600" dirty="0" smtClean="0"/>
+              <a:t>Stream</a:t>
+            </a:r>
+            <a:r>
+              <a:rPr lang="vi-VN" sz="1600" dirty="0" smtClean="0"/>
+              <a:t> </a:t>
+            </a:r>
+            <a:r>
+              <a:rPr lang="vi-VN" sz="1600" dirty="0"/>
+              <a:t>sao cho </a:t>
+            </a:r>
+            <a:r>
+              <a:rPr lang="en-US" sz="1600" dirty="0"/>
+              <a:t>B</a:t>
+            </a:r>
+            <a:r>
+              <a:rPr lang="vi-VN" sz="1600" dirty="0"/>
+              <a:t>yte</a:t>
+            </a:r>
+            <a:r>
+              <a:rPr lang="en-US" sz="1600" dirty="0"/>
+              <a:t>Stream</a:t>
+            </a:r>
+            <a:r>
+              <a:rPr lang="vi-VN" sz="1600" dirty="0" smtClean="0"/>
+              <a:t> </a:t>
+            </a:r>
+            <a:r>
+              <a:rPr lang="vi-VN" sz="1600" dirty="0"/>
+              <a:t>này có thể chuyển đổi ngược lại thành một đối tượng.</a:t>
+            </a:r>
+          </a:p>
+          <a:p>
+            <a:pPr fontAlgn="base"/>
+            <a:r>
+              <a:rPr lang="vi-VN" sz="1600" dirty="0"/>
+              <a:t>Quá trình chuyển đổi chuỗi byte thành đối tượng gọi là </a:t>
+            </a:r>
+            <a:r>
+              <a:rPr lang="vi-VN" sz="1600" dirty="0" smtClean="0"/>
+              <a:t>deserialization</a:t>
+            </a:r>
+            <a:endParaRPr lang="en-US" sz="1600" dirty="0" smtClean="0"/>
+          </a:p>
+          <a:p>
+            <a:pPr fontAlgn="base"/>
+            <a:endParaRPr lang="en-US" sz="1600" dirty="0"/>
+          </a:p>
+          <a:p>
+            <a:pPr fontAlgn="base"/>
+            <a:r>
+              <a:rPr lang="vi-VN" sz="1600" dirty="0"/>
+              <a:t>private static final long </a:t>
+            </a:r>
+            <a:r>
+              <a:rPr lang="vi-VN" sz="1600" b="1" dirty="0"/>
+              <a:t>serialVersionUID</a:t>
+            </a:r>
+            <a:r>
+              <a:rPr lang="vi-VN" sz="1600" dirty="0"/>
+              <a:t> = 1L; để đảm bảo chắc chắn rằng đối tượng trước và sau khi serialization là một</a:t>
+            </a:r>
+          </a:p>
+          <a:p>
+            <a:pPr fontAlgn="base"/>
+            <a:endParaRPr lang="en-US" sz="1600" dirty="0" smtClean="0"/>
+          </a:p>
+          <a:p>
+            <a:pPr fontAlgn="base"/>
+            <a:r>
+              <a:rPr lang="vi-VN" sz="1600" b="1" dirty="0"/>
+              <a:t>Một số lưu ý về Serialization trong Java</a:t>
+            </a:r>
+          </a:p>
+          <a:p>
+            <a:pPr fontAlgn="base"/>
+            <a:r>
+              <a:rPr lang="vi-VN" sz="1600" dirty="0"/>
+              <a:t>Nếu class cha implement Serializable thì các class con không cần thực hiện implement Serializablenữa</a:t>
+            </a:r>
+          </a:p>
+          <a:p>
+            <a:pPr fontAlgn="base"/>
+            <a:r>
+              <a:rPr lang="vi-VN" sz="1600" dirty="0"/>
+              <a:t>Các thuộc tính static và transient sẽ không được serialization</a:t>
+            </a:r>
+          </a:p>
+          <a:p>
+            <a:pPr fontAlgn="base"/>
+            <a:r>
+              <a:rPr lang="vi-VN" sz="1600" dirty="0"/>
+              <a:t>Hàm khởi tạo (constructor) sẽ không được gọi khi một đối tượng được deserialization</a:t>
+            </a:r>
+          </a:p>
+          <a:p>
+            <a:pPr fontAlgn="base"/>
+            <a:r>
+              <a:rPr lang="vi-VN" sz="1600" dirty="0"/>
+              <a:t>Khi thực hiện serialization một đối tượng thì tất cả các thuộc tính bên trong nó đều phải là serializable (áp dụng với các thuộc tính có kiểu đối tượng, ví dụ object Person có thuộc tính Address thì thuộc tính Address đó cũng phải implement Serializable nếu không sẽ bị lỗi java.io.NotSerializableException khi thực hiện serialization đối tượng person).</a:t>
+            </a:r>
+          </a:p>
+          <a:p>
+            <a:pPr fontAlgn="base"/>
+            <a:endParaRPr lang="vi-VN" sz="1600" dirty="0"/>
+          </a:p>
+        </p:txBody>
+      </p:sp>
+    </p:spTree>
+    <p:extLst>
+      <p:ext uri="{BB962C8B-B14F-4D97-AF65-F5344CB8AC3E}">
+        <p14:creationId xmlns:p14="http://schemas.microsoft.com/office/powerpoint/2010/main" val="1159081393"/>
+      </p:ext>
+    </p:extLst>
+  </p:cSld>
+  <p:clrMapOvr>
+    <a:masterClrMapping/>
+  </p:clrMapOvr>
+  <mc:AlternateContent xmlns:mc="http://schemas.openxmlformats.org/markup-compatibility/2006" xmlns:p14="http://schemas.microsoft.com/office/powerpoint/2010/main">
+    <mc:Choice Requires="p14">
+      <p:transition spd="slow" p14:dur="2000"/>
+    </mc:Choice>
+    <mc:Fallback xmlns="">
+      <p:transition spd="slow"/>
+    </mc:Fallback>
+  </mc:AlternateContent>
+  <p:timing>
+    <p:tnLst>
+      <p:par>
+        <p:cTn id="1" dur="indefinite" restart="never" nodeType="tmRoot"/>
+      </p:par>
+    </p:tnLst>
+  </p:timing>
+</p:sld>
+</file>
+
+<file path=ppt/slides/slide18.xml><?xml version="1.0" encoding="utf-8"?>
+<p:sld xmlns:a="http://schemas.openxmlformats.org/drawingml/2006/main" xmlns:r="http://schemas.openxmlformats.org/officeDocument/2006/relationships" xmlns:p="http://schemas.openxmlformats.org/presentationml/2006/main">
+  <p:cSld>
+    <p:spTree>
+      <p:nvGrpSpPr>
+        <p:cNvPr id="1" name=""/>
+        <p:cNvGrpSpPr/>
+        <p:nvPr/>
+      </p:nvGrpSpPr>
+      <p:grpSpPr>
+        <a:xfrm>
+          <a:off x="0" y="0"/>
+          <a:ext cx="0" cy="0"/>
+          <a:chOff x="0" y="0"/>
+          <a:chExt cx="0" cy="0"/>
+        </a:xfrm>
+      </p:grpSpPr>
+      <p:sp>
+        <p:nvSpPr>
+          <p:cNvPr id="81" name="TextShape 1"/>
+          <p:cNvSpPr txBox="1"/>
+          <p:nvPr/>
+        </p:nvSpPr>
+        <p:spPr>
+          <a:xfrm>
+            <a:off x="504000" y="343080"/>
+            <a:ext cx="9071640" cy="712439"/>
+          </a:xfrm>
+          <a:prstGeom prst="rect">
+            <a:avLst/>
+          </a:prstGeom>
+          <a:noFill/>
+          <a:ln>
+            <a:noFill/>
+          </a:ln>
+        </p:spPr>
+        <p:txBody>
+          <a:bodyPr lIns="0" tIns="0" rIns="0" bIns="0" anchor="ctr">
+            <a:spAutoFit/>
+          </a:bodyPr>
+          <a:lstStyle/>
+          <a:p>
+            <a:pPr indent="0" algn="ctr">
+              <a:lnSpc>
+                <a:spcPct val="115000"/>
+              </a:lnSpc>
+              <a:spcBef>
+                <a:spcPts val="580"/>
+              </a:spcBef>
+              <a:spcAft>
+                <a:spcPts val="580"/>
+              </a:spcAft>
+              <a:buClr>
+                <a:srgbClr val="000000"/>
+              </a:buClr>
+              <a:buSzPct val="45000"/>
+              <a:buFont typeface="Wingdings" panose="05000000000000000000" pitchFamily="2" charset="2"/>
+              <a:buNone/>
+            </a:pPr>
+            <a:r>
+              <a:rPr lang="en-US" sz="4400" b="1" spc="-1" dirty="0" smtClean="0"/>
+              <a:t>Static, Final</a:t>
+            </a:r>
+            <a:endParaRPr lang="en-US" sz="4400" b="1" strike="noStrike" spc="-1" dirty="0">
+              <a:latin typeface="Arial" panose="020B0604020202020204"/>
+            </a:endParaRPr>
+          </a:p>
+        </p:txBody>
+      </p:sp>
+      <p:sp>
+        <p:nvSpPr>
+          <p:cNvPr id="2" name="Text Box 1"/>
+          <p:cNvSpPr txBox="1"/>
+          <p:nvPr/>
+        </p:nvSpPr>
+        <p:spPr>
+          <a:xfrm>
+            <a:off x="919480" y="1355090"/>
+            <a:ext cx="7607300" cy="3785652"/>
+          </a:xfrm>
+          <a:prstGeom prst="rect">
+            <a:avLst/>
+          </a:prstGeom>
+          <a:noFill/>
+        </p:spPr>
+        <p:txBody>
+          <a:bodyPr wrap="square" rtlCol="0" anchor="t">
+            <a:spAutoFit/>
+          </a:bodyPr>
+          <a:lstStyle/>
+          <a:p>
+            <a:r>
+              <a:rPr lang="vi-VN" sz="1600" dirty="0"/>
+              <a:t>Trong Java, từ khóa </a:t>
+            </a:r>
+            <a:r>
+              <a:rPr lang="vi-VN" sz="1600" b="1" dirty="0"/>
+              <a:t>static</a:t>
+            </a:r>
+            <a:r>
+              <a:rPr lang="vi-VN" sz="1600" dirty="0"/>
+              <a:t> được sử dụng để quản lý bộ nhớ tốt hơn và nó có thể được truy cập trực tiếp thông qua lớp mà không cần khởi tạo.</a:t>
+            </a:r>
+          </a:p>
+          <a:p>
+            <a:r>
+              <a:rPr lang="vi-VN" sz="1600" dirty="0"/>
+              <a:t>Từ khóa static thuộc về lớp chứ không thuộc về instance (thể hiện) của lớp</a:t>
+            </a:r>
+            <a:r>
+              <a:rPr lang="vi-VN" sz="1600" dirty="0" smtClean="0"/>
+              <a:t>.</a:t>
+            </a:r>
+            <a:endParaRPr lang="en-US" sz="1600" dirty="0" smtClean="0"/>
+          </a:p>
+          <a:p>
+            <a:endParaRPr lang="en-US" sz="1600" dirty="0"/>
+          </a:p>
+          <a:p>
+            <a:r>
+              <a:rPr lang="vi-VN" sz="1600" dirty="0"/>
+              <a:t>Đặc điểm của </a:t>
+            </a:r>
+            <a:r>
+              <a:rPr lang="en-US" sz="1600" dirty="0" smtClean="0"/>
+              <a:t>static</a:t>
+            </a:r>
+            <a:r>
+              <a:rPr lang="vi-VN" sz="1600" dirty="0" smtClean="0"/>
+              <a:t>:</a:t>
+            </a:r>
+            <a:endParaRPr lang="vi-VN" sz="1600" dirty="0"/>
+          </a:p>
+          <a:p>
+            <a:r>
+              <a:rPr lang="vi-VN" sz="1600" dirty="0"/>
+              <a:t>Được khởi tạo </a:t>
+            </a:r>
+            <a:r>
+              <a:rPr lang="vi-VN" sz="1600" b="1" dirty="0"/>
+              <a:t>1 lần duy nhất </a:t>
+            </a:r>
+            <a:r>
+              <a:rPr lang="vi-VN" sz="1600" dirty="0"/>
+              <a:t>ngay khi biên dịch chương trình.</a:t>
+            </a:r>
+          </a:p>
+          <a:p>
+            <a:r>
+              <a:rPr lang="vi-VN" sz="1600" dirty="0"/>
+              <a:t>Có thể </a:t>
+            </a:r>
+            <a:r>
+              <a:rPr lang="vi-VN" sz="1600" b="1" dirty="0"/>
+              <a:t>dùng chung</a:t>
+            </a:r>
+            <a:r>
+              <a:rPr lang="vi-VN" sz="1600" dirty="0"/>
+              <a:t> cho mọi đối tượng.</a:t>
+            </a:r>
+          </a:p>
+          <a:p>
+            <a:r>
+              <a:rPr lang="vi-VN" sz="1600" b="1" dirty="0"/>
+              <a:t>Được gọi thông qua tên lớp</a:t>
+            </a:r>
+            <a:r>
+              <a:rPr lang="vi-VN" sz="1600" dirty="0"/>
+              <a:t>.</a:t>
+            </a:r>
+          </a:p>
+          <a:p>
+            <a:r>
+              <a:rPr lang="vi-VN" sz="1600" dirty="0"/>
+              <a:t>Được </a:t>
+            </a:r>
+            <a:r>
+              <a:rPr lang="vi-VN" sz="1600" b="1" dirty="0"/>
+              <a:t>huỷ khi kết thúc</a:t>
+            </a:r>
+            <a:r>
+              <a:rPr lang="vi-VN" sz="1600" dirty="0"/>
+              <a:t> chương trình.</a:t>
+            </a:r>
+          </a:p>
+          <a:p>
+            <a:endParaRPr lang="en-US" sz="1600" dirty="0"/>
+          </a:p>
+          <a:p>
+            <a:r>
+              <a:rPr lang="vi-VN" sz="1600" dirty="0"/>
+              <a:t>Lớp static (static class)</a:t>
+            </a:r>
+          </a:p>
+          <a:p>
+            <a:r>
+              <a:rPr lang="vi-VN" sz="1600" dirty="0"/>
+              <a:t>Một class được có thể được đặt là static chỉ khi nó là một </a:t>
+            </a:r>
+            <a:r>
+              <a:rPr lang="vi-VN" sz="1600" b="1" dirty="0"/>
+              <a:t>nested class</a:t>
+            </a:r>
+            <a:r>
+              <a:rPr lang="vi-VN" sz="1600" dirty="0"/>
+              <a:t> (tức nằm trong một lớp khác). Một </a:t>
+            </a:r>
+            <a:r>
+              <a:rPr lang="vi-VN" sz="1600" b="1" dirty="0"/>
+              <a:t>nested static class</a:t>
+            </a:r>
+            <a:r>
+              <a:rPr lang="vi-VN" sz="1600" dirty="0"/>
+              <a:t> có thể được truy cập mà không cần một object của </a:t>
+            </a:r>
+            <a:r>
+              <a:rPr lang="vi-VN" sz="1600" b="1" dirty="0"/>
+              <a:t>outer class</a:t>
+            </a:r>
+            <a:r>
+              <a:rPr lang="vi-VN" sz="1600" dirty="0"/>
+              <a:t> (lớp bên ngoài).</a:t>
+            </a:r>
+          </a:p>
+          <a:p>
+            <a:endParaRPr lang="vi-VN" sz="1600" dirty="0"/>
+          </a:p>
+        </p:txBody>
+      </p:sp>
+    </p:spTree>
+    <p:extLst>
+      <p:ext uri="{BB962C8B-B14F-4D97-AF65-F5344CB8AC3E}">
+        <p14:creationId xmlns:p14="http://schemas.microsoft.com/office/powerpoint/2010/main" val="2978967617"/>
+      </p:ext>
+    </p:extLst>
+  </p:cSld>
+  <p:clrMapOvr>
+    <a:masterClrMapping/>
+  </p:clrMapOvr>
+  <mc:AlternateContent xmlns:mc="http://schemas.openxmlformats.org/markup-compatibility/2006" xmlns:p14="http://schemas.microsoft.com/office/powerpoint/2010/main">
+    <mc:Choice Requires="p14">
+      <p:transition spd="slow" p14:dur="2000"/>
+    </mc:Choice>
+    <mc:Fallback xmlns="">
+      <p:transition spd="slow"/>
+    </mc:Fallback>
+  </mc:AlternateContent>
+  <p:timing>
+    <p:tnLst>
+      <p:par>
+        <p:cTn id="1" dur="indefinite" restart="never" nodeType="tmRoot"/>
+      </p:par>
+    </p:tnLst>
+  </p:timing>
+</p:sld>
+</file>
+
+<file path=ppt/slides/slide19.xml><?xml version="1.0" encoding="utf-8"?>
+<p:sld xmlns:a="http://schemas.openxmlformats.org/drawingml/2006/main" xmlns:r="http://schemas.openxmlformats.org/officeDocument/2006/relationships" xmlns:p="http://schemas.openxmlformats.org/presentationml/2006/main">
+  <p:cSld>
+    <p:spTree>
+      <p:nvGrpSpPr>
+        <p:cNvPr id="1" name=""/>
+        <p:cNvGrpSpPr/>
+        <p:nvPr/>
+      </p:nvGrpSpPr>
+      <p:grpSpPr>
+        <a:xfrm>
+          <a:off x="0" y="0"/>
+          <a:ext cx="0" cy="0"/>
+          <a:chOff x="0" y="0"/>
+          <a:chExt cx="0" cy="0"/>
+        </a:xfrm>
+      </p:grpSpPr>
+      <p:sp>
+        <p:nvSpPr>
+          <p:cNvPr id="81" name="TextShape 1"/>
+          <p:cNvSpPr txBox="1"/>
+          <p:nvPr/>
+        </p:nvSpPr>
+        <p:spPr>
+          <a:xfrm>
+            <a:off x="504000" y="343080"/>
+            <a:ext cx="9071640" cy="712439"/>
+          </a:xfrm>
+          <a:prstGeom prst="rect">
+            <a:avLst/>
+          </a:prstGeom>
+          <a:noFill/>
+          <a:ln>
+            <a:noFill/>
+          </a:ln>
+        </p:spPr>
+        <p:txBody>
+          <a:bodyPr lIns="0" tIns="0" rIns="0" bIns="0" anchor="ctr">
+            <a:spAutoFit/>
+          </a:bodyPr>
+          <a:lstStyle/>
+          <a:p>
+            <a:pPr indent="0" algn="ctr">
+              <a:lnSpc>
+                <a:spcPct val="115000"/>
+              </a:lnSpc>
+              <a:spcBef>
+                <a:spcPts val="580"/>
+              </a:spcBef>
+              <a:spcAft>
+                <a:spcPts val="580"/>
+              </a:spcAft>
+              <a:buClr>
+                <a:srgbClr val="000000"/>
+              </a:buClr>
+              <a:buSzPct val="45000"/>
+              <a:buFont typeface="Wingdings" panose="05000000000000000000" pitchFamily="2" charset="2"/>
+              <a:buNone/>
+            </a:pPr>
+            <a:r>
+              <a:rPr lang="en-US" sz="4400" b="1" spc="-1" dirty="0" smtClean="0"/>
+              <a:t>Static, Final</a:t>
+            </a:r>
+            <a:endParaRPr lang="en-US" sz="4400" b="1" strike="noStrike" spc="-1" dirty="0">
+              <a:latin typeface="Arial" panose="020B0604020202020204"/>
+            </a:endParaRPr>
+          </a:p>
+        </p:txBody>
+      </p:sp>
+      <p:sp>
+        <p:nvSpPr>
+          <p:cNvPr id="2" name="Text Box 1"/>
+          <p:cNvSpPr txBox="1"/>
+          <p:nvPr/>
+        </p:nvSpPr>
+        <p:spPr>
+          <a:xfrm>
+            <a:off x="919480" y="1355090"/>
+            <a:ext cx="7607300" cy="2554545"/>
+          </a:xfrm>
+          <a:prstGeom prst="rect">
+            <a:avLst/>
+          </a:prstGeom>
+          <a:noFill/>
+        </p:spPr>
+        <p:txBody>
+          <a:bodyPr wrap="square" rtlCol="0" anchor="t">
+            <a:spAutoFit/>
+          </a:bodyPr>
+          <a:lstStyle/>
+          <a:p>
+            <a:r>
+              <a:rPr lang="vi-VN" sz="1600" dirty="0"/>
+              <a:t>Từ khóa final trong Java được sử dụng để hạn chế thao tác của người dùng.</a:t>
+            </a:r>
+          </a:p>
+          <a:p>
+            <a:r>
+              <a:rPr lang="vi-VN" sz="1600" dirty="0"/>
+              <a:t>Các trường hợp sử dụng:</a:t>
+            </a:r>
+          </a:p>
+          <a:p>
+            <a:r>
+              <a:rPr lang="vi-VN" sz="1600" b="1" dirty="0"/>
+              <a:t>Biến final</a:t>
+            </a:r>
+            <a:r>
+              <a:rPr lang="vi-VN" sz="1600" dirty="0"/>
+              <a:t>: khi một biến được khai báo với từ khoá final, nó chỉ chứa một giá trị duy nhất trong toàn bộ chương trình (hay dễ hiểu hơn gọi là </a:t>
+            </a:r>
+            <a:r>
+              <a:rPr lang="vi-VN" sz="1600" b="1" dirty="0"/>
+              <a:t>biến hằng</a:t>
+            </a:r>
+            <a:r>
+              <a:rPr lang="vi-VN" sz="1600" dirty="0"/>
+              <a:t>).</a:t>
+            </a:r>
+          </a:p>
+          <a:p>
+            <a:r>
+              <a:rPr lang="vi-VN" sz="1600" b="1" dirty="0"/>
+              <a:t>Phương thức final</a:t>
+            </a:r>
+            <a:r>
+              <a:rPr lang="vi-VN" sz="1600" dirty="0"/>
+              <a:t>: khi một phương thức được khai báo với từ khoá final, các class con kế thừa sẽ không thể ghi đè (override) phương thức này.</a:t>
+            </a:r>
+          </a:p>
+          <a:p>
+            <a:r>
+              <a:rPr lang="vi-VN" sz="1600" b="1" dirty="0"/>
+              <a:t>Lớp final</a:t>
+            </a:r>
+            <a:r>
+              <a:rPr lang="vi-VN" sz="1600" dirty="0"/>
+              <a:t>: khi từ khoá final sử dụng cho một lớp, lớp này sẽ không thể được kế thừa.</a:t>
+            </a:r>
+          </a:p>
+          <a:p>
+            <a:r>
+              <a:rPr lang="vi-VN" sz="1600" b="1" dirty="0"/>
+              <a:t>Biến static final trống</a:t>
+            </a:r>
+            <a:r>
+              <a:rPr lang="vi-VN" sz="1600" dirty="0"/>
+              <a:t>: Một biến final mà không được khởi tạo tại thời điểm khai báo được gọi là biến final trống.</a:t>
+            </a:r>
+          </a:p>
+        </p:txBody>
+      </p:sp>
+    </p:spTree>
+    <p:extLst>
+      <p:ext uri="{BB962C8B-B14F-4D97-AF65-F5344CB8AC3E}">
+        <p14:creationId xmlns:p14="http://schemas.microsoft.com/office/powerpoint/2010/main" val="2343487513"/>
+      </p:ext>
+    </p:extLst>
+  </p:cSld>
+  <p:clrMapOvr>
+    <a:masterClrMapping/>
+  </p:clrMapOvr>
+  <mc:AlternateContent xmlns:mc="http://schemas.openxmlformats.org/markup-compatibility/2006" xmlns:p14="http://schemas.microsoft.com/office/powerpoint/2010/main">
+    <mc:Choice Requires="p14">
+      <p:transition spd="slow" p14:dur="2000"/>
+    </mc:Choice>
+    <mc:Fallback xmlns="">
+      <p:transition spd="slow"/>
+    </mc:Fallback>
+  </mc:AlternateContent>
+  <p:timing>
+    <p:tnLst>
+      <p:par>
+        <p:cTn id="1" dur="indefinite" restart="never" nodeType="tmRoot"/>
+      </p:par>
+    </p:tnLst>
+  </p:timing>
 </p:sld>
 </file>
 
@@ -3583,6 +4373,7 @@
           <a:bodyPr lIns="0" tIns="0" rIns="0" bIns="0" anchor="ctr">
             <a:spAutoFit/>
           </a:bodyPr>
+          <a:lstStyle/>
           <a:p>
             <a:pPr indent="0" algn="ctr">
               <a:lnSpc>
@@ -3607,9 +4398,6 @@
               </a:rPr>
               <a:t>JDK, JRE, JVM</a:t>
             </a:r>
-            <a:endParaRPr lang="en-US" sz="2600" b="0" strike="noStrike" spc="-1">
-              <a:latin typeface="Arial" panose="020B0604020202020204"/>
-            </a:endParaRPr>
           </a:p>
         </p:txBody>
       </p:sp>
@@ -3636,6 +4424,7 @@
           <a:bodyPr lIns="90000" tIns="45000" rIns="90000" bIns="45000">
             <a:spAutoFit/>
           </a:bodyPr>
+          <a:lstStyle/>
           <a:p>
             <a:pPr marL="215900" indent="-215900">
               <a:lnSpc>
@@ -3660,6 +4449,25 @@
               </a:rPr>
               <a:t>JDK = JRE + Development/debugging tools</a:t>
             </a:r>
+          </a:p>
+          <a:p>
+            <a:pPr marL="215900" indent="-215900">
+              <a:lnSpc>
+                <a:spcPct val="115000"/>
+              </a:lnSpc>
+              <a:spcBef>
+                <a:spcPts val="580"/>
+              </a:spcBef>
+              <a:spcAft>
+                <a:spcPts val="580"/>
+              </a:spcAft>
+              <a:buClr>
+                <a:srgbClr val="000000"/>
+              </a:buClr>
+              <a:buSzPct val="45000"/>
+              <a:buFont typeface="Wingdings" panose="05000000000000000000" pitchFamily="2" charset="2"/>
+              <a:buChar char=""/>
+            </a:pPr>
             <a:endParaRPr lang="en-US" sz="2200" b="1" strike="noStrike" spc="-1">
               <a:latin typeface="Arial" panose="020B0604020202020204"/>
             </a:endParaRPr>
@@ -3682,6 +4490,31 @@
               <a:buFont typeface="Wingdings" panose="05000000000000000000" pitchFamily="2" charset="2"/>
               <a:buChar char=""/>
             </a:pPr>
+            <a:r>
+              <a:rPr lang="en-US" sz="2200" b="1" strike="noStrike" spc="-1">
+                <a:latin typeface="Arial" panose="020B0604020202020204"/>
+              </a:rPr>
+              <a:t>JRE = JVM + Java Packages Classes(like util, math, lang, awt,swing etc)+runtime libraries.</a:t>
+            </a:r>
+          </a:p>
+          <a:p>
+            <a:pPr marL="215900" indent="-215900">
+              <a:lnSpc>
+                <a:spcPct val="115000"/>
+              </a:lnSpc>
+              <a:spcBef>
+                <a:spcPts val="580"/>
+              </a:spcBef>
+              <a:spcAft>
+                <a:spcPts val="580"/>
+              </a:spcAft>
+              <a:buClr>
+                <a:srgbClr val="000000"/>
+              </a:buClr>
+              <a:buSzPct val="45000"/>
+              <a:buFont typeface="Wingdings" panose="05000000000000000000" pitchFamily="2" charset="2"/>
+              <a:buChar char=""/>
+            </a:pPr>
             <a:endParaRPr lang="en-US" sz="2200" b="1" strike="noStrike" spc="-1">
               <a:latin typeface="Arial" panose="020B0604020202020204"/>
             </a:endParaRPr>
@@ -3708,61 +4541,8 @@
               <a:rPr lang="en-US" sz="2200" b="1" strike="noStrike" spc="-1">
                 <a:latin typeface="Arial" panose="020B0604020202020204"/>
               </a:rPr>
-              <a:t>JRE = JVM + Java Packages Classes(like util, math, lang, awt,swing etc)+runtime libraries.</a:t>
-            </a:r>
-            <a:endParaRPr lang="en-US" sz="2200" b="1" strike="noStrike" spc="-1">
-              <a:latin typeface="Arial" panose="020B0604020202020204"/>
-            </a:endParaRPr>
-          </a:p>
-          <a:p>
-            <a:pPr marL="215900" indent="-215900">
-              <a:lnSpc>
-                <a:spcPct val="115000"/>
-              </a:lnSpc>
-              <a:spcBef>
-                <a:spcPts val="580"/>
-              </a:spcBef>
-              <a:spcAft>
-                <a:spcPts val="580"/>
-              </a:spcAft>
-              <a:buClr>
-                <a:srgbClr val="000000"/>
-              </a:buClr>
-              <a:buSzPct val="45000"/>
-              <a:buFont typeface="Wingdings" panose="05000000000000000000" pitchFamily="2" charset="2"/>
-              <a:buChar char=""/>
-            </a:pPr>
-            <a:endParaRPr lang="en-US" sz="2200" b="1" strike="noStrike" spc="-1">
-              <a:latin typeface="Arial" panose="020B0604020202020204"/>
-            </a:endParaRPr>
-          </a:p>
-          <a:p>
-            <a:pPr marL="215900" indent="-215900">
-              <a:lnSpc>
-                <a:spcPct val="115000"/>
-              </a:lnSpc>
-              <a:spcBef>
-                <a:spcPts val="580"/>
-              </a:spcBef>
-              <a:spcAft>
-                <a:spcPts val="580"/>
-              </a:spcAft>
-              <a:buClr>
-                <a:srgbClr val="000000"/>
-              </a:buClr>
-              <a:buSzPct val="45000"/>
-              <a:buFont typeface="Wingdings" panose="05000000000000000000" pitchFamily="2" charset="2"/>
-              <a:buChar char=""/>
-            </a:pPr>
-            <a:r>
-              <a:rPr lang="en-US" sz="2200" b="1" strike="noStrike" spc="-1">
-                <a:latin typeface="Arial" panose="020B0604020202020204"/>
-              </a:rPr>
               <a:t>JVM = Class loader system + runtime data area + Execution Engine.</a:t>
             </a:r>
-            <a:endParaRPr lang="en-US" sz="2200" b="1" strike="noStrike" spc="-1">
-              <a:latin typeface="Arial" panose="020B0604020202020204"/>
-            </a:endParaRPr>
           </a:p>
         </p:txBody>
       </p:sp>
@@ -3771,11 +4551,11 @@
   <p:clrMapOvr>
     <a:masterClrMapping/>
   </p:clrMapOvr>
-  <mc:AlternateContent xmlns:mc="http://schemas.openxmlformats.org/markup-compatibility/2006">
-    <mc:Choice xmlns:p14="http://schemas.microsoft.com/office/powerpoint/2010/main" Requires="p14">
+  <mc:AlternateContent xmlns:mc="http://schemas.openxmlformats.org/markup-compatibility/2006" xmlns:p14="http://schemas.microsoft.com/office/powerpoint/2010/main">
+    <mc:Choice Requires="p14">
       <p:transition spd="slow" p14:dur="2000"/>
     </mc:Choice>
-    <mc:Fallback>
+    <mc:Fallback xmlns="">
       <p:transition spd="slow"/>
     </mc:Fallback>
   </mc:AlternateContent>
@@ -3822,6 +4602,7 @@
           <a:bodyPr lIns="0" tIns="0" rIns="0" bIns="0" anchor="ctr">
             <a:spAutoFit/>
           </a:bodyPr>
+          <a:lstStyle/>
           <a:p>
             <a:pPr indent="0" algn="ctr">
               <a:lnSpc>
@@ -3875,6 +4656,7 @@
           <a:bodyPr lIns="90000" tIns="45000" rIns="90000" bIns="45000">
             <a:spAutoFit/>
           </a:bodyPr>
+          <a:lstStyle/>
           <a:p>
             <a:pPr marL="215900" indent="-215900">
               <a:lnSpc>
@@ -3927,9 +4709,6 @@
               </a:rPr>
               <a:t>Heap memory là bộ nhớ được sử dụng bởi Java Runtime để cấp phát bộ nhớ cho các đối tượng (object) và String.</a:t>
             </a:r>
-            <a:endParaRPr lang="en-US" sz="2200" b="0" strike="noStrike" spc="-1">
-              <a:latin typeface="Arial" panose="020B0604020202020204"/>
-            </a:endParaRPr>
           </a:p>
           <a:p>
             <a:pPr marL="215900" indent="-215900">
@@ -3955,9 +4734,6 @@
               </a:rPr>
               <a:t>Bất kỳ khi nào có một đối tượng được tạo, nó sẽ được tạo lưu ở bộ nhớ Heap.</a:t>
             </a:r>
-            <a:endParaRPr lang="en-US" sz="2200" b="0" strike="noStrike" spc="-1">
-              <a:latin typeface="Arial" panose="020B0604020202020204"/>
-            </a:endParaRPr>
           </a:p>
           <a:p>
             <a:pPr marL="215900" indent="-215900">
@@ -3983,9 +4759,6 @@
               </a:rPr>
               <a:t>Bộ dọn rác (Garbage Collection) chạy trên heap memory để giải phóng bộ nhớ được sử dụng bởi các đối tượng có bất kỳ tham chiếu nào.</a:t>
             </a:r>
-            <a:endParaRPr lang="en-US" sz="2200" b="0" strike="noStrike" spc="-1">
-              <a:latin typeface="Arial" panose="020B0604020202020204"/>
-            </a:endParaRPr>
           </a:p>
         </p:txBody>
       </p:sp>
@@ -3994,11 +4767,11 @@
   <p:clrMapOvr>
     <a:masterClrMapping/>
   </p:clrMapOvr>
-  <mc:AlternateContent xmlns:mc="http://schemas.openxmlformats.org/markup-compatibility/2006">
-    <mc:Choice xmlns:p14="http://schemas.microsoft.com/office/powerpoint/2010/main" Requires="p14">
+  <mc:AlternateContent xmlns:mc="http://schemas.openxmlformats.org/markup-compatibility/2006" xmlns:p14="http://schemas.microsoft.com/office/powerpoint/2010/main">
+    <mc:Choice Requires="p14">
       <p:transition spd="slow" p14:dur="2000"/>
     </mc:Choice>
-    <mc:Fallback>
+    <mc:Fallback xmlns="">
       <p:transition spd="slow"/>
     </mc:Fallback>
   </mc:AlternateContent>
@@ -4045,6 +4818,7 @@
           <a:bodyPr wrap="square" lIns="0" tIns="0" rIns="0" bIns="0" anchor="ctr">
             <a:spAutoFit/>
           </a:bodyPr>
+          <a:lstStyle/>
           <a:p>
             <a:pPr indent="0" algn="ctr">
               <a:lnSpc>
@@ -4098,6 +4872,7 @@
           <a:bodyPr wrap="square" lIns="90000" tIns="45000" rIns="90000" bIns="45000">
             <a:spAutoFit/>
           </a:bodyPr>
+          <a:lstStyle/>
           <a:p>
             <a:pPr indent="0">
               <a:lnSpc>
@@ -4150,9 +4925,6 @@
               </a:rPr>
               <a:t>Stack memory được sử dụng cho quá trình thực thi của mỗi thread.</a:t>
             </a:r>
-            <a:endParaRPr lang="en-US" sz="2200" b="0" strike="noStrike" spc="-1">
-              <a:latin typeface="Arial" panose="020B0604020202020204"/>
-            </a:endParaRPr>
           </a:p>
           <a:p>
             <a:pPr marL="215900" indent="-215900">
@@ -4178,9 +4950,6 @@
               </a:rPr>
               <a:t>Stack memory bao gồm các giá trị cụ thể của method: các biến local và các tham chiếu tới các đối tượng chứa ở trong heap memory được tham chiếu bởi method.</a:t>
             </a:r>
-            <a:endParaRPr lang="en-US" sz="2200" b="0" strike="noStrike" spc="-1">
-              <a:latin typeface="Arial" panose="020B0604020202020204"/>
-            </a:endParaRPr>
           </a:p>
           <a:p>
             <a:pPr marL="215900" indent="-215900">
@@ -4206,9 +4975,6 @@
               </a:rPr>
               <a:t>Stack memory được tham chiếu theo thứ tự LIFO (Last In First Out – vào cuối cùng thì ra đầu tiên). Tức là lưu trữ kiểu ngăn xếp (stack). Khi có một method được thực thi, một block được tạo ra trong stack memory để chứa các biến nguyên thủy local và các tham chiếu tới các object. Khi method kết thúc, block đó sẽ không còn được sử dụng và được phục vụ cho method tiếp theo.</a:t>
             </a:r>
-            <a:endParaRPr lang="en-US" sz="2200" b="0" strike="noStrike" spc="-1">
-              <a:latin typeface="Arial" panose="020B0604020202020204"/>
-            </a:endParaRPr>
           </a:p>
           <a:p>
             <a:pPr marL="215900" indent="-215900">
@@ -4234,9 +5000,6 @@
               </a:rPr>
               <a:t>Stack memory có kích thước rất nhỏ so với Heap memory.</a:t>
             </a:r>
-            <a:endParaRPr lang="en-US" sz="2200" b="0" strike="noStrike" spc="-1">
-              <a:latin typeface="Arial" panose="020B0604020202020204"/>
-            </a:endParaRPr>
           </a:p>
         </p:txBody>
       </p:sp>
@@ -4245,11 +5008,11 @@
   <p:clrMapOvr>
     <a:masterClrMapping/>
   </p:clrMapOvr>
-  <mc:AlternateContent xmlns:mc="http://schemas.openxmlformats.org/markup-compatibility/2006">
-    <mc:Choice xmlns:p14="http://schemas.microsoft.com/office/powerpoint/2010/main" Requires="p14">
+  <mc:AlternateContent xmlns:mc="http://schemas.openxmlformats.org/markup-compatibility/2006" xmlns:p14="http://schemas.microsoft.com/office/powerpoint/2010/main">
+    <mc:Choice Requires="p14">
       <p:transition spd="slow" p14:dur="2000"/>
     </mc:Choice>
-    <mc:Fallback>
+    <mc:Fallback xmlns="">
       <p:transition spd="slow"/>
     </mc:Fallback>
   </mc:AlternateContent>
@@ -4296,6 +5059,7 @@
           <a:bodyPr lIns="0" tIns="0" rIns="0" bIns="0" anchor="ctr">
             <a:spAutoFit/>
           </a:bodyPr>
+          <a:lstStyle/>
           <a:p>
             <a:pPr indent="0" algn="ctr">
               <a:lnSpc>
@@ -4349,6 +5113,7 @@
           <a:bodyPr lIns="90000" tIns="45000" rIns="90000" bIns="45000">
             <a:spAutoFit/>
           </a:bodyPr>
+          <a:lstStyle/>
           <a:p>
             <a:pPr indent="0">
               <a:lnSpc>
@@ -4408,7 +5173,7 @@
           <p:nvPr/>
         </p:nvPicPr>
         <p:blipFill>
-          <a:blip r:embed="rId1"/>
+          <a:blip r:embed="rId2"/>
           <a:stretch>
             <a:fillRect/>
           </a:stretch>
@@ -4431,11 +5196,11 @@
   <p:clrMapOvr>
     <a:masterClrMapping/>
   </p:clrMapOvr>
-  <mc:AlternateContent xmlns:mc="http://schemas.openxmlformats.org/markup-compatibility/2006">
-    <mc:Choice xmlns:p14="http://schemas.microsoft.com/office/powerpoint/2010/main" Requires="p14">
+  <mc:AlternateContent xmlns:mc="http://schemas.openxmlformats.org/markup-compatibility/2006" xmlns:p14="http://schemas.microsoft.com/office/powerpoint/2010/main">
+    <mc:Choice Requires="p14">
       <p:transition spd="slow" p14:dur="2000"/>
     </mc:Choice>
-    <mc:Fallback>
+    <mc:Fallback xmlns="">
       <p:transition spd="slow"/>
     </mc:Fallback>
   </mc:AlternateContent>
@@ -4482,6 +5247,7 @@
           <a:bodyPr lIns="0" tIns="0" rIns="0" bIns="0" anchor="ctr">
             <a:spAutoFit/>
           </a:bodyPr>
+          <a:lstStyle/>
           <a:p>
             <a:pPr indent="0" algn="ctr">
               <a:lnSpc>
@@ -4535,6 +5301,7 @@
           <a:bodyPr lIns="90000" tIns="45000" rIns="90000" bIns="45000">
             <a:spAutoFit/>
           </a:bodyPr>
+          <a:lstStyle/>
           <a:p>
             <a:pPr indent="0">
               <a:lnSpc>
@@ -4594,7 +5361,7 @@
           <p:nvPr/>
         </p:nvPicPr>
         <p:blipFill>
-          <a:blip r:embed="rId1"/>
+          <a:blip r:embed="rId2"/>
           <a:stretch>
             <a:fillRect/>
           </a:stretch>
@@ -4617,11 +5384,11 @@
   <p:clrMapOvr>
     <a:masterClrMapping/>
   </p:clrMapOvr>
-  <mc:AlternateContent xmlns:mc="http://schemas.openxmlformats.org/markup-compatibility/2006">
-    <mc:Choice xmlns:p14="http://schemas.microsoft.com/office/powerpoint/2010/main" Requires="p14">
+  <mc:AlternateContent xmlns:mc="http://schemas.openxmlformats.org/markup-compatibility/2006" xmlns:p14="http://schemas.microsoft.com/office/powerpoint/2010/main">
+    <mc:Choice Requires="p14">
       <p:transition spd="slow" p14:dur="2000"/>
     </mc:Choice>
-    <mc:Fallback>
+    <mc:Fallback xmlns="">
       <p:transition spd="slow"/>
     </mc:Fallback>
   </mc:AlternateContent>
@@ -4668,6 +5435,7 @@
           <a:bodyPr lIns="0" tIns="0" rIns="0" bIns="0" anchor="ctr">
             <a:spAutoFit/>
           </a:bodyPr>
+          <a:lstStyle/>
           <a:p>
             <a:pPr indent="0" algn="ctr">
               <a:lnSpc>
@@ -4721,6 +5489,7 @@
           <a:bodyPr lIns="90000" tIns="45000" rIns="90000" bIns="45000">
             <a:spAutoFit/>
           </a:bodyPr>
+          <a:lstStyle/>
           <a:p>
             <a:pPr marL="215900" indent="-215900">
               <a:lnSpc>
@@ -4751,9 +5520,6 @@
               </a:rPr>
               <a:t> được dùng để so sánh địa chỉ 2 đối tượng và giá trị của các biến primative (int, long, byte,..)</a:t>
             </a:r>
-            <a:endParaRPr lang="en-US" sz="2200" b="0" strike="noStrike" spc="-1">
-              <a:latin typeface="Arial" panose="020B0604020202020204"/>
-            </a:endParaRPr>
           </a:p>
           <a:p>
             <a:pPr marL="215900" indent="-215900">
@@ -4779,9 +5545,6 @@
               </a:rPr>
               <a:t>Đối với các biến primative thì khi so sánh ‘==’ nó sẽ so sánh giá trị của chúng, ví dụ int a=10, int b=10 thì a==b sẽ trả về giá trị true, hay String str1=”a” , str2=”abc” thì so sánh str1==str2 sẽ trả về false.</a:t>
             </a:r>
-            <a:endParaRPr lang="en-US" sz="2200" b="0" strike="noStrike" spc="-1">
-              <a:latin typeface="Arial" panose="020B0604020202020204"/>
-            </a:endParaRPr>
           </a:p>
           <a:p>
             <a:pPr marL="215900" indent="-215900">
@@ -4813,9 +5576,6 @@
               </a:rPr>
               <a:t>: được dùng để định nghĩa thế nào là 2 đối tượng trùng nhau, equals() chỉ áp dụng cho kiểu đối tượng, không áp dụng cho kiểu primative.</a:t>
             </a:r>
-            <a:endParaRPr lang="en-US" sz="2200" b="0" strike="noStrike" spc="-1">
-              <a:latin typeface="Arial" panose="020B0604020202020204"/>
-            </a:endParaRPr>
           </a:p>
           <a:p>
             <a:pPr marL="215900" indent="-215900">
@@ -4841,9 +5601,6 @@
               </a:rPr>
               <a:t>có thể hiểu là giá trị định danh cho 1 đối tượng, những đối tượng bằng nhau sẽ có hashCode bằng nhau còn hashCode bằng nhau thì chưa chắc 2 đối tượng đó đã bằng nhau.</a:t>
             </a:r>
-            <a:endParaRPr lang="en-US" sz="2200" b="0" strike="noStrike" spc="-1">
-              <a:latin typeface="Arial" panose="020B0604020202020204"/>
-            </a:endParaRPr>
           </a:p>
         </p:txBody>
       </p:sp>
@@ -4852,11 +5609,11 @@
   <p:clrMapOvr>
     <a:masterClrMapping/>
   </p:clrMapOvr>
-  <mc:AlternateContent xmlns:mc="http://schemas.openxmlformats.org/markup-compatibility/2006">
-    <mc:Choice xmlns:p14="http://schemas.microsoft.com/office/powerpoint/2010/main" Requires="p14">
+  <mc:AlternateContent xmlns:mc="http://schemas.openxmlformats.org/markup-compatibility/2006" xmlns:p14="http://schemas.microsoft.com/office/powerpoint/2010/main">
+    <mc:Choice Requires="p14">
       <p:transition spd="slow" p14:dur="2000"/>
     </mc:Choice>
-    <mc:Fallback>
+    <mc:Fallback xmlns="">
       <p:transition spd="slow"/>
     </mc:Fallback>
   </mc:AlternateContent>
@@ -4903,6 +5660,7 @@
           <a:bodyPr lIns="0" tIns="0" rIns="0" bIns="0" anchor="ctr">
             <a:spAutoFit/>
           </a:bodyPr>
+          <a:lstStyle/>
           <a:p>
             <a:pPr indent="0" algn="ctr">
               <a:lnSpc>
@@ -4956,6 +5714,7 @@
           <a:bodyPr lIns="90000" tIns="45000" rIns="90000" bIns="45000">
             <a:spAutoFit/>
           </a:bodyPr>
+          <a:lstStyle/>
           <a:p>
             <a:pPr marL="215900" indent="-215900">
               <a:lnSpc>
@@ -4980,9 +5739,6 @@
               </a:rPr>
               <a:t>trả về của đối tượng được tạo ra sẽ là mã băm của địa chỉ, như vậy chỉ những đối tượng nào có cùng địa chỉ thì mới có khả năng bằng nhau(chưa chắc đã bằng nhau), còn nếu khác địa chỉ thì chắc chắn sẽ khác nhau.</a:t>
             </a:r>
-            <a:endParaRPr lang="en-US" sz="2200" b="0" strike="noStrike" spc="-1">
-              <a:latin typeface="Arial" panose="020B0604020202020204"/>
-            </a:endParaRPr>
           </a:p>
         </p:txBody>
       </p:sp>
@@ -4991,11 +5747,11 @@
   <p:clrMapOvr>
     <a:masterClrMapping/>
   </p:clrMapOvr>
-  <mc:AlternateContent xmlns:mc="http://schemas.openxmlformats.org/markup-compatibility/2006">
-    <mc:Choice xmlns:p14="http://schemas.microsoft.com/office/powerpoint/2010/main" Requires="p14">
+  <mc:AlternateContent xmlns:mc="http://schemas.openxmlformats.org/markup-compatibility/2006" xmlns:p14="http://schemas.microsoft.com/office/powerpoint/2010/main">
+    <mc:Choice Requires="p14">
       <p:transition spd="slow" p14:dur="2000"/>
     </mc:Choice>
-    <mc:Fallback>
+    <mc:Fallback xmlns="">
       <p:transition spd="slow"/>
     </mc:Fallback>
   </mc:AlternateContent>
@@ -5042,6 +5798,7 @@
           <a:bodyPr lIns="0" tIns="0" rIns="0" bIns="0" anchor="ctr">
             <a:spAutoFit/>
           </a:bodyPr>
+          <a:lstStyle/>
           <a:p>
             <a:pPr indent="0" algn="ctr">
               <a:lnSpc>
@@ -5095,6 +5852,7 @@
           <a:bodyPr lIns="90000" tIns="45000" rIns="90000" bIns="45000">
             <a:spAutoFit/>
           </a:bodyPr>
+          <a:lstStyle/>
           <a:p>
             <a:pPr marL="215900" indent="-215900">
               <a:spcBef>
@@ -5128,9 +5886,6 @@
               </a:rPr>
               <a:t>” key:  Customer c1 = new Customer();</a:t>
             </a:r>
-            <a:endParaRPr lang="en-US" sz="1800" b="0" strike="noStrike" spc="-1">
-              <a:latin typeface="Arial" panose="020B0604020202020204"/>
-            </a:endParaRPr>
           </a:p>
           <a:p>
             <a:pPr marL="215900" indent="-215900">
@@ -5172,7 +5927,7 @@
           <p:nvPr/>
         </p:nvPicPr>
         <p:blipFill>
-          <a:blip r:embed="rId1"/>
+          <a:blip r:embed="rId2"/>
           <a:stretch>
             <a:fillRect/>
           </a:stretch>
@@ -5195,11 +5950,11 @@
   <p:clrMapOvr>
     <a:masterClrMapping/>
   </p:clrMapOvr>
-  <mc:AlternateContent xmlns:mc="http://schemas.openxmlformats.org/markup-compatibility/2006">
-    <mc:Choice xmlns:p14="http://schemas.microsoft.com/office/powerpoint/2010/main" Requires="p14">
+  <mc:AlternateContent xmlns:mc="http://schemas.openxmlformats.org/markup-compatibility/2006" xmlns:p14="http://schemas.microsoft.com/office/powerpoint/2010/main">
+    <mc:Choice Requires="p14">
       <p:transition spd="slow" p14:dur="2000"/>
     </mc:Choice>
-    <mc:Fallback>
+    <mc:Fallback xmlns="">
       <p:transition spd="slow"/>
     </mc:Fallback>
   </mc:AlternateContent>
@@ -5426,9 +6181,11 @@
       </a:bgFillStyleLst>
     </a:fmtScheme>
   </a:themeElements>
+  <a:objectDefaults/>
+  <a:extraClrSchemeLst/>
   <a:extLst>
     <a:ext uri="{05A4C25C-085E-4340-85A3-A5531E510DB2}">
-      <thm15:themeFamily xmlns:thm15="http://schemas.microsoft.com/office/thememl/2012/main" name="Office Theme" id="{62F939B6-93AF-4DB8-9C6B-D6C7DFDC589F}" vid="{4A3C46E8-61CC-4603-A589-7422A47A8E4A}"/>
+      <thm15:themeFamily xmlns:thm15="http://schemas.microsoft.com/office/thememl/2012/main" xmlns="" name="Office Theme" id="{62F939B6-93AF-4DB8-9C6B-D6C7DFDC589F}" vid="{4A3C46E8-61CC-4603-A589-7422A47A8E4A}"/>
     </a:ext>
   </a:extLst>
 </a:theme>

--- a/JavaCore.pptx
+++ b/JavaCore.pptx
@@ -24,6 +24,8 @@
     <p:sldId id="292" r:id="rId18"/>
     <p:sldId id="293" r:id="rId19"/>
     <p:sldId id="294" r:id="rId20"/>
+    <p:sldId id="295" r:id="rId21"/>
+    <p:sldId id="296" r:id="rId22"/>
   </p:sldIdLst>
   <p:sldSz cx="10080625" cy="7559675"/>
   <p:notesSz cx="7772400" cy="10058400"/>
@@ -1959,7 +1961,7 @@
         <p:spPr>
           <a:xfrm>
             <a:off x="715680" y="1371600"/>
-            <a:ext cx="8859960" cy="6998924"/>
+            <a:ext cx="8859960" cy="6031480"/>
           </a:xfrm>
           <a:prstGeom prst="rect">
             <a:avLst/>
@@ -1993,7 +1995,7 @@
               <a:buChar char=""/>
             </a:pPr>
             <a:r>
-              <a:rPr lang="en-US" sz="2200" b="0" strike="noStrike" spc="-1" dirty="0">
+              <a:rPr lang="en-US" sz="1600" b="0" strike="noStrike" spc="-1" dirty="0">
                 <a:latin typeface="Arial" panose="020B0604020202020204"/>
               </a:rPr>
               <a:t>JDK, JRE, JVM</a:t>
@@ -2018,19 +2020,19 @@
               <a:buChar char=""/>
             </a:pPr>
             <a:r>
-              <a:rPr lang="en-US" sz="2200" b="0" strike="noStrike" spc="-1" dirty="0">
+              <a:rPr lang="en-US" sz="1600" b="0" strike="noStrike" spc="-1" dirty="0">
                 <a:latin typeface="Arial" panose="020B0604020202020204"/>
               </a:rPr>
               <a:t>Heap memory </a:t>
             </a:r>
             <a:r>
-              <a:rPr lang="en-US" sz="2200" b="0" strike="noStrike" spc="-1" dirty="0" err="1">
+              <a:rPr lang="en-US" sz="1600" b="0" strike="noStrike" spc="-1" dirty="0" err="1">
                 <a:latin typeface="Arial" panose="020B0604020202020204"/>
               </a:rPr>
               <a:t>vs</a:t>
             </a:r>
             <a:r>
-              <a:rPr lang="en-US" sz="2200" b="0" strike="noStrike" spc="-1" dirty="0">
+              <a:rPr lang="en-US" sz="1600" b="0" strike="noStrike" spc="-1" dirty="0">
                 <a:latin typeface="Arial" panose="020B0604020202020204"/>
               </a:rPr>
               <a:t> Stack memory</a:t>
@@ -2055,25 +2057,25 @@
               <a:buChar char=""/>
             </a:pPr>
             <a:r>
-              <a:rPr lang="en-US" sz="2200" b="0" strike="noStrike" spc="-1" dirty="0" err="1">
+              <a:rPr lang="en-US" sz="1600" b="0" strike="noStrike" spc="-1" dirty="0" err="1">
                 <a:latin typeface="Arial" panose="020B0604020202020204"/>
               </a:rPr>
               <a:t>HashCode</a:t>
             </a:r>
             <a:r>
-              <a:rPr lang="en-US" sz="2200" b="0" strike="noStrike" spc="-1" dirty="0">
+              <a:rPr lang="en-US" sz="1600" b="0" strike="noStrike" spc="-1" dirty="0">
                 <a:latin typeface="Arial" panose="020B0604020202020204"/>
               </a:rPr>
               <a:t> </a:t>
             </a:r>
             <a:r>
-              <a:rPr lang="en-US" sz="2200" b="0" strike="noStrike" spc="-1" dirty="0" err="1">
+              <a:rPr lang="en-US" sz="1600" b="0" strike="noStrike" spc="-1" dirty="0" err="1">
                 <a:latin typeface="Arial" panose="020B0604020202020204"/>
               </a:rPr>
               <a:t>vs</a:t>
             </a:r>
             <a:r>
-              <a:rPr lang="en-US" sz="2200" b="0" strike="noStrike" spc="-1" dirty="0">
+              <a:rPr lang="en-US" sz="1600" b="0" strike="noStrike" spc="-1" dirty="0">
                 <a:latin typeface="Arial" panose="020B0604020202020204"/>
               </a:rPr>
               <a:t> Equals</a:t>
@@ -2098,19 +2100,19 @@
               <a:buChar char=""/>
             </a:pPr>
             <a:r>
-              <a:rPr lang="en-US" sz="2200" b="0" strike="noStrike" spc="-1" dirty="0">
+              <a:rPr lang="en-US" sz="1600" b="0" strike="noStrike" spc="-1" dirty="0">
                 <a:latin typeface="Arial" panose="020B0604020202020204"/>
               </a:rPr>
               <a:t>How to </a:t>
             </a:r>
             <a:r>
-              <a:rPr lang="en-US" sz="2200" b="0" strike="noStrike" spc="-1" dirty="0" err="1">
+              <a:rPr lang="en-US" sz="1600" b="0" strike="noStrike" spc="-1" dirty="0" err="1">
                 <a:latin typeface="Arial" panose="020B0604020202020204"/>
               </a:rPr>
               <a:t>init</a:t>
             </a:r>
             <a:r>
-              <a:rPr lang="en-US" sz="2200" b="0" strike="noStrike" spc="-1" dirty="0">
+              <a:rPr lang="en-US" sz="1600" b="0" strike="noStrike" spc="-1" dirty="0">
                 <a:latin typeface="Arial" panose="020B0604020202020204"/>
               </a:rPr>
               <a:t> object in Java?</a:t>
@@ -2135,30 +2137,30 @@
               <a:buChar char=""/>
             </a:pPr>
             <a:r>
-              <a:rPr lang="en-US" sz="2200" b="0" strike="noStrike" spc="-1" dirty="0">
+              <a:rPr lang="en-US" sz="1600" b="0" strike="noStrike" spc="-1" dirty="0">
                 <a:latin typeface="Arial" panose="020B0604020202020204"/>
               </a:rPr>
               <a:t>String Pool, </a:t>
             </a:r>
             <a:r>
-              <a:rPr lang="en-US" sz="2200" b="0" strike="noStrike" spc="-1" dirty="0" err="1">
+              <a:rPr lang="en-US" sz="1600" b="0" strike="noStrike" spc="-1" dirty="0" err="1">
                 <a:latin typeface="Arial" panose="020B0604020202020204"/>
               </a:rPr>
               <a:t>StringBuffer</a:t>
             </a:r>
             <a:r>
-              <a:rPr lang="en-US" sz="2200" b="0" strike="noStrike" spc="-1" dirty="0">
+              <a:rPr lang="en-US" sz="1600" b="0" strike="noStrike" spc="-1" dirty="0">
                 <a:latin typeface="Arial" panose="020B0604020202020204"/>
               </a:rPr>
               <a:t>, </a:t>
             </a:r>
             <a:r>
-              <a:rPr lang="en-US" sz="2200" b="0" strike="noStrike" spc="-1" dirty="0" err="1">
+              <a:rPr lang="en-US" sz="1600" b="0" strike="noStrike" spc="-1" dirty="0" err="1">
                 <a:latin typeface="Arial" panose="020B0604020202020204"/>
               </a:rPr>
               <a:t>StringBuilder</a:t>
             </a:r>
-            <a:endParaRPr lang="en-US" sz="2200" b="0" strike="noStrike" spc="-1" dirty="0">
+            <a:endParaRPr lang="en-US" sz="1600" b="0" strike="noStrike" spc="-1" dirty="0">
               <a:latin typeface="Arial" panose="020B0604020202020204"/>
             </a:endParaRPr>
           </a:p>
@@ -2181,7 +2183,7 @@
               <a:buChar char=""/>
             </a:pPr>
             <a:r>
-              <a:rPr lang="en-US" sz="2200" b="0" strike="noStrike" spc="-1" dirty="0">
+              <a:rPr lang="en-US" sz="1600" b="0" strike="noStrike" spc="-1" dirty="0">
                 <a:latin typeface="Arial" panose="020B0604020202020204"/>
               </a:rPr>
               <a:t>Exception</a:t>
@@ -2206,7 +2208,7 @@
               <a:buChar char=""/>
             </a:pPr>
             <a:r>
-              <a:rPr lang="en-US" sz="2200" b="0" strike="noStrike" spc="-1" dirty="0">
+              <a:rPr lang="en-US" sz="1600" b="0" strike="noStrike" spc="-1" dirty="0">
                 <a:latin typeface="Arial" panose="020B0604020202020204"/>
               </a:rPr>
               <a:t>Database Index</a:t>
@@ -2231,7 +2233,7 @@
               <a:buChar char=""/>
             </a:pPr>
             <a:r>
-              <a:rPr lang="en-US" sz="2200" b="0" strike="noStrike" spc="-1" dirty="0">
+              <a:rPr lang="en-US" sz="1600" b="0" strike="noStrike" spc="-1" dirty="0">
                 <a:latin typeface="Arial" panose="020B0604020202020204"/>
               </a:rPr>
               <a:t>Java 8</a:t>
@@ -2256,13 +2258,13 @@
               <a:buChar char=""/>
             </a:pPr>
             <a:r>
-              <a:rPr lang="en-US" sz="2200" b="0" strike="noStrike" spc="-1" dirty="0">
+              <a:rPr lang="en-US" sz="1600" b="0" strike="noStrike" spc="-1" dirty="0">
                 <a:latin typeface="Arial" panose="020B0604020202020204"/>
               </a:rPr>
               <a:t>Java </a:t>
             </a:r>
             <a:r>
-              <a:rPr lang="en-US" sz="2200" b="0" strike="noStrike" spc="-1" dirty="0" smtClean="0">
+              <a:rPr lang="en-US" sz="1600" b="0" strike="noStrike" spc="-1" dirty="0" smtClean="0">
                 <a:latin typeface="Arial" panose="020B0604020202020204"/>
               </a:rPr>
               <a:t>9</a:t>
@@ -2287,7 +2289,7 @@
               <a:buChar char=""/>
             </a:pPr>
             <a:r>
-              <a:rPr lang="en-US" sz="2200" spc="-1" dirty="0" smtClean="0">
+              <a:rPr lang="en-US" sz="1600" spc="-1" dirty="0" smtClean="0">
                 <a:latin typeface="Arial" panose="020B0604020202020204"/>
               </a:rPr>
               <a:t>Serialization</a:t>
@@ -2312,14 +2314,20 @@
               <a:buChar char=""/>
             </a:pPr>
             <a:r>
-              <a:rPr lang="en-US" sz="2200" spc="-1" dirty="0" smtClean="0">
-                <a:latin typeface="Arial" panose="020B0604020202020204"/>
-              </a:rPr>
-              <a:t>Static, Final</a:t>
-            </a:r>
-          </a:p>
-          <a:p>
-            <a:pPr>
+              <a:rPr lang="en-US" sz="1600" spc="-1" dirty="0" smtClean="0">
+                <a:latin typeface="Arial" panose="020B0604020202020204"/>
+              </a:rPr>
+              <a:t>Static, </a:t>
+            </a:r>
+            <a:r>
+              <a:rPr lang="en-US" sz="1600" spc="-1" dirty="0" smtClean="0">
+                <a:latin typeface="Arial" panose="020B0604020202020204"/>
+              </a:rPr>
+              <a:t>Final</a:t>
+            </a:r>
+          </a:p>
+          <a:p>
+            <a:pPr marL="215900" indent="-215900">
               <a:lnSpc>
                 <a:spcPct val="115000"/>
               </a:lnSpc>
@@ -2333,12 +2341,40 @@
                 <a:srgbClr val="000000"/>
               </a:buClr>
               <a:buSzPct val="45000"/>
-            </a:pPr>
-            <a:endParaRPr lang="en-US" sz="2200" b="0" strike="noStrike" spc="-1" dirty="0">
+              <a:buFont typeface="Wingdings" panose="05000000000000000000" pitchFamily="2" charset="2"/>
+              <a:buChar char=""/>
+            </a:pPr>
+            <a:r>
+              <a:rPr lang="en-US" sz="1600" spc="-1" dirty="0" smtClean="0">
+                <a:latin typeface="Arial" panose="020B0604020202020204"/>
+              </a:rPr>
+              <a:t>Annotation</a:t>
+            </a:r>
+            <a:endParaRPr lang="en-US" sz="1600" spc="-1" dirty="0" smtClean="0">
               <a:latin typeface="Arial" panose="020B0604020202020204"/>
             </a:endParaRPr>
           </a:p>
           <a:p>
+            <a:pPr>
+              <a:lnSpc>
+                <a:spcPct val="115000"/>
+              </a:lnSpc>
+              <a:spcBef>
+                <a:spcPts val="580"/>
+              </a:spcBef>
+              <a:spcAft>
+                <a:spcPts val="580"/>
+              </a:spcAft>
+              <a:buClr>
+                <a:srgbClr val="000000"/>
+              </a:buClr>
+              <a:buSzPct val="45000"/>
+            </a:pPr>
+            <a:endParaRPr lang="en-US" sz="1600" b="0" strike="noStrike" spc="-1" dirty="0">
+              <a:latin typeface="Arial" panose="020B0604020202020204"/>
+            </a:endParaRPr>
+          </a:p>
+          <a:p>
             <a:pPr marL="215900" indent="-215900">
               <a:lnSpc>
                 <a:spcPct val="115000"/>
@@ -2356,7 +2392,7 @@
               <a:buFont typeface="Wingdings" panose="05000000000000000000" pitchFamily="2" charset="2"/>
               <a:buChar char=""/>
             </a:pPr>
-            <a:endParaRPr lang="en-US" sz="2200" b="0" strike="noStrike" spc="-1" dirty="0">
+            <a:endParaRPr lang="en-US" sz="1600" b="0" strike="noStrike" spc="-1" dirty="0">
               <a:latin typeface="Arial" panose="020B0604020202020204"/>
             </a:endParaRPr>
           </a:p>
@@ -4559,6 +4595,514 @@
       <p:transition spd="slow"/>
     </mc:Fallback>
   </mc:AlternateContent>
+</p:sld>
+</file>
+
+<file path=ppt/slides/slide20.xml><?xml version="1.0" encoding="utf-8"?>
+<p:sld xmlns:a="http://schemas.openxmlformats.org/drawingml/2006/main" xmlns:r="http://schemas.openxmlformats.org/officeDocument/2006/relationships" xmlns:p="http://schemas.openxmlformats.org/presentationml/2006/main">
+  <p:cSld>
+    <p:spTree>
+      <p:nvGrpSpPr>
+        <p:cNvPr id="1" name=""/>
+        <p:cNvGrpSpPr/>
+        <p:nvPr/>
+      </p:nvGrpSpPr>
+      <p:grpSpPr>
+        <a:xfrm>
+          <a:off x="0" y="0"/>
+          <a:ext cx="0" cy="0"/>
+          <a:chOff x="0" y="0"/>
+          <a:chExt cx="0" cy="0"/>
+        </a:xfrm>
+      </p:grpSpPr>
+      <p:sp>
+        <p:nvSpPr>
+          <p:cNvPr id="81" name="TextShape 1"/>
+          <p:cNvSpPr txBox="1"/>
+          <p:nvPr/>
+        </p:nvSpPr>
+        <p:spPr>
+          <a:xfrm>
+            <a:off x="504000" y="343080"/>
+            <a:ext cx="9071640" cy="712439"/>
+          </a:xfrm>
+          <a:prstGeom prst="rect">
+            <a:avLst/>
+          </a:prstGeom>
+          <a:noFill/>
+          <a:ln>
+            <a:noFill/>
+          </a:ln>
+        </p:spPr>
+        <p:txBody>
+          <a:bodyPr lIns="0" tIns="0" rIns="0" bIns="0" anchor="ctr">
+            <a:spAutoFit/>
+          </a:bodyPr>
+          <a:lstStyle/>
+          <a:p>
+            <a:pPr indent="0" algn="ctr">
+              <a:lnSpc>
+                <a:spcPct val="115000"/>
+              </a:lnSpc>
+              <a:spcBef>
+                <a:spcPts val="580"/>
+              </a:spcBef>
+              <a:spcAft>
+                <a:spcPts val="580"/>
+              </a:spcAft>
+              <a:buClr>
+                <a:srgbClr val="000000"/>
+              </a:buClr>
+              <a:buSzPct val="45000"/>
+              <a:buFont typeface="Wingdings" panose="05000000000000000000" pitchFamily="2" charset="2"/>
+              <a:buNone/>
+            </a:pPr>
+            <a:r>
+              <a:rPr lang="en-US" sz="4400" b="1" spc="-1" dirty="0" smtClean="0"/>
+              <a:t>Annotation</a:t>
+            </a:r>
+            <a:endParaRPr lang="en-US" sz="4400" b="1" strike="noStrike" spc="-1" dirty="0">
+              <a:latin typeface="Arial" panose="020B0604020202020204"/>
+            </a:endParaRPr>
+          </a:p>
+        </p:txBody>
+      </p:sp>
+      <p:sp>
+        <p:nvSpPr>
+          <p:cNvPr id="2" name="Text Box 1"/>
+          <p:cNvSpPr txBox="1"/>
+          <p:nvPr/>
+        </p:nvSpPr>
+        <p:spPr>
+          <a:xfrm>
+            <a:off x="919480" y="1115541"/>
+            <a:ext cx="7607300" cy="6494085"/>
+          </a:xfrm>
+          <a:prstGeom prst="rect">
+            <a:avLst/>
+          </a:prstGeom>
+          <a:noFill/>
+        </p:spPr>
+        <p:txBody>
+          <a:bodyPr wrap="square" rtlCol="0" anchor="t">
+            <a:spAutoFit/>
+          </a:bodyPr>
+          <a:lstStyle/>
+          <a:p>
+            <a:r>
+              <a:rPr lang="vi-VN" sz="1600" b="1" dirty="0"/>
+              <a:t>Annotation</a:t>
+            </a:r>
+            <a:r>
+              <a:rPr lang="vi-VN" sz="1600" dirty="0"/>
+              <a:t> được hiểu là một dạng </a:t>
+            </a:r>
+            <a:r>
+              <a:rPr lang="vi-VN" sz="1600" b="1" dirty="0"/>
+              <a:t>chú thích</a:t>
+            </a:r>
+            <a:r>
+              <a:rPr lang="vi-VN" sz="1600" dirty="0"/>
+              <a:t> hoặc  một </a:t>
+            </a:r>
+            <a:r>
+              <a:rPr lang="en-US" sz="1600" dirty="0" err="1" smtClean="0"/>
+              <a:t>loai</a:t>
+            </a:r>
+            <a:r>
+              <a:rPr lang="en-US" sz="1600" dirty="0" smtClean="0"/>
+              <a:t> </a:t>
+            </a:r>
+            <a:r>
+              <a:rPr lang="vi-VN" sz="1600" dirty="0" smtClean="0"/>
+              <a:t>metadata</a:t>
+            </a:r>
+            <a:r>
+              <a:rPr lang="en-US" sz="1600" dirty="0" smtClean="0"/>
+              <a:t> </a:t>
+            </a:r>
+            <a:r>
+              <a:rPr lang="vi-VN" sz="1600" dirty="0" smtClean="0"/>
+              <a:t>được </a:t>
+            </a:r>
+            <a:r>
+              <a:rPr lang="vi-VN" sz="1600" dirty="0"/>
+              <a:t>dùng để cung cấp thông tin dữ liệu cho </a:t>
+            </a:r>
+            <a:r>
+              <a:rPr lang="en-US" sz="1600" dirty="0" smtClean="0"/>
+              <a:t>code </a:t>
+            </a:r>
+            <a:r>
+              <a:rPr lang="vi-VN" sz="1600" dirty="0" smtClean="0"/>
+              <a:t>Java</a:t>
+            </a:r>
+            <a:r>
+              <a:rPr lang="vi-VN" sz="1600" dirty="0"/>
+              <a:t>. Các chú thích không có ảnh hưởng trực tiếp đến hoạt động của mã mà chúng chú thích. Annotation được thêm vào Java từ Java 5. Các Annotation được sử dụng trong mã nguồn sẽ được biên dịch thành bytecode và sử dụng kỹ thuật phản chiếu (</a:t>
+            </a:r>
+            <a:r>
+              <a:rPr lang="vi-VN" sz="1600" i="1" dirty="0"/>
+              <a:t>Reflection</a:t>
+            </a:r>
+            <a:r>
+              <a:rPr lang="vi-VN" sz="1600" dirty="0"/>
+              <a:t>) để truy vấn thông tin siêu dữ liệu và đưa ra hành động thích </a:t>
+            </a:r>
+            <a:r>
+              <a:rPr lang="vi-VN" sz="1600" dirty="0" smtClean="0"/>
+              <a:t>hợp</a:t>
+            </a:r>
+            <a:endParaRPr lang="en-US" sz="1600" dirty="0" smtClean="0"/>
+          </a:p>
+          <a:p>
+            <a:endParaRPr lang="en-US" sz="1600" dirty="0"/>
+          </a:p>
+          <a:p>
+            <a:r>
+              <a:rPr lang="vi-VN" sz="1600" dirty="0"/>
+              <a:t>Java Annotation có hai loại:</a:t>
+            </a:r>
+          </a:p>
+          <a:p>
+            <a:pPr lvl="1"/>
+            <a:r>
+              <a:rPr lang="vi-VN" sz="1600" dirty="0"/>
+              <a:t>Các Annotation được tích hợp sẵn.</a:t>
+            </a:r>
+          </a:p>
+          <a:p>
+            <a:pPr lvl="1"/>
+            <a:r>
+              <a:rPr lang="vi-VN" sz="1600" dirty="0"/>
+              <a:t>Annotation do người dùng tự định nghĩa</a:t>
+            </a:r>
+            <a:r>
+              <a:rPr lang="vi-VN" sz="1600" dirty="0" smtClean="0"/>
+              <a:t>.</a:t>
+            </a:r>
+            <a:endParaRPr lang="en-US" sz="1600" dirty="0" smtClean="0"/>
+          </a:p>
+          <a:p>
+            <a:endParaRPr lang="en-US" sz="1600" dirty="0"/>
+          </a:p>
+          <a:p>
+            <a:r>
+              <a:rPr lang="vi-VN" sz="1600" b="1" dirty="0"/>
+              <a:t>@Target:</a:t>
+            </a:r>
+            <a:r>
+              <a:rPr lang="vi-VN" sz="1600" dirty="0"/>
+              <a:t> Dùng để chú thích </a:t>
+            </a:r>
+            <a:r>
+              <a:rPr lang="vi-VN" sz="1600" b="1" dirty="0"/>
+              <a:t>phạm vi sử dụng</a:t>
+            </a:r>
+            <a:r>
+              <a:rPr lang="vi-VN" sz="1600" dirty="0"/>
+              <a:t> của một Annotation.  Các chú thích này đã được định nghĩa trong enum</a:t>
+            </a:r>
+            <a:r>
+              <a:rPr lang="vi-VN" sz="1600" b="1" dirty="0"/>
+              <a:t> java.lang.annotation.ElementType</a:t>
+            </a:r>
+            <a:r>
+              <a:rPr lang="vi-VN" sz="1600" dirty="0"/>
+              <a:t>:</a:t>
+            </a:r>
+          </a:p>
+          <a:p>
+            <a:endParaRPr lang="en-US" sz="1600" dirty="0" smtClean="0"/>
+          </a:p>
+          <a:p>
+            <a:r>
+              <a:rPr lang="vi-VN" sz="1600" b="1" dirty="0"/>
+              <a:t>@Retention: </a:t>
+            </a:r>
+            <a:r>
+              <a:rPr lang="vi-VN" sz="1600" dirty="0"/>
+              <a:t>Dùng để chú thích </a:t>
+            </a:r>
+            <a:r>
+              <a:rPr lang="vi-VN" sz="1600" b="1" dirty="0"/>
+              <a:t>mức độ tồn tại</a:t>
+            </a:r>
+            <a:r>
+              <a:rPr lang="vi-VN" sz="1600" dirty="0"/>
+              <a:t> của một Annotation nào đó. Cụ thể có 3 mức nhận thức tồn tại của vật được chú thích, và được định nghĩa trong enum </a:t>
+            </a:r>
+            <a:r>
+              <a:rPr lang="vi-VN" sz="1600" b="1" dirty="0"/>
+              <a:t>java.lang.annotation.RetentionPolicy</a:t>
+            </a:r>
+            <a:r>
+              <a:rPr lang="vi-VN" sz="1600" dirty="0"/>
+              <a:t>:</a:t>
+            </a:r>
+          </a:p>
+          <a:p>
+            <a:endParaRPr lang="en-US" sz="1600" dirty="0" smtClean="0"/>
+          </a:p>
+          <a:p>
+            <a:r>
+              <a:rPr lang="vi-VN" sz="1600" b="1" dirty="0"/>
+              <a:t>@Inherited: </a:t>
+            </a:r>
+            <a:r>
+              <a:rPr lang="vi-VN" sz="1600" dirty="0"/>
+              <a:t>Chú thích này chỉ ra rằng chú thích mới nên được bao gồm trong tài liệu Java được tạo ra bởi các công cụ tạo tài liệu Java.</a:t>
+            </a:r>
+          </a:p>
+          <a:p>
+            <a:r>
+              <a:rPr lang="vi-VN" sz="1600" b="1" dirty="0"/>
+              <a:t>@Documented: C</a:t>
+            </a:r>
+            <a:r>
+              <a:rPr lang="vi-VN" sz="1600" dirty="0"/>
+              <a:t>hú thích chỉ ra rằng loại chú thích có thể được kế thừa từ lớp cha và có giá trị mặc định là </a:t>
+            </a:r>
+            <a:r>
+              <a:rPr lang="vi-VN" sz="1600" b="1" dirty="0"/>
+              <a:t>false</a:t>
+            </a:r>
+            <a:r>
+              <a:rPr lang="vi-VN" sz="1600" dirty="0"/>
+              <a:t>. Khi người dùng truy vấn kiểu Annotation của lớp con và lớp con không có chú thích cho kiểu này thì lớp cha của lớp được truy vấn cho loại chú thích sẽ được gọi. Chú thích này chỉ áp dụng cho các khai báo class</a:t>
+            </a:r>
+            <a:r>
+              <a:rPr lang="vi-VN" sz="1600" dirty="0" smtClean="0"/>
+              <a:t>.</a:t>
+            </a:r>
+            <a:endParaRPr lang="vi-VN" sz="1600" dirty="0"/>
+          </a:p>
+        </p:txBody>
+      </p:sp>
+    </p:spTree>
+    <p:extLst>
+      <p:ext uri="{BB962C8B-B14F-4D97-AF65-F5344CB8AC3E}">
+        <p14:creationId xmlns:p14="http://schemas.microsoft.com/office/powerpoint/2010/main" val="3646603039"/>
+      </p:ext>
+    </p:extLst>
+  </p:cSld>
+  <p:clrMapOvr>
+    <a:masterClrMapping/>
+  </p:clrMapOvr>
+  <mc:AlternateContent xmlns:mc="http://schemas.openxmlformats.org/markup-compatibility/2006" xmlns:p14="http://schemas.microsoft.com/office/powerpoint/2010/main">
+    <mc:Choice Requires="p14">
+      <p:transition spd="slow" p14:dur="2000"/>
+    </mc:Choice>
+    <mc:Fallback xmlns="">
+      <p:transition spd="slow"/>
+    </mc:Fallback>
+  </mc:AlternateContent>
+  <p:timing>
+    <p:tnLst>
+      <p:par>
+        <p:cTn id="1" dur="indefinite" restart="never" nodeType="tmRoot"/>
+      </p:par>
+    </p:tnLst>
+  </p:timing>
+</p:sld>
+</file>
+
+<file path=ppt/slides/slide21.xml><?xml version="1.0" encoding="utf-8"?>
+<p:sld xmlns:a="http://schemas.openxmlformats.org/drawingml/2006/main" xmlns:r="http://schemas.openxmlformats.org/officeDocument/2006/relationships" xmlns:p="http://schemas.openxmlformats.org/presentationml/2006/main">
+  <p:cSld>
+    <p:spTree>
+      <p:nvGrpSpPr>
+        <p:cNvPr id="1" name=""/>
+        <p:cNvGrpSpPr/>
+        <p:nvPr/>
+      </p:nvGrpSpPr>
+      <p:grpSpPr>
+        <a:xfrm>
+          <a:off x="0" y="0"/>
+          <a:ext cx="0" cy="0"/>
+          <a:chOff x="0" y="0"/>
+          <a:chExt cx="0" cy="0"/>
+        </a:xfrm>
+      </p:grpSpPr>
+      <p:sp>
+        <p:nvSpPr>
+          <p:cNvPr id="81" name="TextShape 1"/>
+          <p:cNvSpPr txBox="1"/>
+          <p:nvPr/>
+        </p:nvSpPr>
+        <p:spPr>
+          <a:xfrm>
+            <a:off x="504000" y="343080"/>
+            <a:ext cx="9071640" cy="712439"/>
+          </a:xfrm>
+          <a:prstGeom prst="rect">
+            <a:avLst/>
+          </a:prstGeom>
+          <a:noFill/>
+          <a:ln>
+            <a:noFill/>
+          </a:ln>
+        </p:spPr>
+        <p:txBody>
+          <a:bodyPr lIns="0" tIns="0" rIns="0" bIns="0" anchor="ctr">
+            <a:spAutoFit/>
+          </a:bodyPr>
+          <a:lstStyle/>
+          <a:p>
+            <a:pPr algn="ctr">
+              <a:lnSpc>
+                <a:spcPct val="115000"/>
+              </a:lnSpc>
+              <a:spcBef>
+                <a:spcPts val="580"/>
+              </a:spcBef>
+              <a:spcAft>
+                <a:spcPts val="580"/>
+              </a:spcAft>
+              <a:buClr>
+                <a:srgbClr val="000000"/>
+              </a:buClr>
+              <a:buSzPct val="45000"/>
+            </a:pPr>
+            <a:r>
+              <a:rPr lang="en-US" sz="4400" b="1" dirty="0" err="1"/>
+              <a:t>Khởi</a:t>
+            </a:r>
+            <a:r>
+              <a:rPr lang="en-US" sz="4400" b="1" dirty="0"/>
+              <a:t> </a:t>
+            </a:r>
+            <a:r>
+              <a:rPr lang="en-US" sz="4400" b="1" dirty="0" err="1"/>
+              <a:t>tạo</a:t>
+            </a:r>
+            <a:r>
+              <a:rPr lang="en-US" sz="4400" b="1" dirty="0"/>
+              <a:t> </a:t>
+            </a:r>
+            <a:r>
+              <a:rPr lang="en-US" sz="4400" b="1" dirty="0" smtClean="0"/>
+              <a:t>Annotation</a:t>
+            </a:r>
+            <a:endParaRPr lang="en-US" sz="4400" b="1" dirty="0"/>
+          </a:p>
+        </p:txBody>
+      </p:sp>
+      <p:sp>
+        <p:nvSpPr>
+          <p:cNvPr id="2" name="Text Box 1"/>
+          <p:cNvSpPr txBox="1"/>
+          <p:nvPr/>
+        </p:nvSpPr>
+        <p:spPr>
+          <a:xfrm>
+            <a:off x="919480" y="1115541"/>
+            <a:ext cx="7607300" cy="2800767"/>
+          </a:xfrm>
+          <a:prstGeom prst="rect">
+            <a:avLst/>
+          </a:prstGeom>
+          <a:noFill/>
+        </p:spPr>
+        <p:txBody>
+          <a:bodyPr wrap="square" rtlCol="0" anchor="t">
+            <a:spAutoFit/>
+          </a:bodyPr>
+          <a:lstStyle/>
+          <a:p>
+            <a:r>
+              <a:rPr lang="vi-VN" sz="1600" dirty="0"/>
+              <a:t>Annotation khá giống một </a:t>
+            </a:r>
+            <a:r>
+              <a:rPr lang="vi-VN" sz="1600" i="1" dirty="0"/>
+              <a:t>interface</a:t>
+            </a:r>
+            <a:r>
+              <a:rPr lang="vi-VN" sz="1600" dirty="0"/>
+              <a:t>, để khai báo một Annotation chúng ta sử dụng </a:t>
+            </a:r>
+            <a:r>
+              <a:rPr lang="vi-VN" sz="1600" b="1" dirty="0"/>
+              <a:t>@interface</a:t>
+            </a:r>
+            <a:r>
+              <a:rPr lang="vi-VN" sz="1600" dirty="0"/>
+              <a:t>. Annotation có thể có hoặc không có các phần tử (element) trong đó.</a:t>
+            </a:r>
+          </a:p>
+          <a:p>
+            <a:r>
+              <a:rPr lang="vi-VN" sz="1600" dirty="0"/>
+              <a:t>Một phần tử của Annotation có các đặc điểm như sau:</a:t>
+            </a:r>
+          </a:p>
+          <a:p>
+            <a:r>
+              <a:rPr lang="vi-VN" sz="1600" dirty="0"/>
+              <a:t>Không có thân hàm</a:t>
+            </a:r>
+          </a:p>
+          <a:p>
+            <a:r>
+              <a:rPr lang="vi-VN" sz="1600" dirty="0"/>
+              <a:t>Không có tham số hàm</a:t>
+            </a:r>
+          </a:p>
+          <a:p>
+            <a:r>
+              <a:rPr lang="vi-VN" sz="1600" dirty="0"/>
+              <a:t>Khai báo trả về phải là một kiểu dữ liệu cụ thể (Kiểu nguyên thủy, Enum, Annotation hoặc Class).</a:t>
+            </a:r>
+          </a:p>
+          <a:p>
+            <a:r>
+              <a:rPr lang="vi-VN" sz="1600" dirty="0"/>
+              <a:t>Có thể có giá trị mặc định.</a:t>
+            </a:r>
+          </a:p>
+          <a:p>
+            <a:r>
+              <a:rPr lang="vi-VN" sz="1600" dirty="0"/>
+              <a:t>Một Annotation sẽ đượng định nghĩa bởi các </a:t>
+            </a:r>
+            <a:r>
+              <a:rPr lang="vi-VN" sz="1600" b="1" dirty="0"/>
+              <a:t>Meta-Annotations</a:t>
+            </a:r>
+            <a:r>
+              <a:rPr lang="vi-VN" sz="1600" dirty="0"/>
+              <a:t>. Các Meta-Annotations gồm @Retention, @Target, @Documented, @Inherited. </a:t>
+            </a:r>
+            <a:endParaRPr lang="en-US" sz="1600" dirty="0" smtClean="0"/>
+          </a:p>
+        </p:txBody>
+      </p:sp>
+    </p:spTree>
+    <p:extLst>
+      <p:ext uri="{BB962C8B-B14F-4D97-AF65-F5344CB8AC3E}">
+        <p14:creationId xmlns:p14="http://schemas.microsoft.com/office/powerpoint/2010/main" val="3248214691"/>
+      </p:ext>
+    </p:extLst>
+  </p:cSld>
+  <p:clrMapOvr>
+    <a:masterClrMapping/>
+  </p:clrMapOvr>
+  <mc:AlternateContent xmlns:mc="http://schemas.openxmlformats.org/markup-compatibility/2006" xmlns:p14="http://schemas.microsoft.com/office/powerpoint/2010/main">
+    <mc:Choice Requires="p14">
+      <p:transition spd="slow" p14:dur="2000"/>
+    </mc:Choice>
+    <mc:Fallback xmlns="">
+      <p:transition spd="slow"/>
+    </mc:Fallback>
+  </mc:AlternateContent>
+  <p:timing>
+    <p:tnLst>
+      <p:par>
+        <p:cTn id="1" dur="indefinite" restart="never" nodeType="tmRoot"/>
+      </p:par>
+    </p:tnLst>
+  </p:timing>
 </p:sld>
 </file>
 
@@ -6185,7 +6729,7 @@
   <a:extraClrSchemeLst/>
   <a:extLst>
     <a:ext uri="{05A4C25C-085E-4340-85A3-A5531E510DB2}">
-      <thm15:themeFamily xmlns:thm15="http://schemas.microsoft.com/office/thememl/2012/main" xmlns="" name="Office Theme" id="{62F939B6-93AF-4DB8-9C6B-D6C7DFDC589F}" vid="{4A3C46E8-61CC-4603-A589-7422A47A8E4A}"/>
+      <thm15:themeFamily xmlns="" xmlns:thm15="http://schemas.microsoft.com/office/thememl/2012/main" name="Office Theme" id="{62F939B6-93AF-4DB8-9C6B-D6C7DFDC589F}" vid="{4A3C46E8-61CC-4603-A589-7422A47A8E4A}"/>
     </a:ext>
   </a:extLst>
 </a:theme>
